--- a/Bao-cao-QLDA/Nhom-6_SVN.pptx
+++ b/Bao-cao-QLDA/Nhom-6_SVN.pptx
@@ -6111,9 +6111,16 @@
             <p:ph idx="1"/>
           </p:nvPr>
         </p:nvSpPr>
-        <p:spPr/>
+        <p:spPr>
+          <a:xfrm>
+            <a:off x="677334" y="1490738"/>
+            <a:ext cx="8596668" cy="3880773"/>
+          </a:xfrm>
+        </p:spPr>
         <p:txBody>
-          <a:bodyPr/>
+          <a:bodyPr>
+            <a:normAutofit/>
+          </a:bodyPr>
           <a:lstStyle/>
           <a:p>
             <a:pPr>
@@ -6121,112 +6128,112 @@
               <a:buChar char="Ø"/>
             </a:pPr>
             <a:r>
-              <a:rPr lang="en-US" dirty="0" err="1">
+              <a:rPr lang="en-US" sz="2800" dirty="0" err="1">
                 <a:latin typeface="Arial" panose="020B0604020202020204" pitchFamily="34" charset="0"/>
                 <a:cs typeface="Arial" panose="020B0604020202020204" pitchFamily="34" charset="0"/>
               </a:rPr>
               <a:t>Thông</a:t>
             </a:r>
             <a:r>
-              <a:rPr lang="en-US" dirty="0">
-                <a:latin typeface="Arial" panose="020B0604020202020204" pitchFamily="34" charset="0"/>
-                <a:cs typeface="Arial" panose="020B0604020202020204" pitchFamily="34" charset="0"/>
-              </a:rPr>
-              <a:t> </a:t>
-            </a:r>
-            <a:r>
-              <a:rPr lang="en-US" dirty="0" err="1">
+              <a:rPr lang="en-US" sz="2800" dirty="0">
+                <a:latin typeface="Arial" panose="020B0604020202020204" pitchFamily="34" charset="0"/>
+                <a:cs typeface="Arial" panose="020B0604020202020204" pitchFamily="34" charset="0"/>
+              </a:rPr>
+              <a:t> </a:t>
+            </a:r>
+            <a:r>
+              <a:rPr lang="en-US" sz="2800" dirty="0" err="1">
                 <a:latin typeface="Arial" panose="020B0604020202020204" pitchFamily="34" charset="0"/>
                 <a:cs typeface="Arial" panose="020B0604020202020204" pitchFamily="34" charset="0"/>
               </a:rPr>
               <a:t>thường</a:t>
             </a:r>
             <a:r>
-              <a:rPr lang="en-US" dirty="0">
+              <a:rPr lang="en-US" sz="2800" dirty="0">
                 <a:latin typeface="Arial" panose="020B0604020202020204" pitchFamily="34" charset="0"/>
                 <a:cs typeface="Arial" panose="020B0604020202020204" pitchFamily="34" charset="0"/>
               </a:rPr>
               <a:t>, client </a:t>
             </a:r>
             <a:r>
-              <a:rPr lang="en-US" dirty="0" err="1">
+              <a:rPr lang="en-US" sz="2800" dirty="0" err="1">
                 <a:latin typeface="Arial" panose="020B0604020202020204" pitchFamily="34" charset="0"/>
                 <a:cs typeface="Arial" panose="020B0604020202020204" pitchFamily="34" charset="0"/>
               </a:rPr>
               <a:t>và</a:t>
             </a:r>
             <a:r>
-              <a:rPr lang="en-US" dirty="0">
+              <a:rPr lang="en-US" sz="2800" dirty="0">
                 <a:latin typeface="Arial" panose="020B0604020202020204" pitchFamily="34" charset="0"/>
                 <a:cs typeface="Arial" panose="020B0604020202020204" pitchFamily="34" charset="0"/>
               </a:rPr>
               <a:t> server </a:t>
             </a:r>
             <a:r>
-              <a:rPr lang="en-US" dirty="0" err="1">
+              <a:rPr lang="en-US" sz="2800" dirty="0" err="1">
                 <a:latin typeface="Arial" panose="020B0604020202020204" pitchFamily="34" charset="0"/>
                 <a:cs typeface="Arial" panose="020B0604020202020204" pitchFamily="34" charset="0"/>
               </a:rPr>
               <a:t>kết</a:t>
             </a:r>
             <a:r>
-              <a:rPr lang="en-US" dirty="0">
-                <a:latin typeface="Arial" panose="020B0604020202020204" pitchFamily="34" charset="0"/>
-                <a:cs typeface="Arial" panose="020B0604020202020204" pitchFamily="34" charset="0"/>
-              </a:rPr>
-              <a:t> </a:t>
-            </a:r>
-            <a:r>
-              <a:rPr lang="en-US" dirty="0" err="1">
+              <a:rPr lang="en-US" sz="2800" dirty="0">
+                <a:latin typeface="Arial" panose="020B0604020202020204" pitchFamily="34" charset="0"/>
+                <a:cs typeface="Arial" panose="020B0604020202020204" pitchFamily="34" charset="0"/>
+              </a:rPr>
+              <a:t> </a:t>
+            </a:r>
+            <a:r>
+              <a:rPr lang="en-US" sz="2800" dirty="0" err="1">
                 <a:latin typeface="Arial" panose="020B0604020202020204" pitchFamily="34" charset="0"/>
                 <a:cs typeface="Arial" panose="020B0604020202020204" pitchFamily="34" charset="0"/>
               </a:rPr>
               <a:t>nối</a:t>
             </a:r>
             <a:r>
-              <a:rPr lang="en-US" dirty="0">
-                <a:latin typeface="Arial" panose="020B0604020202020204" pitchFamily="34" charset="0"/>
-                <a:cs typeface="Arial" panose="020B0604020202020204" pitchFamily="34" charset="0"/>
-              </a:rPr>
-              <a:t> </a:t>
-            </a:r>
-            <a:r>
-              <a:rPr lang="en-US" dirty="0" err="1">
+              <a:rPr lang="en-US" sz="2800" dirty="0">
+                <a:latin typeface="Arial" panose="020B0604020202020204" pitchFamily="34" charset="0"/>
+                <a:cs typeface="Arial" panose="020B0604020202020204" pitchFamily="34" charset="0"/>
+              </a:rPr>
+              <a:t> </a:t>
+            </a:r>
+            <a:r>
+              <a:rPr lang="en-US" sz="2800" dirty="0" err="1">
                 <a:latin typeface="Arial" panose="020B0604020202020204" pitchFamily="34" charset="0"/>
                 <a:cs typeface="Arial" panose="020B0604020202020204" pitchFamily="34" charset="0"/>
               </a:rPr>
               <a:t>thông</a:t>
             </a:r>
             <a:r>
-              <a:rPr lang="en-US" dirty="0">
+              <a:rPr lang="en-US" sz="2800" dirty="0">
                 <a:latin typeface="Arial" panose="020B0604020202020204" pitchFamily="34" charset="0"/>
                 <a:cs typeface="Arial" panose="020B0604020202020204" pitchFamily="34" charset="0"/>
               </a:rPr>
               <a:t> qua </a:t>
             </a:r>
             <a:r>
-              <a:rPr lang="en-US" dirty="0" err="1">
+              <a:rPr lang="en-US" sz="2800" dirty="0" err="1">
                 <a:latin typeface="Arial" panose="020B0604020202020204" pitchFamily="34" charset="0"/>
                 <a:cs typeface="Arial" panose="020B0604020202020204" pitchFamily="34" charset="0"/>
               </a:rPr>
               <a:t>mạng</a:t>
             </a:r>
             <a:r>
-              <a:rPr lang="en-US" dirty="0">
+              <a:rPr lang="en-US" sz="2800" dirty="0">
                 <a:latin typeface="Arial" panose="020B0604020202020204" pitchFamily="34" charset="0"/>
                 <a:cs typeface="Arial" panose="020B0604020202020204" pitchFamily="34" charset="0"/>
               </a:rPr>
               <a:t> LAN </a:t>
             </a:r>
             <a:r>
-              <a:rPr lang="en-US" dirty="0" err="1">
+              <a:rPr lang="en-US" sz="2800" dirty="0" err="1">
                 <a:latin typeface="Arial" panose="020B0604020202020204" pitchFamily="34" charset="0"/>
                 <a:cs typeface="Arial" panose="020B0604020202020204" pitchFamily="34" charset="0"/>
               </a:rPr>
               <a:t>hoặc</a:t>
             </a:r>
             <a:r>
-              <a:rPr lang="en-US" dirty="0">
+              <a:rPr lang="en-US" sz="2800" dirty="0">
                 <a:latin typeface="Arial" panose="020B0604020202020204" pitchFamily="34" charset="0"/>
                 <a:cs typeface="Arial" panose="020B0604020202020204" pitchFamily="34" charset="0"/>
               </a:rPr>
@@ -6239,427 +6246,427 @@
               <a:buChar char="Ø"/>
             </a:pPr>
             <a:r>
-              <a:rPr lang="en-US" dirty="0">
+              <a:rPr lang="en-US" sz="2800" dirty="0">
                 <a:latin typeface="Arial" panose="020B0604020202020204" pitchFamily="34" charset="0"/>
                 <a:cs typeface="Arial" panose="020B0604020202020204" pitchFamily="34" charset="0"/>
               </a:rPr>
               <a:t>Client </a:t>
             </a:r>
             <a:r>
-              <a:rPr lang="en-US" dirty="0" err="1">
+              <a:rPr lang="en-US" sz="2800" dirty="0" err="1">
                 <a:latin typeface="Arial" panose="020B0604020202020204" pitchFamily="34" charset="0"/>
                 <a:cs typeface="Arial" panose="020B0604020202020204" pitchFamily="34" charset="0"/>
               </a:rPr>
               <a:t>và</a:t>
             </a:r>
             <a:r>
-              <a:rPr lang="en-US" dirty="0">
+              <a:rPr lang="en-US" sz="2800" dirty="0">
                 <a:latin typeface="Arial" panose="020B0604020202020204" pitchFamily="34" charset="0"/>
                 <a:cs typeface="Arial" panose="020B0604020202020204" pitchFamily="34" charset="0"/>
               </a:rPr>
               <a:t> server </a:t>
             </a:r>
             <a:r>
-              <a:rPr lang="en-US" dirty="0" err="1">
+              <a:rPr lang="en-US" sz="2800" dirty="0" err="1">
                 <a:latin typeface="Arial" panose="020B0604020202020204" pitchFamily="34" charset="0"/>
                 <a:cs typeface="Arial" panose="020B0604020202020204" pitchFamily="34" charset="0"/>
               </a:rPr>
               <a:t>có</a:t>
             </a:r>
             <a:r>
-              <a:rPr lang="en-US" dirty="0">
-                <a:latin typeface="Arial" panose="020B0604020202020204" pitchFamily="34" charset="0"/>
-                <a:cs typeface="Arial" panose="020B0604020202020204" pitchFamily="34" charset="0"/>
-              </a:rPr>
-              <a:t> </a:t>
-            </a:r>
-            <a:r>
-              <a:rPr lang="en-US" dirty="0" err="1">
+              <a:rPr lang="en-US" sz="2800" dirty="0">
+                <a:latin typeface="Arial" panose="020B0604020202020204" pitchFamily="34" charset="0"/>
+                <a:cs typeface="Arial" panose="020B0604020202020204" pitchFamily="34" charset="0"/>
+              </a:rPr>
+              <a:t> </a:t>
+            </a:r>
+            <a:r>
+              <a:rPr lang="en-US" sz="2800" dirty="0" err="1">
                 <a:latin typeface="Arial" panose="020B0604020202020204" pitchFamily="34" charset="0"/>
                 <a:cs typeface="Arial" panose="020B0604020202020204" pitchFamily="34" charset="0"/>
               </a:rPr>
               <a:t>thể</a:t>
             </a:r>
             <a:r>
-              <a:rPr lang="en-US" dirty="0">
-                <a:latin typeface="Arial" panose="020B0604020202020204" pitchFamily="34" charset="0"/>
-                <a:cs typeface="Arial" panose="020B0604020202020204" pitchFamily="34" charset="0"/>
-              </a:rPr>
-              <a:t> </a:t>
-            </a:r>
-            <a:r>
-              <a:rPr lang="en-US" dirty="0" err="1">
+              <a:rPr lang="en-US" sz="2800" dirty="0">
+                <a:latin typeface="Arial" panose="020B0604020202020204" pitchFamily="34" charset="0"/>
+                <a:cs typeface="Arial" panose="020B0604020202020204" pitchFamily="34" charset="0"/>
+              </a:rPr>
+              <a:t> </a:t>
+            </a:r>
+            <a:r>
+              <a:rPr lang="en-US" sz="2800" dirty="0" err="1">
                 <a:latin typeface="Arial" panose="020B0604020202020204" pitchFamily="34" charset="0"/>
                 <a:cs typeface="Arial" panose="020B0604020202020204" pitchFamily="34" charset="0"/>
               </a:rPr>
               <a:t>cùng</a:t>
             </a:r>
             <a:r>
-              <a:rPr lang="en-US" dirty="0">
-                <a:latin typeface="Arial" panose="020B0604020202020204" pitchFamily="34" charset="0"/>
-                <a:cs typeface="Arial" panose="020B0604020202020204" pitchFamily="34" charset="0"/>
-              </a:rPr>
-              <a:t> </a:t>
-            </a:r>
-            <a:r>
-              <a:rPr lang="en-US" dirty="0" err="1">
+              <a:rPr lang="en-US" sz="2800" dirty="0">
+                <a:latin typeface="Arial" panose="020B0604020202020204" pitchFamily="34" charset="0"/>
+                <a:cs typeface="Arial" panose="020B0604020202020204" pitchFamily="34" charset="0"/>
+              </a:rPr>
+              <a:t> </a:t>
+            </a:r>
+            <a:r>
+              <a:rPr lang="en-US" sz="2800" dirty="0" err="1">
                 <a:latin typeface="Arial" panose="020B0604020202020204" pitchFamily="34" charset="0"/>
                 <a:cs typeface="Arial" panose="020B0604020202020204" pitchFamily="34" charset="0"/>
               </a:rPr>
               <a:t>chạy</a:t>
             </a:r>
             <a:r>
-              <a:rPr lang="en-US" dirty="0">
-                <a:latin typeface="Arial" panose="020B0604020202020204" pitchFamily="34" charset="0"/>
-                <a:cs typeface="Arial" panose="020B0604020202020204" pitchFamily="34" charset="0"/>
-              </a:rPr>
-              <a:t> </a:t>
-            </a:r>
-            <a:r>
-              <a:rPr lang="en-US" dirty="0" err="1">
+              <a:rPr lang="en-US" sz="2800" dirty="0">
+                <a:latin typeface="Arial" panose="020B0604020202020204" pitchFamily="34" charset="0"/>
+                <a:cs typeface="Arial" panose="020B0604020202020204" pitchFamily="34" charset="0"/>
+              </a:rPr>
+              <a:t> </a:t>
+            </a:r>
+            <a:r>
+              <a:rPr lang="en-US" sz="2800" dirty="0" err="1">
                 <a:latin typeface="Arial" panose="020B0604020202020204" pitchFamily="34" charset="0"/>
                 <a:cs typeface="Arial" panose="020B0604020202020204" pitchFamily="34" charset="0"/>
               </a:rPr>
               <a:t>trên</a:t>
             </a:r>
             <a:r>
-              <a:rPr lang="en-US" dirty="0">
-                <a:latin typeface="Arial" panose="020B0604020202020204" pitchFamily="34" charset="0"/>
-                <a:cs typeface="Arial" panose="020B0604020202020204" pitchFamily="34" charset="0"/>
-              </a:rPr>
-              <a:t> </a:t>
-            </a:r>
-            <a:r>
-              <a:rPr lang="en-US" dirty="0" err="1">
+              <a:rPr lang="en-US" sz="2800" dirty="0">
+                <a:latin typeface="Arial" panose="020B0604020202020204" pitchFamily="34" charset="0"/>
+                <a:cs typeface="Arial" panose="020B0604020202020204" pitchFamily="34" charset="0"/>
+              </a:rPr>
+              <a:t> </a:t>
+            </a:r>
+            <a:r>
+              <a:rPr lang="en-US" sz="2800" dirty="0" err="1">
                 <a:latin typeface="Arial" panose="020B0604020202020204" pitchFamily="34" charset="0"/>
                 <a:cs typeface="Arial" panose="020B0604020202020204" pitchFamily="34" charset="0"/>
               </a:rPr>
               <a:t>một</a:t>
             </a:r>
             <a:r>
-              <a:rPr lang="en-US" dirty="0">
-                <a:latin typeface="Arial" panose="020B0604020202020204" pitchFamily="34" charset="0"/>
-                <a:cs typeface="Arial" panose="020B0604020202020204" pitchFamily="34" charset="0"/>
-              </a:rPr>
-              <a:t> </a:t>
-            </a:r>
-            <a:r>
-              <a:rPr lang="en-US" dirty="0" err="1">
+              <a:rPr lang="en-US" sz="2800" dirty="0">
+                <a:latin typeface="Arial" panose="020B0604020202020204" pitchFamily="34" charset="0"/>
+                <a:cs typeface="Arial" panose="020B0604020202020204" pitchFamily="34" charset="0"/>
+              </a:rPr>
+              <a:t> </a:t>
+            </a:r>
+            <a:r>
+              <a:rPr lang="en-US" sz="2800" dirty="0" err="1">
                 <a:latin typeface="Arial" panose="020B0604020202020204" pitchFamily="34" charset="0"/>
                 <a:cs typeface="Arial" panose="020B0604020202020204" pitchFamily="34" charset="0"/>
               </a:rPr>
               <a:t>máy</a:t>
             </a:r>
             <a:r>
-              <a:rPr lang="en-US" dirty="0">
-                <a:latin typeface="Arial" panose="020B0604020202020204" pitchFamily="34" charset="0"/>
-                <a:cs typeface="Arial" panose="020B0604020202020204" pitchFamily="34" charset="0"/>
-              </a:rPr>
-              <a:t> </a:t>
-            </a:r>
-            <a:r>
-              <a:rPr lang="en-US" dirty="0" err="1">
+              <a:rPr lang="en-US" sz="2800" dirty="0">
+                <a:latin typeface="Arial" panose="020B0604020202020204" pitchFamily="34" charset="0"/>
+                <a:cs typeface="Arial" panose="020B0604020202020204" pitchFamily="34" charset="0"/>
+              </a:rPr>
+              <a:t> </a:t>
+            </a:r>
+            <a:r>
+              <a:rPr lang="en-US" sz="2800" dirty="0" err="1">
                 <a:latin typeface="Arial" panose="020B0604020202020204" pitchFamily="34" charset="0"/>
                 <a:cs typeface="Arial" panose="020B0604020202020204" pitchFamily="34" charset="0"/>
               </a:rPr>
               <a:t>nếu</a:t>
             </a:r>
             <a:r>
-              <a:rPr lang="en-US" dirty="0">
+              <a:rPr lang="en-US" sz="2800" dirty="0">
                 <a:latin typeface="Arial" panose="020B0604020202020204" pitchFamily="34" charset="0"/>
                 <a:cs typeface="Arial" panose="020B0604020202020204" pitchFamily="34" charset="0"/>
               </a:rPr>
               <a:t> SVN </a:t>
             </a:r>
             <a:r>
-              <a:rPr lang="en-US" dirty="0" err="1">
+              <a:rPr lang="en-US" sz="2800" dirty="0" err="1">
                 <a:latin typeface="Arial" panose="020B0604020202020204" pitchFamily="34" charset="0"/>
                 <a:cs typeface="Arial" panose="020B0604020202020204" pitchFamily="34" charset="0"/>
               </a:rPr>
               <a:t>có</a:t>
             </a:r>
             <a:r>
-              <a:rPr lang="en-US" dirty="0">
-                <a:latin typeface="Arial" panose="020B0604020202020204" pitchFamily="34" charset="0"/>
-                <a:cs typeface="Arial" panose="020B0604020202020204" pitchFamily="34" charset="0"/>
-              </a:rPr>
-              <a:t> </a:t>
-            </a:r>
-            <a:r>
-              <a:rPr lang="en-US" dirty="0" err="1">
+              <a:rPr lang="en-US" sz="2800" dirty="0">
+                <a:latin typeface="Arial" panose="020B0604020202020204" pitchFamily="34" charset="0"/>
+                <a:cs typeface="Arial" panose="020B0604020202020204" pitchFamily="34" charset="0"/>
+              </a:rPr>
+              <a:t> </a:t>
+            </a:r>
+            <a:r>
+              <a:rPr lang="en-US" sz="2800" dirty="0" err="1">
                 <a:latin typeface="Arial" panose="020B0604020202020204" pitchFamily="34" charset="0"/>
                 <a:cs typeface="Arial" panose="020B0604020202020204" pitchFamily="34" charset="0"/>
               </a:rPr>
               <a:t>nhiệm</a:t>
             </a:r>
             <a:r>
-              <a:rPr lang="en-US" dirty="0">
-                <a:latin typeface="Arial" panose="020B0604020202020204" pitchFamily="34" charset="0"/>
-                <a:cs typeface="Arial" panose="020B0604020202020204" pitchFamily="34" charset="0"/>
-              </a:rPr>
-              <a:t> </a:t>
-            </a:r>
-            <a:r>
-              <a:rPr lang="en-US" dirty="0" err="1">
+              <a:rPr lang="en-US" sz="2800" dirty="0">
+                <a:latin typeface="Arial" panose="020B0604020202020204" pitchFamily="34" charset="0"/>
+                <a:cs typeface="Arial" panose="020B0604020202020204" pitchFamily="34" charset="0"/>
+              </a:rPr>
+              <a:t> </a:t>
+            </a:r>
+            <a:r>
+              <a:rPr lang="en-US" sz="2800" dirty="0" err="1">
                 <a:latin typeface="Arial" panose="020B0604020202020204" pitchFamily="34" charset="0"/>
                 <a:cs typeface="Arial" panose="020B0604020202020204" pitchFamily="34" charset="0"/>
               </a:rPr>
               <a:t>vụ</a:t>
             </a:r>
             <a:r>
-              <a:rPr lang="en-US" dirty="0">
-                <a:latin typeface="Arial" panose="020B0604020202020204" pitchFamily="34" charset="0"/>
-                <a:cs typeface="Arial" panose="020B0604020202020204" pitchFamily="34" charset="0"/>
-              </a:rPr>
-              <a:t> </a:t>
-            </a:r>
-            <a:r>
-              <a:rPr lang="en-US" dirty="0" err="1">
+              <a:rPr lang="en-US" sz="2800" dirty="0">
+                <a:latin typeface="Arial" panose="020B0604020202020204" pitchFamily="34" charset="0"/>
+                <a:cs typeface="Arial" panose="020B0604020202020204" pitchFamily="34" charset="0"/>
+              </a:rPr>
+              <a:t> </a:t>
+            </a:r>
+            <a:r>
+              <a:rPr lang="en-US" sz="2800" dirty="0" err="1">
                 <a:latin typeface="Arial" panose="020B0604020202020204" pitchFamily="34" charset="0"/>
                 <a:cs typeface="Arial" panose="020B0604020202020204" pitchFamily="34" charset="0"/>
               </a:rPr>
               <a:t>theo</a:t>
             </a:r>
             <a:r>
-              <a:rPr lang="en-US" dirty="0">
-                <a:latin typeface="Arial" panose="020B0604020202020204" pitchFamily="34" charset="0"/>
-                <a:cs typeface="Arial" panose="020B0604020202020204" pitchFamily="34" charset="0"/>
-              </a:rPr>
-              <a:t> </a:t>
-            </a:r>
-            <a:r>
-              <a:rPr lang="en-US" dirty="0" err="1">
+              <a:rPr lang="en-US" sz="2800" dirty="0">
+                <a:latin typeface="Arial" panose="020B0604020202020204" pitchFamily="34" charset="0"/>
+                <a:cs typeface="Arial" panose="020B0604020202020204" pitchFamily="34" charset="0"/>
+              </a:rPr>
+              <a:t> </a:t>
+            </a:r>
+            <a:r>
+              <a:rPr lang="en-US" sz="2800" dirty="0" err="1">
                 <a:latin typeface="Arial" panose="020B0604020202020204" pitchFamily="34" charset="0"/>
                 <a:cs typeface="Arial" panose="020B0604020202020204" pitchFamily="34" charset="0"/>
               </a:rPr>
               <a:t>vết</a:t>
             </a:r>
             <a:r>
-              <a:rPr lang="en-US" dirty="0">
-                <a:latin typeface="Arial" panose="020B0604020202020204" pitchFamily="34" charset="0"/>
-                <a:cs typeface="Arial" panose="020B0604020202020204" pitchFamily="34" charset="0"/>
-              </a:rPr>
-              <a:t> </a:t>
-            </a:r>
-            <a:r>
-              <a:rPr lang="en-US" dirty="0" err="1">
+              <a:rPr lang="en-US" sz="2800" dirty="0">
+                <a:latin typeface="Arial" panose="020B0604020202020204" pitchFamily="34" charset="0"/>
+                <a:cs typeface="Arial" panose="020B0604020202020204" pitchFamily="34" charset="0"/>
+              </a:rPr>
+              <a:t> </a:t>
+            </a:r>
+            <a:r>
+              <a:rPr lang="en-US" sz="2800" dirty="0" err="1">
                 <a:latin typeface="Arial" panose="020B0604020202020204" pitchFamily="34" charset="0"/>
                 <a:cs typeface="Arial" panose="020B0604020202020204" pitchFamily="34" charset="0"/>
               </a:rPr>
               <a:t>lịch</a:t>
             </a:r>
             <a:r>
-              <a:rPr lang="en-US" dirty="0">
-                <a:latin typeface="Arial" panose="020B0604020202020204" pitchFamily="34" charset="0"/>
-                <a:cs typeface="Arial" panose="020B0604020202020204" pitchFamily="34" charset="0"/>
-              </a:rPr>
-              <a:t> </a:t>
-            </a:r>
-            <a:r>
-              <a:rPr lang="en-US" dirty="0" err="1">
+              <a:rPr lang="en-US" sz="2800" dirty="0">
+                <a:latin typeface="Arial" panose="020B0604020202020204" pitchFamily="34" charset="0"/>
+                <a:cs typeface="Arial" panose="020B0604020202020204" pitchFamily="34" charset="0"/>
+              </a:rPr>
+              <a:t> </a:t>
+            </a:r>
+            <a:r>
+              <a:rPr lang="en-US" sz="2800" dirty="0" err="1">
                 <a:latin typeface="Arial" panose="020B0604020202020204" pitchFamily="34" charset="0"/>
                 <a:cs typeface="Arial" panose="020B0604020202020204" pitchFamily="34" charset="0"/>
               </a:rPr>
               <a:t>sử</a:t>
             </a:r>
             <a:r>
-              <a:rPr lang="en-US" dirty="0">
-                <a:latin typeface="Arial" panose="020B0604020202020204" pitchFamily="34" charset="0"/>
-                <a:cs typeface="Arial" panose="020B0604020202020204" pitchFamily="34" charset="0"/>
-              </a:rPr>
-              <a:t> </a:t>
-            </a:r>
-            <a:r>
-              <a:rPr lang="en-US" dirty="0" err="1">
+              <a:rPr lang="en-US" sz="2800" dirty="0">
+                <a:latin typeface="Arial" panose="020B0604020202020204" pitchFamily="34" charset="0"/>
+                <a:cs typeface="Arial" panose="020B0604020202020204" pitchFamily="34" charset="0"/>
+              </a:rPr>
+              <a:t> </a:t>
+            </a:r>
+            <a:r>
+              <a:rPr lang="en-US" sz="2800" dirty="0" err="1">
                 <a:latin typeface="Arial" panose="020B0604020202020204" pitchFamily="34" charset="0"/>
                 <a:cs typeface="Arial" panose="020B0604020202020204" pitchFamily="34" charset="0"/>
               </a:rPr>
               <a:t>của</a:t>
             </a:r>
             <a:r>
-              <a:rPr lang="en-US" dirty="0">
-                <a:latin typeface="Arial" panose="020B0604020202020204" pitchFamily="34" charset="0"/>
-                <a:cs typeface="Arial" panose="020B0604020202020204" pitchFamily="34" charset="0"/>
-              </a:rPr>
-              <a:t> </a:t>
-            </a:r>
-            <a:r>
-              <a:rPr lang="en-US" dirty="0" err="1">
+              <a:rPr lang="en-US" sz="2800" dirty="0">
+                <a:latin typeface="Arial" panose="020B0604020202020204" pitchFamily="34" charset="0"/>
+                <a:cs typeface="Arial" panose="020B0604020202020204" pitchFamily="34" charset="0"/>
+              </a:rPr>
+              <a:t> </a:t>
+            </a:r>
+            <a:r>
+              <a:rPr lang="en-US" sz="2800" dirty="0" err="1">
                 <a:latin typeface="Arial" panose="020B0604020202020204" pitchFamily="34" charset="0"/>
                 <a:cs typeface="Arial" panose="020B0604020202020204" pitchFamily="34" charset="0"/>
               </a:rPr>
               <a:t>dự</a:t>
             </a:r>
             <a:r>
-              <a:rPr lang="en-US" dirty="0">
-                <a:latin typeface="Arial" panose="020B0604020202020204" pitchFamily="34" charset="0"/>
-                <a:cs typeface="Arial" panose="020B0604020202020204" pitchFamily="34" charset="0"/>
-              </a:rPr>
-              <a:t> </a:t>
-            </a:r>
-            <a:r>
-              <a:rPr lang="en-US" dirty="0" err="1">
+              <a:rPr lang="en-US" sz="2800" dirty="0">
+                <a:latin typeface="Arial" panose="020B0604020202020204" pitchFamily="34" charset="0"/>
+                <a:cs typeface="Arial" panose="020B0604020202020204" pitchFamily="34" charset="0"/>
+              </a:rPr>
+              <a:t> </a:t>
+            </a:r>
+            <a:r>
+              <a:rPr lang="en-US" sz="2800" dirty="0" err="1">
                 <a:latin typeface="Arial" panose="020B0604020202020204" pitchFamily="34" charset="0"/>
                 <a:cs typeface="Arial" panose="020B0604020202020204" pitchFamily="34" charset="0"/>
               </a:rPr>
               <a:t>án</a:t>
             </a:r>
             <a:r>
-              <a:rPr lang="en-US" dirty="0">
+              <a:rPr lang="en-US" sz="2800" dirty="0">
                 <a:latin typeface="Arial" panose="020B0604020202020204" pitchFamily="34" charset="0"/>
                 <a:cs typeface="Arial" panose="020B0604020202020204" pitchFamily="34" charset="0"/>
               </a:rPr>
               <a:t> do </a:t>
             </a:r>
             <a:r>
-              <a:rPr lang="en-US" dirty="0" err="1">
+              <a:rPr lang="en-US" sz="2800" dirty="0" err="1">
                 <a:latin typeface="Arial" panose="020B0604020202020204" pitchFamily="34" charset="0"/>
                 <a:cs typeface="Arial" panose="020B0604020202020204" pitchFamily="34" charset="0"/>
               </a:rPr>
               <a:t>các</a:t>
             </a:r>
             <a:r>
-              <a:rPr lang="en-US" dirty="0">
-                <a:latin typeface="Arial" panose="020B0604020202020204" pitchFamily="34" charset="0"/>
-                <a:cs typeface="Arial" panose="020B0604020202020204" pitchFamily="34" charset="0"/>
-              </a:rPr>
-              <a:t> </a:t>
-            </a:r>
-            <a:r>
-              <a:rPr lang="en-US" dirty="0" err="1">
+              <a:rPr lang="en-US" sz="2800" dirty="0">
+                <a:latin typeface="Arial" panose="020B0604020202020204" pitchFamily="34" charset="0"/>
+                <a:cs typeface="Arial" panose="020B0604020202020204" pitchFamily="34" charset="0"/>
+              </a:rPr>
+              <a:t> </a:t>
+            </a:r>
+            <a:r>
+              <a:rPr lang="en-US" sz="2800" dirty="0" err="1">
                 <a:latin typeface="Arial" panose="020B0604020202020204" pitchFamily="34" charset="0"/>
                 <a:cs typeface="Arial" panose="020B0604020202020204" pitchFamily="34" charset="0"/>
               </a:rPr>
               <a:t>nhà</a:t>
             </a:r>
             <a:r>
-              <a:rPr lang="en-US" dirty="0">
-                <a:latin typeface="Arial" panose="020B0604020202020204" pitchFamily="34" charset="0"/>
-                <a:cs typeface="Arial" panose="020B0604020202020204" pitchFamily="34" charset="0"/>
-              </a:rPr>
-              <a:t> </a:t>
-            </a:r>
-            <a:r>
-              <a:rPr lang="en-US" dirty="0" err="1">
+              <a:rPr lang="en-US" sz="2800" dirty="0">
+                <a:latin typeface="Arial" panose="020B0604020202020204" pitchFamily="34" charset="0"/>
+                <a:cs typeface="Arial" panose="020B0604020202020204" pitchFamily="34" charset="0"/>
+              </a:rPr>
+              <a:t> </a:t>
+            </a:r>
+            <a:r>
+              <a:rPr lang="en-US" sz="2800" dirty="0" err="1">
                 <a:latin typeface="Arial" panose="020B0604020202020204" pitchFamily="34" charset="0"/>
                 <a:cs typeface="Arial" panose="020B0604020202020204" pitchFamily="34" charset="0"/>
               </a:rPr>
               <a:t>phát</a:t>
             </a:r>
             <a:r>
-              <a:rPr lang="en-US" dirty="0">
-                <a:latin typeface="Arial" panose="020B0604020202020204" pitchFamily="34" charset="0"/>
-                <a:cs typeface="Arial" panose="020B0604020202020204" pitchFamily="34" charset="0"/>
-              </a:rPr>
-              <a:t> </a:t>
-            </a:r>
-            <a:r>
-              <a:rPr lang="en-US" dirty="0" err="1">
+              <a:rPr lang="en-US" sz="2800" dirty="0">
+                <a:latin typeface="Arial" panose="020B0604020202020204" pitchFamily="34" charset="0"/>
+                <a:cs typeface="Arial" panose="020B0604020202020204" pitchFamily="34" charset="0"/>
+              </a:rPr>
+              <a:t> </a:t>
+            </a:r>
+            <a:r>
+              <a:rPr lang="en-US" sz="2800" dirty="0" err="1">
                 <a:latin typeface="Arial" panose="020B0604020202020204" pitchFamily="34" charset="0"/>
                 <a:cs typeface="Arial" panose="020B0604020202020204" pitchFamily="34" charset="0"/>
               </a:rPr>
               <a:t>triển</a:t>
             </a:r>
             <a:r>
-              <a:rPr lang="en-US" dirty="0">
-                <a:latin typeface="Arial" panose="020B0604020202020204" pitchFamily="34" charset="0"/>
-                <a:cs typeface="Arial" panose="020B0604020202020204" pitchFamily="34" charset="0"/>
-              </a:rPr>
-              <a:t> </a:t>
-            </a:r>
-            <a:r>
-              <a:rPr lang="en-US" dirty="0" err="1">
+              <a:rPr lang="en-US" sz="2800" dirty="0">
+                <a:latin typeface="Arial" panose="020B0604020202020204" pitchFamily="34" charset="0"/>
+                <a:cs typeface="Arial" panose="020B0604020202020204" pitchFamily="34" charset="0"/>
+              </a:rPr>
+              <a:t> </a:t>
+            </a:r>
+            <a:r>
+              <a:rPr lang="en-US" sz="2800" dirty="0" err="1">
                 <a:latin typeface="Arial" panose="020B0604020202020204" pitchFamily="34" charset="0"/>
                 <a:cs typeface="Arial" panose="020B0604020202020204" pitchFamily="34" charset="0"/>
               </a:rPr>
               <a:t>phần</a:t>
             </a:r>
             <a:r>
-              <a:rPr lang="en-US" dirty="0">
-                <a:latin typeface="Arial" panose="020B0604020202020204" pitchFamily="34" charset="0"/>
-                <a:cs typeface="Arial" panose="020B0604020202020204" pitchFamily="34" charset="0"/>
-              </a:rPr>
-              <a:t> </a:t>
-            </a:r>
-            <a:r>
-              <a:rPr lang="en-US" dirty="0" err="1">
+              <a:rPr lang="en-US" sz="2800" dirty="0">
+                <a:latin typeface="Arial" panose="020B0604020202020204" pitchFamily="34" charset="0"/>
+                <a:cs typeface="Arial" panose="020B0604020202020204" pitchFamily="34" charset="0"/>
+              </a:rPr>
+              <a:t> </a:t>
+            </a:r>
+            <a:r>
+              <a:rPr lang="en-US" sz="2800" dirty="0" err="1">
                 <a:latin typeface="Arial" panose="020B0604020202020204" pitchFamily="34" charset="0"/>
                 <a:cs typeface="Arial" panose="020B0604020202020204" pitchFamily="34" charset="0"/>
               </a:rPr>
               <a:t>mềm</a:t>
             </a:r>
             <a:r>
-              <a:rPr lang="en-US" dirty="0">
-                <a:latin typeface="Arial" panose="020B0604020202020204" pitchFamily="34" charset="0"/>
-                <a:cs typeface="Arial" panose="020B0604020202020204" pitchFamily="34" charset="0"/>
-              </a:rPr>
-              <a:t> </a:t>
-            </a:r>
-            <a:r>
-              <a:rPr lang="en-US" dirty="0" err="1">
+              <a:rPr lang="en-US" sz="2800" dirty="0">
+                <a:latin typeface="Arial" panose="020B0604020202020204" pitchFamily="34" charset="0"/>
+                <a:cs typeface="Arial" panose="020B0604020202020204" pitchFamily="34" charset="0"/>
+              </a:rPr>
+              <a:t> </a:t>
+            </a:r>
+            <a:r>
+              <a:rPr lang="en-US" sz="2800" dirty="0" err="1">
                 <a:latin typeface="Arial" panose="020B0604020202020204" pitchFamily="34" charset="0"/>
                 <a:cs typeface="Arial" panose="020B0604020202020204" pitchFamily="34" charset="0"/>
               </a:rPr>
               <a:t>phát</a:t>
             </a:r>
             <a:r>
-              <a:rPr lang="en-US" dirty="0">
-                <a:latin typeface="Arial" panose="020B0604020202020204" pitchFamily="34" charset="0"/>
-                <a:cs typeface="Arial" panose="020B0604020202020204" pitchFamily="34" charset="0"/>
-              </a:rPr>
-              <a:t> </a:t>
-            </a:r>
-            <a:r>
-              <a:rPr lang="en-US" dirty="0" err="1">
+              <a:rPr lang="en-US" sz="2800" dirty="0">
+                <a:latin typeface="Arial" panose="020B0604020202020204" pitchFamily="34" charset="0"/>
+                <a:cs typeface="Arial" panose="020B0604020202020204" pitchFamily="34" charset="0"/>
+              </a:rPr>
+              <a:t> </a:t>
+            </a:r>
+            <a:r>
+              <a:rPr lang="en-US" sz="2800" dirty="0" err="1">
                 <a:latin typeface="Arial" panose="020B0604020202020204" pitchFamily="34" charset="0"/>
                 <a:cs typeface="Arial" panose="020B0604020202020204" pitchFamily="34" charset="0"/>
               </a:rPr>
               <a:t>triển</a:t>
             </a:r>
             <a:r>
-              <a:rPr lang="en-US" dirty="0">
-                <a:latin typeface="Arial" panose="020B0604020202020204" pitchFamily="34" charset="0"/>
-                <a:cs typeface="Arial" panose="020B0604020202020204" pitchFamily="34" charset="0"/>
-              </a:rPr>
-              <a:t> </a:t>
-            </a:r>
-            <a:r>
-              <a:rPr lang="en-US" dirty="0" err="1">
+              <a:rPr lang="en-US" sz="2800" dirty="0">
+                <a:latin typeface="Arial" panose="020B0604020202020204" pitchFamily="34" charset="0"/>
+                <a:cs typeface="Arial" panose="020B0604020202020204" pitchFamily="34" charset="0"/>
+              </a:rPr>
+              <a:t> </a:t>
+            </a:r>
+            <a:r>
+              <a:rPr lang="en-US" sz="2800" dirty="0" err="1">
                 <a:latin typeface="Arial" panose="020B0604020202020204" pitchFamily="34" charset="0"/>
                 <a:cs typeface="Arial" panose="020B0604020202020204" pitchFamily="34" charset="0"/>
               </a:rPr>
               <a:t>trong</a:t>
             </a:r>
             <a:r>
-              <a:rPr lang="en-US" dirty="0">
-                <a:latin typeface="Arial" panose="020B0604020202020204" pitchFamily="34" charset="0"/>
-                <a:cs typeface="Arial" panose="020B0604020202020204" pitchFamily="34" charset="0"/>
-              </a:rPr>
-              <a:t> </a:t>
-            </a:r>
-            <a:r>
-              <a:rPr lang="en-US" dirty="0" err="1">
+              <a:rPr lang="en-US" sz="2800" dirty="0">
+                <a:latin typeface="Arial" panose="020B0604020202020204" pitchFamily="34" charset="0"/>
+                <a:cs typeface="Arial" panose="020B0604020202020204" pitchFamily="34" charset="0"/>
+              </a:rPr>
+              <a:t> </a:t>
+            </a:r>
+            <a:r>
+              <a:rPr lang="en-US" sz="2800" dirty="0" err="1">
                 <a:latin typeface="Arial" panose="020B0604020202020204" pitchFamily="34" charset="0"/>
                 <a:cs typeface="Arial" panose="020B0604020202020204" pitchFamily="34" charset="0"/>
               </a:rPr>
               <a:t>nội</a:t>
             </a:r>
             <a:r>
-              <a:rPr lang="en-US" dirty="0">
-                <a:latin typeface="Arial" panose="020B0604020202020204" pitchFamily="34" charset="0"/>
-                <a:cs typeface="Arial" panose="020B0604020202020204" pitchFamily="34" charset="0"/>
-              </a:rPr>
-              <a:t> </a:t>
-            </a:r>
-            <a:r>
-              <a:rPr lang="en-US" dirty="0" err="1">
+              <a:rPr lang="en-US" sz="2800" dirty="0">
+                <a:latin typeface="Arial" panose="020B0604020202020204" pitchFamily="34" charset="0"/>
+                <a:cs typeface="Arial" panose="020B0604020202020204" pitchFamily="34" charset="0"/>
+              </a:rPr>
+              <a:t> </a:t>
+            </a:r>
+            <a:r>
+              <a:rPr lang="en-US" sz="2800" dirty="0" err="1">
                 <a:latin typeface="Arial" panose="020B0604020202020204" pitchFamily="34" charset="0"/>
                 <a:cs typeface="Arial" panose="020B0604020202020204" pitchFamily="34" charset="0"/>
               </a:rPr>
               <a:t>bộ</a:t>
             </a:r>
             <a:r>
-              <a:rPr lang="en-US" dirty="0">
+              <a:rPr lang="en-US" sz="2800" dirty="0">
                 <a:latin typeface="Arial" panose="020B0604020202020204" pitchFamily="34" charset="0"/>
                 <a:cs typeface="Arial" panose="020B0604020202020204" pitchFamily="34" charset="0"/>
               </a:rPr>
@@ -6670,7 +6677,7 @@
             <a:pPr marL="0" indent="0">
               <a:buNone/>
             </a:pPr>
-            <a:endParaRPr lang="en-US" dirty="0">
+            <a:endParaRPr lang="en-US" sz="2800" dirty="0">
               <a:latin typeface="Arial" panose="020B0604020202020204" pitchFamily="34" charset="0"/>
               <a:cs typeface="Arial" panose="020B0604020202020204" pitchFamily="34" charset="0"/>
             </a:endParaRPr>
@@ -6785,9 +6792,16 @@
             <p:ph idx="1"/>
           </p:nvPr>
         </p:nvSpPr>
-        <p:spPr/>
+        <p:spPr>
+          <a:xfrm>
+            <a:off x="677334" y="1618328"/>
+            <a:ext cx="8596668" cy="3880773"/>
+          </a:xfrm>
+        </p:spPr>
         <p:txBody>
-          <a:bodyPr/>
+          <a:bodyPr>
+            <a:normAutofit/>
+          </a:bodyPr>
           <a:lstStyle/>
           <a:p>
             <a:pPr>
@@ -6795,161 +6809,161 @@
               <a:buChar char="Ø"/>
             </a:pPr>
             <a:r>
-              <a:rPr lang="en-US" dirty="0">
+              <a:rPr lang="en-US" sz="2800" dirty="0">
                 <a:latin typeface="Arial" panose="020B0604020202020204" pitchFamily="34" charset="0"/>
                 <a:cs typeface="Arial" panose="020B0604020202020204" pitchFamily="34" charset="0"/>
               </a:rPr>
               <a:t>Subversion </a:t>
             </a:r>
             <a:r>
-              <a:rPr lang="en-US" dirty="0" err="1">
+              <a:rPr lang="en-US" sz="2800" dirty="0" err="1">
                 <a:latin typeface="Arial" panose="020B0604020202020204" pitchFamily="34" charset="0"/>
                 <a:cs typeface="Arial" panose="020B0604020202020204" pitchFamily="34" charset="0"/>
               </a:rPr>
               <a:t>hỗ</a:t>
             </a:r>
             <a:r>
-              <a:rPr lang="en-US" dirty="0">
-                <a:latin typeface="Arial" panose="020B0604020202020204" pitchFamily="34" charset="0"/>
-                <a:cs typeface="Arial" panose="020B0604020202020204" pitchFamily="34" charset="0"/>
-              </a:rPr>
-              <a:t> </a:t>
-            </a:r>
-            <a:r>
-              <a:rPr lang="en-US" dirty="0" err="1">
+              <a:rPr lang="en-US" sz="2800" dirty="0">
+                <a:latin typeface="Arial" panose="020B0604020202020204" pitchFamily="34" charset="0"/>
+                <a:cs typeface="Arial" panose="020B0604020202020204" pitchFamily="34" charset="0"/>
+              </a:rPr>
+              <a:t> </a:t>
+            </a:r>
+            <a:r>
+              <a:rPr lang="en-US" sz="2800" dirty="0" err="1">
                 <a:latin typeface="Arial" panose="020B0604020202020204" pitchFamily="34" charset="0"/>
                 <a:cs typeface="Arial" panose="020B0604020202020204" pitchFamily="34" charset="0"/>
               </a:rPr>
               <a:t>trợ</a:t>
             </a:r>
             <a:r>
-              <a:rPr lang="en-US" dirty="0">
-                <a:latin typeface="Arial" panose="020B0604020202020204" pitchFamily="34" charset="0"/>
-                <a:cs typeface="Arial" panose="020B0604020202020204" pitchFamily="34" charset="0"/>
-              </a:rPr>
-              <a:t> </a:t>
-            </a:r>
-            <a:r>
-              <a:rPr lang="en-US" dirty="0" err="1">
+              <a:rPr lang="en-US" sz="2800" dirty="0">
+                <a:latin typeface="Arial" panose="020B0604020202020204" pitchFamily="34" charset="0"/>
+                <a:cs typeface="Arial" panose="020B0604020202020204" pitchFamily="34" charset="0"/>
+              </a:rPr>
+              <a:t> </a:t>
+            </a:r>
+            <a:r>
+              <a:rPr lang="en-US" sz="2800" dirty="0" err="1">
                 <a:latin typeface="Arial" panose="020B0604020202020204" pitchFamily="34" charset="0"/>
                 <a:cs typeface="Arial" panose="020B0604020202020204" pitchFamily="34" charset="0"/>
               </a:rPr>
               <a:t>khá</a:t>
             </a:r>
             <a:r>
-              <a:rPr lang="en-US" dirty="0">
-                <a:latin typeface="Arial" panose="020B0604020202020204" pitchFamily="34" charset="0"/>
-                <a:cs typeface="Arial" panose="020B0604020202020204" pitchFamily="34" charset="0"/>
-              </a:rPr>
-              <a:t> </a:t>
-            </a:r>
-            <a:r>
-              <a:rPr lang="en-US" dirty="0" err="1">
+              <a:rPr lang="en-US" sz="2800" dirty="0">
+                <a:latin typeface="Arial" panose="020B0604020202020204" pitchFamily="34" charset="0"/>
+                <a:cs typeface="Arial" panose="020B0604020202020204" pitchFamily="34" charset="0"/>
+              </a:rPr>
+              <a:t> </a:t>
+            </a:r>
+            <a:r>
+              <a:rPr lang="en-US" sz="2800" dirty="0" err="1">
                 <a:latin typeface="Arial" panose="020B0604020202020204" pitchFamily="34" charset="0"/>
                 <a:cs typeface="Arial" panose="020B0604020202020204" pitchFamily="34" charset="0"/>
               </a:rPr>
               <a:t>nhiều</a:t>
             </a:r>
             <a:r>
-              <a:rPr lang="en-US" dirty="0">
-                <a:latin typeface="Arial" panose="020B0604020202020204" pitchFamily="34" charset="0"/>
-                <a:cs typeface="Arial" panose="020B0604020202020204" pitchFamily="34" charset="0"/>
-              </a:rPr>
-              <a:t> </a:t>
-            </a:r>
-            <a:r>
-              <a:rPr lang="en-US" dirty="0" err="1">
+              <a:rPr lang="en-US" sz="2800" dirty="0">
+                <a:latin typeface="Arial" panose="020B0604020202020204" pitchFamily="34" charset="0"/>
+                <a:cs typeface="Arial" panose="020B0604020202020204" pitchFamily="34" charset="0"/>
+              </a:rPr>
+              <a:t> </a:t>
+            </a:r>
+            <a:r>
+              <a:rPr lang="en-US" sz="2800" dirty="0" err="1">
                 <a:latin typeface="Arial" panose="020B0604020202020204" pitchFamily="34" charset="0"/>
                 <a:cs typeface="Arial" panose="020B0604020202020204" pitchFamily="34" charset="0"/>
               </a:rPr>
               <a:t>giao</a:t>
             </a:r>
             <a:r>
-              <a:rPr lang="en-US" dirty="0">
-                <a:latin typeface="Arial" panose="020B0604020202020204" pitchFamily="34" charset="0"/>
-                <a:cs typeface="Arial" panose="020B0604020202020204" pitchFamily="34" charset="0"/>
-              </a:rPr>
-              <a:t> </a:t>
-            </a:r>
-            <a:r>
-              <a:rPr lang="en-US" dirty="0" err="1">
+              <a:rPr lang="en-US" sz="2800" dirty="0">
+                <a:latin typeface="Arial" panose="020B0604020202020204" pitchFamily="34" charset="0"/>
+                <a:cs typeface="Arial" panose="020B0604020202020204" pitchFamily="34" charset="0"/>
+              </a:rPr>
+              <a:t> </a:t>
+            </a:r>
+            <a:r>
+              <a:rPr lang="en-US" sz="2800" dirty="0" err="1">
                 <a:latin typeface="Arial" panose="020B0604020202020204" pitchFamily="34" charset="0"/>
                 <a:cs typeface="Arial" panose="020B0604020202020204" pitchFamily="34" charset="0"/>
               </a:rPr>
               <a:t>thức</a:t>
             </a:r>
             <a:r>
-              <a:rPr lang="en-US" dirty="0">
-                <a:latin typeface="Arial" panose="020B0604020202020204" pitchFamily="34" charset="0"/>
-                <a:cs typeface="Arial" panose="020B0604020202020204" pitchFamily="34" charset="0"/>
-              </a:rPr>
-              <a:t> </a:t>
-            </a:r>
-            <a:r>
-              <a:rPr lang="en-US" dirty="0" err="1">
+              <a:rPr lang="en-US" sz="2800" dirty="0">
+                <a:latin typeface="Arial" panose="020B0604020202020204" pitchFamily="34" charset="0"/>
+                <a:cs typeface="Arial" panose="020B0604020202020204" pitchFamily="34" charset="0"/>
+              </a:rPr>
+              <a:t> </a:t>
+            </a:r>
+            <a:r>
+              <a:rPr lang="en-US" sz="2800" dirty="0" err="1">
                 <a:latin typeface="Arial" panose="020B0604020202020204" pitchFamily="34" charset="0"/>
                 <a:cs typeface="Arial" panose="020B0604020202020204" pitchFamily="34" charset="0"/>
               </a:rPr>
               <a:t>để</a:t>
             </a:r>
             <a:r>
-              <a:rPr lang="en-US" dirty="0">
-                <a:latin typeface="Arial" panose="020B0604020202020204" pitchFamily="34" charset="0"/>
-                <a:cs typeface="Arial" panose="020B0604020202020204" pitchFamily="34" charset="0"/>
-              </a:rPr>
-              <a:t> </a:t>
-            </a:r>
-            <a:r>
-              <a:rPr lang="en-US" dirty="0" err="1">
+              <a:rPr lang="en-US" sz="2800" dirty="0">
+                <a:latin typeface="Arial" panose="020B0604020202020204" pitchFamily="34" charset="0"/>
+                <a:cs typeface="Arial" panose="020B0604020202020204" pitchFamily="34" charset="0"/>
+              </a:rPr>
+              <a:t> </a:t>
+            </a:r>
+            <a:r>
+              <a:rPr lang="en-US" sz="2800" dirty="0" err="1">
                 <a:latin typeface="Arial" panose="020B0604020202020204" pitchFamily="34" charset="0"/>
                 <a:cs typeface="Arial" panose="020B0604020202020204" pitchFamily="34" charset="0"/>
               </a:rPr>
               <a:t>kết</a:t>
             </a:r>
             <a:r>
-              <a:rPr lang="en-US" dirty="0">
-                <a:latin typeface="Arial" panose="020B0604020202020204" pitchFamily="34" charset="0"/>
-                <a:cs typeface="Arial" panose="020B0604020202020204" pitchFamily="34" charset="0"/>
-              </a:rPr>
-              <a:t> </a:t>
-            </a:r>
-            <a:r>
-              <a:rPr lang="en-US" dirty="0" err="1">
+              <a:rPr lang="en-US" sz="2800" dirty="0">
+                <a:latin typeface="Arial" panose="020B0604020202020204" pitchFamily="34" charset="0"/>
+                <a:cs typeface="Arial" panose="020B0604020202020204" pitchFamily="34" charset="0"/>
+              </a:rPr>
+              <a:t> </a:t>
+            </a:r>
+            <a:r>
+              <a:rPr lang="en-US" sz="2800" dirty="0" err="1">
                 <a:latin typeface="Arial" panose="020B0604020202020204" pitchFamily="34" charset="0"/>
                 <a:cs typeface="Arial" panose="020B0604020202020204" pitchFamily="34" charset="0"/>
               </a:rPr>
               <a:t>nối</a:t>
             </a:r>
             <a:r>
-              <a:rPr lang="en-US" dirty="0">
-                <a:latin typeface="Arial" panose="020B0604020202020204" pitchFamily="34" charset="0"/>
-                <a:cs typeface="Arial" panose="020B0604020202020204" pitchFamily="34" charset="0"/>
-              </a:rPr>
-              <a:t> </a:t>
-            </a:r>
-            <a:r>
-              <a:rPr lang="en-US" dirty="0" err="1">
+              <a:rPr lang="en-US" sz="2800" dirty="0">
+                <a:latin typeface="Arial" panose="020B0604020202020204" pitchFamily="34" charset="0"/>
+                <a:cs typeface="Arial" panose="020B0604020202020204" pitchFamily="34" charset="0"/>
+              </a:rPr>
+              <a:t> </a:t>
+            </a:r>
+            <a:r>
+              <a:rPr lang="en-US" sz="2800" dirty="0" err="1">
                 <a:latin typeface="Arial" panose="020B0604020202020204" pitchFamily="34" charset="0"/>
                 <a:cs typeface="Arial" panose="020B0604020202020204" pitchFamily="34" charset="0"/>
               </a:rPr>
               <a:t>giữa</a:t>
             </a:r>
             <a:r>
-              <a:rPr lang="en-US" dirty="0">
+              <a:rPr lang="en-US" sz="2800" dirty="0">
                 <a:latin typeface="Arial" panose="020B0604020202020204" pitchFamily="34" charset="0"/>
                 <a:cs typeface="Arial" panose="020B0604020202020204" pitchFamily="34" charset="0"/>
               </a:rPr>
               <a:t> client </a:t>
             </a:r>
             <a:r>
-              <a:rPr lang="en-US" dirty="0" err="1">
+              <a:rPr lang="en-US" sz="2800" dirty="0" err="1">
                 <a:latin typeface="Arial" panose="020B0604020202020204" pitchFamily="34" charset="0"/>
                 <a:cs typeface="Arial" panose="020B0604020202020204" pitchFamily="34" charset="0"/>
               </a:rPr>
               <a:t>và</a:t>
             </a:r>
             <a:r>
-              <a:rPr lang="en-US" dirty="0">
+              <a:rPr lang="en-US" sz="2800" dirty="0">
                 <a:latin typeface="Arial" panose="020B0604020202020204" pitchFamily="34" charset="0"/>
                 <a:cs typeface="Arial" panose="020B0604020202020204" pitchFamily="34" charset="0"/>
               </a:rPr>
@@ -6962,196 +6976,196 @@
               <a:buChar char="Ø"/>
             </a:pPr>
             <a:r>
-              <a:rPr lang="en-US" dirty="0" err="1">
+              <a:rPr lang="en-US" sz="2800" dirty="0" err="1">
                 <a:latin typeface="Arial" panose="020B0604020202020204" pitchFamily="34" charset="0"/>
                 <a:cs typeface="Arial" panose="020B0604020202020204" pitchFamily="34" charset="0"/>
               </a:rPr>
               <a:t>Việc</a:t>
             </a:r>
             <a:r>
-              <a:rPr lang="en-US" dirty="0">
-                <a:latin typeface="Arial" panose="020B0604020202020204" pitchFamily="34" charset="0"/>
-                <a:cs typeface="Arial" panose="020B0604020202020204" pitchFamily="34" charset="0"/>
-              </a:rPr>
-              <a:t> </a:t>
-            </a:r>
-            <a:r>
-              <a:rPr lang="en-US" dirty="0" err="1">
+              <a:rPr lang="en-US" sz="2800" dirty="0">
+                <a:latin typeface="Arial" panose="020B0604020202020204" pitchFamily="34" charset="0"/>
+                <a:cs typeface="Arial" panose="020B0604020202020204" pitchFamily="34" charset="0"/>
+              </a:rPr>
+              <a:t> </a:t>
+            </a:r>
+            <a:r>
+              <a:rPr lang="en-US" sz="2800" dirty="0" err="1">
                 <a:latin typeface="Arial" panose="020B0604020202020204" pitchFamily="34" charset="0"/>
                 <a:cs typeface="Arial" panose="020B0604020202020204" pitchFamily="34" charset="0"/>
               </a:rPr>
               <a:t>cho</a:t>
             </a:r>
             <a:r>
-              <a:rPr lang="en-US" dirty="0">
-                <a:latin typeface="Arial" panose="020B0604020202020204" pitchFamily="34" charset="0"/>
-                <a:cs typeface="Arial" panose="020B0604020202020204" pitchFamily="34" charset="0"/>
-              </a:rPr>
-              <a:t> </a:t>
-            </a:r>
-            <a:r>
-              <a:rPr lang="en-US" dirty="0" err="1">
+              <a:rPr lang="en-US" sz="2800" dirty="0">
+                <a:latin typeface="Arial" panose="020B0604020202020204" pitchFamily="34" charset="0"/>
+                <a:cs typeface="Arial" panose="020B0604020202020204" pitchFamily="34" charset="0"/>
+              </a:rPr>
+              <a:t> </a:t>
+            </a:r>
+            <a:r>
+              <a:rPr lang="en-US" sz="2800" dirty="0" err="1">
                 <a:latin typeface="Arial" panose="020B0604020202020204" pitchFamily="34" charset="0"/>
                 <a:cs typeface="Arial" panose="020B0604020202020204" pitchFamily="34" charset="0"/>
               </a:rPr>
               <a:t>phép</a:t>
             </a:r>
             <a:r>
-              <a:rPr lang="en-US" dirty="0">
+              <a:rPr lang="en-US" sz="2800" dirty="0">
                 <a:latin typeface="Arial" panose="020B0604020202020204" pitchFamily="34" charset="0"/>
                 <a:cs typeface="Arial" panose="020B0604020202020204" pitchFamily="34" charset="0"/>
               </a:rPr>
               <a:t> server </a:t>
             </a:r>
             <a:r>
-              <a:rPr lang="en-US" dirty="0" err="1">
+              <a:rPr lang="en-US" sz="2800" dirty="0" err="1">
                 <a:latin typeface="Arial" panose="020B0604020202020204" pitchFamily="34" charset="0"/>
                 <a:cs typeface="Arial" panose="020B0604020202020204" pitchFamily="34" charset="0"/>
               </a:rPr>
               <a:t>hỗ</a:t>
             </a:r>
             <a:r>
-              <a:rPr lang="en-US" dirty="0">
-                <a:latin typeface="Arial" panose="020B0604020202020204" pitchFamily="34" charset="0"/>
-                <a:cs typeface="Arial" panose="020B0604020202020204" pitchFamily="34" charset="0"/>
-              </a:rPr>
-              <a:t> </a:t>
-            </a:r>
-            <a:r>
-              <a:rPr lang="en-US" dirty="0" err="1">
+              <a:rPr lang="en-US" sz="2800" dirty="0">
+                <a:latin typeface="Arial" panose="020B0604020202020204" pitchFamily="34" charset="0"/>
+                <a:cs typeface="Arial" panose="020B0604020202020204" pitchFamily="34" charset="0"/>
+              </a:rPr>
+              <a:t> </a:t>
+            </a:r>
+            <a:r>
+              <a:rPr lang="en-US" sz="2800" dirty="0" err="1">
                 <a:latin typeface="Arial" panose="020B0604020202020204" pitchFamily="34" charset="0"/>
                 <a:cs typeface="Arial" panose="020B0604020202020204" pitchFamily="34" charset="0"/>
               </a:rPr>
               <a:t>trợ</a:t>
             </a:r>
             <a:r>
-              <a:rPr lang="en-US" dirty="0">
-                <a:latin typeface="Arial" panose="020B0604020202020204" pitchFamily="34" charset="0"/>
-                <a:cs typeface="Arial" panose="020B0604020202020204" pitchFamily="34" charset="0"/>
-              </a:rPr>
-              <a:t> </a:t>
-            </a:r>
-            <a:r>
-              <a:rPr lang="en-US" dirty="0" err="1">
+              <a:rPr lang="en-US" sz="2800" dirty="0">
+                <a:latin typeface="Arial" panose="020B0604020202020204" pitchFamily="34" charset="0"/>
+                <a:cs typeface="Arial" panose="020B0604020202020204" pitchFamily="34" charset="0"/>
+              </a:rPr>
+              <a:t> </a:t>
+            </a:r>
+            <a:r>
+              <a:rPr lang="en-US" sz="2800" dirty="0" err="1">
                 <a:latin typeface="Arial" panose="020B0604020202020204" pitchFamily="34" charset="0"/>
                 <a:cs typeface="Arial" panose="020B0604020202020204" pitchFamily="34" charset="0"/>
               </a:rPr>
               <a:t>giao</a:t>
             </a:r>
             <a:r>
-              <a:rPr lang="en-US" dirty="0">
-                <a:latin typeface="Arial" panose="020B0604020202020204" pitchFamily="34" charset="0"/>
-                <a:cs typeface="Arial" panose="020B0604020202020204" pitchFamily="34" charset="0"/>
-              </a:rPr>
-              <a:t> </a:t>
-            </a:r>
-            <a:r>
-              <a:rPr lang="en-US" dirty="0" err="1">
+              <a:rPr lang="en-US" sz="2800" dirty="0">
+                <a:latin typeface="Arial" panose="020B0604020202020204" pitchFamily="34" charset="0"/>
+                <a:cs typeface="Arial" panose="020B0604020202020204" pitchFamily="34" charset="0"/>
+              </a:rPr>
+              <a:t> </a:t>
+            </a:r>
+            <a:r>
+              <a:rPr lang="en-US" sz="2800" dirty="0" err="1">
                 <a:latin typeface="Arial" panose="020B0604020202020204" pitchFamily="34" charset="0"/>
                 <a:cs typeface="Arial" panose="020B0604020202020204" pitchFamily="34" charset="0"/>
               </a:rPr>
               <a:t>thức</a:t>
             </a:r>
             <a:r>
-              <a:rPr lang="en-US" dirty="0">
-                <a:latin typeface="Arial" panose="020B0604020202020204" pitchFamily="34" charset="0"/>
-                <a:cs typeface="Arial" panose="020B0604020202020204" pitchFamily="34" charset="0"/>
-              </a:rPr>
-              <a:t> </a:t>
-            </a:r>
-            <a:r>
-              <a:rPr lang="en-US" dirty="0" err="1">
+              <a:rPr lang="en-US" sz="2800" dirty="0">
+                <a:latin typeface="Arial" panose="020B0604020202020204" pitchFamily="34" charset="0"/>
+                <a:cs typeface="Arial" panose="020B0604020202020204" pitchFamily="34" charset="0"/>
+              </a:rPr>
+              <a:t> </a:t>
+            </a:r>
+            <a:r>
+              <a:rPr lang="en-US" sz="2800" dirty="0" err="1">
                 <a:latin typeface="Arial" panose="020B0604020202020204" pitchFamily="34" charset="0"/>
                 <a:cs typeface="Arial" panose="020B0604020202020204" pitchFamily="34" charset="0"/>
               </a:rPr>
               <a:t>nào</a:t>
             </a:r>
             <a:r>
-              <a:rPr lang="en-US" dirty="0">
-                <a:latin typeface="Arial" panose="020B0604020202020204" pitchFamily="34" charset="0"/>
-                <a:cs typeface="Arial" panose="020B0604020202020204" pitchFamily="34" charset="0"/>
-              </a:rPr>
-              <a:t> </a:t>
-            </a:r>
-            <a:r>
-              <a:rPr lang="en-US" dirty="0" err="1">
+              <a:rPr lang="en-US" sz="2800" dirty="0">
+                <a:latin typeface="Arial" panose="020B0604020202020204" pitchFamily="34" charset="0"/>
+                <a:cs typeface="Arial" panose="020B0604020202020204" pitchFamily="34" charset="0"/>
+              </a:rPr>
+              <a:t> </a:t>
+            </a:r>
+            <a:r>
+              <a:rPr lang="en-US" sz="2800" dirty="0" err="1">
                 <a:latin typeface="Arial" panose="020B0604020202020204" pitchFamily="34" charset="0"/>
                 <a:cs typeface="Arial" panose="020B0604020202020204" pitchFamily="34" charset="0"/>
               </a:rPr>
               <a:t>phụ</a:t>
             </a:r>
             <a:r>
-              <a:rPr lang="en-US" dirty="0">
-                <a:latin typeface="Arial" panose="020B0604020202020204" pitchFamily="34" charset="0"/>
-                <a:cs typeface="Arial" panose="020B0604020202020204" pitchFamily="34" charset="0"/>
-              </a:rPr>
-              <a:t> </a:t>
-            </a:r>
-            <a:r>
-              <a:rPr lang="en-US" dirty="0" err="1">
+              <a:rPr lang="en-US" sz="2800" dirty="0">
+                <a:latin typeface="Arial" panose="020B0604020202020204" pitchFamily="34" charset="0"/>
+                <a:cs typeface="Arial" panose="020B0604020202020204" pitchFamily="34" charset="0"/>
+              </a:rPr>
+              <a:t> </a:t>
+            </a:r>
+            <a:r>
+              <a:rPr lang="en-US" sz="2800" dirty="0" err="1">
                 <a:latin typeface="Arial" panose="020B0604020202020204" pitchFamily="34" charset="0"/>
                 <a:cs typeface="Arial" panose="020B0604020202020204" pitchFamily="34" charset="0"/>
               </a:rPr>
               <a:t>thuộc</a:t>
             </a:r>
             <a:r>
-              <a:rPr lang="en-US" dirty="0">
-                <a:latin typeface="Arial" panose="020B0604020202020204" pitchFamily="34" charset="0"/>
-                <a:cs typeface="Arial" panose="020B0604020202020204" pitchFamily="34" charset="0"/>
-              </a:rPr>
-              <a:t> </a:t>
-            </a:r>
-            <a:r>
-              <a:rPr lang="en-US" dirty="0" err="1">
+              <a:rPr lang="en-US" sz="2800" dirty="0">
+                <a:latin typeface="Arial" panose="020B0604020202020204" pitchFamily="34" charset="0"/>
+                <a:cs typeface="Arial" panose="020B0604020202020204" pitchFamily="34" charset="0"/>
+              </a:rPr>
+              <a:t> </a:t>
+            </a:r>
+            <a:r>
+              <a:rPr lang="en-US" sz="2800" dirty="0" err="1">
                 <a:latin typeface="Arial" panose="020B0604020202020204" pitchFamily="34" charset="0"/>
                 <a:cs typeface="Arial" panose="020B0604020202020204" pitchFamily="34" charset="0"/>
               </a:rPr>
               <a:t>vào</a:t>
             </a:r>
             <a:r>
-              <a:rPr lang="en-US" dirty="0">
-                <a:latin typeface="Arial" panose="020B0604020202020204" pitchFamily="34" charset="0"/>
-                <a:cs typeface="Arial" panose="020B0604020202020204" pitchFamily="34" charset="0"/>
-              </a:rPr>
-              <a:t> </a:t>
-            </a:r>
-            <a:r>
-              <a:rPr lang="en-US" dirty="0" err="1">
+              <a:rPr lang="en-US" sz="2800" dirty="0">
+                <a:latin typeface="Arial" panose="020B0604020202020204" pitchFamily="34" charset="0"/>
+                <a:cs typeface="Arial" panose="020B0604020202020204" pitchFamily="34" charset="0"/>
+              </a:rPr>
+              <a:t> </a:t>
+            </a:r>
+            <a:r>
+              <a:rPr lang="en-US" sz="2800" dirty="0" err="1">
                 <a:latin typeface="Arial" panose="020B0604020202020204" pitchFamily="34" charset="0"/>
                 <a:cs typeface="Arial" panose="020B0604020202020204" pitchFamily="34" charset="0"/>
               </a:rPr>
               <a:t>lúc</a:t>
             </a:r>
             <a:r>
-              <a:rPr lang="en-US" dirty="0">
-                <a:latin typeface="Arial" panose="020B0604020202020204" pitchFamily="34" charset="0"/>
-                <a:cs typeface="Arial" panose="020B0604020202020204" pitchFamily="34" charset="0"/>
-              </a:rPr>
-              <a:t> </a:t>
-            </a:r>
-            <a:r>
-              <a:rPr lang="en-US" dirty="0" err="1">
+              <a:rPr lang="en-US" sz="2800" dirty="0">
+                <a:latin typeface="Arial" panose="020B0604020202020204" pitchFamily="34" charset="0"/>
+                <a:cs typeface="Arial" panose="020B0604020202020204" pitchFamily="34" charset="0"/>
+              </a:rPr>
+              <a:t> </a:t>
+            </a:r>
+            <a:r>
+              <a:rPr lang="en-US" sz="2800" dirty="0" err="1">
                 <a:latin typeface="Arial" panose="020B0604020202020204" pitchFamily="34" charset="0"/>
                 <a:cs typeface="Arial" panose="020B0604020202020204" pitchFamily="34" charset="0"/>
               </a:rPr>
               <a:t>cấu</a:t>
             </a:r>
             <a:r>
-              <a:rPr lang="en-US" dirty="0">
-                <a:latin typeface="Arial" panose="020B0604020202020204" pitchFamily="34" charset="0"/>
-                <a:cs typeface="Arial" panose="020B0604020202020204" pitchFamily="34" charset="0"/>
-              </a:rPr>
-              <a:t> </a:t>
-            </a:r>
-            <a:r>
-              <a:rPr lang="en-US" dirty="0" err="1">
+              <a:rPr lang="en-US" sz="2800" dirty="0">
+                <a:latin typeface="Arial" panose="020B0604020202020204" pitchFamily="34" charset="0"/>
+                <a:cs typeface="Arial" panose="020B0604020202020204" pitchFamily="34" charset="0"/>
+              </a:rPr>
+              <a:t> </a:t>
+            </a:r>
+            <a:r>
+              <a:rPr lang="en-US" sz="2800" dirty="0" err="1">
                 <a:latin typeface="Arial" panose="020B0604020202020204" pitchFamily="34" charset="0"/>
                 <a:cs typeface="Arial" panose="020B0604020202020204" pitchFamily="34" charset="0"/>
               </a:rPr>
               <a:t>hình</a:t>
             </a:r>
             <a:r>
-              <a:rPr lang="en-US" dirty="0">
+              <a:rPr lang="en-US" sz="2800" dirty="0">
                 <a:latin typeface="Arial" panose="020B0604020202020204" pitchFamily="34" charset="0"/>
                 <a:cs typeface="Arial" panose="020B0604020202020204" pitchFamily="34" charset="0"/>
               </a:rPr>
@@ -7162,7 +7176,7 @@
             <a:pPr marL="0" indent="0">
               <a:buNone/>
             </a:pPr>
-            <a:endParaRPr lang="en-US" dirty="0">
+            <a:endParaRPr lang="en-US" sz="2800" dirty="0">
               <a:latin typeface="Arial" panose="020B0604020202020204" pitchFamily="34" charset="0"/>
               <a:cs typeface="Arial" panose="020B0604020202020204" pitchFamily="34" charset="0"/>
             </a:endParaRPr>
@@ -7277,194 +7291,198 @@
             <p:ph idx="1"/>
           </p:nvPr>
         </p:nvSpPr>
-        <p:spPr/>
+        <p:spPr>
+          <a:xfrm>
+            <a:off x="677334" y="1628961"/>
+            <a:ext cx="8596668" cy="3880773"/>
+          </a:xfrm>
+        </p:spPr>
         <p:txBody>
           <a:bodyPr>
             <a:normAutofit/>
           </a:bodyPr>
           <a:lstStyle/>
           <a:p>
-            <a:pPr>
-              <a:buFont typeface="Wingdings" pitchFamily="2" charset="2"/>
-              <a:buChar char="Ø"/>
+            <a:pPr marL="0" indent="0">
+              <a:buNone/>
             </a:pPr>
             <a:r>
-              <a:rPr lang="en-US" dirty="0" err="1">
+              <a:rPr lang="en-US" sz="2800" dirty="0" err="1">
                 <a:latin typeface="Arial" panose="020B0604020202020204" pitchFamily="34" charset="0"/>
                 <a:cs typeface="Arial" panose="020B0604020202020204" pitchFamily="34" charset="0"/>
               </a:rPr>
               <a:t>Ví</a:t>
             </a:r>
             <a:r>
-              <a:rPr lang="en-US" dirty="0">
-                <a:latin typeface="Arial" panose="020B0604020202020204" pitchFamily="34" charset="0"/>
-                <a:cs typeface="Arial" panose="020B0604020202020204" pitchFamily="34" charset="0"/>
-              </a:rPr>
-              <a:t> </a:t>
-            </a:r>
-            <a:r>
-              <a:rPr lang="en-US" dirty="0" err="1">
+              <a:rPr lang="en-US" sz="2800" dirty="0">
+                <a:latin typeface="Arial" panose="020B0604020202020204" pitchFamily="34" charset="0"/>
+                <a:cs typeface="Arial" panose="020B0604020202020204" pitchFamily="34" charset="0"/>
+              </a:rPr>
+              <a:t> </a:t>
+            </a:r>
+            <a:r>
+              <a:rPr lang="en-US" sz="2800" dirty="0" err="1">
                 <a:latin typeface="Arial" panose="020B0604020202020204" pitchFamily="34" charset="0"/>
                 <a:cs typeface="Arial" panose="020B0604020202020204" pitchFamily="34" charset="0"/>
               </a:rPr>
               <a:t>dụ</a:t>
             </a:r>
             <a:r>
-              <a:rPr lang="en-US" dirty="0">
-                <a:latin typeface="Arial" panose="020B0604020202020204" pitchFamily="34" charset="0"/>
-                <a:cs typeface="Arial" panose="020B0604020202020204" pitchFamily="34" charset="0"/>
-              </a:rPr>
-              <a:t> </a:t>
-            </a:r>
-            <a:r>
-              <a:rPr lang="en-US" dirty="0" err="1">
+              <a:rPr lang="en-US" sz="2800" dirty="0">
+                <a:latin typeface="Arial" panose="020B0604020202020204" pitchFamily="34" charset="0"/>
+                <a:cs typeface="Arial" panose="020B0604020202020204" pitchFamily="34" charset="0"/>
+              </a:rPr>
+              <a:t> </a:t>
+            </a:r>
+            <a:r>
+              <a:rPr lang="en-US" sz="2800" dirty="0" err="1">
                 <a:latin typeface="Arial" panose="020B0604020202020204" pitchFamily="34" charset="0"/>
                 <a:cs typeface="Arial" panose="020B0604020202020204" pitchFamily="34" charset="0"/>
               </a:rPr>
               <a:t>bạn</a:t>
             </a:r>
             <a:r>
-              <a:rPr lang="en-US" dirty="0">
-                <a:latin typeface="Arial" panose="020B0604020202020204" pitchFamily="34" charset="0"/>
-                <a:cs typeface="Arial" panose="020B0604020202020204" pitchFamily="34" charset="0"/>
-              </a:rPr>
-              <a:t> </a:t>
-            </a:r>
-            <a:r>
-              <a:rPr lang="en-US" dirty="0" err="1">
+              <a:rPr lang="en-US" sz="2800" dirty="0">
+                <a:latin typeface="Arial" panose="020B0604020202020204" pitchFamily="34" charset="0"/>
+                <a:cs typeface="Arial" panose="020B0604020202020204" pitchFamily="34" charset="0"/>
+              </a:rPr>
+              <a:t> </a:t>
+            </a:r>
+            <a:r>
+              <a:rPr lang="en-US" sz="2800" dirty="0" err="1">
                 <a:latin typeface="Arial" panose="020B0604020202020204" pitchFamily="34" charset="0"/>
                 <a:cs typeface="Arial" panose="020B0604020202020204" pitchFamily="34" charset="0"/>
               </a:rPr>
               <a:t>có</a:t>
             </a:r>
             <a:r>
-              <a:rPr lang="en-US" dirty="0">
-                <a:latin typeface="Arial" panose="020B0604020202020204" pitchFamily="34" charset="0"/>
-                <a:cs typeface="Arial" panose="020B0604020202020204" pitchFamily="34" charset="0"/>
-              </a:rPr>
-              <a:t> </a:t>
-            </a:r>
-            <a:r>
-              <a:rPr lang="en-US" dirty="0" err="1">
+              <a:rPr lang="en-US" sz="2800" dirty="0">
+                <a:latin typeface="Arial" panose="020B0604020202020204" pitchFamily="34" charset="0"/>
+                <a:cs typeface="Arial" panose="020B0604020202020204" pitchFamily="34" charset="0"/>
+              </a:rPr>
+              <a:t> </a:t>
+            </a:r>
+            <a:r>
+              <a:rPr lang="en-US" sz="2800" dirty="0" err="1">
                 <a:latin typeface="Arial" panose="020B0604020202020204" pitchFamily="34" charset="0"/>
                 <a:cs typeface="Arial" panose="020B0604020202020204" pitchFamily="34" charset="0"/>
               </a:rPr>
               <a:t>thể</a:t>
             </a:r>
             <a:r>
-              <a:rPr lang="en-US" dirty="0">
-                <a:latin typeface="Arial" panose="020B0604020202020204" pitchFamily="34" charset="0"/>
-                <a:cs typeface="Arial" panose="020B0604020202020204" pitchFamily="34" charset="0"/>
-              </a:rPr>
-              <a:t> </a:t>
-            </a:r>
-            <a:r>
-              <a:rPr lang="en-US" dirty="0" err="1">
+              <a:rPr lang="en-US" sz="2800" dirty="0">
+                <a:latin typeface="Arial" panose="020B0604020202020204" pitchFamily="34" charset="0"/>
+                <a:cs typeface="Arial" panose="020B0604020202020204" pitchFamily="34" charset="0"/>
+              </a:rPr>
+              <a:t> </a:t>
+            </a:r>
+            <a:r>
+              <a:rPr lang="en-US" sz="2800" dirty="0" err="1">
                 <a:latin typeface="Arial" panose="020B0604020202020204" pitchFamily="34" charset="0"/>
                 <a:cs typeface="Arial" panose="020B0604020202020204" pitchFamily="34" charset="0"/>
               </a:rPr>
               <a:t>dùng</a:t>
             </a:r>
             <a:r>
-              <a:rPr lang="en-US" dirty="0">
-                <a:latin typeface="Arial" panose="020B0604020202020204" pitchFamily="34" charset="0"/>
-                <a:cs typeface="Arial" panose="020B0604020202020204" pitchFamily="34" charset="0"/>
-              </a:rPr>
-              <a:t> </a:t>
-            </a:r>
-            <a:r>
-              <a:rPr lang="en-US" dirty="0" err="1">
+              <a:rPr lang="en-US" sz="2800" dirty="0">
+                <a:latin typeface="Arial" panose="020B0604020202020204" pitchFamily="34" charset="0"/>
+                <a:cs typeface="Arial" panose="020B0604020202020204" pitchFamily="34" charset="0"/>
+              </a:rPr>
+              <a:t> </a:t>
+            </a:r>
+            <a:r>
+              <a:rPr lang="en-US" sz="2800" dirty="0" err="1">
                 <a:latin typeface="Arial" panose="020B0604020202020204" pitchFamily="34" charset="0"/>
                 <a:cs typeface="Arial" panose="020B0604020202020204" pitchFamily="34" charset="0"/>
               </a:rPr>
               <a:t>các</a:t>
             </a:r>
             <a:r>
-              <a:rPr lang="en-US" dirty="0">
-                <a:latin typeface="Arial" panose="020B0604020202020204" pitchFamily="34" charset="0"/>
-                <a:cs typeface="Arial" panose="020B0604020202020204" pitchFamily="34" charset="0"/>
-              </a:rPr>
-              <a:t> </a:t>
-            </a:r>
-            <a:r>
-              <a:rPr lang="en-US" dirty="0" err="1">
+              <a:rPr lang="en-US" sz="2800" dirty="0">
+                <a:latin typeface="Arial" panose="020B0604020202020204" pitchFamily="34" charset="0"/>
+                <a:cs typeface="Arial" panose="020B0604020202020204" pitchFamily="34" charset="0"/>
+              </a:rPr>
+              <a:t> </a:t>
+            </a:r>
+            <a:r>
+              <a:rPr lang="en-US" sz="2800" dirty="0" err="1">
                 <a:latin typeface="Arial" panose="020B0604020202020204" pitchFamily="34" charset="0"/>
                 <a:cs typeface="Arial" panose="020B0604020202020204" pitchFamily="34" charset="0"/>
               </a:rPr>
               <a:t>giao</a:t>
             </a:r>
             <a:r>
-              <a:rPr lang="en-US" dirty="0">
-                <a:latin typeface="Arial" panose="020B0604020202020204" pitchFamily="34" charset="0"/>
-                <a:cs typeface="Arial" panose="020B0604020202020204" pitchFamily="34" charset="0"/>
-              </a:rPr>
-              <a:t> </a:t>
-            </a:r>
-            <a:r>
-              <a:rPr lang="en-US" dirty="0" err="1">
+              <a:rPr lang="en-US" sz="2800" dirty="0">
+                <a:latin typeface="Arial" panose="020B0604020202020204" pitchFamily="34" charset="0"/>
+                <a:cs typeface="Arial" panose="020B0604020202020204" pitchFamily="34" charset="0"/>
+              </a:rPr>
+              <a:t> </a:t>
+            </a:r>
+            <a:r>
+              <a:rPr lang="en-US" sz="2800" dirty="0" err="1">
                 <a:latin typeface="Arial" panose="020B0604020202020204" pitchFamily="34" charset="0"/>
                 <a:cs typeface="Arial" panose="020B0604020202020204" pitchFamily="34" charset="0"/>
               </a:rPr>
               <a:t>thức</a:t>
             </a:r>
             <a:r>
-              <a:rPr lang="en-US" dirty="0">
-                <a:latin typeface="Arial" panose="020B0604020202020204" pitchFamily="34" charset="0"/>
-                <a:cs typeface="Arial" panose="020B0604020202020204" pitchFamily="34" charset="0"/>
-              </a:rPr>
-              <a:t> </a:t>
-            </a:r>
-            <a:r>
-              <a:rPr lang="en-US" dirty="0" err="1">
+              <a:rPr lang="en-US" sz="2800" dirty="0">
+                <a:latin typeface="Arial" panose="020B0604020202020204" pitchFamily="34" charset="0"/>
+                <a:cs typeface="Arial" panose="020B0604020202020204" pitchFamily="34" charset="0"/>
+              </a:rPr>
+              <a:t> </a:t>
+            </a:r>
+            <a:r>
+              <a:rPr lang="en-US" sz="2800" dirty="0" err="1">
                 <a:latin typeface="Arial" panose="020B0604020202020204" pitchFamily="34" charset="0"/>
                 <a:cs typeface="Arial" panose="020B0604020202020204" pitchFamily="34" charset="0"/>
               </a:rPr>
               <a:t>của</a:t>
             </a:r>
             <a:r>
-              <a:rPr lang="en-US" dirty="0">
-                <a:latin typeface="Arial" panose="020B0604020202020204" pitchFamily="34" charset="0"/>
-                <a:cs typeface="Arial" panose="020B0604020202020204" pitchFamily="34" charset="0"/>
-              </a:rPr>
-              <a:t> </a:t>
-            </a:r>
-            <a:r>
-              <a:rPr lang="en-US" dirty="0" err="1">
+              <a:rPr lang="en-US" sz="2800" dirty="0">
+                <a:latin typeface="Arial" panose="020B0604020202020204" pitchFamily="34" charset="0"/>
+                <a:cs typeface="Arial" panose="020B0604020202020204" pitchFamily="34" charset="0"/>
+              </a:rPr>
+              <a:t> </a:t>
+            </a:r>
+            <a:r>
+              <a:rPr lang="en-US" sz="2800" dirty="0" err="1">
                 <a:latin typeface="Arial" panose="020B0604020202020204" pitchFamily="34" charset="0"/>
                 <a:cs typeface="Arial" panose="020B0604020202020204" pitchFamily="34" charset="0"/>
               </a:rPr>
               <a:t>ứng</a:t>
             </a:r>
             <a:r>
-              <a:rPr lang="en-US" dirty="0">
-                <a:latin typeface="Arial" panose="020B0604020202020204" pitchFamily="34" charset="0"/>
-                <a:cs typeface="Arial" panose="020B0604020202020204" pitchFamily="34" charset="0"/>
-              </a:rPr>
-              <a:t> </a:t>
-            </a:r>
-            <a:r>
-              <a:rPr lang="en-US" dirty="0" err="1">
+              <a:rPr lang="en-US" sz="2800" dirty="0">
+                <a:latin typeface="Arial" panose="020B0604020202020204" pitchFamily="34" charset="0"/>
+                <a:cs typeface="Arial" panose="020B0604020202020204" pitchFamily="34" charset="0"/>
+              </a:rPr>
+              <a:t> </a:t>
+            </a:r>
+            <a:r>
+              <a:rPr lang="en-US" sz="2800" dirty="0" err="1">
                 <a:latin typeface="Arial" panose="020B0604020202020204" pitchFamily="34" charset="0"/>
                 <a:cs typeface="Arial" panose="020B0604020202020204" pitchFamily="34" charset="0"/>
               </a:rPr>
               <a:t>dụng</a:t>
             </a:r>
             <a:r>
-              <a:rPr lang="en-US" dirty="0">
+              <a:rPr lang="en-US" sz="2800" dirty="0">
                 <a:latin typeface="Arial" panose="020B0604020202020204" pitchFamily="34" charset="0"/>
                 <a:cs typeface="Arial" panose="020B0604020202020204" pitchFamily="34" charset="0"/>
               </a:rPr>
               <a:t> web </a:t>
             </a:r>
             <a:r>
-              <a:rPr lang="en-US" dirty="0" err="1">
+              <a:rPr lang="en-US" sz="2800" dirty="0" err="1">
                 <a:latin typeface="Arial" panose="020B0604020202020204" pitchFamily="34" charset="0"/>
                 <a:cs typeface="Arial" panose="020B0604020202020204" pitchFamily="34" charset="0"/>
               </a:rPr>
               <a:t>như</a:t>
             </a:r>
             <a:r>
-              <a:rPr lang="en-US" dirty="0">
+              <a:rPr lang="en-US" sz="2800" dirty="0">
                 <a:latin typeface="Arial" panose="020B0604020202020204" pitchFamily="34" charset="0"/>
                 <a:cs typeface="Arial" panose="020B0604020202020204" pitchFamily="34" charset="0"/>
               </a:rPr>
@@ -7477,21 +7495,21 @@
               <a:buChar char="•"/>
             </a:pPr>
             <a:r>
-              <a:rPr lang="en-US" sz="1800" dirty="0">
+              <a:rPr lang="en-US" sz="2800" dirty="0">
                 <a:latin typeface="Arial" panose="020B0604020202020204" pitchFamily="34" charset="0"/>
                 <a:cs typeface="Arial" panose="020B0604020202020204" pitchFamily="34" charset="0"/>
               </a:rPr>
               <a:t>Http:// </a:t>
             </a:r>
             <a:r>
-              <a:rPr lang="en-US" sz="1800" dirty="0" err="1">
+              <a:rPr lang="en-US" sz="2800" dirty="0" err="1">
                 <a:latin typeface="Arial" panose="020B0604020202020204" pitchFamily="34" charset="0"/>
                 <a:cs typeface="Arial" panose="020B0604020202020204" pitchFamily="34" charset="0"/>
               </a:rPr>
               <a:t>hoặc</a:t>
             </a:r>
             <a:r>
-              <a:rPr lang="en-US" sz="1800" dirty="0">
+              <a:rPr lang="en-US" sz="2800" dirty="0">
                 <a:latin typeface="Arial" panose="020B0604020202020204" pitchFamily="34" charset="0"/>
                 <a:cs typeface="Arial" panose="020B0604020202020204" pitchFamily="34" charset="0"/>
               </a:rPr>
@@ -7504,112 +7522,112 @@
               <a:buChar char="•"/>
             </a:pPr>
             <a:r>
-              <a:rPr lang="en-US" sz="1800" dirty="0" err="1">
+              <a:rPr lang="en-US" sz="2800" dirty="0" err="1">
                 <a:latin typeface="Arial" panose="020B0604020202020204" pitchFamily="34" charset="0"/>
                 <a:cs typeface="Arial" panose="020B0604020202020204" pitchFamily="34" charset="0"/>
               </a:rPr>
               <a:t>Các</a:t>
             </a:r>
             <a:r>
-              <a:rPr lang="en-US" sz="1800" dirty="0">
-                <a:latin typeface="Arial" panose="020B0604020202020204" pitchFamily="34" charset="0"/>
-                <a:cs typeface="Arial" panose="020B0604020202020204" pitchFamily="34" charset="0"/>
-              </a:rPr>
-              <a:t> </a:t>
-            </a:r>
-            <a:r>
-              <a:rPr lang="en-US" sz="1800" dirty="0" err="1">
+              <a:rPr lang="en-US" sz="2800" dirty="0">
+                <a:latin typeface="Arial" panose="020B0604020202020204" pitchFamily="34" charset="0"/>
+                <a:cs typeface="Arial" panose="020B0604020202020204" pitchFamily="34" charset="0"/>
+              </a:rPr>
+              <a:t> </a:t>
+            </a:r>
+            <a:r>
+              <a:rPr lang="en-US" sz="2800" dirty="0" err="1">
                 <a:latin typeface="Arial" panose="020B0604020202020204" pitchFamily="34" charset="0"/>
                 <a:cs typeface="Arial" panose="020B0604020202020204" pitchFamily="34" charset="0"/>
               </a:rPr>
               <a:t>giao</a:t>
             </a:r>
             <a:r>
-              <a:rPr lang="en-US" sz="1800" dirty="0">
-                <a:latin typeface="Arial" panose="020B0604020202020204" pitchFamily="34" charset="0"/>
-                <a:cs typeface="Arial" panose="020B0604020202020204" pitchFamily="34" charset="0"/>
-              </a:rPr>
-              <a:t> </a:t>
-            </a:r>
-            <a:r>
-              <a:rPr lang="en-US" sz="1800" dirty="0" err="1">
+              <a:rPr lang="en-US" sz="2800" dirty="0">
+                <a:latin typeface="Arial" panose="020B0604020202020204" pitchFamily="34" charset="0"/>
+                <a:cs typeface="Arial" panose="020B0604020202020204" pitchFamily="34" charset="0"/>
+              </a:rPr>
+              <a:t> </a:t>
+            </a:r>
+            <a:r>
+              <a:rPr lang="en-US" sz="2800" dirty="0" err="1">
                 <a:latin typeface="Arial" panose="020B0604020202020204" pitchFamily="34" charset="0"/>
                 <a:cs typeface="Arial" panose="020B0604020202020204" pitchFamily="34" charset="0"/>
               </a:rPr>
               <a:t>thức</a:t>
             </a:r>
             <a:r>
-              <a:rPr lang="en-US" sz="1800" dirty="0">
-                <a:latin typeface="Arial" panose="020B0604020202020204" pitchFamily="34" charset="0"/>
-                <a:cs typeface="Arial" panose="020B0604020202020204" pitchFamily="34" charset="0"/>
-              </a:rPr>
-              <a:t> </a:t>
-            </a:r>
-            <a:r>
-              <a:rPr lang="en-US" sz="1800" dirty="0" err="1">
+              <a:rPr lang="en-US" sz="2800" dirty="0">
+                <a:latin typeface="Arial" panose="020B0604020202020204" pitchFamily="34" charset="0"/>
+                <a:cs typeface="Arial" panose="020B0604020202020204" pitchFamily="34" charset="0"/>
+              </a:rPr>
+              <a:t> </a:t>
+            </a:r>
+            <a:r>
+              <a:rPr lang="en-US" sz="2800" dirty="0" err="1">
                 <a:latin typeface="Arial" panose="020B0604020202020204" pitchFamily="34" charset="0"/>
                 <a:cs typeface="Arial" panose="020B0604020202020204" pitchFamily="34" charset="0"/>
               </a:rPr>
               <a:t>của</a:t>
             </a:r>
             <a:r>
-              <a:rPr lang="en-US" sz="1800" dirty="0">
-                <a:latin typeface="Arial" panose="020B0604020202020204" pitchFamily="34" charset="0"/>
-                <a:cs typeface="Arial" panose="020B0604020202020204" pitchFamily="34" charset="0"/>
-              </a:rPr>
-              <a:t> </a:t>
-            </a:r>
-            <a:r>
-              <a:rPr lang="en-US" sz="1800" dirty="0" err="1">
+              <a:rPr lang="en-US" sz="2800" dirty="0">
+                <a:latin typeface="Arial" panose="020B0604020202020204" pitchFamily="34" charset="0"/>
+                <a:cs typeface="Arial" panose="020B0604020202020204" pitchFamily="34" charset="0"/>
+              </a:rPr>
+              <a:t> </a:t>
+            </a:r>
+            <a:r>
+              <a:rPr lang="en-US" sz="2800" dirty="0" err="1">
                 <a:latin typeface="Arial" panose="020B0604020202020204" pitchFamily="34" charset="0"/>
                 <a:cs typeface="Arial" panose="020B0604020202020204" pitchFamily="34" charset="0"/>
               </a:rPr>
               <a:t>svn</a:t>
             </a:r>
             <a:r>
-              <a:rPr lang="en-US" sz="1800" dirty="0">
-                <a:latin typeface="Arial" panose="020B0604020202020204" pitchFamily="34" charset="0"/>
-                <a:cs typeface="Arial" panose="020B0604020202020204" pitchFamily="34" charset="0"/>
-              </a:rPr>
-              <a:t> </a:t>
-            </a:r>
-            <a:r>
-              <a:rPr lang="en-US" sz="1800" dirty="0" err="1">
+              <a:rPr lang="en-US" sz="2800" dirty="0">
+                <a:latin typeface="Arial" panose="020B0604020202020204" pitchFamily="34" charset="0"/>
+                <a:cs typeface="Arial" panose="020B0604020202020204" pitchFamily="34" charset="0"/>
+              </a:rPr>
+              <a:t> </a:t>
+            </a:r>
+            <a:r>
+              <a:rPr lang="en-US" sz="2800" dirty="0" err="1">
                 <a:latin typeface="Arial" panose="020B0604020202020204" pitchFamily="34" charset="0"/>
                 <a:cs typeface="Arial" panose="020B0604020202020204" pitchFamily="34" charset="0"/>
               </a:rPr>
               <a:t>như</a:t>
             </a:r>
             <a:r>
-              <a:rPr lang="en-US" sz="1800" dirty="0">
+              <a:rPr lang="en-US" sz="2800" dirty="0">
                 <a:latin typeface="Arial" panose="020B0604020202020204" pitchFamily="34" charset="0"/>
                 <a:cs typeface="Arial" panose="020B0604020202020204" pitchFamily="34" charset="0"/>
               </a:rPr>
               <a:t> svn:// </a:t>
             </a:r>
             <a:r>
-              <a:rPr lang="en-US" sz="1800" dirty="0" err="1">
+              <a:rPr lang="en-US" sz="2800" dirty="0" err="1">
                 <a:latin typeface="Arial" panose="020B0604020202020204" pitchFamily="34" charset="0"/>
                 <a:cs typeface="Arial" panose="020B0604020202020204" pitchFamily="34" charset="0"/>
               </a:rPr>
               <a:t>hoặc</a:t>
             </a:r>
             <a:r>
-              <a:rPr lang="en-US" sz="1800" dirty="0">
-                <a:latin typeface="Arial" panose="020B0604020202020204" pitchFamily="34" charset="0"/>
-                <a:cs typeface="Arial" panose="020B0604020202020204" pitchFamily="34" charset="0"/>
-              </a:rPr>
-              <a:t> </a:t>
-            </a:r>
-            <a:r>
-              <a:rPr lang="en-US" sz="1800" dirty="0" err="1">
+              <a:rPr lang="en-US" sz="2800" dirty="0">
+                <a:latin typeface="Arial" panose="020B0604020202020204" pitchFamily="34" charset="0"/>
+                <a:cs typeface="Arial" panose="020B0604020202020204" pitchFamily="34" charset="0"/>
+              </a:rPr>
+              <a:t> </a:t>
+            </a:r>
+            <a:r>
+              <a:rPr lang="en-US" sz="2800" dirty="0" err="1">
                 <a:latin typeface="Arial" panose="020B0604020202020204" pitchFamily="34" charset="0"/>
                 <a:cs typeface="Arial" panose="020B0604020202020204" pitchFamily="34" charset="0"/>
               </a:rPr>
               <a:t>svn+ssh</a:t>
             </a:r>
             <a:r>
-              <a:rPr lang="en-US" sz="1800" dirty="0">
+              <a:rPr lang="en-US" sz="2800" dirty="0">
                 <a:latin typeface="Arial" panose="020B0604020202020204" pitchFamily="34" charset="0"/>
                 <a:cs typeface="Arial" panose="020B0604020202020204" pitchFamily="34" charset="0"/>
               </a:rPr>
@@ -7622,182 +7640,182 @@
               <a:buChar char="•"/>
             </a:pPr>
             <a:r>
-              <a:rPr lang="en-US" sz="1800" dirty="0" err="1">
+              <a:rPr lang="en-US" sz="2800" dirty="0" err="1">
                 <a:latin typeface="Arial" panose="020B0604020202020204" pitchFamily="34" charset="0"/>
                 <a:cs typeface="Arial" panose="020B0604020202020204" pitchFamily="34" charset="0"/>
               </a:rPr>
               <a:t>Hoặc</a:t>
             </a:r>
             <a:r>
-              <a:rPr lang="en-US" sz="1800" dirty="0">
-                <a:latin typeface="Arial" panose="020B0604020202020204" pitchFamily="34" charset="0"/>
-                <a:cs typeface="Arial" panose="020B0604020202020204" pitchFamily="34" charset="0"/>
-              </a:rPr>
-              <a:t> </a:t>
-            </a:r>
-            <a:r>
-              <a:rPr lang="en-US" sz="1800" dirty="0" err="1">
+              <a:rPr lang="en-US" sz="2800" dirty="0">
+                <a:latin typeface="Arial" panose="020B0604020202020204" pitchFamily="34" charset="0"/>
+                <a:cs typeface="Arial" panose="020B0604020202020204" pitchFamily="34" charset="0"/>
+              </a:rPr>
+              <a:t> </a:t>
+            </a:r>
+            <a:r>
+              <a:rPr lang="en-US" sz="2800" dirty="0" err="1">
                 <a:latin typeface="Arial" panose="020B0604020202020204" pitchFamily="34" charset="0"/>
                 <a:cs typeface="Arial" panose="020B0604020202020204" pitchFamily="34" charset="0"/>
               </a:rPr>
               <a:t>nếu</a:t>
             </a:r>
             <a:r>
-              <a:rPr lang="en-US" sz="1800" dirty="0">
-                <a:latin typeface="Arial" panose="020B0604020202020204" pitchFamily="34" charset="0"/>
-                <a:cs typeface="Arial" panose="020B0604020202020204" pitchFamily="34" charset="0"/>
-              </a:rPr>
-              <a:t> </a:t>
-            </a:r>
-            <a:r>
-              <a:rPr lang="en-US" sz="1800" dirty="0" err="1">
+              <a:rPr lang="en-US" sz="2800" dirty="0">
+                <a:latin typeface="Arial" panose="020B0604020202020204" pitchFamily="34" charset="0"/>
+                <a:cs typeface="Arial" panose="020B0604020202020204" pitchFamily="34" charset="0"/>
+              </a:rPr>
+              <a:t> </a:t>
+            </a:r>
+            <a:r>
+              <a:rPr lang="en-US" sz="2800" dirty="0" err="1">
                 <a:latin typeface="Arial" panose="020B0604020202020204" pitchFamily="34" charset="0"/>
                 <a:cs typeface="Arial" panose="020B0604020202020204" pitchFamily="34" charset="0"/>
               </a:rPr>
               <a:t>phần</a:t>
             </a:r>
             <a:r>
-              <a:rPr lang="en-US" sz="1800" dirty="0">
-                <a:latin typeface="Arial" panose="020B0604020202020204" pitchFamily="34" charset="0"/>
-                <a:cs typeface="Arial" panose="020B0604020202020204" pitchFamily="34" charset="0"/>
-              </a:rPr>
-              <a:t> </a:t>
-            </a:r>
-            <a:r>
-              <a:rPr lang="en-US" sz="1800" dirty="0" err="1">
+              <a:rPr lang="en-US" sz="2800" dirty="0">
+                <a:latin typeface="Arial" panose="020B0604020202020204" pitchFamily="34" charset="0"/>
+                <a:cs typeface="Arial" panose="020B0604020202020204" pitchFamily="34" charset="0"/>
+              </a:rPr>
+              <a:t> </a:t>
+            </a:r>
+            <a:r>
+              <a:rPr lang="en-US" sz="2800" dirty="0" err="1">
                 <a:latin typeface="Arial" panose="020B0604020202020204" pitchFamily="34" charset="0"/>
                 <a:cs typeface="Arial" panose="020B0604020202020204" pitchFamily="34" charset="0"/>
               </a:rPr>
               <a:t>mềm</a:t>
             </a:r>
             <a:r>
-              <a:rPr lang="en-US" sz="1800" dirty="0">
+              <a:rPr lang="en-US" sz="2800" dirty="0">
                 <a:latin typeface="Arial" panose="020B0604020202020204" pitchFamily="34" charset="0"/>
                 <a:cs typeface="Arial" panose="020B0604020202020204" pitchFamily="34" charset="0"/>
               </a:rPr>
               <a:t> client </a:t>
             </a:r>
             <a:r>
-              <a:rPr lang="en-US" sz="1800" dirty="0" err="1">
+              <a:rPr lang="en-US" sz="2800" dirty="0" err="1">
                 <a:latin typeface="Arial" panose="020B0604020202020204" pitchFamily="34" charset="0"/>
                 <a:cs typeface="Arial" panose="020B0604020202020204" pitchFamily="34" charset="0"/>
               </a:rPr>
               <a:t>và</a:t>
             </a:r>
             <a:r>
-              <a:rPr lang="en-US" sz="1800" dirty="0">
+              <a:rPr lang="en-US" sz="2800" dirty="0">
                 <a:latin typeface="Arial" panose="020B0604020202020204" pitchFamily="34" charset="0"/>
                 <a:cs typeface="Arial" panose="020B0604020202020204" pitchFamily="34" charset="0"/>
               </a:rPr>
               <a:t> server </a:t>
             </a:r>
             <a:r>
-              <a:rPr lang="en-US" sz="1800" dirty="0" err="1">
+              <a:rPr lang="en-US" sz="2800" dirty="0" err="1">
                 <a:latin typeface="Arial" panose="020B0604020202020204" pitchFamily="34" charset="0"/>
                 <a:cs typeface="Arial" panose="020B0604020202020204" pitchFamily="34" charset="0"/>
               </a:rPr>
               <a:t>cài</a:t>
             </a:r>
             <a:r>
-              <a:rPr lang="en-US" sz="1800" dirty="0">
-                <a:latin typeface="Arial" panose="020B0604020202020204" pitchFamily="34" charset="0"/>
-                <a:cs typeface="Arial" panose="020B0604020202020204" pitchFamily="34" charset="0"/>
-              </a:rPr>
-              <a:t> </a:t>
-            </a:r>
-            <a:r>
-              <a:rPr lang="en-US" sz="1800" dirty="0" err="1">
+              <a:rPr lang="en-US" sz="2800" dirty="0">
+                <a:latin typeface="Arial" panose="020B0604020202020204" pitchFamily="34" charset="0"/>
+                <a:cs typeface="Arial" panose="020B0604020202020204" pitchFamily="34" charset="0"/>
+              </a:rPr>
+              <a:t> </a:t>
+            </a:r>
+            <a:r>
+              <a:rPr lang="en-US" sz="2800" dirty="0" err="1">
                 <a:latin typeface="Arial" panose="020B0604020202020204" pitchFamily="34" charset="0"/>
                 <a:cs typeface="Arial" panose="020B0604020202020204" pitchFamily="34" charset="0"/>
               </a:rPr>
               <a:t>chung</a:t>
             </a:r>
             <a:r>
-              <a:rPr lang="en-US" sz="1800" dirty="0">
-                <a:latin typeface="Arial" panose="020B0604020202020204" pitchFamily="34" charset="0"/>
-                <a:cs typeface="Arial" panose="020B0604020202020204" pitchFamily="34" charset="0"/>
-              </a:rPr>
-              <a:t> </a:t>
-            </a:r>
-            <a:r>
-              <a:rPr lang="en-US" sz="1800" dirty="0" err="1">
+              <a:rPr lang="en-US" sz="2800" dirty="0">
+                <a:latin typeface="Arial" panose="020B0604020202020204" pitchFamily="34" charset="0"/>
+                <a:cs typeface="Arial" panose="020B0604020202020204" pitchFamily="34" charset="0"/>
+              </a:rPr>
+              <a:t> </a:t>
+            </a:r>
+            <a:r>
+              <a:rPr lang="en-US" sz="2800" dirty="0" err="1">
                 <a:latin typeface="Arial" panose="020B0604020202020204" pitchFamily="34" charset="0"/>
                 <a:cs typeface="Arial" panose="020B0604020202020204" pitchFamily="34" charset="0"/>
               </a:rPr>
               <a:t>trên</a:t>
             </a:r>
             <a:r>
-              <a:rPr lang="en-US" sz="1800" dirty="0">
+              <a:rPr lang="en-US" sz="2800" dirty="0">
                 <a:latin typeface="Arial" panose="020B0604020202020204" pitchFamily="34" charset="0"/>
                 <a:cs typeface="Arial" panose="020B0604020202020204" pitchFamily="34" charset="0"/>
               </a:rPr>
               <a:t> 1 </a:t>
             </a:r>
             <a:r>
-              <a:rPr lang="en-US" sz="1800" dirty="0" err="1">
+              <a:rPr lang="en-US" sz="2800" dirty="0" err="1">
                 <a:latin typeface="Arial" panose="020B0604020202020204" pitchFamily="34" charset="0"/>
                 <a:cs typeface="Arial" panose="020B0604020202020204" pitchFamily="34" charset="0"/>
               </a:rPr>
               <a:t>máy</a:t>
             </a:r>
             <a:r>
-              <a:rPr lang="en-US" sz="1800" dirty="0">
-                <a:latin typeface="Arial" panose="020B0604020202020204" pitchFamily="34" charset="0"/>
-                <a:cs typeface="Arial" panose="020B0604020202020204" pitchFamily="34" charset="0"/>
-              </a:rPr>
-              <a:t> </a:t>
-            </a:r>
-            <a:r>
-              <a:rPr lang="en-US" sz="1800" dirty="0" err="1">
+              <a:rPr lang="en-US" sz="2800" dirty="0">
+                <a:latin typeface="Arial" panose="020B0604020202020204" pitchFamily="34" charset="0"/>
+                <a:cs typeface="Arial" panose="020B0604020202020204" pitchFamily="34" charset="0"/>
+              </a:rPr>
+              <a:t> </a:t>
+            </a:r>
+            <a:r>
+              <a:rPr lang="en-US" sz="2800" dirty="0" err="1">
                 <a:latin typeface="Arial" panose="020B0604020202020204" pitchFamily="34" charset="0"/>
                 <a:cs typeface="Arial" panose="020B0604020202020204" pitchFamily="34" charset="0"/>
               </a:rPr>
               <a:t>thì</a:t>
             </a:r>
             <a:r>
-              <a:rPr lang="en-US" sz="1800" dirty="0">
-                <a:latin typeface="Arial" panose="020B0604020202020204" pitchFamily="34" charset="0"/>
-                <a:cs typeface="Arial" panose="020B0604020202020204" pitchFamily="34" charset="0"/>
-              </a:rPr>
-              <a:t> </a:t>
-            </a:r>
-            <a:r>
-              <a:rPr lang="en-US" sz="1800" dirty="0" err="1">
+              <a:rPr lang="en-US" sz="2800" dirty="0">
+                <a:latin typeface="Arial" panose="020B0604020202020204" pitchFamily="34" charset="0"/>
+                <a:cs typeface="Arial" panose="020B0604020202020204" pitchFamily="34" charset="0"/>
+              </a:rPr>
+              <a:t> </a:t>
+            </a:r>
+            <a:r>
+              <a:rPr lang="en-US" sz="2800" dirty="0" err="1">
                 <a:latin typeface="Arial" panose="020B0604020202020204" pitchFamily="34" charset="0"/>
                 <a:cs typeface="Arial" panose="020B0604020202020204" pitchFamily="34" charset="0"/>
               </a:rPr>
               <a:t>có</a:t>
             </a:r>
             <a:r>
-              <a:rPr lang="en-US" sz="1800" dirty="0">
-                <a:latin typeface="Arial" panose="020B0604020202020204" pitchFamily="34" charset="0"/>
-                <a:cs typeface="Arial" panose="020B0604020202020204" pitchFamily="34" charset="0"/>
-              </a:rPr>
-              <a:t> </a:t>
-            </a:r>
-            <a:r>
-              <a:rPr lang="en-US" sz="1800" dirty="0" err="1">
+              <a:rPr lang="en-US" sz="2800" dirty="0">
+                <a:latin typeface="Arial" panose="020B0604020202020204" pitchFamily="34" charset="0"/>
+                <a:cs typeface="Arial" panose="020B0604020202020204" pitchFamily="34" charset="0"/>
+              </a:rPr>
+              <a:t> </a:t>
+            </a:r>
+            <a:r>
+              <a:rPr lang="en-US" sz="2800" dirty="0" err="1">
                 <a:latin typeface="Arial" panose="020B0604020202020204" pitchFamily="34" charset="0"/>
                 <a:cs typeface="Arial" panose="020B0604020202020204" pitchFamily="34" charset="0"/>
               </a:rPr>
               <a:t>thể</a:t>
             </a:r>
             <a:r>
-              <a:rPr lang="en-US" sz="1800" dirty="0">
-                <a:latin typeface="Arial" panose="020B0604020202020204" pitchFamily="34" charset="0"/>
-                <a:cs typeface="Arial" panose="020B0604020202020204" pitchFamily="34" charset="0"/>
-              </a:rPr>
-              <a:t> </a:t>
-            </a:r>
-            <a:r>
-              <a:rPr lang="en-US" sz="1800" dirty="0" err="1">
+              <a:rPr lang="en-US" sz="2800" dirty="0">
+                <a:latin typeface="Arial" panose="020B0604020202020204" pitchFamily="34" charset="0"/>
+                <a:cs typeface="Arial" panose="020B0604020202020204" pitchFamily="34" charset="0"/>
+              </a:rPr>
+              <a:t> </a:t>
+            </a:r>
+            <a:r>
+              <a:rPr lang="en-US" sz="2800" dirty="0" err="1">
                 <a:latin typeface="Arial" panose="020B0604020202020204" pitchFamily="34" charset="0"/>
                 <a:cs typeface="Arial" panose="020B0604020202020204" pitchFamily="34" charset="0"/>
               </a:rPr>
               <a:t>dùng</a:t>
             </a:r>
             <a:r>
-              <a:rPr lang="en-US" sz="1800" dirty="0">
+              <a:rPr lang="en-US" sz="2800" dirty="0">
                 <a:latin typeface="Arial" panose="020B0604020202020204" pitchFamily="34" charset="0"/>
                 <a:cs typeface="Arial" panose="020B0604020202020204" pitchFamily="34" charset="0"/>
               </a:rPr>
@@ -7808,7 +7826,7 @@
             <a:pPr marL="0" indent="0">
               <a:buNone/>
             </a:pPr>
-            <a:endParaRPr lang="en-US" dirty="0">
+            <a:endParaRPr lang="en-US" sz="2800" dirty="0">
               <a:latin typeface="Arial" panose="020B0604020202020204" pitchFamily="34" charset="0"/>
               <a:cs typeface="Arial" panose="020B0604020202020204" pitchFamily="34" charset="0"/>
             </a:endParaRPr>
@@ -12298,7 +12316,12 @@
             <p:ph idx="1"/>
           </p:nvPr>
         </p:nvSpPr>
-        <p:spPr/>
+        <p:spPr>
+          <a:xfrm>
+            <a:off x="677334" y="1575799"/>
+            <a:ext cx="8596668" cy="3880773"/>
+          </a:xfrm>
+        </p:spPr>
         <p:txBody>
           <a:bodyPr/>
           <a:lstStyle/>
@@ -12382,7 +12405,7 @@
         </p:blipFill>
         <p:spPr>
           <a:xfrm>
-            <a:off x="1337360" y="2704494"/>
+            <a:off x="1337360" y="2119704"/>
             <a:ext cx="6551999" cy="3996506"/>
           </a:xfrm>
           <a:prstGeom prst="rect">
@@ -12476,7 +12499,12 @@
             <p:ph idx="1"/>
           </p:nvPr>
         </p:nvSpPr>
-        <p:spPr/>
+        <p:spPr>
+          <a:xfrm>
+            <a:off x="677334" y="1495740"/>
+            <a:ext cx="8596668" cy="3880773"/>
+          </a:xfrm>
+        </p:spPr>
         <p:txBody>
           <a:bodyPr/>
           <a:lstStyle/>
@@ -12560,7 +12588,7 @@
         </p:blipFill>
         <p:spPr>
           <a:xfrm>
-            <a:off x="1669737" y="2595249"/>
+            <a:off x="1669737" y="1930400"/>
             <a:ext cx="5145733" cy="4033689"/>
           </a:xfrm>
           <a:prstGeom prst="rect">
@@ -12654,7 +12682,12 @@
             <p:ph idx="1"/>
           </p:nvPr>
         </p:nvSpPr>
-        <p:spPr/>
+        <p:spPr>
+          <a:xfrm>
+            <a:off x="677334" y="1533268"/>
+            <a:ext cx="8596668" cy="3880773"/>
+          </a:xfrm>
+        </p:spPr>
         <p:txBody>
           <a:bodyPr/>
           <a:lstStyle/>
@@ -12728,7 +12761,7 @@
         </p:blipFill>
         <p:spPr>
           <a:xfrm>
-            <a:off x="2215226" y="2730241"/>
+            <a:off x="2225858" y="2039125"/>
             <a:ext cx="4848225" cy="3800475"/>
           </a:xfrm>
           <a:prstGeom prst="rect">
@@ -12822,7 +12855,12 @@
             <p:ph idx="1"/>
           </p:nvPr>
         </p:nvSpPr>
-        <p:spPr/>
+        <p:spPr>
+          <a:xfrm>
+            <a:off x="677334" y="1522636"/>
+            <a:ext cx="8596668" cy="3880773"/>
+          </a:xfrm>
+        </p:spPr>
         <p:txBody>
           <a:bodyPr/>
           <a:lstStyle/>
@@ -12906,7 +12944,7 @@
         </p:blipFill>
         <p:spPr>
           <a:xfrm>
-            <a:off x="1715766" y="2674656"/>
+            <a:off x="1715766" y="2036703"/>
             <a:ext cx="4848225" cy="3800475"/>
           </a:xfrm>
           <a:prstGeom prst="rect">
@@ -13056,9 +13094,16 @@
             <p:ph idx="1"/>
           </p:nvPr>
         </p:nvSpPr>
-        <p:spPr/>
+        <p:spPr>
+          <a:xfrm>
+            <a:off x="677334" y="1586431"/>
+            <a:ext cx="8596668" cy="3880773"/>
+          </a:xfrm>
+        </p:spPr>
         <p:txBody>
-          <a:bodyPr/>
+          <a:bodyPr>
+            <a:noAutofit/>
+          </a:bodyPr>
           <a:lstStyle/>
           <a:p>
             <a:pPr>
@@ -13066,50 +13111,41 @@
               <a:buChar char="ü"/>
             </a:pPr>
             <a:r>
-              <a:rPr lang="en-US" i="1" dirty="0">
+              <a:rPr lang="en-US" sz="2400" i="1" dirty="0">
                 <a:latin typeface="Arial" panose="020B0604020202020204" pitchFamily="34" charset="0"/>
                 <a:cs typeface="Arial" panose="020B0604020202020204" pitchFamily="34" charset="0"/>
               </a:rPr>
               <a:t>R</a:t>
             </a:r>
             <a:r>
-              <a:rPr lang="vi-VN" i="1" dirty="0">
+              <a:rPr lang="vi-VN" sz="2400" i="1" dirty="0">
                 <a:latin typeface="Arial" panose="020B0604020202020204" pitchFamily="34" charset="0"/>
                 <a:cs typeface="Arial" panose="020B0604020202020204" pitchFamily="34" charset="0"/>
               </a:rPr>
               <a:t>eposiroty</a:t>
             </a:r>
             <a:r>
-              <a:rPr lang="vi-VN" dirty="0">
+              <a:rPr lang="vi-VN" sz="2400" dirty="0">
                 <a:latin typeface="Arial" panose="020B0604020202020204" pitchFamily="34" charset="0"/>
                 <a:cs typeface="Arial" panose="020B0604020202020204" pitchFamily="34" charset="0"/>
               </a:rPr>
               <a:t>: server chứa SVN và đặt </a:t>
             </a:r>
             <a:r>
-              <a:rPr lang="en-US" dirty="0">
+              <a:rPr lang="en-US" sz="2400" dirty="0">
                 <a:latin typeface="Arial" panose="020B0604020202020204" pitchFamily="34" charset="0"/>
                 <a:cs typeface="Arial" panose="020B0604020202020204" pitchFamily="34" charset="0"/>
               </a:rPr>
               <a:t>P</a:t>
             </a:r>
             <a:r>
-              <a:rPr lang="vi-VN" dirty="0">
+              <a:rPr lang="vi-VN" sz="2400" dirty="0">
                 <a:latin typeface="Arial" panose="020B0604020202020204" pitchFamily="34" charset="0"/>
                 <a:cs typeface="Arial" panose="020B0604020202020204" pitchFamily="34" charset="0"/>
               </a:rPr>
               <a:t>roject</a:t>
             </a:r>
-            <a:endParaRPr lang="en-US" dirty="0">
-              <a:latin typeface="Arial" panose="020B0604020202020204" pitchFamily="34" charset="0"/>
-              <a:cs typeface="Arial" panose="020B0604020202020204" pitchFamily="34" charset="0"/>
-            </a:endParaRPr>
-          </a:p>
-          <a:p>
-            <a:pPr marL="0" indent="0">
-              <a:buNone/>
-            </a:pPr>
-            <a:endParaRPr lang="en-US" dirty="0">
+            <a:endParaRPr lang="en-US" sz="2400" dirty="0">
               <a:latin typeface="Arial" panose="020B0604020202020204" pitchFamily="34" charset="0"/>
               <a:cs typeface="Arial" panose="020B0604020202020204" pitchFamily="34" charset="0"/>
             </a:endParaRPr>
@@ -13120,105 +13156,96 @@
               <a:buChar char="ü"/>
             </a:pPr>
             <a:r>
-              <a:rPr lang="vi-VN" i="1" dirty="0">
+              <a:rPr lang="vi-VN" sz="2400" i="1" dirty="0">
                 <a:latin typeface="Arial" panose="020B0604020202020204" pitchFamily="34" charset="0"/>
                 <a:cs typeface="Arial" panose="020B0604020202020204" pitchFamily="34" charset="0"/>
               </a:rPr>
               <a:t>H</a:t>
             </a:r>
             <a:r>
-              <a:rPr lang="en-US" i="1" dirty="0">
+              <a:rPr lang="en-US" sz="2400" i="1" dirty="0">
                 <a:latin typeface="Arial" panose="020B0604020202020204" pitchFamily="34" charset="0"/>
                 <a:cs typeface="Arial" panose="020B0604020202020204" pitchFamily="34" charset="0"/>
               </a:rPr>
               <a:t>EAD</a:t>
             </a:r>
             <a:r>
-              <a:rPr lang="vi-VN" dirty="0">
+              <a:rPr lang="vi-VN" sz="2400" dirty="0">
                 <a:latin typeface="Arial" panose="020B0604020202020204" pitchFamily="34" charset="0"/>
                 <a:cs typeface="Arial" panose="020B0604020202020204" pitchFamily="34" charset="0"/>
               </a:rPr>
               <a:t>: </a:t>
             </a:r>
             <a:r>
-              <a:rPr lang="en-US" dirty="0" err="1">
+              <a:rPr lang="en-US" sz="2400" dirty="0" err="1">
                 <a:latin typeface="Arial" panose="020B0604020202020204" pitchFamily="34" charset="0"/>
                 <a:cs typeface="Arial" panose="020B0604020202020204" pitchFamily="34" charset="0"/>
               </a:rPr>
               <a:t>phiên</a:t>
             </a:r>
             <a:r>
-              <a:rPr lang="en-US" dirty="0">
-                <a:latin typeface="Arial" panose="020B0604020202020204" pitchFamily="34" charset="0"/>
-                <a:cs typeface="Arial" panose="020B0604020202020204" pitchFamily="34" charset="0"/>
-              </a:rPr>
-              <a:t> </a:t>
-            </a:r>
-            <a:r>
-              <a:rPr lang="en-US" dirty="0" err="1">
+              <a:rPr lang="en-US" sz="2400" dirty="0">
+                <a:latin typeface="Arial" panose="020B0604020202020204" pitchFamily="34" charset="0"/>
+                <a:cs typeface="Arial" panose="020B0604020202020204" pitchFamily="34" charset="0"/>
+              </a:rPr>
+              <a:t> </a:t>
+            </a:r>
+            <a:r>
+              <a:rPr lang="en-US" sz="2400" dirty="0" err="1">
                 <a:latin typeface="Arial" panose="020B0604020202020204" pitchFamily="34" charset="0"/>
                 <a:cs typeface="Arial" panose="020B0604020202020204" pitchFamily="34" charset="0"/>
               </a:rPr>
               <a:t>bản</a:t>
             </a:r>
             <a:r>
-              <a:rPr lang="en-US" dirty="0">
-                <a:latin typeface="Arial" panose="020B0604020202020204" pitchFamily="34" charset="0"/>
-                <a:cs typeface="Arial" panose="020B0604020202020204" pitchFamily="34" charset="0"/>
-              </a:rPr>
-              <a:t> </a:t>
-            </a:r>
-            <a:r>
-              <a:rPr lang="en-US" dirty="0" err="1">
+              <a:rPr lang="en-US" sz="2400" dirty="0">
+                <a:latin typeface="Arial" panose="020B0604020202020204" pitchFamily="34" charset="0"/>
+                <a:cs typeface="Arial" panose="020B0604020202020204" pitchFamily="34" charset="0"/>
+              </a:rPr>
+              <a:t> </a:t>
+            </a:r>
+            <a:r>
+              <a:rPr lang="en-US" sz="2400" dirty="0" err="1">
                 <a:latin typeface="Arial" panose="020B0604020202020204" pitchFamily="34" charset="0"/>
                 <a:cs typeface="Arial" panose="020B0604020202020204" pitchFamily="34" charset="0"/>
               </a:rPr>
               <a:t>mới</a:t>
             </a:r>
             <a:r>
-              <a:rPr lang="en-US" dirty="0">
-                <a:latin typeface="Arial" panose="020B0604020202020204" pitchFamily="34" charset="0"/>
-                <a:cs typeface="Arial" panose="020B0604020202020204" pitchFamily="34" charset="0"/>
-              </a:rPr>
-              <a:t> </a:t>
-            </a:r>
-            <a:r>
-              <a:rPr lang="en-US" dirty="0" err="1">
+              <a:rPr lang="en-US" sz="2400" dirty="0">
+                <a:latin typeface="Arial" panose="020B0604020202020204" pitchFamily="34" charset="0"/>
+                <a:cs typeface="Arial" panose="020B0604020202020204" pitchFamily="34" charset="0"/>
+              </a:rPr>
+              <a:t> </a:t>
+            </a:r>
+            <a:r>
+              <a:rPr lang="en-US" sz="2400" dirty="0" err="1">
                 <a:latin typeface="Arial" panose="020B0604020202020204" pitchFamily="34" charset="0"/>
                 <a:cs typeface="Arial" panose="020B0604020202020204" pitchFamily="34" charset="0"/>
               </a:rPr>
               <a:t>nhất</a:t>
             </a:r>
             <a:r>
-              <a:rPr lang="en-US" dirty="0">
-                <a:latin typeface="Arial" panose="020B0604020202020204" pitchFamily="34" charset="0"/>
-                <a:cs typeface="Arial" panose="020B0604020202020204" pitchFamily="34" charset="0"/>
-              </a:rPr>
-              <a:t> </a:t>
-            </a:r>
-            <a:r>
-              <a:rPr lang="en-US" dirty="0" err="1">
+              <a:rPr lang="en-US" sz="2400" dirty="0">
+                <a:latin typeface="Arial" panose="020B0604020202020204" pitchFamily="34" charset="0"/>
+                <a:cs typeface="Arial" panose="020B0604020202020204" pitchFamily="34" charset="0"/>
+              </a:rPr>
+              <a:t> </a:t>
+            </a:r>
+            <a:r>
+              <a:rPr lang="en-US" sz="2400" dirty="0" err="1">
                 <a:latin typeface="Arial" panose="020B0604020202020204" pitchFamily="34" charset="0"/>
                 <a:cs typeface="Arial" panose="020B0604020202020204" pitchFamily="34" charset="0"/>
               </a:rPr>
               <a:t>trên</a:t>
             </a:r>
             <a:r>
-              <a:rPr lang="en-US" dirty="0">
+              <a:rPr lang="en-US" sz="2400" dirty="0">
                 <a:latin typeface="Arial" panose="020B0604020202020204" pitchFamily="34" charset="0"/>
                 <a:cs typeface="Arial" panose="020B0604020202020204" pitchFamily="34" charset="0"/>
               </a:rPr>
               <a:t> Repository server </a:t>
             </a:r>
-          </a:p>
-          <a:p>
-            <a:pPr marL="0" indent="0">
-              <a:buNone/>
-            </a:pPr>
-            <a:endParaRPr lang="en-US" dirty="0">
-              <a:latin typeface="Arial" panose="020B0604020202020204" pitchFamily="34" charset="0"/>
-              <a:cs typeface="Arial" panose="020B0604020202020204" pitchFamily="34" charset="0"/>
-            </a:endParaRPr>
           </a:p>
           <a:p>
             <a:pPr>
@@ -13226,110 +13253,110 @@
               <a:buChar char="ü"/>
             </a:pPr>
             <a:r>
-              <a:rPr lang="en-US" i="1" dirty="0">
+              <a:rPr lang="en-US" sz="2400" i="1" dirty="0">
                 <a:latin typeface="Arial" panose="020B0604020202020204" pitchFamily="34" charset="0"/>
                 <a:cs typeface="Arial" panose="020B0604020202020204" pitchFamily="34" charset="0"/>
               </a:rPr>
               <a:t>Trunk</a:t>
             </a:r>
             <a:r>
-              <a:rPr lang="vi-VN" dirty="0">
+              <a:rPr lang="vi-VN" sz="2400" dirty="0">
                 <a:latin typeface="Arial" panose="020B0604020202020204" pitchFamily="34" charset="0"/>
                 <a:cs typeface="Arial" panose="020B0604020202020204" pitchFamily="34" charset="0"/>
               </a:rPr>
               <a:t>: thông thường khi tạo SVN, có một </a:t>
             </a:r>
             <a:r>
-              <a:rPr lang="vi-VN" i="1" dirty="0">
+              <a:rPr lang="vi-VN" sz="2400" i="1" dirty="0">
                 <a:latin typeface="Arial" panose="020B0604020202020204" pitchFamily="34" charset="0"/>
                 <a:cs typeface="Arial" panose="020B0604020202020204" pitchFamily="34" charset="0"/>
               </a:rPr>
               <a:t>branch </a:t>
             </a:r>
             <a:r>
-              <a:rPr lang="vi-VN" dirty="0">
+              <a:rPr lang="vi-VN" sz="2400" dirty="0">
                 <a:latin typeface="Arial" panose="020B0604020202020204" pitchFamily="34" charset="0"/>
                 <a:cs typeface="Arial" panose="020B0604020202020204" pitchFamily="34" charset="0"/>
               </a:rPr>
               <a:t>chính được tạo ra và gọi là </a:t>
             </a:r>
             <a:r>
-              <a:rPr lang="en-US" i="1" dirty="0">
+              <a:rPr lang="en-US" sz="2400" i="1" dirty="0">
                 <a:latin typeface="Arial" panose="020B0604020202020204" pitchFamily="34" charset="0"/>
                 <a:cs typeface="Arial" panose="020B0604020202020204" pitchFamily="34" charset="0"/>
               </a:rPr>
               <a:t>trunk</a:t>
             </a:r>
             <a:r>
-              <a:rPr lang="vi-VN" dirty="0">
+              <a:rPr lang="vi-VN" sz="2400" dirty="0">
                 <a:latin typeface="Arial" panose="020B0604020202020204" pitchFamily="34" charset="0"/>
                 <a:cs typeface="Arial" panose="020B0604020202020204" pitchFamily="34" charset="0"/>
               </a:rPr>
               <a:t>, các </a:t>
             </a:r>
             <a:r>
-              <a:rPr lang="vi-VN" i="1" dirty="0">
+              <a:rPr lang="vi-VN" sz="2400" i="1" dirty="0">
                 <a:latin typeface="Arial" panose="020B0604020202020204" pitchFamily="34" charset="0"/>
                 <a:cs typeface="Arial" panose="020B0604020202020204" pitchFamily="34" charset="0"/>
               </a:rPr>
               <a:t>branch </a:t>
             </a:r>
             <a:r>
-              <a:rPr lang="vi-VN" dirty="0">
+              <a:rPr lang="vi-VN" sz="2400" dirty="0">
                 <a:latin typeface="Arial" panose="020B0604020202020204" pitchFamily="34" charset="0"/>
                 <a:cs typeface="Arial" panose="020B0604020202020204" pitchFamily="34" charset="0"/>
               </a:rPr>
               <a:t>phụ thường được đặt theo tên feature mà </a:t>
             </a:r>
             <a:r>
-              <a:rPr lang="vi-VN" i="1" dirty="0">
+              <a:rPr lang="vi-VN" sz="2400" i="1" dirty="0">
                 <a:latin typeface="Arial" panose="020B0604020202020204" pitchFamily="34" charset="0"/>
                 <a:cs typeface="Arial" panose="020B0604020202020204" pitchFamily="34" charset="0"/>
               </a:rPr>
               <a:t>branch </a:t>
             </a:r>
             <a:r>
-              <a:rPr lang="vi-VN" dirty="0">
+              <a:rPr lang="vi-VN" sz="2400" dirty="0">
                 <a:latin typeface="Arial" panose="020B0604020202020204" pitchFamily="34" charset="0"/>
                 <a:cs typeface="Arial" panose="020B0604020202020204" pitchFamily="34" charset="0"/>
               </a:rPr>
               <a:t>đó được tạo. Với hình trên, đường nối các ô màu xanh lá thể hiện </a:t>
             </a:r>
             <a:r>
-              <a:rPr lang="en-US" i="1" dirty="0">
+              <a:rPr lang="en-US" sz="2400" i="1" dirty="0">
                 <a:latin typeface="Arial" panose="020B0604020202020204" pitchFamily="34" charset="0"/>
                 <a:cs typeface="Arial" panose="020B0604020202020204" pitchFamily="34" charset="0"/>
               </a:rPr>
               <a:t>trunk</a:t>
             </a:r>
             <a:r>
-              <a:rPr lang="vi-VN" dirty="0">
+              <a:rPr lang="vi-VN" sz="2400" dirty="0">
                 <a:latin typeface="Arial" panose="020B0604020202020204" pitchFamily="34" charset="0"/>
                 <a:cs typeface="Arial" panose="020B0604020202020204" pitchFamily="34" charset="0"/>
               </a:rPr>
               <a:t>, các đường nối ô màu vàng thể hiện </a:t>
             </a:r>
             <a:r>
-              <a:rPr lang="vi-VN" i="1" dirty="0">
+              <a:rPr lang="vi-VN" sz="2400" i="1" dirty="0">
                 <a:latin typeface="Arial" panose="020B0604020202020204" pitchFamily="34" charset="0"/>
                 <a:cs typeface="Arial" panose="020B0604020202020204" pitchFamily="34" charset="0"/>
               </a:rPr>
               <a:t>branch </a:t>
             </a:r>
             <a:r>
-              <a:rPr lang="vi-VN" dirty="0">
+              <a:rPr lang="vi-VN" sz="2400" dirty="0">
                 <a:latin typeface="Arial" panose="020B0604020202020204" pitchFamily="34" charset="0"/>
                 <a:cs typeface="Arial" panose="020B0604020202020204" pitchFamily="34" charset="0"/>
               </a:rPr>
               <a:t>được tạo ra</a:t>
             </a:r>
-            <a:endParaRPr lang="en-US" dirty="0">
+            <a:endParaRPr lang="en-US" sz="2400" dirty="0">
               <a:latin typeface="Arial" panose="020B0604020202020204" pitchFamily="34" charset="0"/>
               <a:cs typeface="Arial" panose="020B0604020202020204" pitchFamily="34" charset="0"/>
             </a:endParaRPr>
           </a:p>
           <a:p>
-            <a:endParaRPr lang="en-US" dirty="0">
+            <a:endParaRPr lang="en-US" sz="2400" dirty="0">
               <a:latin typeface="Arial" panose="020B0604020202020204" pitchFamily="34" charset="0"/>
               <a:cs typeface="Arial" panose="020B0604020202020204" pitchFamily="34" charset="0"/>
             </a:endParaRPr>
@@ -13419,48 +13446,55 @@
             <p:ph idx="1"/>
           </p:nvPr>
         </p:nvSpPr>
-        <p:spPr/>
+        <p:spPr>
+          <a:xfrm>
+            <a:off x="677334" y="1575799"/>
+            <a:ext cx="8596668" cy="3880773"/>
+          </a:xfrm>
+        </p:spPr>
         <p:txBody>
-          <a:bodyPr/>
+          <a:bodyPr>
+            <a:noAutofit/>
+          </a:bodyPr>
           <a:lstStyle/>
           <a:p>
             <a:r>
-              <a:rPr lang="en-US" dirty="0" err="1">
+              <a:rPr lang="en-US" sz="3200" dirty="0" err="1">
                 <a:latin typeface="Arial" panose="020B0604020202020204" pitchFamily="34" charset="0"/>
                 <a:cs typeface="Arial" panose="020B0604020202020204" pitchFamily="34" charset="0"/>
               </a:rPr>
               <a:t>Khái</a:t>
             </a:r>
             <a:r>
-              <a:rPr lang="en-US" dirty="0">
-                <a:latin typeface="Arial" panose="020B0604020202020204" pitchFamily="34" charset="0"/>
-                <a:cs typeface="Arial" panose="020B0604020202020204" pitchFamily="34" charset="0"/>
-              </a:rPr>
-              <a:t> </a:t>
-            </a:r>
-            <a:r>
-              <a:rPr lang="en-US" dirty="0" err="1">
+              <a:rPr lang="en-US" sz="3200" dirty="0">
+                <a:latin typeface="Arial" panose="020B0604020202020204" pitchFamily="34" charset="0"/>
+                <a:cs typeface="Arial" panose="020B0604020202020204" pitchFamily="34" charset="0"/>
+              </a:rPr>
+              <a:t> </a:t>
+            </a:r>
+            <a:r>
+              <a:rPr lang="en-US" sz="3200" dirty="0" err="1">
                 <a:latin typeface="Arial" panose="020B0604020202020204" pitchFamily="34" charset="0"/>
                 <a:cs typeface="Arial" panose="020B0604020202020204" pitchFamily="34" charset="0"/>
               </a:rPr>
               <a:t>niệm</a:t>
             </a:r>
             <a:r>
-              <a:rPr lang="en-US" dirty="0">
-                <a:latin typeface="Arial" panose="020B0604020202020204" pitchFamily="34" charset="0"/>
-                <a:cs typeface="Arial" panose="020B0604020202020204" pitchFamily="34" charset="0"/>
-              </a:rPr>
-              <a:t> </a:t>
-            </a:r>
-            <a:r>
-              <a:rPr lang="en-US" dirty="0" err="1">
+              <a:rPr lang="en-US" sz="3200" dirty="0">
+                <a:latin typeface="Arial" panose="020B0604020202020204" pitchFamily="34" charset="0"/>
+                <a:cs typeface="Arial" panose="020B0604020202020204" pitchFamily="34" charset="0"/>
+              </a:rPr>
+              <a:t> </a:t>
+            </a:r>
+            <a:r>
+              <a:rPr lang="en-US" sz="3200" dirty="0" err="1">
                 <a:latin typeface="Arial" panose="020B0604020202020204" pitchFamily="34" charset="0"/>
                 <a:cs typeface="Arial" panose="020B0604020202020204" pitchFamily="34" charset="0"/>
               </a:rPr>
               <a:t>về</a:t>
             </a:r>
             <a:r>
-              <a:rPr lang="en-US" dirty="0">
+              <a:rPr lang="en-US" sz="3200" dirty="0">
                 <a:latin typeface="Arial" panose="020B0604020202020204" pitchFamily="34" charset="0"/>
                 <a:cs typeface="Arial" panose="020B0604020202020204" pitchFamily="34" charset="0"/>
               </a:rPr>
@@ -13469,49 +13503,49 @@
           </a:p>
           <a:p>
             <a:r>
-              <a:rPr lang="en-US" dirty="0">
+              <a:rPr lang="en-US" sz="3200" dirty="0">
                 <a:latin typeface="Arial" panose="020B0604020202020204" pitchFamily="34" charset="0"/>
                 <a:cs typeface="Arial" panose="020B0604020202020204" pitchFamily="34" charset="0"/>
               </a:rPr>
               <a:t>Subversion </a:t>
             </a:r>
             <a:r>
-              <a:rPr lang="en-US" dirty="0" err="1">
+              <a:rPr lang="en-US" sz="3200" dirty="0" err="1">
                 <a:latin typeface="Arial" panose="020B0604020202020204" pitchFamily="34" charset="0"/>
                 <a:cs typeface="Arial" panose="020B0604020202020204" pitchFamily="34" charset="0"/>
               </a:rPr>
               <a:t>làm</a:t>
             </a:r>
             <a:r>
-              <a:rPr lang="en-US" dirty="0">
-                <a:latin typeface="Arial" panose="020B0604020202020204" pitchFamily="34" charset="0"/>
-                <a:cs typeface="Arial" panose="020B0604020202020204" pitchFamily="34" charset="0"/>
-              </a:rPr>
-              <a:t> </a:t>
-            </a:r>
-            <a:r>
-              <a:rPr lang="en-US" dirty="0" err="1">
+              <a:rPr lang="en-US" sz="3200" dirty="0">
+                <a:latin typeface="Arial" panose="020B0604020202020204" pitchFamily="34" charset="0"/>
+                <a:cs typeface="Arial" panose="020B0604020202020204" pitchFamily="34" charset="0"/>
+              </a:rPr>
+              <a:t> </a:t>
+            </a:r>
+            <a:r>
+              <a:rPr lang="en-US" sz="3200" dirty="0" err="1">
                 <a:latin typeface="Arial" panose="020B0604020202020204" pitchFamily="34" charset="0"/>
                 <a:cs typeface="Arial" panose="020B0604020202020204" pitchFamily="34" charset="0"/>
               </a:rPr>
               <a:t>được</a:t>
             </a:r>
             <a:r>
-              <a:rPr lang="en-US" dirty="0">
-                <a:latin typeface="Arial" panose="020B0604020202020204" pitchFamily="34" charset="0"/>
-                <a:cs typeface="Arial" panose="020B0604020202020204" pitchFamily="34" charset="0"/>
-              </a:rPr>
-              <a:t> </a:t>
-            </a:r>
-            <a:r>
-              <a:rPr lang="en-US" dirty="0" err="1">
+              <a:rPr lang="en-US" sz="3200" dirty="0">
+                <a:latin typeface="Arial" panose="020B0604020202020204" pitchFamily="34" charset="0"/>
+                <a:cs typeface="Arial" panose="020B0604020202020204" pitchFamily="34" charset="0"/>
+              </a:rPr>
+              <a:t> </a:t>
+            </a:r>
+            <a:r>
+              <a:rPr lang="en-US" sz="3200" dirty="0" err="1">
                 <a:latin typeface="Arial" panose="020B0604020202020204" pitchFamily="34" charset="0"/>
                 <a:cs typeface="Arial" panose="020B0604020202020204" pitchFamily="34" charset="0"/>
               </a:rPr>
               <a:t>gì</a:t>
             </a:r>
             <a:r>
-              <a:rPr lang="en-US" dirty="0">
+              <a:rPr lang="en-US" sz="3200" dirty="0">
                 <a:latin typeface="Arial" panose="020B0604020202020204" pitchFamily="34" charset="0"/>
                 <a:cs typeface="Arial" panose="020B0604020202020204" pitchFamily="34" charset="0"/>
               </a:rPr>
@@ -13520,90 +13554,90 @@
           </a:p>
           <a:p>
             <a:r>
-              <a:rPr lang="en-US" dirty="0">
+              <a:rPr lang="en-US" sz="3200" dirty="0">
                 <a:latin typeface="Arial" panose="020B0604020202020204" pitchFamily="34" charset="0"/>
                 <a:cs typeface="Arial" panose="020B0604020202020204" pitchFamily="34" charset="0"/>
               </a:rPr>
               <a:t>So </a:t>
             </a:r>
             <a:r>
-              <a:rPr lang="en-US" dirty="0" err="1">
+              <a:rPr lang="en-US" sz="3200" dirty="0" err="1">
                 <a:latin typeface="Arial" panose="020B0604020202020204" pitchFamily="34" charset="0"/>
                 <a:cs typeface="Arial" panose="020B0604020202020204" pitchFamily="34" charset="0"/>
               </a:rPr>
               <a:t>sánh</a:t>
             </a:r>
             <a:r>
-              <a:rPr lang="en-US" dirty="0">
+              <a:rPr lang="en-US" sz="3200" dirty="0">
                 <a:latin typeface="Arial" panose="020B0604020202020204" pitchFamily="34" charset="0"/>
                 <a:cs typeface="Arial" panose="020B0604020202020204" pitchFamily="34" charset="0"/>
               </a:rPr>
               <a:t> Subversion </a:t>
             </a:r>
             <a:r>
-              <a:rPr lang="en-US" dirty="0" err="1">
+              <a:rPr lang="en-US" sz="3200" dirty="0" err="1">
                 <a:latin typeface="Arial" panose="020B0604020202020204" pitchFamily="34" charset="0"/>
                 <a:cs typeface="Arial" panose="020B0604020202020204" pitchFamily="34" charset="0"/>
               </a:rPr>
               <a:t>với</a:t>
             </a:r>
             <a:r>
-              <a:rPr lang="en-US" dirty="0">
-                <a:latin typeface="Arial" panose="020B0604020202020204" pitchFamily="34" charset="0"/>
-                <a:cs typeface="Arial" panose="020B0604020202020204" pitchFamily="34" charset="0"/>
-              </a:rPr>
-              <a:t> </a:t>
-            </a:r>
-            <a:r>
-              <a:rPr lang="en-US" dirty="0" err="1">
+              <a:rPr lang="en-US" sz="3200" dirty="0">
+                <a:latin typeface="Arial" panose="020B0604020202020204" pitchFamily="34" charset="0"/>
+                <a:cs typeface="Arial" panose="020B0604020202020204" pitchFamily="34" charset="0"/>
+              </a:rPr>
+              <a:t> </a:t>
+            </a:r>
+            <a:r>
+              <a:rPr lang="en-US" sz="3200" dirty="0" err="1">
                 <a:latin typeface="Arial" panose="020B0604020202020204" pitchFamily="34" charset="0"/>
                 <a:cs typeface="Arial" panose="020B0604020202020204" pitchFamily="34" charset="0"/>
               </a:rPr>
               <a:t>các</a:t>
             </a:r>
             <a:r>
-              <a:rPr lang="en-US" dirty="0">
+              <a:rPr lang="en-US" sz="3200" dirty="0">
                 <a:latin typeface="Arial" panose="020B0604020202020204" pitchFamily="34" charset="0"/>
                 <a:cs typeface="Arial" panose="020B0604020202020204" pitchFamily="34" charset="0"/>
               </a:rPr>
               <a:t> tool </a:t>
             </a:r>
             <a:r>
-              <a:rPr lang="en-US" dirty="0" err="1">
+              <a:rPr lang="en-US" sz="3200" dirty="0" err="1">
                 <a:latin typeface="Arial" panose="020B0604020202020204" pitchFamily="34" charset="0"/>
                 <a:cs typeface="Arial" panose="020B0604020202020204" pitchFamily="34" charset="0"/>
               </a:rPr>
               <a:t>khác</a:t>
             </a:r>
-            <a:endParaRPr lang="en-US" dirty="0">
+            <a:endParaRPr lang="en-US" sz="3200" dirty="0">
               <a:latin typeface="Arial" panose="020B0604020202020204" pitchFamily="34" charset="0"/>
               <a:cs typeface="Arial" panose="020B0604020202020204" pitchFamily="34" charset="0"/>
             </a:endParaRPr>
           </a:p>
           <a:p>
             <a:r>
-              <a:rPr lang="en-US" dirty="0" err="1">
+              <a:rPr lang="en-US" sz="3200" dirty="0" err="1">
                 <a:latin typeface="Arial" panose="020B0604020202020204" pitchFamily="34" charset="0"/>
                 <a:cs typeface="Arial" panose="020B0604020202020204" pitchFamily="34" charset="0"/>
               </a:rPr>
               <a:t>Cài</a:t>
             </a:r>
             <a:r>
-              <a:rPr lang="en-US" dirty="0">
-                <a:latin typeface="Arial" panose="020B0604020202020204" pitchFamily="34" charset="0"/>
-                <a:cs typeface="Arial" panose="020B0604020202020204" pitchFamily="34" charset="0"/>
-              </a:rPr>
-              <a:t> </a:t>
-            </a:r>
-            <a:r>
-              <a:rPr lang="en-US" dirty="0" err="1">
+              <a:rPr lang="en-US" sz="3200" dirty="0">
+                <a:latin typeface="Arial" panose="020B0604020202020204" pitchFamily="34" charset="0"/>
+                <a:cs typeface="Arial" panose="020B0604020202020204" pitchFamily="34" charset="0"/>
+              </a:rPr>
+              <a:t> </a:t>
+            </a:r>
+            <a:r>
+              <a:rPr lang="en-US" sz="3200" dirty="0" err="1">
                 <a:latin typeface="Arial" panose="020B0604020202020204" pitchFamily="34" charset="0"/>
                 <a:cs typeface="Arial" panose="020B0604020202020204" pitchFamily="34" charset="0"/>
               </a:rPr>
               <a:t>đặt</a:t>
             </a:r>
             <a:r>
-              <a:rPr lang="en-US" dirty="0">
+              <a:rPr lang="en-US" sz="3200" dirty="0">
                 <a:latin typeface="Arial" panose="020B0604020202020204" pitchFamily="34" charset="0"/>
                 <a:cs typeface="Arial" panose="020B0604020202020204" pitchFamily="34" charset="0"/>
               </a:rPr>
@@ -13612,42 +13646,42 @@
           </a:p>
           <a:p>
             <a:r>
-              <a:rPr lang="en-US" dirty="0" err="1">
+              <a:rPr lang="en-US" sz="3200" dirty="0" err="1">
                 <a:latin typeface="Arial" panose="020B0604020202020204" pitchFamily="34" charset="0"/>
                 <a:cs typeface="Arial" panose="020B0604020202020204" pitchFamily="34" charset="0"/>
               </a:rPr>
               <a:t>Chức</a:t>
             </a:r>
             <a:r>
-              <a:rPr lang="en-US" dirty="0">
-                <a:latin typeface="Arial" panose="020B0604020202020204" pitchFamily="34" charset="0"/>
-                <a:cs typeface="Arial" panose="020B0604020202020204" pitchFamily="34" charset="0"/>
-              </a:rPr>
-              <a:t> </a:t>
-            </a:r>
-            <a:r>
-              <a:rPr lang="en-US" dirty="0" err="1">
+              <a:rPr lang="en-US" sz="3200" dirty="0">
+                <a:latin typeface="Arial" panose="020B0604020202020204" pitchFamily="34" charset="0"/>
+                <a:cs typeface="Arial" panose="020B0604020202020204" pitchFamily="34" charset="0"/>
+              </a:rPr>
+              <a:t> </a:t>
+            </a:r>
+            <a:r>
+              <a:rPr lang="en-US" sz="3200" dirty="0" err="1">
                 <a:latin typeface="Arial" panose="020B0604020202020204" pitchFamily="34" charset="0"/>
                 <a:cs typeface="Arial" panose="020B0604020202020204" pitchFamily="34" charset="0"/>
               </a:rPr>
               <a:t>năng</a:t>
             </a:r>
             <a:r>
-              <a:rPr lang="en-US" dirty="0">
-                <a:latin typeface="Arial" panose="020B0604020202020204" pitchFamily="34" charset="0"/>
-                <a:cs typeface="Arial" panose="020B0604020202020204" pitchFamily="34" charset="0"/>
-              </a:rPr>
-              <a:t> </a:t>
-            </a:r>
-            <a:r>
-              <a:rPr lang="en-US" dirty="0" err="1">
+              <a:rPr lang="en-US" sz="3200" dirty="0">
+                <a:latin typeface="Arial" panose="020B0604020202020204" pitchFamily="34" charset="0"/>
+                <a:cs typeface="Arial" panose="020B0604020202020204" pitchFamily="34" charset="0"/>
+              </a:rPr>
+              <a:t> </a:t>
+            </a:r>
+            <a:r>
+              <a:rPr lang="en-US" sz="3200" dirty="0" err="1">
                 <a:latin typeface="Arial" panose="020B0604020202020204" pitchFamily="34" charset="0"/>
                 <a:cs typeface="Arial" panose="020B0604020202020204" pitchFamily="34" charset="0"/>
               </a:rPr>
               <a:t>của</a:t>
             </a:r>
             <a:r>
-              <a:rPr lang="en-US" dirty="0">
+              <a:rPr lang="en-US" sz="3200" dirty="0">
                 <a:latin typeface="Arial" panose="020B0604020202020204" pitchFamily="34" charset="0"/>
                 <a:cs typeface="Arial" panose="020B0604020202020204" pitchFamily="34" charset="0"/>
               </a:rPr>
@@ -13656,21 +13690,21 @@
           </a:p>
           <a:p>
             <a:r>
-              <a:rPr lang="en-US" dirty="0">
+              <a:rPr lang="en-US" sz="3200" dirty="0">
                 <a:latin typeface="Arial" panose="020B0604020202020204" pitchFamily="34" charset="0"/>
                 <a:cs typeface="Arial" panose="020B0604020202020204" pitchFamily="34" charset="0"/>
               </a:rPr>
               <a:t>Action </a:t>
             </a:r>
             <a:r>
-              <a:rPr lang="en-US" dirty="0" err="1">
+              <a:rPr lang="en-US" sz="3200" dirty="0" err="1">
                 <a:latin typeface="Arial" panose="020B0604020202020204" pitchFamily="34" charset="0"/>
                 <a:cs typeface="Arial" panose="020B0604020202020204" pitchFamily="34" charset="0"/>
               </a:rPr>
               <a:t>trong</a:t>
             </a:r>
             <a:r>
-              <a:rPr lang="en-US" dirty="0">
+              <a:rPr lang="en-US" sz="3200" dirty="0">
                 <a:latin typeface="Arial" panose="020B0604020202020204" pitchFamily="34" charset="0"/>
                 <a:cs typeface="Arial" panose="020B0604020202020204" pitchFamily="34" charset="0"/>
               </a:rPr>
@@ -13679,7 +13713,7 @@
           </a:p>
           <a:p>
             <a:r>
-              <a:rPr lang="en-US" dirty="0">
+              <a:rPr lang="en-US" sz="3200" dirty="0">
                 <a:latin typeface="Arial" panose="020B0604020202020204" pitchFamily="34" charset="0"/>
                 <a:cs typeface="Arial" panose="020B0604020202020204" pitchFamily="34" charset="0"/>
               </a:rPr>
@@ -13687,7 +13721,7 @@
             </a:r>
           </a:p>
           <a:p>
-            <a:endParaRPr lang="en-US" dirty="0">
+            <a:endParaRPr lang="en-US" sz="3200" dirty="0">
               <a:latin typeface="Arial" panose="020B0604020202020204" pitchFamily="34" charset="0"/>
               <a:cs typeface="Arial" panose="020B0604020202020204" pitchFamily="34" charset="0"/>
             </a:endParaRPr>
@@ -13836,9 +13870,16 @@
             <p:ph idx="1"/>
           </p:nvPr>
         </p:nvSpPr>
-        <p:spPr/>
+        <p:spPr>
+          <a:xfrm>
+            <a:off x="677334" y="1607696"/>
+            <a:ext cx="8596668" cy="3880773"/>
+          </a:xfrm>
+        </p:spPr>
         <p:txBody>
-          <a:bodyPr/>
+          <a:bodyPr>
+            <a:noAutofit/>
+          </a:bodyPr>
           <a:lstStyle/>
           <a:p>
             <a:pPr>
@@ -13846,55 +13887,55 @@
               <a:buChar char="ü"/>
             </a:pPr>
             <a:r>
-              <a:rPr lang="en-US" i="1" dirty="0">
+              <a:rPr lang="en-US" sz="2800" i="1" dirty="0">
                 <a:latin typeface="Arial" panose="020B0604020202020204" pitchFamily="34" charset="0"/>
                 <a:cs typeface="Arial" panose="020B0604020202020204" pitchFamily="34" charset="0"/>
               </a:rPr>
               <a:t>C</a:t>
             </a:r>
             <a:r>
-              <a:rPr lang="vi-VN" i="1" dirty="0">
+              <a:rPr lang="vi-VN" sz="2800" i="1" dirty="0">
                 <a:latin typeface="Arial" panose="020B0604020202020204" pitchFamily="34" charset="0"/>
                 <a:cs typeface="Arial" panose="020B0604020202020204" pitchFamily="34" charset="0"/>
               </a:rPr>
               <a:t>hange</a:t>
             </a:r>
             <a:r>
-              <a:rPr lang="vi-VN" dirty="0">
+              <a:rPr lang="vi-VN" sz="2800" dirty="0">
                 <a:latin typeface="Arial" panose="020B0604020202020204" pitchFamily="34" charset="0"/>
                 <a:cs typeface="Arial" panose="020B0604020202020204" pitchFamily="34" charset="0"/>
               </a:rPr>
               <a:t>: mô tả sự thay đổi cụ thể của 1 </a:t>
             </a:r>
             <a:r>
-              <a:rPr lang="vi-VN" i="1" dirty="0">
+              <a:rPr lang="vi-VN" sz="2800" i="1" dirty="0">
                 <a:latin typeface="Arial" panose="020B0604020202020204" pitchFamily="34" charset="0"/>
                 <a:cs typeface="Arial" panose="020B0604020202020204" pitchFamily="34" charset="0"/>
               </a:rPr>
               <a:t>revision </a:t>
             </a:r>
             <a:r>
-              <a:rPr lang="vi-VN" dirty="0">
+              <a:rPr lang="vi-VN" sz="2800" dirty="0">
                 <a:latin typeface="Arial" panose="020B0604020202020204" pitchFamily="34" charset="0"/>
                 <a:cs typeface="Arial" panose="020B0604020202020204" pitchFamily="34" charset="0"/>
               </a:rPr>
               <a:t>so với </a:t>
             </a:r>
             <a:r>
-              <a:rPr lang="vi-VN" i="1" dirty="0">
+              <a:rPr lang="vi-VN" sz="2800" i="1" dirty="0">
                 <a:latin typeface="Arial" panose="020B0604020202020204" pitchFamily="34" charset="0"/>
                 <a:cs typeface="Arial" panose="020B0604020202020204" pitchFamily="34" charset="0"/>
               </a:rPr>
               <a:t>revision </a:t>
             </a:r>
             <a:r>
-              <a:rPr lang="vi-VN" dirty="0">
+              <a:rPr lang="vi-VN" sz="2800" dirty="0">
                 <a:latin typeface="Arial" panose="020B0604020202020204" pitchFamily="34" charset="0"/>
                 <a:cs typeface="Arial" panose="020B0604020202020204" pitchFamily="34" charset="0"/>
               </a:rPr>
               <a:t>trước đó</a:t>
             </a:r>
-            <a:endParaRPr lang="en-US" dirty="0">
+            <a:endParaRPr lang="en-US" sz="2800" dirty="0">
               <a:latin typeface="Arial" panose="020B0604020202020204" pitchFamily="34" charset="0"/>
               <a:cs typeface="Arial" panose="020B0604020202020204" pitchFamily="34" charset="0"/>
             </a:endParaRPr>
@@ -13904,10 +13945,118 @@
               <a:buFont typeface="Wingdings" pitchFamily="2" charset="2"/>
               <a:buChar char="ü"/>
             </a:pPr>
-            <a:endParaRPr lang="en-US" dirty="0">
-              <a:latin typeface="Arial" panose="020B0604020202020204" pitchFamily="34" charset="0"/>
-              <a:cs typeface="Arial" panose="020B0604020202020204" pitchFamily="34" charset="0"/>
-            </a:endParaRPr>
+            <a:r>
+              <a:rPr lang="en-US" sz="2800" i="1" dirty="0">
+                <a:latin typeface="Arial" pitchFamily="34" charset="0"/>
+                <a:cs typeface="Arial" pitchFamily="34" charset="0"/>
+              </a:rPr>
+              <a:t>Working copy</a:t>
+            </a:r>
+            <a:r>
+              <a:rPr lang="en-US" sz="2800" dirty="0">
+                <a:latin typeface="Arial" pitchFamily="34" charset="0"/>
+                <a:cs typeface="Arial" pitchFamily="34" charset="0"/>
+              </a:rPr>
+              <a:t>: </a:t>
+            </a:r>
+            <a:r>
+              <a:rPr lang="en-US" sz="2800" dirty="0" err="1">
+                <a:latin typeface="Arial" pitchFamily="34" charset="0"/>
+                <a:cs typeface="Arial" pitchFamily="34" charset="0"/>
+              </a:rPr>
+              <a:t>bản</a:t>
+            </a:r>
+            <a:r>
+              <a:rPr lang="en-US" sz="2800" dirty="0">
+                <a:latin typeface="Arial" pitchFamily="34" charset="0"/>
+                <a:cs typeface="Arial" pitchFamily="34" charset="0"/>
+              </a:rPr>
+              <a:t> copy </a:t>
+            </a:r>
+            <a:r>
+              <a:rPr lang="en-US" sz="2800" dirty="0" err="1">
+                <a:latin typeface="Arial" pitchFamily="34" charset="0"/>
+                <a:cs typeface="Arial" pitchFamily="34" charset="0"/>
+              </a:rPr>
+              <a:t>của</a:t>
+            </a:r>
+            <a:r>
+              <a:rPr lang="en-US" sz="2800" dirty="0">
+                <a:latin typeface="Arial" pitchFamily="34" charset="0"/>
+                <a:cs typeface="Arial" pitchFamily="34" charset="0"/>
+              </a:rPr>
+              <a:t> </a:t>
+            </a:r>
+            <a:r>
+              <a:rPr lang="en-US" sz="2800" dirty="0" err="1">
+                <a:latin typeface="Arial" pitchFamily="34" charset="0"/>
+                <a:cs typeface="Arial" pitchFamily="34" charset="0"/>
+              </a:rPr>
+              <a:t>toàn</a:t>
+            </a:r>
+            <a:r>
+              <a:rPr lang="en-US" sz="2800" dirty="0">
+                <a:latin typeface="Arial" pitchFamily="34" charset="0"/>
+                <a:cs typeface="Arial" pitchFamily="34" charset="0"/>
+              </a:rPr>
+              <a:t> </a:t>
+            </a:r>
+            <a:r>
+              <a:rPr lang="en-US" sz="2800" dirty="0" err="1">
+                <a:latin typeface="Arial" pitchFamily="34" charset="0"/>
+                <a:cs typeface="Arial" pitchFamily="34" charset="0"/>
+              </a:rPr>
+              <a:t>bộ</a:t>
+            </a:r>
+            <a:r>
+              <a:rPr lang="en-US" sz="2800" dirty="0">
+                <a:latin typeface="Arial" pitchFamily="34" charset="0"/>
+                <a:cs typeface="Arial" pitchFamily="34" charset="0"/>
+              </a:rPr>
+              <a:t> SVN </a:t>
+            </a:r>
+            <a:r>
+              <a:rPr lang="en-US" sz="2800" dirty="0" err="1">
+                <a:latin typeface="Arial" pitchFamily="34" charset="0"/>
+                <a:cs typeface="Arial" pitchFamily="34" charset="0"/>
+              </a:rPr>
+              <a:t>tại</a:t>
+            </a:r>
+            <a:r>
+              <a:rPr lang="en-US" sz="2800" dirty="0">
+                <a:latin typeface="Arial" pitchFamily="34" charset="0"/>
+                <a:cs typeface="Arial" pitchFamily="34" charset="0"/>
+              </a:rPr>
+              <a:t> </a:t>
+            </a:r>
+            <a:r>
+              <a:rPr lang="en-US" sz="2800" dirty="0" err="1">
+                <a:latin typeface="Arial" pitchFamily="34" charset="0"/>
+                <a:cs typeface="Arial" pitchFamily="34" charset="0"/>
+              </a:rPr>
+              <a:t>máy</a:t>
+            </a:r>
+            <a:r>
+              <a:rPr lang="en-US" sz="2800" dirty="0">
+                <a:latin typeface="Arial" pitchFamily="34" charset="0"/>
+                <a:cs typeface="Arial" pitchFamily="34" charset="0"/>
+              </a:rPr>
+              <a:t> </a:t>
+            </a:r>
+            <a:r>
+              <a:rPr lang="en-US" sz="2800" dirty="0" err="1">
+                <a:latin typeface="Arial" pitchFamily="34" charset="0"/>
+                <a:cs typeface="Arial" pitchFamily="34" charset="0"/>
+              </a:rPr>
+              <a:t>của</a:t>
+            </a:r>
+            <a:r>
+              <a:rPr lang="en-US" sz="2800" dirty="0">
+                <a:latin typeface="Arial" pitchFamily="34" charset="0"/>
+                <a:cs typeface="Arial" pitchFamily="34" charset="0"/>
+              </a:rPr>
+              <a:t> developer</a:t>
+            </a:r>
           </a:p>
           <a:p>
             <a:pPr>
@@ -13915,226 +14064,108 @@
               <a:buChar char="ü"/>
             </a:pPr>
             <a:r>
-              <a:rPr lang="en-US" i="1" dirty="0">
-                <a:latin typeface="Arial" pitchFamily="34" charset="0"/>
-                <a:cs typeface="Arial" pitchFamily="34" charset="0"/>
-              </a:rPr>
-              <a:t>Working copy</a:t>
-            </a:r>
-            <a:r>
-              <a:rPr lang="en-US" dirty="0">
-                <a:latin typeface="Arial" pitchFamily="34" charset="0"/>
-                <a:cs typeface="Arial" pitchFamily="34" charset="0"/>
-              </a:rPr>
-              <a:t>: </a:t>
-            </a:r>
-            <a:r>
-              <a:rPr lang="en-US" dirty="0" err="1">
-                <a:latin typeface="Arial" pitchFamily="34" charset="0"/>
-                <a:cs typeface="Arial" pitchFamily="34" charset="0"/>
-              </a:rPr>
-              <a:t>bản</a:t>
-            </a:r>
-            <a:r>
-              <a:rPr lang="en-US" dirty="0">
-                <a:latin typeface="Arial" pitchFamily="34" charset="0"/>
-                <a:cs typeface="Arial" pitchFamily="34" charset="0"/>
-              </a:rPr>
-              <a:t> copy </a:t>
-            </a:r>
-            <a:r>
-              <a:rPr lang="en-US" dirty="0" err="1">
-                <a:latin typeface="Arial" pitchFamily="34" charset="0"/>
-                <a:cs typeface="Arial" pitchFamily="34" charset="0"/>
-              </a:rPr>
-              <a:t>của</a:t>
-            </a:r>
-            <a:r>
-              <a:rPr lang="en-US" dirty="0">
-                <a:latin typeface="Arial" pitchFamily="34" charset="0"/>
-                <a:cs typeface="Arial" pitchFamily="34" charset="0"/>
-              </a:rPr>
-              <a:t> </a:t>
-            </a:r>
-            <a:r>
-              <a:rPr lang="en-US" dirty="0" err="1">
-                <a:latin typeface="Arial" pitchFamily="34" charset="0"/>
-                <a:cs typeface="Arial" pitchFamily="34" charset="0"/>
-              </a:rPr>
-              <a:t>toàn</a:t>
-            </a:r>
-            <a:r>
-              <a:rPr lang="en-US" dirty="0">
-                <a:latin typeface="Arial" pitchFamily="34" charset="0"/>
-                <a:cs typeface="Arial" pitchFamily="34" charset="0"/>
-              </a:rPr>
-              <a:t> </a:t>
-            </a:r>
-            <a:r>
-              <a:rPr lang="en-US" dirty="0" err="1">
-                <a:latin typeface="Arial" pitchFamily="34" charset="0"/>
-                <a:cs typeface="Arial" pitchFamily="34" charset="0"/>
-              </a:rPr>
-              <a:t>bộ</a:t>
-            </a:r>
-            <a:r>
-              <a:rPr lang="en-US" dirty="0">
-                <a:latin typeface="Arial" pitchFamily="34" charset="0"/>
-                <a:cs typeface="Arial" pitchFamily="34" charset="0"/>
-              </a:rPr>
-              <a:t> SVN </a:t>
-            </a:r>
-            <a:r>
-              <a:rPr lang="en-US" dirty="0" err="1">
-                <a:latin typeface="Arial" pitchFamily="34" charset="0"/>
-                <a:cs typeface="Arial" pitchFamily="34" charset="0"/>
-              </a:rPr>
-              <a:t>tại</a:t>
-            </a:r>
-            <a:r>
-              <a:rPr lang="en-US" dirty="0">
-                <a:latin typeface="Arial" pitchFamily="34" charset="0"/>
-                <a:cs typeface="Arial" pitchFamily="34" charset="0"/>
-              </a:rPr>
-              <a:t> </a:t>
-            </a:r>
-            <a:r>
-              <a:rPr lang="en-US" dirty="0" err="1">
-                <a:latin typeface="Arial" pitchFamily="34" charset="0"/>
-                <a:cs typeface="Arial" pitchFamily="34" charset="0"/>
-              </a:rPr>
-              <a:t>máy</a:t>
-            </a:r>
-            <a:r>
-              <a:rPr lang="en-US" dirty="0">
-                <a:latin typeface="Arial" pitchFamily="34" charset="0"/>
-                <a:cs typeface="Arial" pitchFamily="34" charset="0"/>
-              </a:rPr>
-              <a:t> </a:t>
-            </a:r>
-            <a:r>
-              <a:rPr lang="en-US" dirty="0" err="1">
-                <a:latin typeface="Arial" pitchFamily="34" charset="0"/>
-                <a:cs typeface="Arial" pitchFamily="34" charset="0"/>
-              </a:rPr>
-              <a:t>của</a:t>
-            </a:r>
-            <a:r>
-              <a:rPr lang="en-US" dirty="0">
-                <a:latin typeface="Arial" pitchFamily="34" charset="0"/>
-                <a:cs typeface="Arial" pitchFamily="34" charset="0"/>
-              </a:rPr>
-              <a:t> developer</a:t>
-            </a:r>
+              <a:rPr lang="en-US" sz="2800" i="1" dirty="0">
+                <a:latin typeface="Arial" panose="020B0604020202020204" pitchFamily="34" charset="0"/>
+                <a:cs typeface="Arial" panose="020B0604020202020204" pitchFamily="34" charset="0"/>
+              </a:rPr>
+              <a:t>C</a:t>
+            </a:r>
+            <a:r>
+              <a:rPr lang="vi-VN" sz="2800" i="1" dirty="0">
+                <a:latin typeface="Arial" panose="020B0604020202020204" pitchFamily="34" charset="0"/>
+                <a:cs typeface="Arial" panose="020B0604020202020204" pitchFamily="34" charset="0"/>
+              </a:rPr>
+              <a:t>onflict</a:t>
+            </a:r>
+            <a:r>
+              <a:rPr lang="vi-VN" sz="2800" dirty="0">
+                <a:latin typeface="Arial" panose="020B0604020202020204" pitchFamily="34" charset="0"/>
+                <a:cs typeface="Arial" panose="020B0604020202020204" pitchFamily="34" charset="0"/>
+              </a:rPr>
+              <a:t>: xung đột xảy ra khi có nhiều developer cùng làm việc với 1 working copy</a:t>
+            </a:r>
+            <a:endParaRPr lang="en-US" sz="2800" dirty="0">
+              <a:latin typeface="Arial" panose="020B0604020202020204" pitchFamily="34" charset="0"/>
+              <a:cs typeface="Arial" panose="020B0604020202020204" pitchFamily="34" charset="0"/>
+            </a:endParaRPr>
           </a:p>
           <a:p>
             <a:pPr>
               <a:buFont typeface="Wingdings" pitchFamily="2" charset="2"/>
               <a:buChar char="ü"/>
             </a:pPr>
-            <a:r>
-              <a:rPr lang="en-US" i="1" dirty="0">
-                <a:latin typeface="Arial" panose="020B0604020202020204" pitchFamily="34" charset="0"/>
-                <a:cs typeface="Arial" panose="020B0604020202020204" pitchFamily="34" charset="0"/>
-              </a:rPr>
-              <a:t>C</a:t>
-            </a:r>
-            <a:r>
-              <a:rPr lang="vi-VN" i="1" dirty="0">
-                <a:latin typeface="Arial" panose="020B0604020202020204" pitchFamily="34" charset="0"/>
-                <a:cs typeface="Arial" panose="020B0604020202020204" pitchFamily="34" charset="0"/>
-              </a:rPr>
-              <a:t>onflict</a:t>
-            </a:r>
-            <a:r>
-              <a:rPr lang="vi-VN" dirty="0">
-                <a:latin typeface="Arial" panose="020B0604020202020204" pitchFamily="34" charset="0"/>
-                <a:cs typeface="Arial" panose="020B0604020202020204" pitchFamily="34" charset="0"/>
-              </a:rPr>
-              <a:t>: xung đột xảy ra khi có nhiều developer cùng làm việc với 1 working copy</a:t>
-            </a:r>
-            <a:endParaRPr lang="en-US" dirty="0">
+            <a:endParaRPr lang="en-US" sz="2800" dirty="0">
               <a:latin typeface="Arial" panose="020B0604020202020204" pitchFamily="34" charset="0"/>
               <a:cs typeface="Arial" panose="020B0604020202020204" pitchFamily="34" charset="0"/>
             </a:endParaRPr>
           </a:p>
           <a:p>
-            <a:pPr>
-              <a:buFont typeface="Wingdings" pitchFamily="2" charset="2"/>
-              <a:buChar char="ü"/>
+            <a:pPr marL="0" indent="0">
+              <a:buNone/>
             </a:pPr>
-            <a:endParaRPr lang="en-US" dirty="0">
+            <a:r>
+              <a:rPr lang="en-US" sz="2800" dirty="0">
+                <a:latin typeface="Arial" panose="020B0604020202020204" pitchFamily="34" charset="0"/>
+                <a:cs typeface="Arial" panose="020B0604020202020204" pitchFamily="34" charset="0"/>
+              </a:rPr>
+              <a:t>   </a:t>
+            </a:r>
+            <a:r>
+              <a:rPr lang="vi-VN" sz="2800" dirty="0">
+                <a:latin typeface="Arial" panose="020B0604020202020204" pitchFamily="34" charset="0"/>
+                <a:cs typeface="Arial" panose="020B0604020202020204" pitchFamily="34" charset="0"/>
+              </a:rPr>
+              <a:t> </a:t>
+            </a:r>
+            <a:r>
+              <a:rPr lang="vi-VN" sz="2800" i="1" dirty="0">
+                <a:latin typeface="Arial" panose="020B0604020202020204" pitchFamily="34" charset="0"/>
+                <a:cs typeface="Arial" panose="020B0604020202020204" pitchFamily="34" charset="0"/>
+              </a:rPr>
+              <a:t>VD</a:t>
+            </a:r>
+            <a:r>
+              <a:rPr lang="en-US" sz="2800" i="1" dirty="0">
+                <a:latin typeface="Arial" panose="020B0604020202020204" pitchFamily="34" charset="0"/>
+                <a:cs typeface="Arial" panose="020B0604020202020204" pitchFamily="34" charset="0"/>
+              </a:rPr>
+              <a:t> :</a:t>
+            </a:r>
+            <a:r>
+              <a:rPr lang="vi-VN" sz="2800" i="1" dirty="0">
+                <a:latin typeface="Arial" panose="020B0604020202020204" pitchFamily="34" charset="0"/>
+                <a:cs typeface="Arial" panose="020B0604020202020204" pitchFamily="34" charset="0"/>
+              </a:rPr>
+              <a:t> A và B cùng checkout rev</a:t>
+            </a:r>
+            <a:r>
+              <a:rPr lang="en-US" sz="2800" i="1" dirty="0" err="1">
+                <a:latin typeface="Arial" panose="020B0604020202020204" pitchFamily="34" charset="0"/>
+                <a:cs typeface="Arial" panose="020B0604020202020204" pitchFamily="34" charset="0"/>
+              </a:rPr>
+              <a:t>ision</a:t>
+            </a:r>
+            <a:r>
+              <a:rPr lang="en-US" sz="2800" i="1" dirty="0">
+                <a:latin typeface="Arial" panose="020B0604020202020204" pitchFamily="34" charset="0"/>
+                <a:cs typeface="Arial" panose="020B0604020202020204" pitchFamily="34" charset="0"/>
+              </a:rPr>
+              <a:t> </a:t>
+            </a:r>
+            <a:r>
+              <a:rPr lang="vi-VN" sz="2800" i="1" dirty="0">
+                <a:latin typeface="Arial" panose="020B0604020202020204" pitchFamily="34" charset="0"/>
+                <a:cs typeface="Arial" panose="020B0604020202020204" pitchFamily="34" charset="0"/>
+              </a:rPr>
+              <a:t>40 của file</a:t>
+            </a:r>
+            <a:endParaRPr lang="en-US" sz="2800" i="1" dirty="0">
               <a:latin typeface="Arial" panose="020B0604020202020204" pitchFamily="34" charset="0"/>
               <a:cs typeface="Arial" panose="020B0604020202020204" pitchFamily="34" charset="0"/>
             </a:endParaRPr>
           </a:p>
           <a:p>
-            <a:pPr marL="0" indent="0">
-              <a:buNone/>
-            </a:pPr>
-            <a:r>
-              <a:rPr lang="en-US" dirty="0">
-                <a:latin typeface="Arial" panose="020B0604020202020204" pitchFamily="34" charset="0"/>
-                <a:cs typeface="Arial" panose="020B0604020202020204" pitchFamily="34" charset="0"/>
-              </a:rPr>
-              <a:t>   </a:t>
-            </a:r>
-            <a:r>
-              <a:rPr lang="vi-VN" dirty="0">
-                <a:latin typeface="Arial" panose="020B0604020202020204" pitchFamily="34" charset="0"/>
-                <a:cs typeface="Arial" panose="020B0604020202020204" pitchFamily="34" charset="0"/>
-              </a:rPr>
-              <a:t> </a:t>
-            </a:r>
-            <a:r>
-              <a:rPr lang="vi-VN" i="1" dirty="0">
-                <a:latin typeface="Arial" panose="020B0604020202020204" pitchFamily="34" charset="0"/>
-                <a:cs typeface="Arial" panose="020B0604020202020204" pitchFamily="34" charset="0"/>
-              </a:rPr>
-              <a:t>VD</a:t>
-            </a:r>
-            <a:r>
-              <a:rPr lang="en-US" i="1" dirty="0">
-                <a:latin typeface="Arial" panose="020B0604020202020204" pitchFamily="34" charset="0"/>
-                <a:cs typeface="Arial" panose="020B0604020202020204" pitchFamily="34" charset="0"/>
-              </a:rPr>
-              <a:t> :</a:t>
-            </a:r>
-            <a:r>
-              <a:rPr lang="vi-VN" i="1" dirty="0">
-                <a:latin typeface="Arial" panose="020B0604020202020204" pitchFamily="34" charset="0"/>
-                <a:cs typeface="Arial" panose="020B0604020202020204" pitchFamily="34" charset="0"/>
-              </a:rPr>
-              <a:t> A và B cùng checkout rev</a:t>
-            </a:r>
-            <a:r>
-              <a:rPr lang="en-US" i="1" dirty="0" err="1">
-                <a:latin typeface="Arial" panose="020B0604020202020204" pitchFamily="34" charset="0"/>
-                <a:cs typeface="Arial" panose="020B0604020202020204" pitchFamily="34" charset="0"/>
-              </a:rPr>
-              <a:t>ision</a:t>
-            </a:r>
-            <a:r>
-              <a:rPr lang="en-US" i="1" dirty="0">
-                <a:latin typeface="Arial" panose="020B0604020202020204" pitchFamily="34" charset="0"/>
-                <a:cs typeface="Arial" panose="020B0604020202020204" pitchFamily="34" charset="0"/>
-              </a:rPr>
-              <a:t> </a:t>
-            </a:r>
-            <a:r>
-              <a:rPr lang="vi-VN" i="1" dirty="0">
-                <a:latin typeface="Arial" panose="020B0604020202020204" pitchFamily="34" charset="0"/>
-                <a:cs typeface="Arial" panose="020B0604020202020204" pitchFamily="34" charset="0"/>
-              </a:rPr>
-              <a:t>40 của file</a:t>
-            </a:r>
-            <a:endParaRPr lang="en-US" i="1" dirty="0">
-              <a:latin typeface="Arial" panose="020B0604020202020204" pitchFamily="34" charset="0"/>
-              <a:cs typeface="Arial" panose="020B0604020202020204" pitchFamily="34" charset="0"/>
-            </a:endParaRPr>
-          </a:p>
-          <a:p>
-            <a:endParaRPr lang="en-US" dirty="0">
+            <a:endParaRPr lang="en-US" sz="2800" dirty="0">
               <a:latin typeface="Arial" panose="020B0604020202020204" pitchFamily="34" charset="0"/>
               <a:cs typeface="Arial" panose="020B0604020202020204" pitchFamily="34" charset="0"/>
             </a:endParaRPr>
@@ -14283,9 +14314,16 @@
             <p:ph idx="1"/>
           </p:nvPr>
         </p:nvSpPr>
-        <p:spPr/>
+        <p:spPr>
+          <a:xfrm>
+            <a:off x="677334" y="1554533"/>
+            <a:ext cx="8596668" cy="3880773"/>
+          </a:xfrm>
+        </p:spPr>
         <p:txBody>
-          <a:bodyPr/>
+          <a:bodyPr>
+            <a:noAutofit/>
+          </a:bodyPr>
           <a:lstStyle/>
           <a:p>
             <a:pPr>
@@ -14293,76 +14331,76 @@
               <a:buChar char="ü"/>
             </a:pPr>
             <a:r>
-              <a:rPr lang="en-US" i="1" dirty="0">
+              <a:rPr lang="en-US" sz="2800" i="1" dirty="0">
                 <a:latin typeface="Arial" panose="020B0604020202020204" pitchFamily="34" charset="0"/>
                 <a:cs typeface="Arial" panose="020B0604020202020204" pitchFamily="34" charset="0"/>
               </a:rPr>
               <a:t>C</a:t>
             </a:r>
             <a:r>
-              <a:rPr lang="vi-VN" i="1" dirty="0">
+              <a:rPr lang="vi-VN" sz="2800" i="1" dirty="0">
                 <a:latin typeface="Arial" panose="020B0604020202020204" pitchFamily="34" charset="0"/>
                 <a:cs typeface="Arial" panose="020B0604020202020204" pitchFamily="34" charset="0"/>
               </a:rPr>
               <a:t>onfig.js</a:t>
             </a:r>
             <a:r>
-              <a:rPr lang="en-US" dirty="0">
-                <a:latin typeface="Arial" panose="020B0604020202020204" pitchFamily="34" charset="0"/>
-                <a:cs typeface="Arial" panose="020B0604020202020204" pitchFamily="34" charset="0"/>
-              </a:rPr>
-              <a:t> </a:t>
-            </a:r>
-            <a:r>
-              <a:rPr lang="vi-VN" dirty="0">
-                <a:latin typeface="Arial" panose="020B0604020202020204" pitchFamily="34" charset="0"/>
-                <a:cs typeface="Arial" panose="020B0604020202020204" pitchFamily="34" charset="0"/>
-              </a:rPr>
-              <a:t> </a:t>
-            </a:r>
-            <a:r>
-              <a:rPr lang="en-US" dirty="0">
+              <a:rPr lang="en-US" sz="2800" dirty="0">
+                <a:latin typeface="Arial" panose="020B0604020202020204" pitchFamily="34" charset="0"/>
+                <a:cs typeface="Arial" panose="020B0604020202020204" pitchFamily="34" charset="0"/>
+              </a:rPr>
+              <a:t> </a:t>
+            </a:r>
+            <a:r>
+              <a:rPr lang="vi-VN" sz="2800" dirty="0">
+                <a:latin typeface="Arial" panose="020B0604020202020204" pitchFamily="34" charset="0"/>
+                <a:cs typeface="Arial" panose="020B0604020202020204" pitchFamily="34" charset="0"/>
+              </a:rPr>
+              <a:t> </a:t>
+            </a:r>
+            <a:r>
+              <a:rPr lang="en-US" sz="2800" dirty="0">
                 <a:latin typeface="Arial" panose="020B0604020202020204" pitchFamily="34" charset="0"/>
                 <a:cs typeface="Arial" panose="020B0604020202020204" pitchFamily="34" charset="0"/>
               </a:rPr>
               <a:t>S</a:t>
             </a:r>
             <a:r>
-              <a:rPr lang="vi-VN" dirty="0">
+              <a:rPr lang="vi-VN" sz="2800" dirty="0">
                 <a:latin typeface="Arial" panose="020B0604020202020204" pitchFamily="34" charset="0"/>
                 <a:cs typeface="Arial" panose="020B0604020202020204" pitchFamily="34" charset="0"/>
               </a:rPr>
               <a:t>au đó A sửa </a:t>
             </a:r>
             <a:r>
-              <a:rPr lang="vi-VN" i="1" dirty="0">
+              <a:rPr lang="vi-VN" sz="2800" i="1" dirty="0">
                 <a:latin typeface="Arial" panose="020B0604020202020204" pitchFamily="34" charset="0"/>
                 <a:cs typeface="Arial" panose="020B0604020202020204" pitchFamily="34" charset="0"/>
               </a:rPr>
               <a:t>function update()</a:t>
             </a:r>
             <a:r>
-              <a:rPr lang="vi-VN" dirty="0">
+              <a:rPr lang="vi-VN" sz="2800" dirty="0">
                 <a:latin typeface="Arial" panose="020B0604020202020204" pitchFamily="34" charset="0"/>
                 <a:cs typeface="Arial" panose="020B0604020202020204" pitchFamily="34" charset="0"/>
               </a:rPr>
               <a:t> rồi commit lên </a:t>
             </a:r>
             <a:r>
-              <a:rPr lang="vi-VN" i="1" dirty="0">
+              <a:rPr lang="vi-VN" sz="2800" i="1" dirty="0">
                 <a:latin typeface="Arial" panose="020B0604020202020204" pitchFamily="34" charset="0"/>
                 <a:cs typeface="Arial" panose="020B0604020202020204" pitchFamily="34" charset="0"/>
               </a:rPr>
               <a:t>revision </a:t>
             </a:r>
             <a:r>
-              <a:rPr lang="vi-VN" dirty="0">
+              <a:rPr lang="vi-VN" sz="2800" dirty="0">
                 <a:latin typeface="Arial" panose="020B0604020202020204" pitchFamily="34" charset="0"/>
                 <a:cs typeface="Arial" panose="020B0604020202020204" pitchFamily="34" charset="0"/>
               </a:rPr>
               <a:t>41, lúc này B cũng sửa function đó, khi B checkout về sẽ xảy ra conflict do SVN không biết được phiên bản của A hay B mới là latest</a:t>
             </a:r>
-            <a:endParaRPr lang="en-US" dirty="0">
+            <a:endParaRPr lang="en-US" sz="2800" dirty="0">
               <a:latin typeface="Arial" panose="020B0604020202020204" pitchFamily="34" charset="0"/>
               <a:cs typeface="Arial" panose="020B0604020202020204" pitchFamily="34" charset="0"/>
             </a:endParaRPr>
@@ -14372,7 +14410,7 @@
               <a:buFont typeface="Wingdings" pitchFamily="2" charset="2"/>
               <a:buChar char="ü"/>
             </a:pPr>
-            <a:endParaRPr lang="en-US" dirty="0">
+            <a:endParaRPr lang="en-US" sz="2800" dirty="0">
               <a:latin typeface="Arial" panose="020B0604020202020204" pitchFamily="34" charset="0"/>
               <a:cs typeface="Arial" panose="020B0604020202020204" pitchFamily="34" charset="0"/>
             </a:endParaRPr>
@@ -14383,89 +14421,89 @@
               <a:buChar char="ü"/>
             </a:pPr>
             <a:r>
-              <a:rPr lang="en-US" i="1" dirty="0">
+              <a:rPr lang="en-US" sz="2800" i="1" dirty="0">
                 <a:latin typeface="Arial" panose="020B0604020202020204" pitchFamily="34" charset="0"/>
                 <a:cs typeface="Arial" panose="020B0604020202020204" pitchFamily="34" charset="0"/>
               </a:rPr>
               <a:t>R</a:t>
             </a:r>
             <a:r>
-              <a:rPr lang="vi-VN" i="1" dirty="0">
+              <a:rPr lang="vi-VN" sz="2800" i="1" dirty="0">
                 <a:latin typeface="Arial" panose="020B0604020202020204" pitchFamily="34" charset="0"/>
                 <a:cs typeface="Arial" panose="020B0604020202020204" pitchFamily="34" charset="0"/>
               </a:rPr>
               <a:t>esolve</a:t>
             </a:r>
             <a:r>
-              <a:rPr lang="vi-VN" dirty="0">
+              <a:rPr lang="vi-VN" sz="2800" dirty="0">
                 <a:latin typeface="Arial" panose="020B0604020202020204" pitchFamily="34" charset="0"/>
                 <a:cs typeface="Arial" panose="020B0604020202020204" pitchFamily="34" charset="0"/>
               </a:rPr>
               <a:t>: </a:t>
             </a:r>
             <a:r>
-              <a:rPr lang="en-US" dirty="0">
+              <a:rPr lang="en-US" sz="2800" dirty="0">
                 <a:latin typeface="Arial" panose="020B0604020202020204" pitchFamily="34" charset="0"/>
                 <a:cs typeface="Arial" panose="020B0604020202020204" pitchFamily="34" charset="0"/>
               </a:rPr>
               <a:t>L</a:t>
             </a:r>
             <a:r>
-              <a:rPr lang="vi-VN" dirty="0">
+              <a:rPr lang="vi-VN" sz="2800" dirty="0">
                 <a:latin typeface="Arial" panose="020B0604020202020204" pitchFamily="34" charset="0"/>
                 <a:cs typeface="Arial" panose="020B0604020202020204" pitchFamily="34" charset="0"/>
               </a:rPr>
               <a:t>úc này, B sẽ xem xét lại code trong function, giữ lại đoạn code của A hoặc sửa nó, đánh dấu </a:t>
             </a:r>
             <a:r>
-              <a:rPr lang="en-US" i="1" dirty="0">
+              <a:rPr lang="en-US" sz="2800" i="1" dirty="0">
                 <a:latin typeface="Arial" panose="020B0604020202020204" pitchFamily="34" charset="0"/>
                 <a:cs typeface="Arial" panose="020B0604020202020204" pitchFamily="34" charset="0"/>
               </a:rPr>
               <a:t>C</a:t>
             </a:r>
             <a:r>
-              <a:rPr lang="vi-VN" i="1" dirty="0">
+              <a:rPr lang="vi-VN" sz="2800" i="1" dirty="0">
                 <a:latin typeface="Arial" panose="020B0604020202020204" pitchFamily="34" charset="0"/>
                 <a:cs typeface="Arial" panose="020B0604020202020204" pitchFamily="34" charset="0"/>
               </a:rPr>
               <a:t>onflict </a:t>
             </a:r>
             <a:r>
-              <a:rPr lang="vi-VN" dirty="0">
+              <a:rPr lang="vi-VN" sz="2800" dirty="0">
                 <a:latin typeface="Arial" panose="020B0604020202020204" pitchFamily="34" charset="0"/>
                 <a:cs typeface="Arial" panose="020B0604020202020204" pitchFamily="34" charset="0"/>
               </a:rPr>
               <a:t>đã được</a:t>
             </a:r>
             <a:r>
-              <a:rPr lang="en-US" dirty="0">
-                <a:latin typeface="Arial" panose="020B0604020202020204" pitchFamily="34" charset="0"/>
-                <a:cs typeface="Arial" panose="020B0604020202020204" pitchFamily="34" charset="0"/>
-              </a:rPr>
-              <a:t> </a:t>
-            </a:r>
-            <a:r>
-              <a:rPr lang="en-US" i="1" dirty="0">
+              <a:rPr lang="en-US" sz="2800" dirty="0">
+                <a:latin typeface="Arial" panose="020B0604020202020204" pitchFamily="34" charset="0"/>
+                <a:cs typeface="Arial" panose="020B0604020202020204" pitchFamily="34" charset="0"/>
+              </a:rPr>
+              <a:t> </a:t>
+            </a:r>
+            <a:r>
+              <a:rPr lang="en-US" sz="2800" i="1" dirty="0">
                 <a:latin typeface="Arial" panose="020B0604020202020204" pitchFamily="34" charset="0"/>
                 <a:cs typeface="Arial" panose="020B0604020202020204" pitchFamily="34" charset="0"/>
               </a:rPr>
               <a:t>R</a:t>
             </a:r>
             <a:r>
-              <a:rPr lang="vi-VN" i="1" dirty="0">
+              <a:rPr lang="vi-VN" sz="2800" i="1" dirty="0">
                 <a:latin typeface="Arial" panose="020B0604020202020204" pitchFamily="34" charset="0"/>
                 <a:cs typeface="Arial" panose="020B0604020202020204" pitchFamily="34" charset="0"/>
               </a:rPr>
               <a:t>esolve</a:t>
             </a:r>
-            <a:endParaRPr lang="en-US" dirty="0">
+            <a:endParaRPr lang="en-US" sz="2800" dirty="0">
               <a:latin typeface="Arial" panose="020B0604020202020204" pitchFamily="34" charset="0"/>
               <a:cs typeface="Arial" panose="020B0604020202020204" pitchFamily="34" charset="0"/>
             </a:endParaRPr>
           </a:p>
           <a:p>
-            <a:endParaRPr lang="en-US" dirty="0">
+            <a:endParaRPr lang="en-US" sz="2800" dirty="0">
               <a:latin typeface="Arial" panose="020B0604020202020204" pitchFamily="34" charset="0"/>
               <a:cs typeface="Arial" panose="020B0604020202020204" pitchFamily="34" charset="0"/>
             </a:endParaRPr>
@@ -14744,363 +14782,370 @@
             <p:ph idx="1"/>
           </p:nvPr>
         </p:nvSpPr>
-        <p:spPr/>
+        <p:spPr>
+          <a:xfrm>
+            <a:off x="677334" y="1501371"/>
+            <a:ext cx="8596668" cy="3880773"/>
+          </a:xfrm>
+        </p:spPr>
         <p:txBody>
-          <a:bodyPr/>
+          <a:bodyPr>
+            <a:normAutofit/>
+          </a:bodyPr>
           <a:lstStyle/>
           <a:p>
             <a:r>
-              <a:rPr lang="en-US" dirty="0">
+              <a:rPr lang="en-US" sz="2800" dirty="0">
                 <a:latin typeface="Arial" panose="020B0604020202020204" pitchFamily="34" charset="0"/>
                 <a:cs typeface="Arial" panose="020B0604020202020204" pitchFamily="34" charset="0"/>
               </a:rPr>
               <a:t>Checkout: </a:t>
             </a:r>
             <a:r>
-              <a:rPr lang="en-US" dirty="0" err="1">
+              <a:rPr lang="en-US" sz="2800" dirty="0" err="1">
                 <a:latin typeface="Arial" panose="020B0604020202020204" pitchFamily="34" charset="0"/>
                 <a:cs typeface="Arial" panose="020B0604020202020204" pitchFamily="34" charset="0"/>
               </a:rPr>
               <a:t>là</a:t>
             </a:r>
             <a:r>
-              <a:rPr lang="en-US" dirty="0">
-                <a:latin typeface="Arial" panose="020B0604020202020204" pitchFamily="34" charset="0"/>
-                <a:cs typeface="Arial" panose="020B0604020202020204" pitchFamily="34" charset="0"/>
-              </a:rPr>
-              <a:t> </a:t>
-            </a:r>
-            <a:r>
-              <a:rPr lang="en-US" dirty="0" err="1">
+              <a:rPr lang="en-US" sz="2800" dirty="0">
+                <a:latin typeface="Arial" panose="020B0604020202020204" pitchFamily="34" charset="0"/>
+                <a:cs typeface="Arial" panose="020B0604020202020204" pitchFamily="34" charset="0"/>
+              </a:rPr>
+              <a:t> </a:t>
+            </a:r>
+            <a:r>
+              <a:rPr lang="en-US" sz="2800" dirty="0" err="1">
                 <a:latin typeface="Arial" panose="020B0604020202020204" pitchFamily="34" charset="0"/>
                 <a:cs typeface="Arial" panose="020B0604020202020204" pitchFamily="34" charset="0"/>
               </a:rPr>
               <a:t>khái</a:t>
             </a:r>
             <a:r>
-              <a:rPr lang="en-US" dirty="0">
-                <a:latin typeface="Arial" panose="020B0604020202020204" pitchFamily="34" charset="0"/>
-                <a:cs typeface="Arial" panose="020B0604020202020204" pitchFamily="34" charset="0"/>
-              </a:rPr>
-              <a:t> </a:t>
-            </a:r>
-            <a:r>
-              <a:rPr lang="en-US" dirty="0" err="1">
+              <a:rPr lang="en-US" sz="2800" dirty="0">
+                <a:latin typeface="Arial" panose="020B0604020202020204" pitchFamily="34" charset="0"/>
+                <a:cs typeface="Arial" panose="020B0604020202020204" pitchFamily="34" charset="0"/>
+              </a:rPr>
+              <a:t> </a:t>
+            </a:r>
+            <a:r>
+              <a:rPr lang="en-US" sz="2800" dirty="0" err="1">
                 <a:latin typeface="Arial" panose="020B0604020202020204" pitchFamily="34" charset="0"/>
                 <a:cs typeface="Arial" panose="020B0604020202020204" pitchFamily="34" charset="0"/>
               </a:rPr>
               <a:t>niệm</a:t>
             </a:r>
             <a:r>
-              <a:rPr lang="en-US" dirty="0">
-                <a:latin typeface="Arial" panose="020B0604020202020204" pitchFamily="34" charset="0"/>
-                <a:cs typeface="Arial" panose="020B0604020202020204" pitchFamily="34" charset="0"/>
-              </a:rPr>
-              <a:t> </a:t>
-            </a:r>
-            <a:r>
-              <a:rPr lang="en-US" dirty="0" err="1">
+              <a:rPr lang="en-US" sz="2800" dirty="0">
+                <a:latin typeface="Arial" panose="020B0604020202020204" pitchFamily="34" charset="0"/>
+                <a:cs typeface="Arial" panose="020B0604020202020204" pitchFamily="34" charset="0"/>
+              </a:rPr>
+              <a:t> </a:t>
+            </a:r>
+            <a:r>
+              <a:rPr lang="en-US" sz="2800" dirty="0" err="1">
                 <a:latin typeface="Arial" panose="020B0604020202020204" pitchFamily="34" charset="0"/>
                 <a:cs typeface="Arial" panose="020B0604020202020204" pitchFamily="34" charset="0"/>
               </a:rPr>
               <a:t>dùng</a:t>
             </a:r>
             <a:r>
-              <a:rPr lang="en-US" dirty="0">
-                <a:latin typeface="Arial" panose="020B0604020202020204" pitchFamily="34" charset="0"/>
-                <a:cs typeface="Arial" panose="020B0604020202020204" pitchFamily="34" charset="0"/>
-              </a:rPr>
-              <a:t> </a:t>
-            </a:r>
-            <a:r>
-              <a:rPr lang="en-US" dirty="0" err="1">
+              <a:rPr lang="en-US" sz="2800" dirty="0">
+                <a:latin typeface="Arial" panose="020B0604020202020204" pitchFamily="34" charset="0"/>
+                <a:cs typeface="Arial" panose="020B0604020202020204" pitchFamily="34" charset="0"/>
+              </a:rPr>
+              <a:t> </a:t>
+            </a:r>
+            <a:r>
+              <a:rPr lang="en-US" sz="2800" dirty="0" err="1">
                 <a:latin typeface="Arial" panose="020B0604020202020204" pitchFamily="34" charset="0"/>
                 <a:cs typeface="Arial" panose="020B0604020202020204" pitchFamily="34" charset="0"/>
               </a:rPr>
               <a:t>để</a:t>
             </a:r>
             <a:r>
-              <a:rPr lang="en-US" dirty="0">
-                <a:latin typeface="Arial" panose="020B0604020202020204" pitchFamily="34" charset="0"/>
-                <a:cs typeface="Arial" panose="020B0604020202020204" pitchFamily="34" charset="0"/>
-              </a:rPr>
-              <a:t> </a:t>
-            </a:r>
-            <a:r>
-              <a:rPr lang="en-US" dirty="0" err="1">
+              <a:rPr lang="en-US" sz="2800" dirty="0">
+                <a:latin typeface="Arial" panose="020B0604020202020204" pitchFamily="34" charset="0"/>
+                <a:cs typeface="Arial" panose="020B0604020202020204" pitchFamily="34" charset="0"/>
+              </a:rPr>
+              <a:t> </a:t>
+            </a:r>
+            <a:r>
+              <a:rPr lang="en-US" sz="2800" dirty="0" err="1">
                 <a:latin typeface="Arial" panose="020B0604020202020204" pitchFamily="34" charset="0"/>
                 <a:cs typeface="Arial" panose="020B0604020202020204" pitchFamily="34" charset="0"/>
               </a:rPr>
               <a:t>chỉ</a:t>
             </a:r>
             <a:r>
-              <a:rPr lang="en-US" dirty="0">
-                <a:latin typeface="Arial" panose="020B0604020202020204" pitchFamily="34" charset="0"/>
-                <a:cs typeface="Arial" panose="020B0604020202020204" pitchFamily="34" charset="0"/>
-              </a:rPr>
-              <a:t> </a:t>
-            </a:r>
-            <a:r>
-              <a:rPr lang="en-US" dirty="0" err="1">
+              <a:rPr lang="en-US" sz="2800" dirty="0">
+                <a:latin typeface="Arial" panose="020B0604020202020204" pitchFamily="34" charset="0"/>
+                <a:cs typeface="Arial" panose="020B0604020202020204" pitchFamily="34" charset="0"/>
+              </a:rPr>
+              <a:t> </a:t>
+            </a:r>
+            <a:r>
+              <a:rPr lang="en-US" sz="2800" dirty="0" err="1">
                 <a:latin typeface="Arial" panose="020B0604020202020204" pitchFamily="34" charset="0"/>
                 <a:cs typeface="Arial" panose="020B0604020202020204" pitchFamily="34" charset="0"/>
               </a:rPr>
               <a:t>một</a:t>
             </a:r>
             <a:r>
-              <a:rPr lang="en-US" dirty="0">
-                <a:latin typeface="Arial" panose="020B0604020202020204" pitchFamily="34" charset="0"/>
-                <a:cs typeface="Arial" panose="020B0604020202020204" pitchFamily="34" charset="0"/>
-              </a:rPr>
-              <a:t> </a:t>
-            </a:r>
-            <a:r>
-              <a:rPr lang="en-US" dirty="0" err="1">
+              <a:rPr lang="en-US" sz="2800" dirty="0">
+                <a:latin typeface="Arial" panose="020B0604020202020204" pitchFamily="34" charset="0"/>
+                <a:cs typeface="Arial" panose="020B0604020202020204" pitchFamily="34" charset="0"/>
+              </a:rPr>
+              <a:t> </a:t>
+            </a:r>
+            <a:r>
+              <a:rPr lang="en-US" sz="2800" dirty="0" err="1">
                 <a:latin typeface="Arial" panose="020B0604020202020204" pitchFamily="34" charset="0"/>
                 <a:cs typeface="Arial" panose="020B0604020202020204" pitchFamily="34" charset="0"/>
               </a:rPr>
               <a:t>thành</a:t>
             </a:r>
             <a:r>
-              <a:rPr lang="en-US" dirty="0">
-                <a:latin typeface="Arial" panose="020B0604020202020204" pitchFamily="34" charset="0"/>
-                <a:cs typeface="Arial" panose="020B0604020202020204" pitchFamily="34" charset="0"/>
-              </a:rPr>
-              <a:t> </a:t>
-            </a:r>
-            <a:r>
-              <a:rPr lang="en-US" dirty="0" err="1">
+              <a:rPr lang="en-US" sz="2800" dirty="0">
+                <a:latin typeface="Arial" panose="020B0604020202020204" pitchFamily="34" charset="0"/>
+                <a:cs typeface="Arial" panose="020B0604020202020204" pitchFamily="34" charset="0"/>
+              </a:rPr>
+              <a:t> </a:t>
+            </a:r>
+            <a:r>
+              <a:rPr lang="en-US" sz="2800" dirty="0" err="1">
                 <a:latin typeface="Arial" panose="020B0604020202020204" pitchFamily="34" charset="0"/>
                 <a:cs typeface="Arial" panose="020B0604020202020204" pitchFamily="34" charset="0"/>
               </a:rPr>
               <a:t>viên</a:t>
             </a:r>
             <a:r>
-              <a:rPr lang="en-US" dirty="0">
-                <a:latin typeface="Arial" panose="020B0604020202020204" pitchFamily="34" charset="0"/>
-                <a:cs typeface="Arial" panose="020B0604020202020204" pitchFamily="34" charset="0"/>
-              </a:rPr>
-              <a:t> </a:t>
-            </a:r>
-            <a:r>
-              <a:rPr lang="en-US" dirty="0" err="1">
+              <a:rPr lang="en-US" sz="2800" dirty="0">
+                <a:latin typeface="Arial" panose="020B0604020202020204" pitchFamily="34" charset="0"/>
+                <a:cs typeface="Arial" panose="020B0604020202020204" pitchFamily="34" charset="0"/>
+              </a:rPr>
+              <a:t> </a:t>
+            </a:r>
+            <a:r>
+              <a:rPr lang="en-US" sz="2800" dirty="0" err="1">
                 <a:latin typeface="Arial" panose="020B0604020202020204" pitchFamily="34" charset="0"/>
                 <a:cs typeface="Arial" panose="020B0604020202020204" pitchFamily="34" charset="0"/>
               </a:rPr>
               <a:t>của</a:t>
             </a:r>
             <a:r>
-              <a:rPr lang="en-US" dirty="0">
-                <a:latin typeface="Arial" panose="020B0604020202020204" pitchFamily="34" charset="0"/>
-                <a:cs typeface="Arial" panose="020B0604020202020204" pitchFamily="34" charset="0"/>
-              </a:rPr>
-              <a:t> </a:t>
-            </a:r>
-            <a:r>
-              <a:rPr lang="en-US" dirty="0" err="1">
+              <a:rPr lang="en-US" sz="2800" dirty="0">
+                <a:latin typeface="Arial" panose="020B0604020202020204" pitchFamily="34" charset="0"/>
+                <a:cs typeface="Arial" panose="020B0604020202020204" pitchFamily="34" charset="0"/>
+              </a:rPr>
+              <a:t> </a:t>
+            </a:r>
+            <a:r>
+              <a:rPr lang="en-US" sz="2800" dirty="0" err="1">
                 <a:latin typeface="Arial" panose="020B0604020202020204" pitchFamily="34" charset="0"/>
                 <a:cs typeface="Arial" panose="020B0604020202020204" pitchFamily="34" charset="0"/>
               </a:rPr>
               <a:t>dự</a:t>
             </a:r>
             <a:r>
-              <a:rPr lang="en-US" dirty="0">
-                <a:latin typeface="Arial" panose="020B0604020202020204" pitchFamily="34" charset="0"/>
-                <a:cs typeface="Arial" panose="020B0604020202020204" pitchFamily="34" charset="0"/>
-              </a:rPr>
-              <a:t> </a:t>
-            </a:r>
-            <a:r>
-              <a:rPr lang="en-US" dirty="0" err="1">
+              <a:rPr lang="en-US" sz="2800" dirty="0">
+                <a:latin typeface="Arial" panose="020B0604020202020204" pitchFamily="34" charset="0"/>
+                <a:cs typeface="Arial" panose="020B0604020202020204" pitchFamily="34" charset="0"/>
+              </a:rPr>
+              <a:t> </a:t>
+            </a:r>
+            <a:r>
+              <a:rPr lang="en-US" sz="2800" dirty="0" err="1">
                 <a:latin typeface="Arial" panose="020B0604020202020204" pitchFamily="34" charset="0"/>
                 <a:cs typeface="Arial" panose="020B0604020202020204" pitchFamily="34" charset="0"/>
               </a:rPr>
               <a:t>án</a:t>
             </a:r>
             <a:r>
-              <a:rPr lang="en-US" dirty="0">
+              <a:rPr lang="en-US" sz="2800" dirty="0">
                 <a:latin typeface="Arial" panose="020B0604020202020204" pitchFamily="34" charset="0"/>
                 <a:cs typeface="Arial" panose="020B0604020202020204" pitchFamily="34" charset="0"/>
               </a:rPr>
               <a:t> ở client </a:t>
             </a:r>
             <a:r>
-              <a:rPr lang="en-US" dirty="0" err="1">
+              <a:rPr lang="en-US" sz="2800" dirty="0" err="1">
                 <a:latin typeface="Arial" panose="020B0604020202020204" pitchFamily="34" charset="0"/>
                 <a:cs typeface="Arial" panose="020B0604020202020204" pitchFamily="34" charset="0"/>
               </a:rPr>
               <a:t>sẽ</a:t>
             </a:r>
             <a:r>
-              <a:rPr lang="en-US" dirty="0">
-                <a:latin typeface="Arial" panose="020B0604020202020204" pitchFamily="34" charset="0"/>
-                <a:cs typeface="Arial" panose="020B0604020202020204" pitchFamily="34" charset="0"/>
-              </a:rPr>
-              <a:t> </a:t>
-            </a:r>
-            <a:r>
-              <a:rPr lang="en-US" dirty="0" err="1">
+              <a:rPr lang="en-US" sz="2800" dirty="0">
+                <a:latin typeface="Arial" panose="020B0604020202020204" pitchFamily="34" charset="0"/>
+                <a:cs typeface="Arial" panose="020B0604020202020204" pitchFamily="34" charset="0"/>
+              </a:rPr>
+              <a:t> </a:t>
+            </a:r>
+            <a:r>
+              <a:rPr lang="en-US" sz="2800" dirty="0" err="1">
                 <a:latin typeface="Arial" panose="020B0604020202020204" pitchFamily="34" charset="0"/>
                 <a:cs typeface="Arial" panose="020B0604020202020204" pitchFamily="34" charset="0"/>
               </a:rPr>
               <a:t>lấy</a:t>
             </a:r>
             <a:r>
-              <a:rPr lang="en-US" dirty="0">
-                <a:latin typeface="Arial" panose="020B0604020202020204" pitchFamily="34" charset="0"/>
-                <a:cs typeface="Arial" panose="020B0604020202020204" pitchFamily="34" charset="0"/>
-              </a:rPr>
-              <a:t> </a:t>
-            </a:r>
-            <a:r>
-              <a:rPr lang="en-US" dirty="0" err="1">
+              <a:rPr lang="en-US" sz="2800" dirty="0">
+                <a:latin typeface="Arial" panose="020B0604020202020204" pitchFamily="34" charset="0"/>
+                <a:cs typeface="Arial" panose="020B0604020202020204" pitchFamily="34" charset="0"/>
+              </a:rPr>
+              <a:t> </a:t>
+            </a:r>
+            <a:r>
+              <a:rPr lang="en-US" sz="2800" dirty="0" err="1">
                 <a:latin typeface="Arial" panose="020B0604020202020204" pitchFamily="34" charset="0"/>
                 <a:cs typeface="Arial" panose="020B0604020202020204" pitchFamily="34" charset="0"/>
               </a:rPr>
               <a:t>một</a:t>
             </a:r>
             <a:r>
-              <a:rPr lang="en-US" dirty="0">
-                <a:latin typeface="Arial" panose="020B0604020202020204" pitchFamily="34" charset="0"/>
-                <a:cs typeface="Arial" panose="020B0604020202020204" pitchFamily="34" charset="0"/>
-              </a:rPr>
-              <a:t> </a:t>
-            </a:r>
-            <a:r>
-              <a:rPr lang="en-US" dirty="0" err="1">
+              <a:rPr lang="en-US" sz="2800" dirty="0">
+                <a:latin typeface="Arial" panose="020B0604020202020204" pitchFamily="34" charset="0"/>
+                <a:cs typeface="Arial" panose="020B0604020202020204" pitchFamily="34" charset="0"/>
+              </a:rPr>
+              <a:t> </a:t>
+            </a:r>
+            <a:r>
+              <a:rPr lang="en-US" sz="2800" dirty="0" err="1">
                 <a:latin typeface="Arial" panose="020B0604020202020204" pitchFamily="34" charset="0"/>
                 <a:cs typeface="Arial" panose="020B0604020202020204" pitchFamily="34" charset="0"/>
               </a:rPr>
               <a:t>phiên</a:t>
             </a:r>
             <a:r>
-              <a:rPr lang="en-US" dirty="0">
-                <a:latin typeface="Arial" panose="020B0604020202020204" pitchFamily="34" charset="0"/>
-                <a:cs typeface="Arial" panose="020B0604020202020204" pitchFamily="34" charset="0"/>
-              </a:rPr>
-              <a:t> </a:t>
-            </a:r>
-            <a:r>
-              <a:rPr lang="en-US" dirty="0" err="1">
+              <a:rPr lang="en-US" sz="2800" dirty="0">
+                <a:latin typeface="Arial" panose="020B0604020202020204" pitchFamily="34" charset="0"/>
+                <a:cs typeface="Arial" panose="020B0604020202020204" pitchFamily="34" charset="0"/>
+              </a:rPr>
+              <a:t> </a:t>
+            </a:r>
+            <a:r>
+              <a:rPr lang="en-US" sz="2800" dirty="0" err="1">
                 <a:latin typeface="Arial" panose="020B0604020202020204" pitchFamily="34" charset="0"/>
                 <a:cs typeface="Arial" panose="020B0604020202020204" pitchFamily="34" charset="0"/>
               </a:rPr>
               <a:t>bản</a:t>
             </a:r>
             <a:r>
-              <a:rPr lang="en-US" dirty="0">
+              <a:rPr lang="en-US" sz="2800" dirty="0">
                 <a:latin typeface="Arial" panose="020B0604020202020204" pitchFamily="34" charset="0"/>
                 <a:cs typeface="Arial" panose="020B0604020202020204" pitchFamily="34" charset="0"/>
               </a:rPr>
               <a:t> copy </a:t>
             </a:r>
             <a:r>
-              <a:rPr lang="en-US" dirty="0" err="1">
+              <a:rPr lang="en-US" sz="2800" dirty="0" err="1">
                 <a:latin typeface="Arial" panose="020B0604020202020204" pitchFamily="34" charset="0"/>
                 <a:cs typeface="Arial" panose="020B0604020202020204" pitchFamily="34" charset="0"/>
               </a:rPr>
               <a:t>của</a:t>
             </a:r>
             <a:r>
-              <a:rPr lang="en-US" dirty="0">
-                <a:latin typeface="Arial" panose="020B0604020202020204" pitchFamily="34" charset="0"/>
-                <a:cs typeface="Arial" panose="020B0604020202020204" pitchFamily="34" charset="0"/>
-              </a:rPr>
-              <a:t> </a:t>
-            </a:r>
-            <a:r>
-              <a:rPr lang="en-US" dirty="0" err="1">
+              <a:rPr lang="en-US" sz="2800" dirty="0">
+                <a:latin typeface="Arial" panose="020B0604020202020204" pitchFamily="34" charset="0"/>
+                <a:cs typeface="Arial" panose="020B0604020202020204" pitchFamily="34" charset="0"/>
+              </a:rPr>
+              <a:t> </a:t>
+            </a:r>
+            <a:r>
+              <a:rPr lang="en-US" sz="2800" dirty="0" err="1">
                 <a:latin typeface="Arial" panose="020B0604020202020204" pitchFamily="34" charset="0"/>
                 <a:cs typeface="Arial" panose="020B0604020202020204" pitchFamily="34" charset="0"/>
               </a:rPr>
               <a:t>các</a:t>
             </a:r>
             <a:r>
-              <a:rPr lang="en-US" dirty="0">
+              <a:rPr lang="en-US" sz="2800" dirty="0">
                 <a:latin typeface="Arial" panose="020B0604020202020204" pitchFamily="34" charset="0"/>
                 <a:cs typeface="Arial" panose="020B0604020202020204" pitchFamily="34" charset="0"/>
               </a:rPr>
               <a:t> file </a:t>
             </a:r>
             <a:r>
-              <a:rPr lang="en-US" dirty="0" err="1">
+              <a:rPr lang="en-US" sz="2800" dirty="0" err="1">
                 <a:latin typeface="Arial" panose="020B0604020202020204" pitchFamily="34" charset="0"/>
                 <a:cs typeface="Arial" panose="020B0604020202020204" pitchFamily="34" charset="0"/>
               </a:rPr>
               <a:t>thuộc</a:t>
             </a:r>
             <a:r>
-              <a:rPr lang="en-US" dirty="0">
+              <a:rPr lang="en-US" sz="2800" dirty="0">
                 <a:latin typeface="Arial" panose="020B0604020202020204" pitchFamily="34" charset="0"/>
                 <a:cs typeface="Arial" panose="020B0604020202020204" pitchFamily="34" charset="0"/>
               </a:rPr>
               <a:t> project </a:t>
             </a:r>
             <a:r>
-              <a:rPr lang="en-US" dirty="0" err="1">
+              <a:rPr lang="en-US" sz="2800" dirty="0" err="1">
                 <a:latin typeface="Arial" panose="020B0604020202020204" pitchFamily="34" charset="0"/>
                 <a:cs typeface="Arial" panose="020B0604020202020204" pitchFamily="34" charset="0"/>
               </a:rPr>
               <a:t>trên</a:t>
             </a:r>
             <a:r>
-              <a:rPr lang="en-US" dirty="0">
+              <a:rPr lang="en-US" sz="2800" dirty="0">
                 <a:latin typeface="Arial" panose="020B0604020202020204" pitchFamily="34" charset="0"/>
                 <a:cs typeface="Arial" panose="020B0604020202020204" pitchFamily="34" charset="0"/>
               </a:rPr>
               <a:t> server </a:t>
             </a:r>
             <a:r>
-              <a:rPr lang="en-US" dirty="0" err="1">
+              <a:rPr lang="en-US" sz="2800" dirty="0" err="1">
                 <a:latin typeface="Arial" panose="020B0604020202020204" pitchFamily="34" charset="0"/>
                 <a:cs typeface="Arial" panose="020B0604020202020204" pitchFamily="34" charset="0"/>
               </a:rPr>
               <a:t>về</a:t>
             </a:r>
             <a:r>
-              <a:rPr lang="en-US" dirty="0">
-                <a:latin typeface="Arial" panose="020B0604020202020204" pitchFamily="34" charset="0"/>
-                <a:cs typeface="Arial" panose="020B0604020202020204" pitchFamily="34" charset="0"/>
-              </a:rPr>
-              <a:t> </a:t>
-            </a:r>
-            <a:r>
-              <a:rPr lang="en-US" dirty="0" err="1">
+              <a:rPr lang="en-US" sz="2800" dirty="0">
+                <a:latin typeface="Arial" panose="020B0604020202020204" pitchFamily="34" charset="0"/>
+                <a:cs typeface="Arial" panose="020B0604020202020204" pitchFamily="34" charset="0"/>
+              </a:rPr>
+              <a:t> </a:t>
+            </a:r>
+            <a:r>
+              <a:rPr lang="en-US" sz="2800" dirty="0" err="1">
                 <a:latin typeface="Arial" panose="020B0604020202020204" pitchFamily="34" charset="0"/>
                 <a:cs typeface="Arial" panose="020B0604020202020204" pitchFamily="34" charset="0"/>
               </a:rPr>
               <a:t>máy</a:t>
             </a:r>
             <a:r>
-              <a:rPr lang="en-US" dirty="0">
-                <a:latin typeface="Arial" panose="020B0604020202020204" pitchFamily="34" charset="0"/>
-                <a:cs typeface="Arial" panose="020B0604020202020204" pitchFamily="34" charset="0"/>
-              </a:rPr>
-              <a:t> </a:t>
-            </a:r>
-            <a:r>
-              <a:rPr lang="en-US" dirty="0" err="1">
+              <a:rPr lang="en-US" sz="2800" dirty="0">
+                <a:latin typeface="Arial" panose="020B0604020202020204" pitchFamily="34" charset="0"/>
+                <a:cs typeface="Arial" panose="020B0604020202020204" pitchFamily="34" charset="0"/>
+              </a:rPr>
+              <a:t> </a:t>
+            </a:r>
+            <a:r>
+              <a:rPr lang="en-US" sz="2800" dirty="0" err="1">
                 <a:latin typeface="Arial" panose="020B0604020202020204" pitchFamily="34" charset="0"/>
                 <a:cs typeface="Arial" panose="020B0604020202020204" pitchFamily="34" charset="0"/>
               </a:rPr>
               <a:t>cục</a:t>
             </a:r>
             <a:r>
-              <a:rPr lang="en-US" dirty="0">
-                <a:latin typeface="Arial" panose="020B0604020202020204" pitchFamily="34" charset="0"/>
-                <a:cs typeface="Arial" panose="020B0604020202020204" pitchFamily="34" charset="0"/>
-              </a:rPr>
-              <a:t> </a:t>
-            </a:r>
-            <a:r>
-              <a:rPr lang="en-US" dirty="0" err="1">
+              <a:rPr lang="en-US" sz="2800" dirty="0">
+                <a:latin typeface="Arial" panose="020B0604020202020204" pitchFamily="34" charset="0"/>
+                <a:cs typeface="Arial" panose="020B0604020202020204" pitchFamily="34" charset="0"/>
+              </a:rPr>
+              <a:t> </a:t>
+            </a:r>
+            <a:r>
+              <a:rPr lang="en-US" sz="2800" dirty="0" err="1">
                 <a:latin typeface="Arial" panose="020B0604020202020204" pitchFamily="34" charset="0"/>
                 <a:cs typeface="Arial" panose="020B0604020202020204" pitchFamily="34" charset="0"/>
               </a:rPr>
               <a:t>bộ</a:t>
             </a:r>
             <a:r>
-              <a:rPr lang="en-US" dirty="0">
+              <a:rPr lang="en-US" sz="2800" dirty="0">
                 <a:latin typeface="Arial" panose="020B0604020202020204" pitchFamily="34" charset="0"/>
                 <a:cs typeface="Arial" panose="020B0604020202020204" pitchFamily="34" charset="0"/>
               </a:rPr>
@@ -15108,7 +15153,7 @@
             </a:r>
           </a:p>
           <a:p>
-            <a:endParaRPr lang="en-US" dirty="0">
+            <a:endParaRPr lang="en-US" sz="2800" dirty="0">
               <a:latin typeface="Arial" panose="020B0604020202020204" pitchFamily="34" charset="0"/>
               <a:cs typeface="Arial" panose="020B0604020202020204" pitchFamily="34" charset="0"/>
             </a:endParaRPr>
@@ -15137,7 +15182,7 @@
         </p:blipFill>
         <p:spPr>
           <a:xfrm>
-            <a:off x="677334" y="3299336"/>
+            <a:off x="677334" y="3139848"/>
             <a:ext cx="4848902" cy="2972215"/>
           </a:xfrm>
           <a:prstGeom prst="rect">
@@ -15252,223 +15297,230 @@
             <p:ph idx="1"/>
           </p:nvPr>
         </p:nvSpPr>
-        <p:spPr/>
+        <p:spPr>
+          <a:xfrm>
+            <a:off x="677334" y="1480105"/>
+            <a:ext cx="8596668" cy="3880773"/>
+          </a:xfrm>
+        </p:spPr>
         <p:txBody>
-          <a:bodyPr/>
+          <a:bodyPr>
+            <a:normAutofit/>
+          </a:bodyPr>
           <a:lstStyle/>
           <a:p>
             <a:r>
-              <a:rPr lang="en-US" dirty="0">
+              <a:rPr lang="en-US" sz="2800" dirty="0">
                 <a:latin typeface="Arial" panose="020B0604020202020204" pitchFamily="34" charset="0"/>
                 <a:cs typeface="Arial" panose="020B0604020202020204" pitchFamily="34" charset="0"/>
               </a:rPr>
               <a:t>Commit: </a:t>
             </a:r>
             <a:r>
-              <a:rPr lang="en-US" dirty="0" err="1">
+              <a:rPr lang="en-US" sz="2800" dirty="0" err="1">
                 <a:latin typeface="Arial" panose="020B0604020202020204" pitchFamily="34" charset="0"/>
                 <a:cs typeface="Arial" panose="020B0604020202020204" pitchFamily="34" charset="0"/>
               </a:rPr>
               <a:t>thành</a:t>
             </a:r>
             <a:r>
-              <a:rPr lang="en-US" dirty="0">
-                <a:latin typeface="Arial" panose="020B0604020202020204" pitchFamily="34" charset="0"/>
-                <a:cs typeface="Arial" panose="020B0604020202020204" pitchFamily="34" charset="0"/>
-              </a:rPr>
-              <a:t> </a:t>
-            </a:r>
-            <a:r>
-              <a:rPr lang="en-US" dirty="0" err="1">
+              <a:rPr lang="en-US" sz="2800" dirty="0">
+                <a:latin typeface="Arial" panose="020B0604020202020204" pitchFamily="34" charset="0"/>
+                <a:cs typeface="Arial" panose="020B0604020202020204" pitchFamily="34" charset="0"/>
+              </a:rPr>
+              <a:t> </a:t>
+            </a:r>
+            <a:r>
+              <a:rPr lang="en-US" sz="2800" dirty="0" err="1">
                 <a:latin typeface="Arial" panose="020B0604020202020204" pitchFamily="34" charset="0"/>
                 <a:cs typeface="Arial" panose="020B0604020202020204" pitchFamily="34" charset="0"/>
               </a:rPr>
               <a:t>viên</a:t>
             </a:r>
             <a:r>
-              <a:rPr lang="en-US" dirty="0">
-                <a:latin typeface="Arial" panose="020B0604020202020204" pitchFamily="34" charset="0"/>
-                <a:cs typeface="Arial" panose="020B0604020202020204" pitchFamily="34" charset="0"/>
-              </a:rPr>
-              <a:t> </a:t>
-            </a:r>
-            <a:r>
-              <a:rPr lang="en-US" dirty="0" err="1">
+              <a:rPr lang="en-US" sz="2800" dirty="0">
+                <a:latin typeface="Arial" panose="020B0604020202020204" pitchFamily="34" charset="0"/>
+                <a:cs typeface="Arial" panose="020B0604020202020204" pitchFamily="34" charset="0"/>
+              </a:rPr>
+              <a:t> </a:t>
+            </a:r>
+            <a:r>
+              <a:rPr lang="en-US" sz="2800" dirty="0" err="1">
                 <a:latin typeface="Arial" panose="020B0604020202020204" pitchFamily="34" charset="0"/>
                 <a:cs typeface="Arial" panose="020B0604020202020204" pitchFamily="34" charset="0"/>
               </a:rPr>
               <a:t>của</a:t>
             </a:r>
             <a:r>
-              <a:rPr lang="en-US" dirty="0">
-                <a:latin typeface="Arial" panose="020B0604020202020204" pitchFamily="34" charset="0"/>
-                <a:cs typeface="Arial" panose="020B0604020202020204" pitchFamily="34" charset="0"/>
-              </a:rPr>
-              <a:t> </a:t>
-            </a:r>
-            <a:r>
-              <a:rPr lang="en-US" dirty="0" err="1">
+              <a:rPr lang="en-US" sz="2800" dirty="0">
+                <a:latin typeface="Arial" panose="020B0604020202020204" pitchFamily="34" charset="0"/>
+                <a:cs typeface="Arial" panose="020B0604020202020204" pitchFamily="34" charset="0"/>
+              </a:rPr>
+              <a:t> </a:t>
+            </a:r>
+            <a:r>
+              <a:rPr lang="en-US" sz="2800" dirty="0" err="1">
                 <a:latin typeface="Arial" panose="020B0604020202020204" pitchFamily="34" charset="0"/>
                 <a:cs typeface="Arial" panose="020B0604020202020204" pitchFamily="34" charset="0"/>
               </a:rPr>
               <a:t>dự</a:t>
             </a:r>
             <a:r>
-              <a:rPr lang="en-US" dirty="0">
-                <a:latin typeface="Arial" panose="020B0604020202020204" pitchFamily="34" charset="0"/>
-                <a:cs typeface="Arial" panose="020B0604020202020204" pitchFamily="34" charset="0"/>
-              </a:rPr>
-              <a:t> </a:t>
-            </a:r>
-            <a:r>
-              <a:rPr lang="en-US" dirty="0" err="1">
+              <a:rPr lang="en-US" sz="2800" dirty="0">
+                <a:latin typeface="Arial" panose="020B0604020202020204" pitchFamily="34" charset="0"/>
+                <a:cs typeface="Arial" panose="020B0604020202020204" pitchFamily="34" charset="0"/>
+              </a:rPr>
+              <a:t> </a:t>
+            </a:r>
+            <a:r>
+              <a:rPr lang="en-US" sz="2800" dirty="0" err="1">
                 <a:latin typeface="Arial" panose="020B0604020202020204" pitchFamily="34" charset="0"/>
                 <a:cs typeface="Arial" panose="020B0604020202020204" pitchFamily="34" charset="0"/>
               </a:rPr>
               <a:t>án</a:t>
             </a:r>
             <a:r>
-              <a:rPr lang="en-US" dirty="0">
-                <a:latin typeface="Arial" panose="020B0604020202020204" pitchFamily="34" charset="0"/>
-                <a:cs typeface="Arial" panose="020B0604020202020204" pitchFamily="34" charset="0"/>
-              </a:rPr>
-              <a:t> </a:t>
-            </a:r>
-            <a:r>
-              <a:rPr lang="en-US" dirty="0" err="1">
+              <a:rPr lang="en-US" sz="2800" dirty="0">
+                <a:latin typeface="Arial" panose="020B0604020202020204" pitchFamily="34" charset="0"/>
+                <a:cs typeface="Arial" panose="020B0604020202020204" pitchFamily="34" charset="0"/>
+              </a:rPr>
+              <a:t> </a:t>
+            </a:r>
+            <a:r>
+              <a:rPr lang="en-US" sz="2800" dirty="0" err="1">
                 <a:latin typeface="Arial" panose="020B0604020202020204" pitchFamily="34" charset="0"/>
                 <a:cs typeface="Arial" panose="020B0604020202020204" pitchFamily="34" charset="0"/>
               </a:rPr>
               <a:t>đưa</a:t>
             </a:r>
             <a:r>
-              <a:rPr lang="en-US" dirty="0">
-                <a:latin typeface="Arial" panose="020B0604020202020204" pitchFamily="34" charset="0"/>
-                <a:cs typeface="Arial" panose="020B0604020202020204" pitchFamily="34" charset="0"/>
-              </a:rPr>
-              <a:t> </a:t>
-            </a:r>
-            <a:r>
-              <a:rPr lang="en-US" dirty="0" err="1">
+              <a:rPr lang="en-US" sz="2800" dirty="0">
+                <a:latin typeface="Arial" panose="020B0604020202020204" pitchFamily="34" charset="0"/>
+                <a:cs typeface="Arial" panose="020B0604020202020204" pitchFamily="34" charset="0"/>
+              </a:rPr>
+              <a:t> </a:t>
+            </a:r>
+            <a:r>
+              <a:rPr lang="en-US" sz="2800" dirty="0" err="1">
                 <a:latin typeface="Arial" panose="020B0604020202020204" pitchFamily="34" charset="0"/>
                 <a:cs typeface="Arial" panose="020B0604020202020204" pitchFamily="34" charset="0"/>
               </a:rPr>
               <a:t>các</a:t>
             </a:r>
             <a:r>
-              <a:rPr lang="en-US" dirty="0">
-                <a:latin typeface="Arial" panose="020B0604020202020204" pitchFamily="34" charset="0"/>
-                <a:cs typeface="Arial" panose="020B0604020202020204" pitchFamily="34" charset="0"/>
-              </a:rPr>
-              <a:t> </a:t>
-            </a:r>
-            <a:r>
-              <a:rPr lang="en-US" dirty="0" err="1">
+              <a:rPr lang="en-US" sz="2800" dirty="0">
+                <a:latin typeface="Arial" panose="020B0604020202020204" pitchFamily="34" charset="0"/>
+                <a:cs typeface="Arial" panose="020B0604020202020204" pitchFamily="34" charset="0"/>
+              </a:rPr>
+              <a:t> </a:t>
+            </a:r>
+            <a:r>
+              <a:rPr lang="en-US" sz="2800" dirty="0" err="1">
                 <a:latin typeface="Arial" panose="020B0604020202020204" pitchFamily="34" charset="0"/>
                 <a:cs typeface="Arial" panose="020B0604020202020204" pitchFamily="34" charset="0"/>
               </a:rPr>
               <a:t>thay</a:t>
             </a:r>
             <a:r>
-              <a:rPr lang="en-US" dirty="0">
-                <a:latin typeface="Arial" panose="020B0604020202020204" pitchFamily="34" charset="0"/>
-                <a:cs typeface="Arial" panose="020B0604020202020204" pitchFamily="34" charset="0"/>
-              </a:rPr>
-              <a:t> </a:t>
-            </a:r>
-            <a:r>
-              <a:rPr lang="en-US" dirty="0" err="1">
+              <a:rPr lang="en-US" sz="2800" dirty="0">
+                <a:latin typeface="Arial" panose="020B0604020202020204" pitchFamily="34" charset="0"/>
+                <a:cs typeface="Arial" panose="020B0604020202020204" pitchFamily="34" charset="0"/>
+              </a:rPr>
+              <a:t> </a:t>
+            </a:r>
+            <a:r>
+              <a:rPr lang="en-US" sz="2800" dirty="0" err="1">
                 <a:latin typeface="Arial" panose="020B0604020202020204" pitchFamily="34" charset="0"/>
                 <a:cs typeface="Arial" panose="020B0604020202020204" pitchFamily="34" charset="0"/>
               </a:rPr>
               <a:t>đổi</a:t>
             </a:r>
             <a:r>
-              <a:rPr lang="en-US" dirty="0">
-                <a:latin typeface="Arial" panose="020B0604020202020204" pitchFamily="34" charset="0"/>
-                <a:cs typeface="Arial" panose="020B0604020202020204" pitchFamily="34" charset="0"/>
-              </a:rPr>
-              <a:t> </a:t>
-            </a:r>
-            <a:r>
-              <a:rPr lang="en-US" dirty="0" err="1">
+              <a:rPr lang="en-US" sz="2800" dirty="0">
+                <a:latin typeface="Arial" panose="020B0604020202020204" pitchFamily="34" charset="0"/>
+                <a:cs typeface="Arial" panose="020B0604020202020204" pitchFamily="34" charset="0"/>
+              </a:rPr>
+              <a:t> </a:t>
+            </a:r>
+            <a:r>
+              <a:rPr lang="en-US" sz="2800" dirty="0" err="1">
                 <a:latin typeface="Arial" panose="020B0604020202020204" pitchFamily="34" charset="0"/>
                 <a:cs typeface="Arial" panose="020B0604020202020204" pitchFamily="34" charset="0"/>
               </a:rPr>
               <a:t>trên</a:t>
             </a:r>
             <a:r>
-              <a:rPr lang="en-US" dirty="0">
-                <a:latin typeface="Arial" panose="020B0604020202020204" pitchFamily="34" charset="0"/>
-                <a:cs typeface="Arial" panose="020B0604020202020204" pitchFamily="34" charset="0"/>
-              </a:rPr>
-              <a:t> </a:t>
-            </a:r>
-            <a:r>
-              <a:rPr lang="en-US" dirty="0" err="1">
+              <a:rPr lang="en-US" sz="2800" dirty="0">
+                <a:latin typeface="Arial" panose="020B0604020202020204" pitchFamily="34" charset="0"/>
+                <a:cs typeface="Arial" panose="020B0604020202020204" pitchFamily="34" charset="0"/>
+              </a:rPr>
+              <a:t> </a:t>
+            </a:r>
+            <a:r>
+              <a:rPr lang="en-US" sz="2800" dirty="0" err="1">
                 <a:latin typeface="Arial" panose="020B0604020202020204" pitchFamily="34" charset="0"/>
                 <a:cs typeface="Arial" panose="020B0604020202020204" pitchFamily="34" charset="0"/>
               </a:rPr>
               <a:t>các</a:t>
             </a:r>
             <a:r>
-              <a:rPr lang="en-US" dirty="0">
+              <a:rPr lang="en-US" sz="2800" dirty="0">
                 <a:latin typeface="Arial" panose="020B0604020202020204" pitchFamily="34" charset="0"/>
                 <a:cs typeface="Arial" panose="020B0604020202020204" pitchFamily="34" charset="0"/>
               </a:rPr>
               <a:t> file </a:t>
             </a:r>
             <a:r>
-              <a:rPr lang="en-US" dirty="0" err="1">
+              <a:rPr lang="en-US" sz="2800" dirty="0" err="1">
                 <a:latin typeface="Arial" panose="020B0604020202020204" pitchFamily="34" charset="0"/>
                 <a:cs typeface="Arial" panose="020B0604020202020204" pitchFamily="34" charset="0"/>
               </a:rPr>
               <a:t>của</a:t>
             </a:r>
             <a:r>
-              <a:rPr lang="en-US" dirty="0">
+              <a:rPr lang="en-US" sz="2800" dirty="0">
                 <a:latin typeface="Arial" panose="020B0604020202020204" pitchFamily="34" charset="0"/>
                 <a:cs typeface="Arial" panose="020B0604020202020204" pitchFamily="34" charset="0"/>
               </a:rPr>
               <a:t> project </a:t>
             </a:r>
             <a:r>
-              <a:rPr lang="en-US" dirty="0" err="1">
+              <a:rPr lang="en-US" sz="2800" dirty="0" err="1">
                 <a:latin typeface="Arial" panose="020B0604020202020204" pitchFamily="34" charset="0"/>
                 <a:cs typeface="Arial" panose="020B0604020202020204" pitchFamily="34" charset="0"/>
               </a:rPr>
               <a:t>tại</a:t>
             </a:r>
             <a:r>
-              <a:rPr lang="en-US" dirty="0">
-                <a:latin typeface="Arial" panose="020B0604020202020204" pitchFamily="34" charset="0"/>
-                <a:cs typeface="Arial" panose="020B0604020202020204" pitchFamily="34" charset="0"/>
-              </a:rPr>
-              <a:t> </a:t>
-            </a:r>
-            <a:r>
-              <a:rPr lang="en-US" dirty="0" err="1">
+              <a:rPr lang="en-US" sz="2800" dirty="0">
+                <a:latin typeface="Arial" panose="020B0604020202020204" pitchFamily="34" charset="0"/>
+                <a:cs typeface="Arial" panose="020B0604020202020204" pitchFamily="34" charset="0"/>
+              </a:rPr>
+              <a:t> </a:t>
+            </a:r>
+            <a:r>
+              <a:rPr lang="en-US" sz="2800" dirty="0" err="1">
                 <a:latin typeface="Arial" panose="020B0604020202020204" pitchFamily="34" charset="0"/>
                 <a:cs typeface="Arial" panose="020B0604020202020204" pitchFamily="34" charset="0"/>
               </a:rPr>
               <a:t>máy</a:t>
             </a:r>
             <a:r>
-              <a:rPr lang="en-US" dirty="0">
+              <a:rPr lang="en-US" sz="2800" dirty="0">
                 <a:latin typeface="Arial" panose="020B0604020202020204" pitchFamily="34" charset="0"/>
                 <a:cs typeface="Arial" panose="020B0604020202020204" pitchFamily="34" charset="0"/>
               </a:rPr>
               <a:t> client </a:t>
             </a:r>
             <a:r>
-              <a:rPr lang="en-US" dirty="0" err="1">
+              <a:rPr lang="en-US" sz="2800" dirty="0" err="1">
                 <a:latin typeface="Arial" panose="020B0604020202020204" pitchFamily="34" charset="0"/>
                 <a:cs typeface="Arial" panose="020B0604020202020204" pitchFamily="34" charset="0"/>
               </a:rPr>
               <a:t>lên</a:t>
             </a:r>
             <a:r>
-              <a:rPr lang="en-US" dirty="0">
+              <a:rPr lang="en-US" sz="2800" dirty="0">
                 <a:latin typeface="Arial" panose="020B0604020202020204" pitchFamily="34" charset="0"/>
                 <a:cs typeface="Arial" panose="020B0604020202020204" pitchFamily="34" charset="0"/>
               </a:rPr>
@@ -15476,7 +15528,7 @@
             </a:r>
           </a:p>
           <a:p>
-            <a:endParaRPr lang="en-US" dirty="0">
+            <a:endParaRPr lang="en-US" sz="2800" dirty="0">
               <a:latin typeface="Arial" panose="020B0604020202020204" pitchFamily="34" charset="0"/>
               <a:cs typeface="Arial" panose="020B0604020202020204" pitchFamily="34" charset="0"/>
             </a:endParaRPr>
@@ -15505,7 +15557,7 @@
         </p:blipFill>
         <p:spPr>
           <a:xfrm>
-            <a:off x="677334" y="3316832"/>
+            <a:off x="1219594" y="2800905"/>
             <a:ext cx="4734586" cy="2724530"/>
           </a:xfrm>
           <a:prstGeom prst="rect">
@@ -15620,167 +15672,174 @@
             <p:ph idx="1"/>
           </p:nvPr>
         </p:nvSpPr>
-        <p:spPr/>
+        <p:spPr>
+          <a:xfrm>
+            <a:off x="677334" y="1490737"/>
+            <a:ext cx="8596668" cy="3880773"/>
+          </a:xfrm>
+        </p:spPr>
         <p:txBody>
-          <a:bodyPr/>
+          <a:bodyPr>
+            <a:normAutofit/>
+          </a:bodyPr>
           <a:lstStyle/>
           <a:p>
             <a:r>
-              <a:rPr lang="en-US" dirty="0">
+              <a:rPr lang="en-US" sz="2800" dirty="0">
                 <a:latin typeface="Arial" panose="020B0604020202020204" pitchFamily="34" charset="0"/>
                 <a:cs typeface="Arial" panose="020B0604020202020204" pitchFamily="34" charset="0"/>
               </a:rPr>
               <a:t>Merge: </a:t>
             </a:r>
             <a:r>
-              <a:rPr lang="en-US" dirty="0" err="1">
+              <a:rPr lang="en-US" sz="2800" dirty="0" err="1">
                 <a:latin typeface="Arial" panose="020B0604020202020204" pitchFamily="34" charset="0"/>
                 <a:cs typeface="Arial" panose="020B0604020202020204" pitchFamily="34" charset="0"/>
               </a:rPr>
               <a:t>nhiều</a:t>
             </a:r>
             <a:r>
-              <a:rPr lang="en-US" dirty="0">
-                <a:latin typeface="Arial" panose="020B0604020202020204" pitchFamily="34" charset="0"/>
-                <a:cs typeface="Arial" panose="020B0604020202020204" pitchFamily="34" charset="0"/>
-              </a:rPr>
-              <a:t> </a:t>
-            </a:r>
-            <a:r>
-              <a:rPr lang="en-US" dirty="0" err="1">
+              <a:rPr lang="en-US" sz="2800" dirty="0">
+                <a:latin typeface="Arial" panose="020B0604020202020204" pitchFamily="34" charset="0"/>
+                <a:cs typeface="Arial" panose="020B0604020202020204" pitchFamily="34" charset="0"/>
+              </a:rPr>
+              <a:t> </a:t>
+            </a:r>
+            <a:r>
+              <a:rPr lang="en-US" sz="2800" dirty="0" err="1">
                 <a:latin typeface="Arial" panose="020B0604020202020204" pitchFamily="34" charset="0"/>
                 <a:cs typeface="Arial" panose="020B0604020202020204" pitchFamily="34" charset="0"/>
               </a:rPr>
               <a:t>thành</a:t>
             </a:r>
             <a:r>
-              <a:rPr lang="en-US" dirty="0">
-                <a:latin typeface="Arial" panose="020B0604020202020204" pitchFamily="34" charset="0"/>
-                <a:cs typeface="Arial" panose="020B0604020202020204" pitchFamily="34" charset="0"/>
-              </a:rPr>
-              <a:t> </a:t>
-            </a:r>
-            <a:r>
-              <a:rPr lang="en-US" dirty="0" err="1">
+              <a:rPr lang="en-US" sz="2800" dirty="0">
+                <a:latin typeface="Arial" panose="020B0604020202020204" pitchFamily="34" charset="0"/>
+                <a:cs typeface="Arial" panose="020B0604020202020204" pitchFamily="34" charset="0"/>
+              </a:rPr>
+              <a:t> </a:t>
+            </a:r>
+            <a:r>
+              <a:rPr lang="en-US" sz="2800" dirty="0" err="1">
                 <a:latin typeface="Arial" panose="020B0604020202020204" pitchFamily="34" charset="0"/>
                 <a:cs typeface="Arial" panose="020B0604020202020204" pitchFamily="34" charset="0"/>
               </a:rPr>
               <a:t>viên</a:t>
             </a:r>
             <a:r>
-              <a:rPr lang="en-US" dirty="0">
-                <a:latin typeface="Arial" panose="020B0604020202020204" pitchFamily="34" charset="0"/>
-                <a:cs typeface="Arial" panose="020B0604020202020204" pitchFamily="34" charset="0"/>
-              </a:rPr>
-              <a:t> </a:t>
-            </a:r>
-            <a:r>
-              <a:rPr lang="en-US" dirty="0" err="1">
+              <a:rPr lang="en-US" sz="2800" dirty="0">
+                <a:latin typeface="Arial" panose="020B0604020202020204" pitchFamily="34" charset="0"/>
+                <a:cs typeface="Arial" panose="020B0604020202020204" pitchFamily="34" charset="0"/>
+              </a:rPr>
+              <a:t> </a:t>
+            </a:r>
+            <a:r>
+              <a:rPr lang="en-US" sz="2800" dirty="0" err="1">
                 <a:latin typeface="Arial" panose="020B0604020202020204" pitchFamily="34" charset="0"/>
                 <a:cs typeface="Arial" panose="020B0604020202020204" pitchFamily="34" charset="0"/>
               </a:rPr>
               <a:t>cùng</a:t>
             </a:r>
             <a:r>
-              <a:rPr lang="en-US" dirty="0">
-                <a:latin typeface="Arial" panose="020B0604020202020204" pitchFamily="34" charset="0"/>
-                <a:cs typeface="Arial" panose="020B0604020202020204" pitchFamily="34" charset="0"/>
-              </a:rPr>
-              <a:t> </a:t>
-            </a:r>
-            <a:r>
-              <a:rPr lang="en-US" dirty="0" err="1">
+              <a:rPr lang="en-US" sz="2800" dirty="0">
+                <a:latin typeface="Arial" panose="020B0604020202020204" pitchFamily="34" charset="0"/>
+                <a:cs typeface="Arial" panose="020B0604020202020204" pitchFamily="34" charset="0"/>
+              </a:rPr>
+              <a:t> </a:t>
+            </a:r>
+            <a:r>
+              <a:rPr lang="en-US" sz="2800" dirty="0" err="1">
                 <a:latin typeface="Arial" panose="020B0604020202020204" pitchFamily="34" charset="0"/>
                 <a:cs typeface="Arial" panose="020B0604020202020204" pitchFamily="34" charset="0"/>
               </a:rPr>
               <a:t>tiến</a:t>
             </a:r>
             <a:r>
-              <a:rPr lang="en-US" dirty="0">
-                <a:latin typeface="Arial" panose="020B0604020202020204" pitchFamily="34" charset="0"/>
-                <a:cs typeface="Arial" panose="020B0604020202020204" pitchFamily="34" charset="0"/>
-              </a:rPr>
-              <a:t> </a:t>
-            </a:r>
-            <a:r>
-              <a:rPr lang="en-US" dirty="0" err="1">
+              <a:rPr lang="en-US" sz="2800" dirty="0">
+                <a:latin typeface="Arial" panose="020B0604020202020204" pitchFamily="34" charset="0"/>
+                <a:cs typeface="Arial" panose="020B0604020202020204" pitchFamily="34" charset="0"/>
+              </a:rPr>
+              <a:t> </a:t>
+            </a:r>
+            <a:r>
+              <a:rPr lang="en-US" sz="2800" dirty="0" err="1">
                 <a:latin typeface="Arial" panose="020B0604020202020204" pitchFamily="34" charset="0"/>
                 <a:cs typeface="Arial" panose="020B0604020202020204" pitchFamily="34" charset="0"/>
               </a:rPr>
               <a:t>hành</a:t>
             </a:r>
             <a:r>
-              <a:rPr lang="en-US" dirty="0">
-                <a:latin typeface="Arial" panose="020B0604020202020204" pitchFamily="34" charset="0"/>
-                <a:cs typeface="Arial" panose="020B0604020202020204" pitchFamily="34" charset="0"/>
-              </a:rPr>
-              <a:t> </a:t>
-            </a:r>
-            <a:r>
-              <a:rPr lang="en-US" dirty="0" err="1">
+              <a:rPr lang="en-US" sz="2800" dirty="0">
+                <a:latin typeface="Arial" panose="020B0604020202020204" pitchFamily="34" charset="0"/>
+                <a:cs typeface="Arial" panose="020B0604020202020204" pitchFamily="34" charset="0"/>
+              </a:rPr>
+              <a:t> </a:t>
+            </a:r>
+            <a:r>
+              <a:rPr lang="en-US" sz="2800" dirty="0" err="1">
                 <a:latin typeface="Arial" panose="020B0604020202020204" pitchFamily="34" charset="0"/>
                 <a:cs typeface="Arial" panose="020B0604020202020204" pitchFamily="34" charset="0"/>
               </a:rPr>
               <a:t>cập</a:t>
             </a:r>
             <a:r>
-              <a:rPr lang="en-US" dirty="0">
-                <a:latin typeface="Arial" panose="020B0604020202020204" pitchFamily="34" charset="0"/>
-                <a:cs typeface="Arial" panose="020B0604020202020204" pitchFamily="34" charset="0"/>
-              </a:rPr>
-              <a:t> </a:t>
-            </a:r>
-            <a:r>
-              <a:rPr lang="en-US" dirty="0" err="1">
+              <a:rPr lang="en-US" sz="2800" dirty="0">
+                <a:latin typeface="Arial" panose="020B0604020202020204" pitchFamily="34" charset="0"/>
+                <a:cs typeface="Arial" panose="020B0604020202020204" pitchFamily="34" charset="0"/>
+              </a:rPr>
+              <a:t> </a:t>
+            </a:r>
+            <a:r>
+              <a:rPr lang="en-US" sz="2800" dirty="0" err="1">
                 <a:latin typeface="Arial" panose="020B0604020202020204" pitchFamily="34" charset="0"/>
                 <a:cs typeface="Arial" panose="020B0604020202020204" pitchFamily="34" charset="0"/>
               </a:rPr>
               <a:t>nhật</a:t>
             </a:r>
             <a:r>
-              <a:rPr lang="en-US" dirty="0">
-                <a:latin typeface="Arial" panose="020B0604020202020204" pitchFamily="34" charset="0"/>
-                <a:cs typeface="Arial" panose="020B0604020202020204" pitchFamily="34" charset="0"/>
-              </a:rPr>
-              <a:t> </a:t>
-            </a:r>
-            <a:r>
-              <a:rPr lang="en-US" dirty="0" err="1">
+              <a:rPr lang="en-US" sz="2800" dirty="0">
+                <a:latin typeface="Arial" panose="020B0604020202020204" pitchFamily="34" charset="0"/>
+                <a:cs typeface="Arial" panose="020B0604020202020204" pitchFamily="34" charset="0"/>
+              </a:rPr>
+              <a:t> </a:t>
+            </a:r>
+            <a:r>
+              <a:rPr lang="en-US" sz="2800" dirty="0" err="1">
                 <a:latin typeface="Arial" panose="020B0604020202020204" pitchFamily="34" charset="0"/>
                 <a:cs typeface="Arial" panose="020B0604020202020204" pitchFamily="34" charset="0"/>
               </a:rPr>
               <a:t>trên</a:t>
             </a:r>
             <a:r>
-              <a:rPr lang="en-US" dirty="0">
-                <a:latin typeface="Arial" panose="020B0604020202020204" pitchFamily="34" charset="0"/>
-                <a:cs typeface="Arial" panose="020B0604020202020204" pitchFamily="34" charset="0"/>
-              </a:rPr>
-              <a:t> </a:t>
-            </a:r>
-            <a:r>
-              <a:rPr lang="en-US" dirty="0" err="1">
+              <a:rPr lang="en-US" sz="2800" dirty="0">
+                <a:latin typeface="Arial" panose="020B0604020202020204" pitchFamily="34" charset="0"/>
+                <a:cs typeface="Arial" panose="020B0604020202020204" pitchFamily="34" charset="0"/>
+              </a:rPr>
+              <a:t> </a:t>
+            </a:r>
+            <a:r>
+              <a:rPr lang="en-US" sz="2800" dirty="0" err="1">
                 <a:latin typeface="Arial" panose="020B0604020202020204" pitchFamily="34" charset="0"/>
                 <a:cs typeface="Arial" panose="020B0604020202020204" pitchFamily="34" charset="0"/>
               </a:rPr>
               <a:t>một</a:t>
             </a:r>
             <a:r>
-              <a:rPr lang="en-US" dirty="0">
-                <a:latin typeface="Arial" panose="020B0604020202020204" pitchFamily="34" charset="0"/>
-                <a:cs typeface="Arial" panose="020B0604020202020204" pitchFamily="34" charset="0"/>
-              </a:rPr>
-              <a:t> </a:t>
-            </a:r>
-            <a:r>
-              <a:rPr lang="en-US" dirty="0" err="1">
+              <a:rPr lang="en-US" sz="2800" dirty="0">
+                <a:latin typeface="Arial" panose="020B0604020202020204" pitchFamily="34" charset="0"/>
+                <a:cs typeface="Arial" panose="020B0604020202020204" pitchFamily="34" charset="0"/>
+              </a:rPr>
+              <a:t> </a:t>
+            </a:r>
+            <a:r>
+              <a:rPr lang="en-US" sz="2800" dirty="0" err="1">
                 <a:latin typeface="Arial" panose="020B0604020202020204" pitchFamily="34" charset="0"/>
                 <a:cs typeface="Arial" panose="020B0604020202020204" pitchFamily="34" charset="0"/>
               </a:rPr>
               <a:t>tập</a:t>
             </a:r>
             <a:r>
-              <a:rPr lang="en-US" dirty="0">
+              <a:rPr lang="en-US" sz="2800" dirty="0">
                 <a:latin typeface="Arial" panose="020B0604020202020204" pitchFamily="34" charset="0"/>
                 <a:cs typeface="Arial" panose="020B0604020202020204" pitchFamily="34" charset="0"/>
               </a:rPr>
@@ -15789,95 +15848,95 @@
           </a:p>
           <a:p>
             <a:r>
-              <a:rPr lang="en-US" i="1" dirty="0">
+              <a:rPr lang="en-US" sz="2800" i="1" dirty="0">
                 <a:latin typeface="Arial" panose="020B0604020202020204" pitchFamily="34" charset="0"/>
                 <a:cs typeface="Arial" panose="020B0604020202020204" pitchFamily="34" charset="0"/>
               </a:rPr>
               <a:t>R</a:t>
             </a:r>
             <a:r>
-              <a:rPr lang="vi-VN" i="1" dirty="0">
+              <a:rPr lang="vi-VN" sz="2800" i="1" dirty="0">
                 <a:latin typeface="Arial" panose="020B0604020202020204" pitchFamily="34" charset="0"/>
                 <a:cs typeface="Arial" panose="020B0604020202020204" pitchFamily="34" charset="0"/>
               </a:rPr>
               <a:t>evert</a:t>
             </a:r>
             <a:r>
-              <a:rPr lang="vi-VN" dirty="0">
+              <a:rPr lang="vi-VN" sz="2800" dirty="0">
                 <a:latin typeface="Arial" panose="020B0604020202020204" pitchFamily="34" charset="0"/>
                 <a:cs typeface="Arial" panose="020B0604020202020204" pitchFamily="34" charset="0"/>
               </a:rPr>
               <a:t>: sau khi tiến hành thay đổi, developer cảm thấy họ đã sai và muốn xóa đi làm lại từ đầu, việc </a:t>
             </a:r>
             <a:r>
-              <a:rPr lang="vi-VN" i="1" dirty="0">
+              <a:rPr lang="vi-VN" sz="2800" i="1" dirty="0">
                 <a:latin typeface="Arial" panose="020B0604020202020204" pitchFamily="34" charset="0"/>
                 <a:cs typeface="Arial" panose="020B0604020202020204" pitchFamily="34" charset="0"/>
               </a:rPr>
               <a:t>revert </a:t>
             </a:r>
             <a:r>
-              <a:rPr lang="vi-VN" dirty="0">
+              <a:rPr lang="vi-VN" sz="2800" dirty="0">
                 <a:latin typeface="Arial" panose="020B0604020202020204" pitchFamily="34" charset="0"/>
                 <a:cs typeface="Arial" panose="020B0604020202020204" pitchFamily="34" charset="0"/>
               </a:rPr>
               <a:t>là hành động để khôi phục trạng thái của 1 hay nhiều document về 1 </a:t>
             </a:r>
             <a:r>
-              <a:rPr lang="vi-VN" i="1" dirty="0">
+              <a:rPr lang="vi-VN" sz="2800" i="1" dirty="0">
                 <a:latin typeface="Arial" panose="020B0604020202020204" pitchFamily="34" charset="0"/>
                 <a:cs typeface="Arial" panose="020B0604020202020204" pitchFamily="34" charset="0"/>
               </a:rPr>
               <a:t>revision </a:t>
             </a:r>
             <a:r>
-              <a:rPr lang="vi-VN" dirty="0">
+              <a:rPr lang="vi-VN" sz="2800" dirty="0">
                 <a:latin typeface="Arial" panose="020B0604020202020204" pitchFamily="34" charset="0"/>
                 <a:cs typeface="Arial" panose="020B0604020202020204" pitchFamily="34" charset="0"/>
               </a:rPr>
               <a:t>nào đó, thường thì sẽ </a:t>
             </a:r>
             <a:r>
-              <a:rPr lang="vi-VN" i="1" dirty="0">
+              <a:rPr lang="vi-VN" sz="2800" i="1" dirty="0">
                 <a:latin typeface="Arial" panose="020B0604020202020204" pitchFamily="34" charset="0"/>
                 <a:cs typeface="Arial" panose="020B0604020202020204" pitchFamily="34" charset="0"/>
               </a:rPr>
               <a:t>revert </a:t>
             </a:r>
             <a:r>
-              <a:rPr lang="vi-VN" dirty="0">
+              <a:rPr lang="vi-VN" sz="2800" dirty="0">
                 <a:latin typeface="Arial" panose="020B0604020202020204" pitchFamily="34" charset="0"/>
                 <a:cs typeface="Arial" panose="020B0604020202020204" pitchFamily="34" charset="0"/>
               </a:rPr>
               <a:t>về </a:t>
             </a:r>
             <a:r>
-              <a:rPr lang="vi-VN" i="1" dirty="0">
+              <a:rPr lang="vi-VN" sz="2800" i="1" dirty="0">
                 <a:latin typeface="Arial" panose="020B0604020202020204" pitchFamily="34" charset="0"/>
                 <a:cs typeface="Arial" panose="020B0604020202020204" pitchFamily="34" charset="0"/>
               </a:rPr>
               <a:t>revision </a:t>
             </a:r>
             <a:r>
-              <a:rPr lang="vi-VN" dirty="0">
+              <a:rPr lang="vi-VN" sz="2800" dirty="0">
                 <a:latin typeface="Arial" panose="020B0604020202020204" pitchFamily="34" charset="0"/>
                 <a:cs typeface="Arial" panose="020B0604020202020204" pitchFamily="34" charset="0"/>
               </a:rPr>
               <a:t>hiện tại mà user đang làm việc</a:t>
             </a:r>
-            <a:endParaRPr lang="en-US" dirty="0">
+            <a:endParaRPr lang="en-US" sz="2800" dirty="0">
               <a:latin typeface="Arial" panose="020B0604020202020204" pitchFamily="34" charset="0"/>
               <a:cs typeface="Arial" panose="020B0604020202020204" pitchFamily="34" charset="0"/>
             </a:endParaRPr>
           </a:p>
           <a:p>
-            <a:endParaRPr lang="en-US" dirty="0">
+            <a:endParaRPr lang="en-US" sz="2800" dirty="0">
               <a:latin typeface="Arial" panose="020B0604020202020204" pitchFamily="34" charset="0"/>
               <a:cs typeface="Arial" panose="020B0604020202020204" pitchFamily="34" charset="0"/>
             </a:endParaRPr>
           </a:p>
           <a:p>
-            <a:endParaRPr lang="en-US" dirty="0">
+            <a:endParaRPr lang="en-US" sz="2800" dirty="0">
               <a:latin typeface="Arial" panose="020B0604020202020204" pitchFamily="34" charset="0"/>
               <a:cs typeface="Arial" panose="020B0604020202020204" pitchFamily="34" charset="0"/>
             </a:endParaRPr>
@@ -16128,134 +16187,146 @@
             <p:ph idx="1"/>
           </p:nvPr>
         </p:nvSpPr>
-        <p:spPr/>
+        <p:spPr>
+          <a:xfrm>
+            <a:off x="677334" y="1501371"/>
+            <a:ext cx="8596668" cy="3880773"/>
+          </a:xfrm>
+        </p:spPr>
         <p:txBody>
-          <a:bodyPr/>
+          <a:bodyPr>
+            <a:noAutofit/>
+          </a:bodyPr>
           <a:lstStyle/>
           <a:p>
             <a:pPr>
-              <a:lnSpc>
-                <a:spcPct val="170000"/>
-              </a:lnSpc>
+              <a:spcBef>
+                <a:spcPts val="0"/>
+              </a:spcBef>
               <a:buFont typeface="Wingdings" pitchFamily="2" charset="2"/>
               <a:buChar char="Ø"/>
             </a:pPr>
             <a:r>
-              <a:rPr lang="vi-VN" dirty="0"/>
+              <a:rPr lang="vi-VN" sz="2800" dirty="0"/>
               <a:t>Hệ thống </a:t>
             </a:r>
             <a:r>
-              <a:rPr lang="en-US" b="1" dirty="0" err="1"/>
+              <a:rPr lang="en-US" sz="2800" b="1" dirty="0" err="1"/>
               <a:t>SubVersion</a:t>
             </a:r>
             <a:r>
-              <a:rPr lang="en-US" dirty="0"/>
+              <a:rPr lang="en-US" sz="2800" dirty="0"/>
               <a:t> (</a:t>
             </a:r>
             <a:r>
-              <a:rPr lang="vi-VN" dirty="0"/>
+              <a:rPr lang="vi-VN" sz="2800" dirty="0"/>
               <a:t>SVN</a:t>
             </a:r>
             <a:r>
-              <a:rPr lang="en-US" dirty="0"/>
+              <a:rPr lang="en-US" sz="2800" dirty="0"/>
               <a:t>) </a:t>
             </a:r>
             <a:r>
-              <a:rPr lang="vi-VN" dirty="0"/>
+              <a:rPr lang="vi-VN" sz="2800" dirty="0"/>
               <a:t>là một hệ thống quản lý phần </a:t>
             </a:r>
             <a:r>
-              <a:rPr lang="vi-VN" b="1" dirty="0"/>
+              <a:rPr lang="vi-VN" sz="2800" b="1" dirty="0"/>
               <a:t>tài nguyên</a:t>
             </a:r>
             <a:r>
-              <a:rPr lang="en-US" b="1" dirty="0"/>
-              <a:t> </a:t>
-            </a:r>
-            <a:r>
-              <a:rPr lang="en-US" dirty="0"/>
+              <a:rPr lang="en-US" sz="2800" b="1" dirty="0"/>
+              <a:t> </a:t>
+            </a:r>
+            <a:r>
+              <a:rPr lang="en-US" sz="2800" dirty="0"/>
               <a:t>(code , </a:t>
             </a:r>
             <a:r>
-              <a:rPr lang="en-US" dirty="0" err="1"/>
+              <a:rPr lang="en-US" sz="2800" dirty="0" err="1"/>
               <a:t>hình</a:t>
             </a:r>
             <a:r>
-              <a:rPr lang="en-US" dirty="0"/>
-              <a:t> </a:t>
-            </a:r>
-            <a:r>
-              <a:rPr lang="en-US" dirty="0" err="1"/>
+              <a:rPr lang="en-US" sz="2800" dirty="0"/>
+              <a:t> </a:t>
+            </a:r>
+            <a:r>
+              <a:rPr lang="en-US" sz="2800" dirty="0" err="1"/>
               <a:t>ảnh</a:t>
             </a:r>
             <a:r>
-              <a:rPr lang="en-US" dirty="0"/>
+              <a:rPr lang="en-US" sz="2800" dirty="0"/>
               <a:t> , video…)</a:t>
             </a:r>
             <a:r>
-              <a:rPr lang="vi-VN" b="1" dirty="0"/>
-              <a:t> </a:t>
-            </a:r>
-            <a:r>
-              <a:rPr lang="vi-VN" dirty="0"/>
+              <a:rPr lang="vi-VN" sz="2800" b="1" dirty="0"/>
+              <a:t> </a:t>
+            </a:r>
+            <a:r>
+              <a:rPr lang="vi-VN" sz="2800" dirty="0"/>
               <a:t>của một </a:t>
             </a:r>
             <a:r>
-              <a:rPr lang="vi-VN" b="1" dirty="0"/>
+              <a:rPr lang="vi-VN" sz="2800" b="1" dirty="0"/>
               <a:t>dự</a:t>
             </a:r>
             <a:r>
-              <a:rPr lang="en-US" b="1" dirty="0"/>
-              <a:t> </a:t>
-            </a:r>
-            <a:r>
-              <a:rPr lang="vi-VN" b="1" dirty="0"/>
+              <a:rPr lang="en-US" sz="2800" b="1" dirty="0"/>
+              <a:t> </a:t>
+            </a:r>
+            <a:r>
+              <a:rPr lang="vi-VN" sz="2800" b="1" dirty="0"/>
               <a:t>án</a:t>
             </a:r>
             <a:r>
-              <a:rPr lang="vi-VN" dirty="0"/>
+              <a:rPr lang="vi-VN" sz="2800" dirty="0"/>
               <a:t>. </a:t>
             </a:r>
-            <a:endParaRPr lang="en-US" dirty="0"/>
+            <a:endParaRPr lang="en-US" sz="2800" dirty="0"/>
           </a:p>
           <a:p>
             <a:pPr>
-              <a:lnSpc>
-                <a:spcPct val="170000"/>
-              </a:lnSpc>
+              <a:spcBef>
+                <a:spcPts val="0"/>
+              </a:spcBef>
               <a:buFont typeface="Wingdings" pitchFamily="2" charset="2"/>
               <a:buChar char="Ø"/>
             </a:pPr>
             <a:r>
-              <a:rPr lang="vi-VN" dirty="0"/>
+              <a:rPr lang="vi-VN" sz="2800" dirty="0"/>
               <a:t>Hệ thống có khả năng cập nhật, so sánh và kết hợp tài nguyên mới vào phần tài nguyên cũ</a:t>
             </a:r>
             <a:r>
-              <a:rPr lang="en-US" dirty="0"/>
+              <a:rPr lang="en-US" sz="2800" dirty="0"/>
               <a:t> ,</a:t>
             </a:r>
             <a:r>
-              <a:rPr lang="vi-VN" dirty="0"/>
+              <a:rPr lang="vi-VN" sz="2800" dirty="0"/>
               <a:t> được giới thiệu vào năm 2000 bởi công ty CollabNet </a:t>
             </a:r>
-            <a:endParaRPr lang="en-US" dirty="0"/>
+            <a:endParaRPr lang="en-US" sz="2800" dirty="0"/>
           </a:p>
           <a:p>
             <a:pPr>
-              <a:lnSpc>
-                <a:spcPct val="170000"/>
-              </a:lnSpc>
+              <a:spcBef>
+                <a:spcPts val="0"/>
+              </a:spcBef>
               <a:buFont typeface="Wingdings" pitchFamily="2" charset="2"/>
               <a:buChar char="Ø"/>
             </a:pPr>
             <a:r>
-              <a:rPr lang="vi-VN" dirty="0"/>
+              <a:rPr lang="vi-VN" sz="2800" dirty="0"/>
               <a:t>Đây là hệ thống hỗ trợ làm việc theo nhóm rất hiệu quả.</a:t>
             </a:r>
-            <a:endParaRPr lang="en-US" dirty="0"/>
-          </a:p>
-          <a:p>
-            <a:endParaRPr lang="en-US" dirty="0"/>
+            <a:endParaRPr lang="en-US" sz="2800" dirty="0"/>
+          </a:p>
+          <a:p>
+            <a:pPr>
+              <a:spcBef>
+                <a:spcPts val="0"/>
+              </a:spcBef>
+            </a:pPr>
+            <a:endParaRPr lang="en-US" sz="2800" dirty="0"/>
           </a:p>
         </p:txBody>
       </p:sp>
@@ -16360,9 +16431,16 @@
             <p:ph idx="1"/>
           </p:nvPr>
         </p:nvSpPr>
-        <p:spPr/>
+        <p:spPr>
+          <a:xfrm>
+            <a:off x="677334" y="1522636"/>
+            <a:ext cx="8596668" cy="3880773"/>
+          </a:xfrm>
+        </p:spPr>
         <p:txBody>
-          <a:bodyPr/>
+          <a:bodyPr>
+            <a:normAutofit/>
+          </a:bodyPr>
           <a:lstStyle/>
           <a:p>
             <a:pPr>
@@ -16370,55 +16448,55 @@
               <a:buChar char="Ø"/>
             </a:pPr>
             <a:r>
-              <a:rPr lang="vi-VN" dirty="0">
+              <a:rPr lang="vi-VN" sz="2800" dirty="0">
                 <a:latin typeface="Arial" panose="020B0604020202020204" pitchFamily="34" charset="0"/>
                 <a:cs typeface="Arial" panose="020B0604020202020204" pitchFamily="34" charset="0"/>
               </a:rPr>
               <a:t>SVN hoạt động theo phương thức</a:t>
             </a:r>
             <a:r>
-              <a:rPr lang="en-US" dirty="0">
-                <a:latin typeface="Arial" panose="020B0604020202020204" pitchFamily="34" charset="0"/>
-                <a:cs typeface="Arial" panose="020B0604020202020204" pitchFamily="34" charset="0"/>
-              </a:rPr>
-              <a:t> </a:t>
-            </a:r>
-            <a:r>
-              <a:rPr lang="vi-VN" dirty="0">
+              <a:rPr lang="en-US" sz="2800" dirty="0">
+                <a:latin typeface="Arial" panose="020B0604020202020204" pitchFamily="34" charset="0"/>
+                <a:cs typeface="Arial" panose="020B0604020202020204" pitchFamily="34" charset="0"/>
+              </a:rPr>
+              <a:t> </a:t>
+            </a:r>
+            <a:r>
+              <a:rPr lang="vi-VN" sz="2800" dirty="0">
                 <a:latin typeface="Arial" panose="020B0604020202020204" pitchFamily="34" charset="0"/>
                 <a:cs typeface="Arial" panose="020B0604020202020204" pitchFamily="34" charset="0"/>
               </a:rPr>
               <a:t>Client/Server, code project sẽ được lưu trữ trên server (SVN hosting</a:t>
             </a:r>
             <a:r>
-              <a:rPr lang="en-US" dirty="0">
+              <a:rPr lang="en-US" sz="2800" dirty="0">
                 <a:latin typeface="Arial" panose="020B0604020202020204" pitchFamily="34" charset="0"/>
                 <a:cs typeface="Arial" panose="020B0604020202020204" pitchFamily="34" charset="0"/>
               </a:rPr>
               <a:t> , </a:t>
             </a:r>
             <a:r>
-              <a:rPr lang="en-US" dirty="0" err="1">
+              <a:rPr lang="en-US" sz="2800" dirty="0" err="1">
                 <a:latin typeface="Arial" panose="020B0604020202020204" pitchFamily="34" charset="0"/>
                 <a:cs typeface="Arial" panose="020B0604020202020204" pitchFamily="34" charset="0"/>
               </a:rPr>
               <a:t>GoogleCode</a:t>
             </a:r>
             <a:r>
-              <a:rPr lang="en-US" dirty="0">
+              <a:rPr lang="en-US" sz="2800" dirty="0">
                 <a:latin typeface="Arial" panose="020B0604020202020204" pitchFamily="34" charset="0"/>
                 <a:cs typeface="Arial" panose="020B0604020202020204" pitchFamily="34" charset="0"/>
               </a:rPr>
               <a:t>,…</a:t>
             </a:r>
             <a:r>
-              <a:rPr lang="vi-VN" dirty="0">
+              <a:rPr lang="vi-VN" sz="2800" dirty="0">
                 <a:latin typeface="Arial" panose="020B0604020202020204" pitchFamily="34" charset="0"/>
                 <a:cs typeface="Arial" panose="020B0604020202020204" pitchFamily="34" charset="0"/>
               </a:rPr>
               <a:t>)</a:t>
             </a:r>
-            <a:endParaRPr lang="en-US" dirty="0">
+            <a:endParaRPr lang="en-US" sz="2800" dirty="0">
               <a:latin typeface="Arial" panose="020B0604020202020204" pitchFamily="34" charset="0"/>
               <a:cs typeface="Arial" panose="020B0604020202020204" pitchFamily="34" charset="0"/>
             </a:endParaRPr>
@@ -16429,20 +16507,20 @@
               <a:buChar char="Ø"/>
             </a:pPr>
             <a:r>
-              <a:rPr lang="en-US" dirty="0">
+              <a:rPr lang="en-US" sz="2800" dirty="0">
                 <a:latin typeface="Arial" panose="020B0604020202020204" pitchFamily="34" charset="0"/>
                 <a:cs typeface="Arial" panose="020B0604020202020204" pitchFamily="34" charset="0"/>
               </a:rPr>
               <a:t>C</a:t>
             </a:r>
             <a:r>
-              <a:rPr lang="vi-VN" dirty="0">
+              <a:rPr lang="vi-VN" sz="2800" dirty="0">
                 <a:latin typeface="Arial" panose="020B0604020202020204" pitchFamily="34" charset="0"/>
                 <a:cs typeface="Arial" panose="020B0604020202020204" pitchFamily="34" charset="0"/>
               </a:rPr>
               <a:t>ác client có thể thao tác, edit trực tiếp trên đó, mọi thay đổi của từng client sẽ được lưu lại. </a:t>
             </a:r>
-            <a:endParaRPr lang="en-US" dirty="0">
+            <a:endParaRPr lang="en-US" sz="2800" dirty="0">
               <a:latin typeface="Arial" panose="020B0604020202020204" pitchFamily="34" charset="0"/>
               <a:cs typeface="Arial" panose="020B0604020202020204" pitchFamily="34" charset="0"/>
             </a:endParaRPr>
@@ -16453,40 +16531,40 @@
               <a:buChar char="Ø"/>
             </a:pPr>
             <a:r>
-              <a:rPr lang="vi-VN" dirty="0">
+              <a:rPr lang="vi-VN" sz="2800" dirty="0">
                 <a:latin typeface="Arial" panose="020B0604020202020204" pitchFamily="34" charset="0"/>
                 <a:cs typeface="Arial" panose="020B0604020202020204" pitchFamily="34" charset="0"/>
               </a:rPr>
               <a:t>Do </a:t>
             </a:r>
             <a:r>
-              <a:rPr lang="en-US" dirty="0" err="1">
+              <a:rPr lang="en-US" sz="2800" dirty="0" err="1">
                 <a:latin typeface="Arial" panose="020B0604020202020204" pitchFamily="34" charset="0"/>
                 <a:cs typeface="Arial" panose="020B0604020202020204" pitchFamily="34" charset="0"/>
               </a:rPr>
               <a:t>đó</a:t>
             </a:r>
             <a:r>
-              <a:rPr lang="en-US" dirty="0">
-                <a:latin typeface="Arial" panose="020B0604020202020204" pitchFamily="34" charset="0"/>
-                <a:cs typeface="Arial" panose="020B0604020202020204" pitchFamily="34" charset="0"/>
-              </a:rPr>
-              <a:t> </a:t>
-            </a:r>
-            <a:r>
-              <a:rPr lang="vi-VN" dirty="0">
+              <a:rPr lang="en-US" sz="2800" dirty="0">
+                <a:latin typeface="Arial" panose="020B0604020202020204" pitchFamily="34" charset="0"/>
+                <a:cs typeface="Arial" panose="020B0604020202020204" pitchFamily="34" charset="0"/>
+              </a:rPr>
+              <a:t> </a:t>
+            </a:r>
+            <a:r>
+              <a:rPr lang="vi-VN" sz="2800" dirty="0">
                 <a:latin typeface="Arial" panose="020B0604020202020204" pitchFamily="34" charset="0"/>
                 <a:cs typeface="Arial" panose="020B0604020202020204" pitchFamily="34" charset="0"/>
               </a:rPr>
               <a:t>SVN là một giải pháp làm việc nhóm từ xa hiệu quả, an toàn</a:t>
             </a:r>
-            <a:endParaRPr lang="en-US" dirty="0">
+            <a:endParaRPr lang="en-US" sz="2800" dirty="0">
               <a:latin typeface="Arial" panose="020B0604020202020204" pitchFamily="34" charset="0"/>
               <a:cs typeface="Arial" panose="020B0604020202020204" pitchFamily="34" charset="0"/>
             </a:endParaRPr>
           </a:p>
           <a:p>
-            <a:endParaRPr lang="en-US" dirty="0"/>
+            <a:endParaRPr lang="en-US" sz="2800" dirty="0"/>
           </a:p>
         </p:txBody>
       </p:sp>
@@ -16598,9 +16676,16 @@
             <p:ph idx="1"/>
           </p:nvPr>
         </p:nvSpPr>
-        <p:spPr/>
+        <p:spPr>
+          <a:xfrm>
+            <a:off x="677334" y="1639594"/>
+            <a:ext cx="8596668" cy="3880773"/>
+          </a:xfrm>
+        </p:spPr>
         <p:txBody>
-          <a:bodyPr/>
+          <a:bodyPr>
+            <a:normAutofit/>
+          </a:bodyPr>
           <a:lstStyle/>
           <a:p>
             <a:pPr>
@@ -16608,322 +16693,322 @@
               <a:buChar char="Ø"/>
             </a:pPr>
             <a:r>
-              <a:rPr lang="en-US" dirty="0" err="1">
+              <a:rPr lang="en-US" sz="2800" dirty="0" err="1">
                 <a:latin typeface="Arial" pitchFamily="34" charset="0"/>
                 <a:cs typeface="Arial" pitchFamily="34" charset="0"/>
               </a:rPr>
               <a:t>Khi</a:t>
             </a:r>
             <a:r>
-              <a:rPr lang="en-US" dirty="0">
+              <a:rPr lang="en-US" sz="2800" dirty="0">
                 <a:latin typeface="Arial" pitchFamily="34" charset="0"/>
                 <a:cs typeface="Arial" pitchFamily="34" charset="0"/>
               </a:rPr>
               <a:t> </a:t>
             </a:r>
             <a:r>
-              <a:rPr lang="en-US" dirty="0" err="1">
+              <a:rPr lang="en-US" sz="2800" dirty="0" err="1">
                 <a:latin typeface="Arial" pitchFamily="34" charset="0"/>
                 <a:cs typeface="Arial" pitchFamily="34" charset="0"/>
               </a:rPr>
               <a:t>một</a:t>
             </a:r>
             <a:r>
-              <a:rPr lang="en-US" dirty="0">
+              <a:rPr lang="en-US" sz="2800" dirty="0">
                 <a:latin typeface="Arial" pitchFamily="34" charset="0"/>
                 <a:cs typeface="Arial" pitchFamily="34" charset="0"/>
               </a:rPr>
               <a:t> </a:t>
             </a:r>
             <a:r>
-              <a:rPr lang="en-US" dirty="0" err="1">
+              <a:rPr lang="en-US" sz="2800" dirty="0" err="1">
                 <a:latin typeface="Arial" pitchFamily="34" charset="0"/>
                 <a:cs typeface="Arial" pitchFamily="34" charset="0"/>
               </a:rPr>
               <a:t>nhóm</a:t>
             </a:r>
             <a:r>
-              <a:rPr lang="en-US" dirty="0">
+              <a:rPr lang="en-US" sz="2800" dirty="0">
                 <a:latin typeface="Arial" pitchFamily="34" charset="0"/>
                 <a:cs typeface="Arial" pitchFamily="34" charset="0"/>
               </a:rPr>
               <a:t> </a:t>
             </a:r>
             <a:r>
-              <a:rPr lang="en-US" dirty="0" err="1">
+              <a:rPr lang="en-US" sz="2800" dirty="0" err="1">
                 <a:latin typeface="Arial" pitchFamily="34" charset="0"/>
                 <a:cs typeface="Arial" pitchFamily="34" charset="0"/>
               </a:rPr>
               <a:t>làm</a:t>
             </a:r>
             <a:r>
-              <a:rPr lang="en-US" dirty="0">
+              <a:rPr lang="en-US" sz="2800" dirty="0">
                 <a:latin typeface="Arial" pitchFamily="34" charset="0"/>
                 <a:cs typeface="Arial" pitchFamily="34" charset="0"/>
               </a:rPr>
               <a:t> </a:t>
             </a:r>
             <a:r>
-              <a:rPr lang="en-US" dirty="0" err="1">
+              <a:rPr lang="en-US" sz="2800" dirty="0" err="1">
                 <a:latin typeface="Arial" pitchFamily="34" charset="0"/>
                 <a:cs typeface="Arial" pitchFamily="34" charset="0"/>
               </a:rPr>
               <a:t>việc</a:t>
             </a:r>
             <a:r>
-              <a:rPr lang="en-US" dirty="0">
+              <a:rPr lang="en-US" sz="2800" dirty="0">
                 <a:latin typeface="Arial" pitchFamily="34" charset="0"/>
                 <a:cs typeface="Arial" pitchFamily="34" charset="0"/>
               </a:rPr>
               <a:t> </a:t>
             </a:r>
             <a:r>
-              <a:rPr lang="en-US" dirty="0" err="1">
+              <a:rPr lang="en-US" sz="2800" dirty="0" err="1">
                 <a:latin typeface="Arial" pitchFamily="34" charset="0"/>
                 <a:cs typeface="Arial" pitchFamily="34" charset="0"/>
               </a:rPr>
               <a:t>trên</a:t>
             </a:r>
             <a:r>
-              <a:rPr lang="en-US" dirty="0">
+              <a:rPr lang="en-US" sz="2800" dirty="0">
                 <a:latin typeface="Arial" pitchFamily="34" charset="0"/>
                 <a:cs typeface="Arial" pitchFamily="34" charset="0"/>
               </a:rPr>
               <a:t> </a:t>
             </a:r>
             <a:r>
-              <a:rPr lang="en-US" dirty="0" err="1">
+              <a:rPr lang="en-US" sz="2800" dirty="0" err="1">
                 <a:latin typeface="Arial" pitchFamily="34" charset="0"/>
                 <a:cs typeface="Arial" pitchFamily="34" charset="0"/>
               </a:rPr>
               <a:t>cùng</a:t>
             </a:r>
             <a:r>
-              <a:rPr lang="en-US" dirty="0">
+              <a:rPr lang="en-US" sz="2800" dirty="0">
                 <a:latin typeface="Arial" pitchFamily="34" charset="0"/>
                 <a:cs typeface="Arial" pitchFamily="34" charset="0"/>
               </a:rPr>
               <a:t> </a:t>
             </a:r>
             <a:r>
-              <a:rPr lang="en-US" dirty="0" err="1">
+              <a:rPr lang="en-US" sz="2800" dirty="0" err="1">
                 <a:latin typeface="Arial" pitchFamily="34" charset="0"/>
                 <a:cs typeface="Arial" pitchFamily="34" charset="0"/>
               </a:rPr>
               <a:t>một</a:t>
             </a:r>
             <a:r>
-              <a:rPr lang="en-US" dirty="0">
+              <a:rPr lang="en-US" sz="2800" dirty="0">
                 <a:latin typeface="Arial" pitchFamily="34" charset="0"/>
                 <a:cs typeface="Arial" pitchFamily="34" charset="0"/>
               </a:rPr>
               <a:t> Project, </a:t>
             </a:r>
             <a:r>
-              <a:rPr lang="en-US" dirty="0" err="1">
+              <a:rPr lang="en-US" sz="2800" dirty="0" err="1">
                 <a:latin typeface="Arial" pitchFamily="34" charset="0"/>
                 <a:cs typeface="Arial" pitchFamily="34" charset="0"/>
               </a:rPr>
               <a:t>việc</a:t>
             </a:r>
             <a:r>
-              <a:rPr lang="en-US" dirty="0">
+              <a:rPr lang="en-US" sz="2800" dirty="0">
                 <a:latin typeface="Arial" pitchFamily="34" charset="0"/>
                 <a:cs typeface="Arial" pitchFamily="34" charset="0"/>
               </a:rPr>
               <a:t> </a:t>
             </a:r>
             <a:r>
-              <a:rPr lang="en-US" dirty="0" err="1">
+              <a:rPr lang="en-US" sz="2800" dirty="0" err="1">
                 <a:latin typeface="Arial" pitchFamily="34" charset="0"/>
                 <a:cs typeface="Arial" pitchFamily="34" charset="0"/>
               </a:rPr>
               <a:t>nhiều</a:t>
             </a:r>
             <a:r>
-              <a:rPr lang="en-US" dirty="0">
+              <a:rPr lang="en-US" sz="2800" dirty="0">
                 <a:latin typeface="Arial" pitchFamily="34" charset="0"/>
                 <a:cs typeface="Arial" pitchFamily="34" charset="0"/>
               </a:rPr>
               <a:t> </a:t>
             </a:r>
             <a:r>
-              <a:rPr lang="en-US" dirty="0" err="1">
+              <a:rPr lang="en-US" sz="2800" dirty="0" err="1">
                 <a:latin typeface="Arial" pitchFamily="34" charset="0"/>
                 <a:cs typeface="Arial" pitchFamily="34" charset="0"/>
               </a:rPr>
               <a:t>người</a:t>
             </a:r>
             <a:r>
-              <a:rPr lang="en-US" dirty="0">
+              <a:rPr lang="en-US" sz="2800" dirty="0">
                 <a:latin typeface="Arial" pitchFamily="34" charset="0"/>
                 <a:cs typeface="Arial" pitchFamily="34" charset="0"/>
               </a:rPr>
               <a:t> </a:t>
             </a:r>
             <a:r>
-              <a:rPr lang="en-US" dirty="0" err="1">
+              <a:rPr lang="en-US" sz="2800" dirty="0" err="1">
                 <a:latin typeface="Arial" pitchFamily="34" charset="0"/>
                 <a:cs typeface="Arial" pitchFamily="34" charset="0"/>
               </a:rPr>
               <a:t>cùng</a:t>
             </a:r>
             <a:r>
-              <a:rPr lang="en-US" dirty="0">
+              <a:rPr lang="en-US" sz="2800" dirty="0">
                 <a:latin typeface="Arial" pitchFamily="34" charset="0"/>
                 <a:cs typeface="Arial" pitchFamily="34" charset="0"/>
               </a:rPr>
               <a:t> </a:t>
             </a:r>
             <a:r>
-              <a:rPr lang="en-US" dirty="0" err="1">
+              <a:rPr lang="en-US" sz="2800" dirty="0" err="1">
                 <a:latin typeface="Arial" pitchFamily="34" charset="0"/>
                 <a:cs typeface="Arial" pitchFamily="34" charset="0"/>
               </a:rPr>
               <a:t>chỉnh</a:t>
             </a:r>
             <a:r>
-              <a:rPr lang="en-US" dirty="0">
+              <a:rPr lang="en-US" sz="2800" dirty="0">
                 <a:latin typeface="Arial" pitchFamily="34" charset="0"/>
                 <a:cs typeface="Arial" pitchFamily="34" charset="0"/>
               </a:rPr>
               <a:t> </a:t>
             </a:r>
             <a:r>
-              <a:rPr lang="en-US" dirty="0" err="1">
+              <a:rPr lang="en-US" sz="2800" dirty="0" err="1">
                 <a:latin typeface="Arial" pitchFamily="34" charset="0"/>
                 <a:cs typeface="Arial" pitchFamily="34" charset="0"/>
               </a:rPr>
               <a:t>sửa</a:t>
             </a:r>
             <a:r>
-              <a:rPr lang="en-US" dirty="0">
+              <a:rPr lang="en-US" sz="2800" dirty="0">
                 <a:latin typeface="Arial" pitchFamily="34" charset="0"/>
                 <a:cs typeface="Arial" pitchFamily="34" charset="0"/>
               </a:rPr>
               <a:t> </a:t>
             </a:r>
             <a:r>
-              <a:rPr lang="en-US" dirty="0" err="1">
+              <a:rPr lang="en-US" sz="2800" dirty="0" err="1">
                 <a:latin typeface="Arial" pitchFamily="34" charset="0"/>
                 <a:cs typeface="Arial" pitchFamily="34" charset="0"/>
               </a:rPr>
               <a:t>nội</a:t>
             </a:r>
             <a:r>
-              <a:rPr lang="en-US" dirty="0">
+              <a:rPr lang="en-US" sz="2800" dirty="0">
                 <a:latin typeface="Arial" pitchFamily="34" charset="0"/>
                 <a:cs typeface="Arial" pitchFamily="34" charset="0"/>
               </a:rPr>
               <a:t> dung </a:t>
             </a:r>
             <a:r>
-              <a:rPr lang="en-US" dirty="0" err="1">
+              <a:rPr lang="en-US" sz="2800" dirty="0" err="1">
                 <a:latin typeface="Arial" pitchFamily="34" charset="0"/>
                 <a:cs typeface="Arial" pitchFamily="34" charset="0"/>
               </a:rPr>
               <a:t>của</a:t>
             </a:r>
             <a:r>
-              <a:rPr lang="en-US" dirty="0">
+              <a:rPr lang="en-US" sz="2800" dirty="0">
                 <a:latin typeface="Arial" pitchFamily="34" charset="0"/>
                 <a:cs typeface="Arial" pitchFamily="34" charset="0"/>
               </a:rPr>
               <a:t> </a:t>
             </a:r>
             <a:r>
-              <a:rPr lang="en-US" dirty="0" err="1">
+              <a:rPr lang="en-US" sz="2800" dirty="0" err="1">
                 <a:latin typeface="Arial" pitchFamily="34" charset="0"/>
                 <a:cs typeface="Arial" pitchFamily="34" charset="0"/>
               </a:rPr>
               <a:t>một</a:t>
             </a:r>
             <a:r>
-              <a:rPr lang="en-US" dirty="0">
+              <a:rPr lang="en-US" sz="2800" dirty="0">
                 <a:latin typeface="Arial" pitchFamily="34" charset="0"/>
                 <a:cs typeface="Arial" pitchFamily="34" charset="0"/>
               </a:rPr>
               <a:t> file </a:t>
             </a:r>
             <a:r>
-              <a:rPr lang="en-US" dirty="0" err="1">
+              <a:rPr lang="en-US" sz="2800" dirty="0" err="1">
                 <a:latin typeface="Arial" pitchFamily="34" charset="0"/>
                 <a:cs typeface="Arial" pitchFamily="34" charset="0"/>
               </a:rPr>
               <a:t>là</a:t>
             </a:r>
             <a:r>
-              <a:rPr lang="en-US" dirty="0">
+              <a:rPr lang="en-US" sz="2800" dirty="0">
                 <a:latin typeface="Arial" pitchFamily="34" charset="0"/>
                 <a:cs typeface="Arial" pitchFamily="34" charset="0"/>
               </a:rPr>
               <a:t> </a:t>
             </a:r>
             <a:r>
-              <a:rPr lang="en-US" dirty="0" err="1">
+              <a:rPr lang="en-US" sz="2800" dirty="0" err="1">
                 <a:latin typeface="Arial" pitchFamily="34" charset="0"/>
                 <a:cs typeface="Arial" pitchFamily="34" charset="0"/>
               </a:rPr>
               <a:t>điều</a:t>
             </a:r>
             <a:r>
-              <a:rPr lang="en-US" dirty="0">
+              <a:rPr lang="en-US" sz="2800" dirty="0">
                 <a:latin typeface="Arial" pitchFamily="34" charset="0"/>
                 <a:cs typeface="Arial" pitchFamily="34" charset="0"/>
               </a:rPr>
               <a:t> </a:t>
             </a:r>
             <a:r>
-              <a:rPr lang="en-US" dirty="0" err="1">
+              <a:rPr lang="en-US" sz="2800" dirty="0" err="1">
                 <a:latin typeface="Arial" pitchFamily="34" charset="0"/>
                 <a:cs typeface="Arial" pitchFamily="34" charset="0"/>
               </a:rPr>
               <a:t>không</a:t>
             </a:r>
             <a:r>
-              <a:rPr lang="en-US" dirty="0">
+              <a:rPr lang="en-US" sz="2800" dirty="0">
                 <a:latin typeface="Arial" pitchFamily="34" charset="0"/>
                 <a:cs typeface="Arial" pitchFamily="34" charset="0"/>
               </a:rPr>
               <a:t> </a:t>
             </a:r>
             <a:r>
-              <a:rPr lang="en-US" dirty="0" err="1">
+              <a:rPr lang="en-US" sz="2800" dirty="0" err="1">
                 <a:latin typeface="Arial" pitchFamily="34" charset="0"/>
                 <a:cs typeface="Arial" pitchFamily="34" charset="0"/>
               </a:rPr>
               <a:t>thể</a:t>
             </a:r>
             <a:r>
-              <a:rPr lang="en-US" dirty="0">
+              <a:rPr lang="en-US" sz="2800" dirty="0">
                 <a:latin typeface="Arial" pitchFamily="34" charset="0"/>
                 <a:cs typeface="Arial" pitchFamily="34" charset="0"/>
               </a:rPr>
               <a:t> </a:t>
             </a:r>
             <a:r>
-              <a:rPr lang="en-US" dirty="0" err="1">
+              <a:rPr lang="en-US" sz="2800" dirty="0" err="1">
                 <a:latin typeface="Arial" pitchFamily="34" charset="0"/>
                 <a:cs typeface="Arial" pitchFamily="34" charset="0"/>
               </a:rPr>
               <a:t>tránh</a:t>
             </a:r>
             <a:r>
-              <a:rPr lang="en-US" dirty="0">
+              <a:rPr lang="en-US" sz="2800" dirty="0">
                 <a:latin typeface="Arial" pitchFamily="34" charset="0"/>
                 <a:cs typeface="Arial" pitchFamily="34" charset="0"/>
               </a:rPr>
               <a:t> </a:t>
             </a:r>
             <a:r>
-              <a:rPr lang="en-US" dirty="0" err="1">
+              <a:rPr lang="en-US" sz="2800" dirty="0" err="1">
                 <a:latin typeface="Arial" pitchFamily="34" charset="0"/>
                 <a:cs typeface="Arial" pitchFamily="34" charset="0"/>
               </a:rPr>
               <a:t>khỏi</a:t>
             </a:r>
             <a:r>
-              <a:rPr lang="en-US" dirty="0">
+              <a:rPr lang="en-US" sz="2800" dirty="0">
                 <a:latin typeface="Arial" pitchFamily="34" charset="0"/>
                 <a:cs typeface="Arial" pitchFamily="34" charset="0"/>
               </a:rPr>
@@ -16936,259 +17021,259 @@
               <a:buChar char="Ø"/>
             </a:pPr>
             <a:r>
-              <a:rPr lang="en-US" dirty="0">
+              <a:rPr lang="en-US" sz="2800" dirty="0">
                 <a:latin typeface="Arial" pitchFamily="34" charset="0"/>
                 <a:cs typeface="Arial" pitchFamily="34" charset="0"/>
               </a:rPr>
               <a:t>SVN </a:t>
             </a:r>
             <a:r>
-              <a:rPr lang="en-US" dirty="0" err="1">
+              <a:rPr lang="en-US" sz="2800" dirty="0" err="1">
                 <a:latin typeface="Arial" pitchFamily="34" charset="0"/>
                 <a:cs typeface="Arial" pitchFamily="34" charset="0"/>
               </a:rPr>
               <a:t>cung</a:t>
             </a:r>
             <a:r>
-              <a:rPr lang="en-US" dirty="0">
+              <a:rPr lang="en-US" sz="2800" dirty="0">
                 <a:latin typeface="Arial" pitchFamily="34" charset="0"/>
                 <a:cs typeface="Arial" pitchFamily="34" charset="0"/>
               </a:rPr>
               <a:t> </a:t>
             </a:r>
             <a:r>
-              <a:rPr lang="en-US" dirty="0" err="1">
+              <a:rPr lang="en-US" sz="2800" dirty="0" err="1">
                 <a:latin typeface="Arial" pitchFamily="34" charset="0"/>
                 <a:cs typeface="Arial" pitchFamily="34" charset="0"/>
               </a:rPr>
               <a:t>cấp</a:t>
             </a:r>
             <a:r>
-              <a:rPr lang="en-US" dirty="0">
+              <a:rPr lang="en-US" sz="2800" dirty="0">
                 <a:latin typeface="Arial" pitchFamily="34" charset="0"/>
                 <a:cs typeface="Arial" pitchFamily="34" charset="0"/>
               </a:rPr>
               <a:t> </a:t>
             </a:r>
             <a:r>
-              <a:rPr lang="en-US" dirty="0" err="1">
+              <a:rPr lang="en-US" sz="2800" dirty="0" err="1">
                 <a:latin typeface="Arial" pitchFamily="34" charset="0"/>
                 <a:cs typeface="Arial" pitchFamily="34" charset="0"/>
               </a:rPr>
               <a:t>các</a:t>
             </a:r>
             <a:r>
-              <a:rPr lang="en-US" dirty="0">
+              <a:rPr lang="en-US" sz="2800" dirty="0">
                 <a:latin typeface="Arial" pitchFamily="34" charset="0"/>
                 <a:cs typeface="Arial" pitchFamily="34" charset="0"/>
               </a:rPr>
               <a:t> </a:t>
             </a:r>
             <a:r>
-              <a:rPr lang="en-US" dirty="0" err="1">
+              <a:rPr lang="en-US" sz="2800" dirty="0" err="1">
                 <a:latin typeface="Arial" pitchFamily="34" charset="0"/>
                 <a:cs typeface="Arial" pitchFamily="34" charset="0"/>
               </a:rPr>
               <a:t>chức</a:t>
             </a:r>
             <a:r>
-              <a:rPr lang="en-US" dirty="0">
+              <a:rPr lang="en-US" sz="2800" dirty="0">
                 <a:latin typeface="Arial" pitchFamily="34" charset="0"/>
                 <a:cs typeface="Arial" pitchFamily="34" charset="0"/>
               </a:rPr>
               <a:t> </a:t>
             </a:r>
             <a:r>
-              <a:rPr lang="en-US" dirty="0" err="1">
+              <a:rPr lang="en-US" sz="2800" dirty="0" err="1">
                 <a:latin typeface="Arial" pitchFamily="34" charset="0"/>
                 <a:cs typeface="Arial" pitchFamily="34" charset="0"/>
               </a:rPr>
               <a:t>năng</a:t>
             </a:r>
             <a:r>
-              <a:rPr lang="en-US" dirty="0">
+              <a:rPr lang="en-US" sz="2800" dirty="0">
                 <a:latin typeface="Arial" pitchFamily="34" charset="0"/>
                 <a:cs typeface="Arial" pitchFamily="34" charset="0"/>
               </a:rPr>
               <a:t> </a:t>
             </a:r>
             <a:r>
-              <a:rPr lang="en-US" dirty="0" err="1">
+              <a:rPr lang="en-US" sz="2800" dirty="0" err="1">
                 <a:latin typeface="Arial" pitchFamily="34" charset="0"/>
                 <a:cs typeface="Arial" pitchFamily="34" charset="0"/>
               </a:rPr>
               <a:t>để</a:t>
             </a:r>
             <a:r>
-              <a:rPr lang="en-US" dirty="0">
+              <a:rPr lang="en-US" sz="2800" dirty="0">
                 <a:latin typeface="Arial" pitchFamily="34" charset="0"/>
                 <a:cs typeface="Arial" pitchFamily="34" charset="0"/>
               </a:rPr>
               <a:t> </a:t>
             </a:r>
             <a:r>
-              <a:rPr lang="en-US" dirty="0" err="1">
+              <a:rPr lang="en-US" sz="2800" dirty="0" err="1">
                 <a:latin typeface="Arial" pitchFamily="34" charset="0"/>
                 <a:cs typeface="Arial" pitchFamily="34" charset="0"/>
               </a:rPr>
               <a:t>có</a:t>
             </a:r>
             <a:r>
-              <a:rPr lang="en-US" dirty="0">
+              <a:rPr lang="en-US" sz="2800" dirty="0">
                 <a:latin typeface="Arial" pitchFamily="34" charset="0"/>
                 <a:cs typeface="Arial" pitchFamily="34" charset="0"/>
               </a:rPr>
               <a:t> </a:t>
             </a:r>
             <a:r>
-              <a:rPr lang="en-US" dirty="0" err="1">
+              <a:rPr lang="en-US" sz="2800" dirty="0" err="1">
                 <a:latin typeface="Arial" pitchFamily="34" charset="0"/>
                 <a:cs typeface="Arial" pitchFamily="34" charset="0"/>
               </a:rPr>
               <a:t>thể</a:t>
             </a:r>
             <a:r>
-              <a:rPr lang="en-US" dirty="0">
+              <a:rPr lang="en-US" sz="2800" dirty="0">
                 <a:latin typeface="Arial" pitchFamily="34" charset="0"/>
                 <a:cs typeface="Arial" pitchFamily="34" charset="0"/>
               </a:rPr>
               <a:t> </a:t>
             </a:r>
             <a:r>
-              <a:rPr lang="en-US" dirty="0" err="1">
+              <a:rPr lang="en-US" sz="2800" dirty="0" err="1">
                 <a:latin typeface="Arial" pitchFamily="34" charset="0"/>
                 <a:cs typeface="Arial" pitchFamily="34" charset="0"/>
               </a:rPr>
               <a:t>thực</a:t>
             </a:r>
             <a:r>
-              <a:rPr lang="en-US" dirty="0">
+              <a:rPr lang="en-US" sz="2800" dirty="0">
                 <a:latin typeface="Arial" pitchFamily="34" charset="0"/>
                 <a:cs typeface="Arial" pitchFamily="34" charset="0"/>
               </a:rPr>
               <a:t> </a:t>
             </a:r>
             <a:r>
-              <a:rPr lang="en-US" dirty="0" err="1">
+              <a:rPr lang="en-US" sz="2800" dirty="0" err="1">
                 <a:latin typeface="Arial" pitchFamily="34" charset="0"/>
                 <a:cs typeface="Arial" pitchFamily="34" charset="0"/>
               </a:rPr>
               <a:t>hiện</a:t>
             </a:r>
             <a:r>
-              <a:rPr lang="en-US" dirty="0">
+              <a:rPr lang="en-US" sz="2800" dirty="0">
                 <a:latin typeface="Arial" pitchFamily="34" charset="0"/>
                 <a:cs typeface="Arial" pitchFamily="34" charset="0"/>
               </a:rPr>
               <a:t> </a:t>
             </a:r>
             <a:r>
-              <a:rPr lang="en-US" dirty="0" err="1">
+              <a:rPr lang="en-US" sz="2800" dirty="0" err="1">
                 <a:latin typeface="Arial" pitchFamily="34" charset="0"/>
                 <a:cs typeface="Arial" pitchFamily="34" charset="0"/>
               </a:rPr>
               <a:t>việc</a:t>
             </a:r>
             <a:r>
-              <a:rPr lang="en-US" dirty="0">
+              <a:rPr lang="en-US" sz="2800" dirty="0">
                 <a:latin typeface="Arial" pitchFamily="34" charset="0"/>
                 <a:cs typeface="Arial" pitchFamily="34" charset="0"/>
               </a:rPr>
               <a:t> </a:t>
             </a:r>
             <a:r>
-              <a:rPr lang="en-US" dirty="0" err="1">
+              <a:rPr lang="en-US" sz="2800" dirty="0" err="1">
                 <a:latin typeface="Arial" pitchFamily="34" charset="0"/>
                 <a:cs typeface="Arial" pitchFamily="34" charset="0"/>
               </a:rPr>
               <a:t>này</a:t>
             </a:r>
             <a:r>
-              <a:rPr lang="en-US" dirty="0">
+              <a:rPr lang="en-US" sz="2800" dirty="0">
                 <a:latin typeface="Arial" pitchFamily="34" charset="0"/>
                 <a:cs typeface="Arial" pitchFamily="34" charset="0"/>
               </a:rPr>
               <a:t> </a:t>
             </a:r>
             <a:r>
-              <a:rPr lang="en-US" dirty="0" err="1">
+              <a:rPr lang="en-US" sz="2800" dirty="0" err="1">
                 <a:latin typeface="Arial" pitchFamily="34" charset="0"/>
                 <a:cs typeface="Arial" pitchFamily="34" charset="0"/>
               </a:rPr>
               <a:t>một</a:t>
             </a:r>
             <a:r>
-              <a:rPr lang="en-US" dirty="0">
+              <a:rPr lang="en-US" sz="2800" dirty="0">
                 <a:latin typeface="Arial" pitchFamily="34" charset="0"/>
                 <a:cs typeface="Arial" pitchFamily="34" charset="0"/>
               </a:rPr>
               <a:t> </a:t>
             </a:r>
             <a:r>
-              <a:rPr lang="en-US" dirty="0" err="1">
+              <a:rPr lang="en-US" sz="2800" dirty="0" err="1">
                 <a:latin typeface="Arial" pitchFamily="34" charset="0"/>
                 <a:cs typeface="Arial" pitchFamily="34" charset="0"/>
               </a:rPr>
               <a:t>cách</a:t>
             </a:r>
             <a:r>
-              <a:rPr lang="en-US" dirty="0">
+              <a:rPr lang="en-US" sz="2800" dirty="0">
                 <a:latin typeface="Arial" pitchFamily="34" charset="0"/>
                 <a:cs typeface="Arial" pitchFamily="34" charset="0"/>
               </a:rPr>
               <a:t> </a:t>
             </a:r>
             <a:r>
-              <a:rPr lang="en-US" dirty="0" err="1">
+              <a:rPr lang="en-US" sz="2800" dirty="0" err="1">
                 <a:latin typeface="Arial" pitchFamily="34" charset="0"/>
                 <a:cs typeface="Arial" pitchFamily="34" charset="0"/>
               </a:rPr>
               <a:t>đơn</a:t>
             </a:r>
             <a:r>
-              <a:rPr lang="en-US" dirty="0">
+              <a:rPr lang="en-US" sz="2800" dirty="0">
                 <a:latin typeface="Arial" pitchFamily="34" charset="0"/>
                 <a:cs typeface="Arial" pitchFamily="34" charset="0"/>
               </a:rPr>
               <a:t> </a:t>
             </a:r>
             <a:r>
-              <a:rPr lang="en-US" dirty="0" err="1">
+              <a:rPr lang="en-US" sz="2800" dirty="0" err="1">
                 <a:latin typeface="Arial" pitchFamily="34" charset="0"/>
                 <a:cs typeface="Arial" pitchFamily="34" charset="0"/>
               </a:rPr>
               <a:t>giản</a:t>
             </a:r>
             <a:r>
-              <a:rPr lang="en-US" dirty="0">
+              <a:rPr lang="en-US" sz="2800" dirty="0">
                 <a:latin typeface="Arial" pitchFamily="34" charset="0"/>
                 <a:cs typeface="Arial" pitchFamily="34" charset="0"/>
               </a:rPr>
               <a:t> </a:t>
             </a:r>
             <a:r>
-              <a:rPr lang="en-US" dirty="0" err="1">
+              <a:rPr lang="en-US" sz="2800" dirty="0" err="1">
                 <a:latin typeface="Arial" pitchFamily="34" charset="0"/>
                 <a:cs typeface="Arial" pitchFamily="34" charset="0"/>
               </a:rPr>
               <a:t>và</a:t>
             </a:r>
             <a:r>
-              <a:rPr lang="en-US" dirty="0">
+              <a:rPr lang="en-US" sz="2800" dirty="0">
                 <a:latin typeface="Arial" pitchFamily="34" charset="0"/>
                 <a:cs typeface="Arial" pitchFamily="34" charset="0"/>
               </a:rPr>
               <a:t> an </a:t>
             </a:r>
             <a:r>
-              <a:rPr lang="en-US" dirty="0" err="1">
+              <a:rPr lang="en-US" sz="2800" dirty="0" err="1">
                 <a:latin typeface="Arial" pitchFamily="34" charset="0"/>
                 <a:cs typeface="Arial" pitchFamily="34" charset="0"/>
               </a:rPr>
               <a:t>toàn</a:t>
             </a:r>
             <a:r>
-              <a:rPr lang="en-US" dirty="0">
+              <a:rPr lang="en-US" sz="2800" dirty="0">
                 <a:latin typeface="Arial" pitchFamily="34" charset="0"/>
                 <a:cs typeface="Arial" pitchFamily="34" charset="0"/>
               </a:rPr>
@@ -17196,7 +17281,7 @@
             </a:r>
           </a:p>
           <a:p>
-            <a:endParaRPr lang="en-US" dirty="0"/>
+            <a:endParaRPr lang="en-US" sz="2800" dirty="0"/>
           </a:p>
         </p:txBody>
       </p:sp>
@@ -17308,9 +17393,16 @@
             <p:ph idx="1"/>
           </p:nvPr>
         </p:nvSpPr>
-        <p:spPr/>
+        <p:spPr>
+          <a:xfrm>
+            <a:off x="677334" y="1607696"/>
+            <a:ext cx="8596668" cy="3880773"/>
+          </a:xfrm>
+        </p:spPr>
         <p:txBody>
-          <a:bodyPr/>
+          <a:bodyPr>
+            <a:normAutofit/>
+          </a:bodyPr>
           <a:lstStyle/>
           <a:p>
             <a:pPr>
@@ -17318,315 +17410,315 @@
               <a:buChar char="Ø"/>
             </a:pPr>
             <a:r>
-              <a:rPr lang="en-US" dirty="0">
+              <a:rPr lang="en-US" sz="3200" dirty="0">
                 <a:latin typeface="Arial" panose="020B0604020202020204" pitchFamily="34" charset="0"/>
                 <a:cs typeface="Arial" panose="020B0604020202020204" pitchFamily="34" charset="0"/>
               </a:rPr>
               <a:t>Subversion </a:t>
             </a:r>
             <a:r>
-              <a:rPr lang="en-US" dirty="0" err="1">
+              <a:rPr lang="en-US" sz="3200" dirty="0" err="1">
                 <a:latin typeface="Arial" panose="020B0604020202020204" pitchFamily="34" charset="0"/>
                 <a:cs typeface="Arial" panose="020B0604020202020204" pitchFamily="34" charset="0"/>
               </a:rPr>
               <a:t>được</a:t>
             </a:r>
             <a:r>
-              <a:rPr lang="en-US" dirty="0">
-                <a:latin typeface="Arial" panose="020B0604020202020204" pitchFamily="34" charset="0"/>
-                <a:cs typeface="Arial" panose="020B0604020202020204" pitchFamily="34" charset="0"/>
-              </a:rPr>
-              <a:t> </a:t>
-            </a:r>
-            <a:r>
-              <a:rPr lang="en-US" dirty="0" err="1">
+              <a:rPr lang="en-US" sz="3200" dirty="0">
+                <a:latin typeface="Arial" panose="020B0604020202020204" pitchFamily="34" charset="0"/>
+                <a:cs typeface="Arial" panose="020B0604020202020204" pitchFamily="34" charset="0"/>
+              </a:rPr>
+              <a:t> </a:t>
+            </a:r>
+            <a:r>
+              <a:rPr lang="en-US" sz="3200" dirty="0" err="1">
                 <a:latin typeface="Arial" panose="020B0604020202020204" pitchFamily="34" charset="0"/>
                 <a:cs typeface="Arial" panose="020B0604020202020204" pitchFamily="34" charset="0"/>
               </a:rPr>
               <a:t>thiết</a:t>
             </a:r>
             <a:r>
-              <a:rPr lang="en-US" dirty="0">
-                <a:latin typeface="Arial" panose="020B0604020202020204" pitchFamily="34" charset="0"/>
-                <a:cs typeface="Arial" panose="020B0604020202020204" pitchFamily="34" charset="0"/>
-              </a:rPr>
-              <a:t> </a:t>
-            </a:r>
-            <a:r>
-              <a:rPr lang="en-US" dirty="0" err="1">
+              <a:rPr lang="en-US" sz="3200" dirty="0">
+                <a:latin typeface="Arial" panose="020B0604020202020204" pitchFamily="34" charset="0"/>
+                <a:cs typeface="Arial" panose="020B0604020202020204" pitchFamily="34" charset="0"/>
+              </a:rPr>
+              <a:t> </a:t>
+            </a:r>
+            <a:r>
+              <a:rPr lang="en-US" sz="3200" dirty="0" err="1">
                 <a:latin typeface="Arial" panose="020B0604020202020204" pitchFamily="34" charset="0"/>
                 <a:cs typeface="Arial" panose="020B0604020202020204" pitchFamily="34" charset="0"/>
               </a:rPr>
               <a:t>kế</a:t>
             </a:r>
             <a:r>
-              <a:rPr lang="en-US" dirty="0">
-                <a:latin typeface="Arial" panose="020B0604020202020204" pitchFamily="34" charset="0"/>
-                <a:cs typeface="Arial" panose="020B0604020202020204" pitchFamily="34" charset="0"/>
-              </a:rPr>
-              <a:t> </a:t>
-            </a:r>
-            <a:r>
-              <a:rPr lang="en-US" dirty="0" err="1">
+              <a:rPr lang="en-US" sz="3200" dirty="0">
+                <a:latin typeface="Arial" panose="020B0604020202020204" pitchFamily="34" charset="0"/>
+                <a:cs typeface="Arial" panose="020B0604020202020204" pitchFamily="34" charset="0"/>
+              </a:rPr>
+              <a:t> </a:t>
+            </a:r>
+            <a:r>
+              <a:rPr lang="en-US" sz="3200" dirty="0" err="1">
                 <a:latin typeface="Arial" panose="020B0604020202020204" pitchFamily="34" charset="0"/>
                 <a:cs typeface="Arial" panose="020B0604020202020204" pitchFamily="34" charset="0"/>
               </a:rPr>
               <a:t>với</a:t>
             </a:r>
             <a:r>
-              <a:rPr lang="en-US" dirty="0">
-                <a:latin typeface="Arial" panose="020B0604020202020204" pitchFamily="34" charset="0"/>
-                <a:cs typeface="Arial" panose="020B0604020202020204" pitchFamily="34" charset="0"/>
-              </a:rPr>
-              <a:t> </a:t>
-            </a:r>
-            <a:r>
-              <a:rPr lang="en-US" dirty="0" err="1">
+              <a:rPr lang="en-US" sz="3200" dirty="0">
+                <a:latin typeface="Arial" panose="020B0604020202020204" pitchFamily="34" charset="0"/>
+                <a:cs typeface="Arial" panose="020B0604020202020204" pitchFamily="34" charset="0"/>
+              </a:rPr>
+              <a:t> </a:t>
+            </a:r>
+            <a:r>
+              <a:rPr lang="en-US" sz="3200" dirty="0" err="1">
                 <a:latin typeface="Arial" panose="020B0604020202020204" pitchFamily="34" charset="0"/>
                 <a:cs typeface="Arial" panose="020B0604020202020204" pitchFamily="34" charset="0"/>
               </a:rPr>
               <a:t>mục</a:t>
             </a:r>
             <a:r>
-              <a:rPr lang="en-US" dirty="0">
-                <a:latin typeface="Arial" panose="020B0604020202020204" pitchFamily="34" charset="0"/>
-                <a:cs typeface="Arial" panose="020B0604020202020204" pitchFamily="34" charset="0"/>
-              </a:rPr>
-              <a:t> </a:t>
-            </a:r>
-            <a:r>
-              <a:rPr lang="en-US" dirty="0" err="1">
+              <a:rPr lang="en-US" sz="3200" dirty="0">
+                <a:latin typeface="Arial" panose="020B0604020202020204" pitchFamily="34" charset="0"/>
+                <a:cs typeface="Arial" panose="020B0604020202020204" pitchFamily="34" charset="0"/>
+              </a:rPr>
+              <a:t> </a:t>
+            </a:r>
+            <a:r>
+              <a:rPr lang="en-US" sz="3200" dirty="0" err="1">
                 <a:latin typeface="Arial" panose="020B0604020202020204" pitchFamily="34" charset="0"/>
                 <a:cs typeface="Arial" panose="020B0604020202020204" pitchFamily="34" charset="0"/>
               </a:rPr>
               <a:t>đích</a:t>
             </a:r>
             <a:r>
-              <a:rPr lang="en-US" dirty="0">
-                <a:latin typeface="Arial" panose="020B0604020202020204" pitchFamily="34" charset="0"/>
-                <a:cs typeface="Arial" panose="020B0604020202020204" pitchFamily="34" charset="0"/>
-              </a:rPr>
-              <a:t> </a:t>
-            </a:r>
-            <a:r>
-              <a:rPr lang="en-US" dirty="0" err="1">
+              <a:rPr lang="en-US" sz="3200" dirty="0">
+                <a:latin typeface="Arial" panose="020B0604020202020204" pitchFamily="34" charset="0"/>
+                <a:cs typeface="Arial" panose="020B0604020202020204" pitchFamily="34" charset="0"/>
+              </a:rPr>
+              <a:t> </a:t>
+            </a:r>
+            <a:r>
+              <a:rPr lang="en-US" sz="3200" dirty="0" err="1">
                 <a:latin typeface="Arial" panose="020B0604020202020204" pitchFamily="34" charset="0"/>
                 <a:cs typeface="Arial" panose="020B0604020202020204" pitchFamily="34" charset="0"/>
               </a:rPr>
               <a:t>thay</a:t>
             </a:r>
             <a:r>
-              <a:rPr lang="en-US" dirty="0">
-                <a:latin typeface="Arial" panose="020B0604020202020204" pitchFamily="34" charset="0"/>
-                <a:cs typeface="Arial" panose="020B0604020202020204" pitchFamily="34" charset="0"/>
-              </a:rPr>
-              <a:t> </a:t>
-            </a:r>
-            <a:r>
-              <a:rPr lang="en-US" dirty="0" err="1">
+              <a:rPr lang="en-US" sz="3200" dirty="0">
+                <a:latin typeface="Arial" panose="020B0604020202020204" pitchFamily="34" charset="0"/>
+                <a:cs typeface="Arial" panose="020B0604020202020204" pitchFamily="34" charset="0"/>
+              </a:rPr>
+              <a:t> </a:t>
+            </a:r>
+            <a:r>
+              <a:rPr lang="en-US" sz="3200" dirty="0" err="1">
                 <a:latin typeface="Arial" panose="020B0604020202020204" pitchFamily="34" charset="0"/>
                 <a:cs typeface="Arial" panose="020B0604020202020204" pitchFamily="34" charset="0"/>
               </a:rPr>
               <a:t>thế</a:t>
             </a:r>
             <a:r>
-              <a:rPr lang="en-US" dirty="0">
-                <a:latin typeface="Arial" panose="020B0604020202020204" pitchFamily="34" charset="0"/>
-                <a:cs typeface="Arial" panose="020B0604020202020204" pitchFamily="34" charset="0"/>
-              </a:rPr>
-              <a:t> </a:t>
-            </a:r>
-            <a:r>
-              <a:rPr lang="en-US" dirty="0" err="1">
+              <a:rPr lang="en-US" sz="3200" dirty="0">
+                <a:latin typeface="Arial" panose="020B0604020202020204" pitchFamily="34" charset="0"/>
+                <a:cs typeface="Arial" panose="020B0604020202020204" pitchFamily="34" charset="0"/>
+              </a:rPr>
+              <a:t> </a:t>
+            </a:r>
+            <a:r>
+              <a:rPr lang="en-US" sz="3200" dirty="0" err="1">
                 <a:latin typeface="Arial" panose="020B0604020202020204" pitchFamily="34" charset="0"/>
                 <a:cs typeface="Arial" panose="020B0604020202020204" pitchFamily="34" charset="0"/>
               </a:rPr>
               <a:t>hệ</a:t>
             </a:r>
             <a:r>
-              <a:rPr lang="en-US" dirty="0">
-                <a:latin typeface="Arial" panose="020B0604020202020204" pitchFamily="34" charset="0"/>
-                <a:cs typeface="Arial" panose="020B0604020202020204" pitchFamily="34" charset="0"/>
-              </a:rPr>
-              <a:t> </a:t>
-            </a:r>
-            <a:r>
-              <a:rPr lang="en-US" dirty="0" err="1">
+              <a:rPr lang="en-US" sz="3200" dirty="0">
+                <a:latin typeface="Arial" panose="020B0604020202020204" pitchFamily="34" charset="0"/>
+                <a:cs typeface="Arial" panose="020B0604020202020204" pitchFamily="34" charset="0"/>
+              </a:rPr>
+              <a:t> </a:t>
+            </a:r>
+            <a:r>
+              <a:rPr lang="en-US" sz="3200" dirty="0" err="1">
                 <a:latin typeface="Arial" panose="020B0604020202020204" pitchFamily="34" charset="0"/>
                 <a:cs typeface="Arial" panose="020B0604020202020204" pitchFamily="34" charset="0"/>
               </a:rPr>
               <a:t>thống</a:t>
             </a:r>
             <a:r>
-              <a:rPr lang="en-US" dirty="0">
-                <a:latin typeface="Arial" panose="020B0604020202020204" pitchFamily="34" charset="0"/>
-                <a:cs typeface="Arial" panose="020B0604020202020204" pitchFamily="34" charset="0"/>
-              </a:rPr>
-              <a:t> </a:t>
-            </a:r>
-            <a:r>
-              <a:rPr lang="en-US" dirty="0" err="1">
+              <a:rPr lang="en-US" sz="3200" dirty="0">
+                <a:latin typeface="Arial" panose="020B0604020202020204" pitchFamily="34" charset="0"/>
+                <a:cs typeface="Arial" panose="020B0604020202020204" pitchFamily="34" charset="0"/>
+              </a:rPr>
+              <a:t> </a:t>
+            </a:r>
+            <a:r>
+              <a:rPr lang="en-US" sz="3200" dirty="0" err="1">
                 <a:latin typeface="Arial" panose="020B0604020202020204" pitchFamily="34" charset="0"/>
                 <a:cs typeface="Arial" panose="020B0604020202020204" pitchFamily="34" charset="0"/>
               </a:rPr>
               <a:t>quản</a:t>
             </a:r>
             <a:r>
-              <a:rPr lang="en-US" dirty="0">
-                <a:latin typeface="Arial" panose="020B0604020202020204" pitchFamily="34" charset="0"/>
-                <a:cs typeface="Arial" panose="020B0604020202020204" pitchFamily="34" charset="0"/>
-              </a:rPr>
-              <a:t> </a:t>
-            </a:r>
-            <a:r>
-              <a:rPr lang="en-US" dirty="0" err="1">
+              <a:rPr lang="en-US" sz="3200" dirty="0">
+                <a:latin typeface="Arial" panose="020B0604020202020204" pitchFamily="34" charset="0"/>
+                <a:cs typeface="Arial" panose="020B0604020202020204" pitchFamily="34" charset="0"/>
+              </a:rPr>
+              <a:t> </a:t>
+            </a:r>
+            <a:r>
+              <a:rPr lang="en-US" sz="3200" dirty="0" err="1">
                 <a:latin typeface="Arial" panose="020B0604020202020204" pitchFamily="34" charset="0"/>
                 <a:cs typeface="Arial" panose="020B0604020202020204" pitchFamily="34" charset="0"/>
               </a:rPr>
               <a:t>lý</a:t>
             </a:r>
             <a:r>
-              <a:rPr lang="en-US" dirty="0">
-                <a:latin typeface="Arial" panose="020B0604020202020204" pitchFamily="34" charset="0"/>
-                <a:cs typeface="Arial" panose="020B0604020202020204" pitchFamily="34" charset="0"/>
-              </a:rPr>
-              <a:t> </a:t>
-            </a:r>
-            <a:r>
-              <a:rPr lang="en-US" dirty="0" err="1">
+              <a:rPr lang="en-US" sz="3200" dirty="0">
+                <a:latin typeface="Arial" panose="020B0604020202020204" pitchFamily="34" charset="0"/>
+                <a:cs typeface="Arial" panose="020B0604020202020204" pitchFamily="34" charset="0"/>
+              </a:rPr>
+              <a:t> </a:t>
+            </a:r>
+            <a:r>
+              <a:rPr lang="en-US" sz="3200" dirty="0" err="1">
                 <a:latin typeface="Arial" panose="020B0604020202020204" pitchFamily="34" charset="0"/>
                 <a:cs typeface="Arial" panose="020B0604020202020204" pitchFamily="34" charset="0"/>
               </a:rPr>
               <a:t>phiên</a:t>
             </a:r>
             <a:r>
-              <a:rPr lang="en-US" dirty="0">
-                <a:latin typeface="Arial" panose="020B0604020202020204" pitchFamily="34" charset="0"/>
-                <a:cs typeface="Arial" panose="020B0604020202020204" pitchFamily="34" charset="0"/>
-              </a:rPr>
-              <a:t> </a:t>
-            </a:r>
-            <a:r>
-              <a:rPr lang="en-US" dirty="0" err="1">
+              <a:rPr lang="en-US" sz="3200" dirty="0">
+                <a:latin typeface="Arial" panose="020B0604020202020204" pitchFamily="34" charset="0"/>
+                <a:cs typeface="Arial" panose="020B0604020202020204" pitchFamily="34" charset="0"/>
+              </a:rPr>
+              <a:t> </a:t>
+            </a:r>
+            <a:r>
+              <a:rPr lang="en-US" sz="3200" dirty="0" err="1">
                 <a:latin typeface="Arial" panose="020B0604020202020204" pitchFamily="34" charset="0"/>
                 <a:cs typeface="Arial" panose="020B0604020202020204" pitchFamily="34" charset="0"/>
               </a:rPr>
               <a:t>bản</a:t>
             </a:r>
             <a:r>
-              <a:rPr lang="en-US" dirty="0">
-                <a:latin typeface="Arial" panose="020B0604020202020204" pitchFamily="34" charset="0"/>
-                <a:cs typeface="Arial" panose="020B0604020202020204" pitchFamily="34" charset="0"/>
-              </a:rPr>
-              <a:t> </a:t>
-            </a:r>
-            <a:r>
-              <a:rPr lang="en-US" i="1" dirty="0">
+              <a:rPr lang="en-US" sz="3200" dirty="0">
+                <a:latin typeface="Arial" panose="020B0604020202020204" pitchFamily="34" charset="0"/>
+                <a:cs typeface="Arial" panose="020B0604020202020204" pitchFamily="34" charset="0"/>
+              </a:rPr>
+              <a:t> </a:t>
+            </a:r>
+            <a:r>
+              <a:rPr lang="en-US" sz="3200" i="1" dirty="0">
                 <a:latin typeface="Arial" panose="020B0604020202020204" pitchFamily="34" charset="0"/>
                 <a:cs typeface="Arial" panose="020B0604020202020204" pitchFamily="34" charset="0"/>
               </a:rPr>
               <a:t>Concurrent Versioning System</a:t>
             </a:r>
             <a:r>
-              <a:rPr lang="en-US" dirty="0">
+              <a:rPr lang="en-US" sz="3200" dirty="0">
                 <a:latin typeface="Arial" panose="020B0604020202020204" pitchFamily="34" charset="0"/>
                 <a:cs typeface="Arial" panose="020B0604020202020204" pitchFamily="34" charset="0"/>
               </a:rPr>
               <a:t> (CVS) </a:t>
             </a:r>
             <a:r>
-              <a:rPr lang="en-US" dirty="0" err="1">
+              <a:rPr lang="en-US" sz="3200" dirty="0" err="1">
                 <a:latin typeface="Arial" panose="020B0604020202020204" pitchFamily="34" charset="0"/>
                 <a:cs typeface="Arial" panose="020B0604020202020204" pitchFamily="34" charset="0"/>
               </a:rPr>
               <a:t>đã</a:t>
             </a:r>
             <a:r>
-              <a:rPr lang="en-US" dirty="0">
-                <a:latin typeface="Arial" panose="020B0604020202020204" pitchFamily="34" charset="0"/>
-                <a:cs typeface="Arial" panose="020B0604020202020204" pitchFamily="34" charset="0"/>
-              </a:rPr>
-              <a:t> </a:t>
-            </a:r>
-            <a:r>
-              <a:rPr lang="en-US" dirty="0" err="1">
+              <a:rPr lang="en-US" sz="3200" dirty="0">
+                <a:latin typeface="Arial" panose="020B0604020202020204" pitchFamily="34" charset="0"/>
+                <a:cs typeface="Arial" panose="020B0604020202020204" pitchFamily="34" charset="0"/>
+              </a:rPr>
+              <a:t> </a:t>
+            </a:r>
+            <a:r>
+              <a:rPr lang="en-US" sz="3200" dirty="0" err="1">
                 <a:latin typeface="Arial" panose="020B0604020202020204" pitchFamily="34" charset="0"/>
                 <a:cs typeface="Arial" panose="020B0604020202020204" pitchFamily="34" charset="0"/>
               </a:rPr>
               <a:t>cũ</a:t>
             </a:r>
             <a:r>
-              <a:rPr lang="en-US" dirty="0">
-                <a:latin typeface="Arial" panose="020B0604020202020204" pitchFamily="34" charset="0"/>
-                <a:cs typeface="Arial" panose="020B0604020202020204" pitchFamily="34" charset="0"/>
-              </a:rPr>
-              <a:t> </a:t>
-            </a:r>
-            <a:r>
-              <a:rPr lang="en-US" dirty="0" err="1">
+              <a:rPr lang="en-US" sz="3200" dirty="0">
+                <a:latin typeface="Arial" panose="020B0604020202020204" pitchFamily="34" charset="0"/>
+                <a:cs typeface="Arial" panose="020B0604020202020204" pitchFamily="34" charset="0"/>
+              </a:rPr>
+              <a:t> </a:t>
+            </a:r>
+            <a:r>
+              <a:rPr lang="en-US" sz="3200" dirty="0" err="1">
                 <a:latin typeface="Arial" panose="020B0604020202020204" pitchFamily="34" charset="0"/>
                 <a:cs typeface="Arial" panose="020B0604020202020204" pitchFamily="34" charset="0"/>
               </a:rPr>
               <a:t>và</a:t>
             </a:r>
             <a:r>
-              <a:rPr lang="en-US" dirty="0">
-                <a:latin typeface="Arial" panose="020B0604020202020204" pitchFamily="34" charset="0"/>
-                <a:cs typeface="Arial" panose="020B0604020202020204" pitchFamily="34" charset="0"/>
-              </a:rPr>
-              <a:t> </a:t>
-            </a:r>
-            <a:r>
-              <a:rPr lang="en-US" dirty="0" err="1">
+              <a:rPr lang="en-US" sz="3200" dirty="0">
+                <a:latin typeface="Arial" panose="020B0604020202020204" pitchFamily="34" charset="0"/>
+                <a:cs typeface="Arial" panose="020B0604020202020204" pitchFamily="34" charset="0"/>
+              </a:rPr>
+              <a:t> </a:t>
+            </a:r>
+            <a:r>
+              <a:rPr lang="en-US" sz="3200" dirty="0" err="1">
                 <a:latin typeface="Arial" panose="020B0604020202020204" pitchFamily="34" charset="0"/>
                 <a:cs typeface="Arial" panose="020B0604020202020204" pitchFamily="34" charset="0"/>
               </a:rPr>
               <a:t>có</a:t>
             </a:r>
             <a:r>
-              <a:rPr lang="en-US" dirty="0">
-                <a:latin typeface="Arial" panose="020B0604020202020204" pitchFamily="34" charset="0"/>
-                <a:cs typeface="Arial" panose="020B0604020202020204" pitchFamily="34" charset="0"/>
-              </a:rPr>
-              <a:t> </a:t>
-            </a:r>
-            <a:r>
-              <a:rPr lang="en-US" dirty="0" err="1">
+              <a:rPr lang="en-US" sz="3200" dirty="0">
+                <a:latin typeface="Arial" panose="020B0604020202020204" pitchFamily="34" charset="0"/>
+                <a:cs typeface="Arial" panose="020B0604020202020204" pitchFamily="34" charset="0"/>
+              </a:rPr>
+              <a:t> </a:t>
+            </a:r>
+            <a:r>
+              <a:rPr lang="en-US" sz="3200" dirty="0" err="1">
                 <a:latin typeface="Arial" panose="020B0604020202020204" pitchFamily="34" charset="0"/>
                 <a:cs typeface="Arial" panose="020B0604020202020204" pitchFamily="34" charset="0"/>
               </a:rPr>
               <a:t>nhiều</a:t>
             </a:r>
             <a:r>
-              <a:rPr lang="en-US" dirty="0">
-                <a:latin typeface="Arial" panose="020B0604020202020204" pitchFamily="34" charset="0"/>
-                <a:cs typeface="Arial" panose="020B0604020202020204" pitchFamily="34" charset="0"/>
-              </a:rPr>
-              <a:t> </a:t>
-            </a:r>
-            <a:r>
-              <a:rPr lang="en-US" dirty="0" err="1">
+              <a:rPr lang="en-US" sz="3200" dirty="0">
+                <a:latin typeface="Arial" panose="020B0604020202020204" pitchFamily="34" charset="0"/>
+                <a:cs typeface="Arial" panose="020B0604020202020204" pitchFamily="34" charset="0"/>
+              </a:rPr>
+              <a:t> </a:t>
+            </a:r>
+            <a:r>
+              <a:rPr lang="en-US" sz="3200" dirty="0" err="1">
                 <a:latin typeface="Arial" panose="020B0604020202020204" pitchFamily="34" charset="0"/>
                 <a:cs typeface="Arial" panose="020B0604020202020204" pitchFamily="34" charset="0"/>
               </a:rPr>
               <a:t>nhược</a:t>
             </a:r>
             <a:r>
-              <a:rPr lang="en-US" dirty="0">
-                <a:latin typeface="Arial" panose="020B0604020202020204" pitchFamily="34" charset="0"/>
-                <a:cs typeface="Arial" panose="020B0604020202020204" pitchFamily="34" charset="0"/>
-              </a:rPr>
-              <a:t> </a:t>
-            </a:r>
-            <a:r>
-              <a:rPr lang="en-US" dirty="0" err="1">
+              <a:rPr lang="en-US" sz="3200" dirty="0">
+                <a:latin typeface="Arial" panose="020B0604020202020204" pitchFamily="34" charset="0"/>
+                <a:cs typeface="Arial" panose="020B0604020202020204" pitchFamily="34" charset="0"/>
+              </a:rPr>
+              <a:t> </a:t>
+            </a:r>
+            <a:r>
+              <a:rPr lang="en-US" sz="3200" dirty="0" err="1">
                 <a:latin typeface="Arial" panose="020B0604020202020204" pitchFamily="34" charset="0"/>
                 <a:cs typeface="Arial" panose="020B0604020202020204" pitchFamily="34" charset="0"/>
               </a:rPr>
               <a:t>điểm</a:t>
             </a:r>
             <a:r>
-              <a:rPr lang="en-US" dirty="0">
+              <a:rPr lang="en-US" sz="3200" dirty="0">
                 <a:latin typeface="Arial" panose="020B0604020202020204" pitchFamily="34" charset="0"/>
                 <a:cs typeface="Arial" panose="020B0604020202020204" pitchFamily="34" charset="0"/>
               </a:rPr>
@@ -17639,217 +17731,217 @@
               <a:buChar char="Ø"/>
             </a:pPr>
             <a:r>
-              <a:rPr lang="en-US" dirty="0">
+              <a:rPr lang="en-US" sz="3200" dirty="0">
                 <a:latin typeface="Arial" panose="020B0604020202020204" pitchFamily="34" charset="0"/>
                 <a:cs typeface="Arial" panose="020B0604020202020204" pitchFamily="34" charset="0"/>
               </a:rPr>
               <a:t>Subversion </a:t>
             </a:r>
             <a:r>
-              <a:rPr lang="en-US" dirty="0" err="1">
+              <a:rPr lang="en-US" sz="3200" dirty="0" err="1">
                 <a:latin typeface="Arial" panose="020B0604020202020204" pitchFamily="34" charset="0"/>
                 <a:cs typeface="Arial" panose="020B0604020202020204" pitchFamily="34" charset="0"/>
               </a:rPr>
               <a:t>có</a:t>
             </a:r>
             <a:r>
-              <a:rPr lang="en-US" dirty="0">
-                <a:latin typeface="Arial" panose="020B0604020202020204" pitchFamily="34" charset="0"/>
-                <a:cs typeface="Arial" panose="020B0604020202020204" pitchFamily="34" charset="0"/>
-              </a:rPr>
-              <a:t> </a:t>
-            </a:r>
-            <a:r>
-              <a:rPr lang="en-US" dirty="0" err="1">
+              <a:rPr lang="en-US" sz="3200" dirty="0">
+                <a:latin typeface="Arial" panose="020B0604020202020204" pitchFamily="34" charset="0"/>
+                <a:cs typeface="Arial" panose="020B0604020202020204" pitchFamily="34" charset="0"/>
+              </a:rPr>
+              <a:t> </a:t>
+            </a:r>
+            <a:r>
+              <a:rPr lang="en-US" sz="3200" dirty="0" err="1">
                 <a:latin typeface="Arial" panose="020B0604020202020204" pitchFamily="34" charset="0"/>
                 <a:cs typeface="Arial" panose="020B0604020202020204" pitchFamily="34" charset="0"/>
               </a:rPr>
               <a:t>thể</a:t>
             </a:r>
             <a:r>
-              <a:rPr lang="en-US" dirty="0">
-                <a:latin typeface="Arial" panose="020B0604020202020204" pitchFamily="34" charset="0"/>
-                <a:cs typeface="Arial" panose="020B0604020202020204" pitchFamily="34" charset="0"/>
-              </a:rPr>
-              <a:t> </a:t>
-            </a:r>
-            <a:r>
-              <a:rPr lang="en-US" dirty="0" err="1">
+              <a:rPr lang="en-US" sz="3200" dirty="0">
+                <a:latin typeface="Arial" panose="020B0604020202020204" pitchFamily="34" charset="0"/>
+                <a:cs typeface="Arial" panose="020B0604020202020204" pitchFamily="34" charset="0"/>
+              </a:rPr>
+              <a:t> </a:t>
+            </a:r>
+            <a:r>
+              <a:rPr lang="en-US" sz="3200" dirty="0" err="1">
                 <a:latin typeface="Arial" panose="020B0604020202020204" pitchFamily="34" charset="0"/>
                 <a:cs typeface="Arial" panose="020B0604020202020204" pitchFamily="34" charset="0"/>
               </a:rPr>
               <a:t>được</a:t>
             </a:r>
             <a:r>
-              <a:rPr lang="en-US" dirty="0">
-                <a:latin typeface="Arial" panose="020B0604020202020204" pitchFamily="34" charset="0"/>
-                <a:cs typeface="Arial" panose="020B0604020202020204" pitchFamily="34" charset="0"/>
-              </a:rPr>
-              <a:t> </a:t>
-            </a:r>
-            <a:r>
-              <a:rPr lang="en-US" dirty="0" err="1">
+              <a:rPr lang="en-US" sz="3200" dirty="0">
+                <a:latin typeface="Arial" panose="020B0604020202020204" pitchFamily="34" charset="0"/>
+                <a:cs typeface="Arial" panose="020B0604020202020204" pitchFamily="34" charset="0"/>
+              </a:rPr>
+              <a:t> </a:t>
+            </a:r>
+            <a:r>
+              <a:rPr lang="en-US" sz="3200" dirty="0" err="1">
                 <a:latin typeface="Arial" panose="020B0604020202020204" pitchFamily="34" charset="0"/>
                 <a:cs typeface="Arial" panose="020B0604020202020204" pitchFamily="34" charset="0"/>
               </a:rPr>
               <a:t>sử</a:t>
             </a:r>
             <a:r>
-              <a:rPr lang="en-US" dirty="0">
-                <a:latin typeface="Arial" panose="020B0604020202020204" pitchFamily="34" charset="0"/>
-                <a:cs typeface="Arial" panose="020B0604020202020204" pitchFamily="34" charset="0"/>
-              </a:rPr>
-              <a:t> </a:t>
-            </a:r>
-            <a:r>
-              <a:rPr lang="en-US" dirty="0" err="1">
+              <a:rPr lang="en-US" sz="3200" dirty="0">
+                <a:latin typeface="Arial" panose="020B0604020202020204" pitchFamily="34" charset="0"/>
+                <a:cs typeface="Arial" panose="020B0604020202020204" pitchFamily="34" charset="0"/>
+              </a:rPr>
+              <a:t> </a:t>
+            </a:r>
+            <a:r>
+              <a:rPr lang="en-US" sz="3200" dirty="0" err="1">
                 <a:latin typeface="Arial" panose="020B0604020202020204" pitchFamily="34" charset="0"/>
                 <a:cs typeface="Arial" panose="020B0604020202020204" pitchFamily="34" charset="0"/>
               </a:rPr>
               <a:t>dụng</a:t>
             </a:r>
             <a:r>
-              <a:rPr lang="en-US" dirty="0">
-                <a:latin typeface="Arial" panose="020B0604020202020204" pitchFamily="34" charset="0"/>
-                <a:cs typeface="Arial" panose="020B0604020202020204" pitchFamily="34" charset="0"/>
-              </a:rPr>
-              <a:t> </a:t>
-            </a:r>
-            <a:r>
-              <a:rPr lang="en-US" dirty="0" err="1">
+              <a:rPr lang="en-US" sz="3200" dirty="0">
+                <a:latin typeface="Arial" panose="020B0604020202020204" pitchFamily="34" charset="0"/>
+                <a:cs typeface="Arial" panose="020B0604020202020204" pitchFamily="34" charset="0"/>
+              </a:rPr>
+              <a:t> </a:t>
+            </a:r>
+            <a:r>
+              <a:rPr lang="en-US" sz="3200" dirty="0" err="1">
                 <a:latin typeface="Arial" panose="020B0604020202020204" pitchFamily="34" charset="0"/>
                 <a:cs typeface="Arial" panose="020B0604020202020204" pitchFamily="34" charset="0"/>
               </a:rPr>
               <a:t>để</a:t>
             </a:r>
             <a:r>
-              <a:rPr lang="en-US" dirty="0">
-                <a:latin typeface="Arial" panose="020B0604020202020204" pitchFamily="34" charset="0"/>
-                <a:cs typeface="Arial" panose="020B0604020202020204" pitchFamily="34" charset="0"/>
-              </a:rPr>
-              <a:t> </a:t>
-            </a:r>
-            <a:r>
-              <a:rPr lang="en-US" dirty="0" err="1">
+              <a:rPr lang="en-US" sz="3200" dirty="0">
+                <a:latin typeface="Arial" panose="020B0604020202020204" pitchFamily="34" charset="0"/>
+                <a:cs typeface="Arial" panose="020B0604020202020204" pitchFamily="34" charset="0"/>
+              </a:rPr>
+              <a:t> </a:t>
+            </a:r>
+            <a:r>
+              <a:rPr lang="en-US" sz="3200" dirty="0" err="1">
                 <a:latin typeface="Arial" panose="020B0604020202020204" pitchFamily="34" charset="0"/>
                 <a:cs typeface="Arial" panose="020B0604020202020204" pitchFamily="34" charset="0"/>
               </a:rPr>
               <a:t>quản</a:t>
             </a:r>
             <a:r>
-              <a:rPr lang="en-US" dirty="0">
-                <a:latin typeface="Arial" panose="020B0604020202020204" pitchFamily="34" charset="0"/>
-                <a:cs typeface="Arial" panose="020B0604020202020204" pitchFamily="34" charset="0"/>
-              </a:rPr>
-              <a:t> </a:t>
-            </a:r>
-            <a:r>
-              <a:rPr lang="en-US" dirty="0" err="1">
+              <a:rPr lang="en-US" sz="3200" dirty="0">
+                <a:latin typeface="Arial" panose="020B0604020202020204" pitchFamily="34" charset="0"/>
+                <a:cs typeface="Arial" panose="020B0604020202020204" pitchFamily="34" charset="0"/>
+              </a:rPr>
+              <a:t> </a:t>
+            </a:r>
+            <a:r>
+              <a:rPr lang="en-US" sz="3200" dirty="0" err="1">
                 <a:latin typeface="Arial" panose="020B0604020202020204" pitchFamily="34" charset="0"/>
                 <a:cs typeface="Arial" panose="020B0604020202020204" pitchFamily="34" charset="0"/>
               </a:rPr>
               <a:t>lý</a:t>
             </a:r>
             <a:r>
-              <a:rPr lang="en-US" dirty="0">
-                <a:latin typeface="Arial" panose="020B0604020202020204" pitchFamily="34" charset="0"/>
-                <a:cs typeface="Arial" panose="020B0604020202020204" pitchFamily="34" charset="0"/>
-              </a:rPr>
-              <a:t> </a:t>
-            </a:r>
-            <a:r>
-              <a:rPr lang="en-US" dirty="0" err="1">
+              <a:rPr lang="en-US" sz="3200" dirty="0">
+                <a:latin typeface="Arial" panose="020B0604020202020204" pitchFamily="34" charset="0"/>
+                <a:cs typeface="Arial" panose="020B0604020202020204" pitchFamily="34" charset="0"/>
+              </a:rPr>
+              <a:t> </a:t>
+            </a:r>
+            <a:r>
+              <a:rPr lang="en-US" sz="3200" dirty="0" err="1">
                 <a:latin typeface="Arial" panose="020B0604020202020204" pitchFamily="34" charset="0"/>
                 <a:cs typeface="Arial" panose="020B0604020202020204" pitchFamily="34" charset="0"/>
               </a:rPr>
               <a:t>bất</a:t>
             </a:r>
             <a:r>
-              <a:rPr lang="en-US" dirty="0">
-                <a:latin typeface="Arial" panose="020B0604020202020204" pitchFamily="34" charset="0"/>
-                <a:cs typeface="Arial" panose="020B0604020202020204" pitchFamily="34" charset="0"/>
-              </a:rPr>
-              <a:t> </a:t>
-            </a:r>
-            <a:r>
-              <a:rPr lang="en-US" dirty="0" err="1">
+              <a:rPr lang="en-US" sz="3200" dirty="0">
+                <a:latin typeface="Arial" panose="020B0604020202020204" pitchFamily="34" charset="0"/>
+                <a:cs typeface="Arial" panose="020B0604020202020204" pitchFamily="34" charset="0"/>
+              </a:rPr>
+              <a:t> </a:t>
+            </a:r>
+            <a:r>
+              <a:rPr lang="en-US" sz="3200" dirty="0" err="1">
                 <a:latin typeface="Arial" panose="020B0604020202020204" pitchFamily="34" charset="0"/>
                 <a:cs typeface="Arial" panose="020B0604020202020204" pitchFamily="34" charset="0"/>
               </a:rPr>
               <a:t>cứ</a:t>
             </a:r>
             <a:r>
-              <a:rPr lang="en-US" dirty="0">
-                <a:latin typeface="Arial" panose="020B0604020202020204" pitchFamily="34" charset="0"/>
-                <a:cs typeface="Arial" panose="020B0604020202020204" pitchFamily="34" charset="0"/>
-              </a:rPr>
-              <a:t> </a:t>
-            </a:r>
-            <a:r>
-              <a:rPr lang="en-US" dirty="0" err="1">
+              <a:rPr lang="en-US" sz="3200" dirty="0">
+                <a:latin typeface="Arial" panose="020B0604020202020204" pitchFamily="34" charset="0"/>
+                <a:cs typeface="Arial" panose="020B0604020202020204" pitchFamily="34" charset="0"/>
+              </a:rPr>
+              <a:t> </a:t>
+            </a:r>
+            <a:r>
+              <a:rPr lang="en-US" sz="3200" dirty="0" err="1">
                 <a:latin typeface="Arial" panose="020B0604020202020204" pitchFamily="34" charset="0"/>
                 <a:cs typeface="Arial" panose="020B0604020202020204" pitchFamily="34" charset="0"/>
               </a:rPr>
               <a:t>hệ</a:t>
             </a:r>
             <a:r>
-              <a:rPr lang="en-US" dirty="0">
-                <a:latin typeface="Arial" panose="020B0604020202020204" pitchFamily="34" charset="0"/>
-                <a:cs typeface="Arial" panose="020B0604020202020204" pitchFamily="34" charset="0"/>
-              </a:rPr>
-              <a:t> </a:t>
-            </a:r>
-            <a:r>
-              <a:rPr lang="en-US" dirty="0" err="1">
+              <a:rPr lang="en-US" sz="3200" dirty="0">
+                <a:latin typeface="Arial" panose="020B0604020202020204" pitchFamily="34" charset="0"/>
+                <a:cs typeface="Arial" panose="020B0604020202020204" pitchFamily="34" charset="0"/>
+              </a:rPr>
+              <a:t> </a:t>
+            </a:r>
+            <a:r>
+              <a:rPr lang="en-US" sz="3200" dirty="0" err="1">
                 <a:latin typeface="Arial" panose="020B0604020202020204" pitchFamily="34" charset="0"/>
                 <a:cs typeface="Arial" panose="020B0604020202020204" pitchFamily="34" charset="0"/>
               </a:rPr>
               <a:t>thống</a:t>
             </a:r>
             <a:r>
-              <a:rPr lang="en-US" dirty="0">
-                <a:latin typeface="Arial" panose="020B0604020202020204" pitchFamily="34" charset="0"/>
-                <a:cs typeface="Arial" panose="020B0604020202020204" pitchFamily="34" charset="0"/>
-              </a:rPr>
-              <a:t> </a:t>
-            </a:r>
-            <a:r>
-              <a:rPr lang="en-US" dirty="0" err="1">
+              <a:rPr lang="en-US" sz="3200" dirty="0">
+                <a:latin typeface="Arial" panose="020B0604020202020204" pitchFamily="34" charset="0"/>
+                <a:cs typeface="Arial" panose="020B0604020202020204" pitchFamily="34" charset="0"/>
+              </a:rPr>
+              <a:t> </a:t>
+            </a:r>
+            <a:r>
+              <a:rPr lang="en-US" sz="3200" dirty="0" err="1">
                 <a:latin typeface="Arial" panose="020B0604020202020204" pitchFamily="34" charset="0"/>
                 <a:cs typeface="Arial" panose="020B0604020202020204" pitchFamily="34" charset="0"/>
               </a:rPr>
               <a:t>phiên</a:t>
             </a:r>
             <a:r>
-              <a:rPr lang="en-US" dirty="0">
-                <a:latin typeface="Arial" panose="020B0604020202020204" pitchFamily="34" charset="0"/>
-                <a:cs typeface="Arial" panose="020B0604020202020204" pitchFamily="34" charset="0"/>
-              </a:rPr>
-              <a:t> </a:t>
-            </a:r>
-            <a:r>
-              <a:rPr lang="en-US" dirty="0" err="1">
+              <a:rPr lang="en-US" sz="3200" dirty="0">
+                <a:latin typeface="Arial" panose="020B0604020202020204" pitchFamily="34" charset="0"/>
+                <a:cs typeface="Arial" panose="020B0604020202020204" pitchFamily="34" charset="0"/>
+              </a:rPr>
+              <a:t> </a:t>
+            </a:r>
+            <a:r>
+              <a:rPr lang="en-US" sz="3200" dirty="0" err="1">
                 <a:latin typeface="Arial" panose="020B0604020202020204" pitchFamily="34" charset="0"/>
                 <a:cs typeface="Arial" panose="020B0604020202020204" pitchFamily="34" charset="0"/>
               </a:rPr>
               <a:t>bản</a:t>
             </a:r>
             <a:r>
-              <a:rPr lang="en-US" dirty="0">
-                <a:latin typeface="Arial" panose="020B0604020202020204" pitchFamily="34" charset="0"/>
-                <a:cs typeface="Arial" panose="020B0604020202020204" pitchFamily="34" charset="0"/>
-              </a:rPr>
-              <a:t> </a:t>
-            </a:r>
-            <a:r>
-              <a:rPr lang="en-US" dirty="0" err="1">
+              <a:rPr lang="en-US" sz="3200" dirty="0">
+                <a:latin typeface="Arial" panose="020B0604020202020204" pitchFamily="34" charset="0"/>
+                <a:cs typeface="Arial" panose="020B0604020202020204" pitchFamily="34" charset="0"/>
+              </a:rPr>
+              <a:t> </a:t>
+            </a:r>
+            <a:r>
+              <a:rPr lang="en-US" sz="3200" dirty="0" err="1">
                 <a:latin typeface="Arial" panose="020B0604020202020204" pitchFamily="34" charset="0"/>
                 <a:cs typeface="Arial" panose="020B0604020202020204" pitchFamily="34" charset="0"/>
               </a:rPr>
               <a:t>nào</a:t>
             </a:r>
             <a:r>
-              <a:rPr lang="en-US" dirty="0">
+              <a:rPr lang="en-US" sz="3200" dirty="0">
                 <a:latin typeface="Arial" panose="020B0604020202020204" pitchFamily="34" charset="0"/>
                 <a:cs typeface="Arial" panose="020B0604020202020204" pitchFamily="34" charset="0"/>
               </a:rPr>
@@ -17857,7 +17949,7 @@
             </a:r>
           </a:p>
           <a:p>
-            <a:endParaRPr lang="en-US" dirty="0">
+            <a:endParaRPr lang="en-US" sz="3200" dirty="0">
               <a:latin typeface="Arial" panose="020B0604020202020204" pitchFamily="34" charset="0"/>
               <a:cs typeface="Arial" panose="020B0604020202020204" pitchFamily="34" charset="0"/>
             </a:endParaRPr>
@@ -17972,9 +18064,16 @@
             <p:ph idx="1"/>
           </p:nvPr>
         </p:nvSpPr>
-        <p:spPr/>
+        <p:spPr>
+          <a:xfrm>
+            <a:off x="677334" y="1618328"/>
+            <a:ext cx="8596668" cy="3880773"/>
+          </a:xfrm>
+        </p:spPr>
         <p:txBody>
-          <a:bodyPr/>
+          <a:bodyPr>
+            <a:normAutofit/>
+          </a:bodyPr>
           <a:lstStyle/>
           <a:p>
             <a:pPr>
@@ -17982,105 +18081,105 @@
               <a:buChar char="Ø"/>
             </a:pPr>
             <a:r>
-              <a:rPr lang="en-US" dirty="0">
+              <a:rPr lang="en-US" sz="2800" dirty="0">
                 <a:latin typeface="Arial" panose="020B0604020202020204" pitchFamily="34" charset="0"/>
                 <a:cs typeface="Arial" panose="020B0604020202020204" pitchFamily="34" charset="0"/>
               </a:rPr>
               <a:t>Subversion </a:t>
             </a:r>
             <a:r>
-              <a:rPr lang="en-US" dirty="0" err="1">
+              <a:rPr lang="en-US" sz="2800" dirty="0" err="1">
                 <a:latin typeface="Arial" panose="020B0604020202020204" pitchFamily="34" charset="0"/>
                 <a:cs typeface="Arial" panose="020B0604020202020204" pitchFamily="34" charset="0"/>
               </a:rPr>
               <a:t>là</a:t>
             </a:r>
             <a:r>
-              <a:rPr lang="en-US" dirty="0">
-                <a:latin typeface="Arial" panose="020B0604020202020204" pitchFamily="34" charset="0"/>
-                <a:cs typeface="Arial" panose="020B0604020202020204" pitchFamily="34" charset="0"/>
-              </a:rPr>
-              <a:t> </a:t>
-            </a:r>
-            <a:r>
-              <a:rPr lang="en-US" dirty="0" err="1">
+              <a:rPr lang="en-US" sz="2800" dirty="0">
+                <a:latin typeface="Arial" panose="020B0604020202020204" pitchFamily="34" charset="0"/>
+                <a:cs typeface="Arial" panose="020B0604020202020204" pitchFamily="34" charset="0"/>
+              </a:rPr>
+              <a:t> </a:t>
+            </a:r>
+            <a:r>
+              <a:rPr lang="en-US" sz="2800" dirty="0" err="1">
                 <a:latin typeface="Arial" panose="020B0604020202020204" pitchFamily="34" charset="0"/>
                 <a:cs typeface="Arial" panose="020B0604020202020204" pitchFamily="34" charset="0"/>
               </a:rPr>
               <a:t>hệ</a:t>
             </a:r>
             <a:r>
-              <a:rPr lang="en-US" dirty="0">
-                <a:latin typeface="Arial" panose="020B0604020202020204" pitchFamily="34" charset="0"/>
-                <a:cs typeface="Arial" panose="020B0604020202020204" pitchFamily="34" charset="0"/>
-              </a:rPr>
-              <a:t> </a:t>
-            </a:r>
-            <a:r>
-              <a:rPr lang="en-US" dirty="0" err="1">
+              <a:rPr lang="en-US" sz="2800" dirty="0">
+                <a:latin typeface="Arial" panose="020B0604020202020204" pitchFamily="34" charset="0"/>
+                <a:cs typeface="Arial" panose="020B0604020202020204" pitchFamily="34" charset="0"/>
+              </a:rPr>
+              <a:t> </a:t>
+            </a:r>
+            <a:r>
+              <a:rPr lang="en-US" sz="2800" dirty="0" err="1">
                 <a:latin typeface="Arial" panose="020B0604020202020204" pitchFamily="34" charset="0"/>
                 <a:cs typeface="Arial" panose="020B0604020202020204" pitchFamily="34" charset="0"/>
               </a:rPr>
               <a:t>thống</a:t>
             </a:r>
             <a:r>
-              <a:rPr lang="en-US" dirty="0">
-                <a:latin typeface="Arial" panose="020B0604020202020204" pitchFamily="34" charset="0"/>
-                <a:cs typeface="Arial" panose="020B0604020202020204" pitchFamily="34" charset="0"/>
-              </a:rPr>
-              <a:t> </a:t>
-            </a:r>
-            <a:r>
-              <a:rPr lang="en-US" dirty="0" err="1">
+              <a:rPr lang="en-US" sz="2800" dirty="0">
+                <a:latin typeface="Arial" panose="020B0604020202020204" pitchFamily="34" charset="0"/>
+                <a:cs typeface="Arial" panose="020B0604020202020204" pitchFamily="34" charset="0"/>
+              </a:rPr>
+              <a:t> </a:t>
+            </a:r>
+            <a:r>
+              <a:rPr lang="en-US" sz="2800" dirty="0" err="1">
                 <a:latin typeface="Arial" panose="020B0604020202020204" pitchFamily="34" charset="0"/>
                 <a:cs typeface="Arial" panose="020B0604020202020204" pitchFamily="34" charset="0"/>
               </a:rPr>
               <a:t>quản</a:t>
             </a:r>
             <a:r>
-              <a:rPr lang="en-US" dirty="0">
-                <a:latin typeface="Arial" panose="020B0604020202020204" pitchFamily="34" charset="0"/>
-                <a:cs typeface="Arial" panose="020B0604020202020204" pitchFamily="34" charset="0"/>
-              </a:rPr>
-              <a:t> </a:t>
-            </a:r>
-            <a:r>
-              <a:rPr lang="en-US" dirty="0" err="1">
+              <a:rPr lang="en-US" sz="2800" dirty="0">
+                <a:latin typeface="Arial" panose="020B0604020202020204" pitchFamily="34" charset="0"/>
+                <a:cs typeface="Arial" panose="020B0604020202020204" pitchFamily="34" charset="0"/>
+              </a:rPr>
+              <a:t> </a:t>
+            </a:r>
+            <a:r>
+              <a:rPr lang="en-US" sz="2800" dirty="0" err="1">
                 <a:latin typeface="Arial" panose="020B0604020202020204" pitchFamily="34" charset="0"/>
                 <a:cs typeface="Arial" panose="020B0604020202020204" pitchFamily="34" charset="0"/>
               </a:rPr>
               <a:t>lý</a:t>
             </a:r>
             <a:r>
-              <a:rPr lang="en-US" dirty="0">
+              <a:rPr lang="en-US" sz="2800" dirty="0">
                 <a:latin typeface="Arial" panose="020B0604020202020204" pitchFamily="34" charset="0"/>
                 <a:cs typeface="Arial" panose="020B0604020202020204" pitchFamily="34" charset="0"/>
               </a:rPr>
               <a:t> Source Code </a:t>
             </a:r>
             <a:r>
-              <a:rPr lang="en-US" dirty="0" err="1">
+              <a:rPr lang="en-US" sz="2800" dirty="0" err="1">
                 <a:latin typeface="Arial" panose="020B0604020202020204" pitchFamily="34" charset="0"/>
                 <a:cs typeface="Arial" panose="020B0604020202020204" pitchFamily="34" charset="0"/>
               </a:rPr>
               <a:t>tập</a:t>
             </a:r>
             <a:r>
-              <a:rPr lang="en-US" dirty="0">
-                <a:latin typeface="Arial" panose="020B0604020202020204" pitchFamily="34" charset="0"/>
-                <a:cs typeface="Arial" panose="020B0604020202020204" pitchFamily="34" charset="0"/>
-              </a:rPr>
-              <a:t> </a:t>
-            </a:r>
-            <a:r>
-              <a:rPr lang="en-US" dirty="0" err="1">
+              <a:rPr lang="en-US" sz="2800" dirty="0">
+                <a:latin typeface="Arial" panose="020B0604020202020204" pitchFamily="34" charset="0"/>
+                <a:cs typeface="Arial" panose="020B0604020202020204" pitchFamily="34" charset="0"/>
+              </a:rPr>
+              <a:t> </a:t>
+            </a:r>
+            <a:r>
+              <a:rPr lang="en-US" sz="2800" dirty="0" err="1">
                 <a:latin typeface="Arial" panose="020B0604020202020204" pitchFamily="34" charset="0"/>
                 <a:cs typeface="Arial" panose="020B0604020202020204" pitchFamily="34" charset="0"/>
               </a:rPr>
               <a:t>trung</a:t>
             </a:r>
             <a:r>
-              <a:rPr lang="en-US" dirty="0">
+              <a:rPr lang="en-US" sz="2800" dirty="0">
                 <a:latin typeface="Arial" panose="020B0604020202020204" pitchFamily="34" charset="0"/>
                 <a:cs typeface="Arial" panose="020B0604020202020204" pitchFamily="34" charset="0"/>
               </a:rPr>
@@ -18093,203 +18192,203 @@
               <a:buChar char="Ø"/>
             </a:pPr>
             <a:r>
-              <a:rPr lang="en-US" dirty="0">
+              <a:rPr lang="en-US" sz="2800" dirty="0">
                 <a:latin typeface="Arial" panose="020B0604020202020204" pitchFamily="34" charset="0"/>
                 <a:cs typeface="Arial" panose="020B0604020202020204" pitchFamily="34" charset="0"/>
               </a:rPr>
               <a:t>Subversion </a:t>
             </a:r>
             <a:r>
-              <a:rPr lang="en-US" dirty="0" err="1">
+              <a:rPr lang="en-US" sz="2800" dirty="0" err="1">
                 <a:latin typeface="Arial" panose="020B0604020202020204" pitchFamily="34" charset="0"/>
                 <a:cs typeface="Arial" panose="020B0604020202020204" pitchFamily="34" charset="0"/>
               </a:rPr>
               <a:t>là</a:t>
             </a:r>
             <a:r>
-              <a:rPr lang="en-US" dirty="0">
-                <a:latin typeface="Arial" panose="020B0604020202020204" pitchFamily="34" charset="0"/>
-                <a:cs typeface="Arial" panose="020B0604020202020204" pitchFamily="34" charset="0"/>
-              </a:rPr>
-              <a:t> </a:t>
-            </a:r>
-            <a:r>
-              <a:rPr lang="en-US" dirty="0" err="1">
+              <a:rPr lang="en-US" sz="2800" dirty="0">
+                <a:latin typeface="Arial" panose="020B0604020202020204" pitchFamily="34" charset="0"/>
+                <a:cs typeface="Arial" panose="020B0604020202020204" pitchFamily="34" charset="0"/>
+              </a:rPr>
+              <a:t> </a:t>
+            </a:r>
+            <a:r>
+              <a:rPr lang="en-US" sz="2800" dirty="0" err="1">
                 <a:latin typeface="Arial" panose="020B0604020202020204" pitchFamily="34" charset="0"/>
                 <a:cs typeface="Arial" panose="020B0604020202020204" pitchFamily="34" charset="0"/>
               </a:rPr>
               <a:t>hệ</a:t>
             </a:r>
             <a:r>
-              <a:rPr lang="en-US" dirty="0">
-                <a:latin typeface="Arial" panose="020B0604020202020204" pitchFamily="34" charset="0"/>
-                <a:cs typeface="Arial" panose="020B0604020202020204" pitchFamily="34" charset="0"/>
-              </a:rPr>
-              <a:t> </a:t>
-            </a:r>
-            <a:r>
-              <a:rPr lang="en-US" dirty="0" err="1">
+              <a:rPr lang="en-US" sz="2800" dirty="0">
+                <a:latin typeface="Arial" panose="020B0604020202020204" pitchFamily="34" charset="0"/>
+                <a:cs typeface="Arial" panose="020B0604020202020204" pitchFamily="34" charset="0"/>
+              </a:rPr>
+              <a:t> </a:t>
+            </a:r>
+            <a:r>
+              <a:rPr lang="en-US" sz="2800" dirty="0" err="1">
                 <a:latin typeface="Arial" panose="020B0604020202020204" pitchFamily="34" charset="0"/>
                 <a:cs typeface="Arial" panose="020B0604020202020204" pitchFamily="34" charset="0"/>
               </a:rPr>
               <a:t>thống</a:t>
             </a:r>
             <a:r>
-              <a:rPr lang="en-US" dirty="0">
-                <a:latin typeface="Arial" panose="020B0604020202020204" pitchFamily="34" charset="0"/>
-                <a:cs typeface="Arial" panose="020B0604020202020204" pitchFamily="34" charset="0"/>
-              </a:rPr>
-              <a:t> </a:t>
-            </a:r>
-            <a:r>
-              <a:rPr lang="en-US" dirty="0" err="1">
+              <a:rPr lang="en-US" sz="2800" dirty="0">
+                <a:latin typeface="Arial" panose="020B0604020202020204" pitchFamily="34" charset="0"/>
+                <a:cs typeface="Arial" panose="020B0604020202020204" pitchFamily="34" charset="0"/>
+              </a:rPr>
+              <a:t> </a:t>
+            </a:r>
+            <a:r>
+              <a:rPr lang="en-US" sz="2800" dirty="0" err="1">
                 <a:latin typeface="Arial" panose="020B0604020202020204" pitchFamily="34" charset="0"/>
                 <a:cs typeface="Arial" panose="020B0604020202020204" pitchFamily="34" charset="0"/>
               </a:rPr>
               <a:t>quản</a:t>
             </a:r>
             <a:r>
-              <a:rPr lang="en-US" dirty="0">
-                <a:latin typeface="Arial" panose="020B0604020202020204" pitchFamily="34" charset="0"/>
-                <a:cs typeface="Arial" panose="020B0604020202020204" pitchFamily="34" charset="0"/>
-              </a:rPr>
-              <a:t> </a:t>
-            </a:r>
-            <a:r>
-              <a:rPr lang="en-US" dirty="0" err="1">
+              <a:rPr lang="en-US" sz="2800" dirty="0">
+                <a:latin typeface="Arial" panose="020B0604020202020204" pitchFamily="34" charset="0"/>
+                <a:cs typeface="Arial" panose="020B0604020202020204" pitchFamily="34" charset="0"/>
+              </a:rPr>
+              <a:t> </a:t>
+            </a:r>
+            <a:r>
+              <a:rPr lang="en-US" sz="2800" dirty="0" err="1">
                 <a:latin typeface="Arial" panose="020B0604020202020204" pitchFamily="34" charset="0"/>
                 <a:cs typeface="Arial" panose="020B0604020202020204" pitchFamily="34" charset="0"/>
               </a:rPr>
               <a:t>lý</a:t>
             </a:r>
             <a:r>
-              <a:rPr lang="en-US" dirty="0">
-                <a:latin typeface="Arial" panose="020B0604020202020204" pitchFamily="34" charset="0"/>
-                <a:cs typeface="Arial" panose="020B0604020202020204" pitchFamily="34" charset="0"/>
-              </a:rPr>
-              <a:t> </a:t>
-            </a:r>
-            <a:r>
-              <a:rPr lang="en-US" dirty="0" err="1">
+              <a:rPr lang="en-US" sz="2800" dirty="0">
+                <a:latin typeface="Arial" panose="020B0604020202020204" pitchFamily="34" charset="0"/>
+                <a:cs typeface="Arial" panose="020B0604020202020204" pitchFamily="34" charset="0"/>
+              </a:rPr>
+              <a:t> </a:t>
+            </a:r>
+            <a:r>
+              <a:rPr lang="en-US" sz="2800" dirty="0" err="1">
                 <a:latin typeface="Arial" panose="020B0604020202020204" pitchFamily="34" charset="0"/>
                 <a:cs typeface="Arial" panose="020B0604020202020204" pitchFamily="34" charset="0"/>
               </a:rPr>
               <a:t>phiên</a:t>
             </a:r>
             <a:r>
-              <a:rPr lang="en-US" dirty="0">
-                <a:latin typeface="Arial" panose="020B0604020202020204" pitchFamily="34" charset="0"/>
-                <a:cs typeface="Arial" panose="020B0604020202020204" pitchFamily="34" charset="0"/>
-              </a:rPr>
-              <a:t> </a:t>
-            </a:r>
-            <a:r>
-              <a:rPr lang="en-US" dirty="0" err="1">
+              <a:rPr lang="en-US" sz="2800" dirty="0">
+                <a:latin typeface="Arial" panose="020B0604020202020204" pitchFamily="34" charset="0"/>
+                <a:cs typeface="Arial" panose="020B0604020202020204" pitchFamily="34" charset="0"/>
+              </a:rPr>
+              <a:t> </a:t>
+            </a:r>
+            <a:r>
+              <a:rPr lang="en-US" sz="2800" dirty="0" err="1">
                 <a:latin typeface="Arial" panose="020B0604020202020204" pitchFamily="34" charset="0"/>
                 <a:cs typeface="Arial" panose="020B0604020202020204" pitchFamily="34" charset="0"/>
               </a:rPr>
               <a:t>bản</a:t>
             </a:r>
             <a:r>
-              <a:rPr lang="en-US" dirty="0">
-                <a:latin typeface="Arial" panose="020B0604020202020204" pitchFamily="34" charset="0"/>
-                <a:cs typeface="Arial" panose="020B0604020202020204" pitchFamily="34" charset="0"/>
-              </a:rPr>
-              <a:t> </a:t>
-            </a:r>
-            <a:r>
-              <a:rPr lang="en-US" dirty="0" err="1">
+              <a:rPr lang="en-US" sz="2800" dirty="0">
+                <a:latin typeface="Arial" panose="020B0604020202020204" pitchFamily="34" charset="0"/>
+                <a:cs typeface="Arial" panose="020B0604020202020204" pitchFamily="34" charset="0"/>
+              </a:rPr>
+              <a:t> </a:t>
+            </a:r>
+            <a:r>
+              <a:rPr lang="en-US" sz="2800" dirty="0" err="1">
                 <a:latin typeface="Arial" panose="020B0604020202020204" pitchFamily="34" charset="0"/>
                 <a:cs typeface="Arial" panose="020B0604020202020204" pitchFamily="34" charset="0"/>
               </a:rPr>
               <a:t>mạnh</a:t>
             </a:r>
             <a:r>
-              <a:rPr lang="en-US" dirty="0">
-                <a:latin typeface="Arial" panose="020B0604020202020204" pitchFamily="34" charset="0"/>
-                <a:cs typeface="Arial" panose="020B0604020202020204" pitchFamily="34" charset="0"/>
-              </a:rPr>
-              <a:t> </a:t>
-            </a:r>
-            <a:r>
-              <a:rPr lang="en-US" dirty="0" err="1">
+              <a:rPr lang="en-US" sz="2800" dirty="0">
+                <a:latin typeface="Arial" panose="020B0604020202020204" pitchFamily="34" charset="0"/>
+                <a:cs typeface="Arial" panose="020B0604020202020204" pitchFamily="34" charset="0"/>
+              </a:rPr>
+              <a:t> </a:t>
+            </a:r>
+            <a:r>
+              <a:rPr lang="en-US" sz="2800" dirty="0" err="1">
                 <a:latin typeface="Arial" panose="020B0604020202020204" pitchFamily="34" charset="0"/>
                 <a:cs typeface="Arial" panose="020B0604020202020204" pitchFamily="34" charset="0"/>
               </a:rPr>
               <a:t>mẽ</a:t>
             </a:r>
             <a:r>
-              <a:rPr lang="en-US" dirty="0">
+              <a:rPr lang="en-US" sz="2800" dirty="0">
                 <a:latin typeface="Arial" panose="020B0604020202020204" pitchFamily="34" charset="0"/>
                 <a:cs typeface="Arial" panose="020B0604020202020204" pitchFamily="34" charset="0"/>
               </a:rPr>
               <a:t>, </a:t>
             </a:r>
             <a:r>
-              <a:rPr lang="en-US" dirty="0" err="1">
+              <a:rPr lang="en-US" sz="2800" dirty="0" err="1">
                 <a:latin typeface="Arial" panose="020B0604020202020204" pitchFamily="34" charset="0"/>
                 <a:cs typeface="Arial" panose="020B0604020202020204" pitchFamily="34" charset="0"/>
               </a:rPr>
               <a:t>hữu</a:t>
             </a:r>
             <a:r>
-              <a:rPr lang="en-US" dirty="0">
-                <a:latin typeface="Arial" panose="020B0604020202020204" pitchFamily="34" charset="0"/>
-                <a:cs typeface="Arial" panose="020B0604020202020204" pitchFamily="34" charset="0"/>
-              </a:rPr>
-              <a:t> </a:t>
-            </a:r>
-            <a:r>
-              <a:rPr lang="en-US" dirty="0" err="1">
+              <a:rPr lang="en-US" sz="2800" dirty="0">
+                <a:latin typeface="Arial" panose="020B0604020202020204" pitchFamily="34" charset="0"/>
+                <a:cs typeface="Arial" panose="020B0604020202020204" pitchFamily="34" charset="0"/>
+              </a:rPr>
+              <a:t> </a:t>
+            </a:r>
+            <a:r>
+              <a:rPr lang="en-US" sz="2800" dirty="0" err="1">
                 <a:latin typeface="Arial" panose="020B0604020202020204" pitchFamily="34" charset="0"/>
                 <a:cs typeface="Arial" panose="020B0604020202020204" pitchFamily="34" charset="0"/>
               </a:rPr>
               <a:t>dụng</a:t>
             </a:r>
             <a:r>
-              <a:rPr lang="en-US" dirty="0">
+              <a:rPr lang="en-US" sz="2800" dirty="0">
                 <a:latin typeface="Arial" panose="020B0604020202020204" pitchFamily="34" charset="0"/>
                 <a:cs typeface="Arial" panose="020B0604020202020204" pitchFamily="34" charset="0"/>
               </a:rPr>
               <a:t>, </a:t>
             </a:r>
             <a:r>
-              <a:rPr lang="en-US" dirty="0" err="1">
+              <a:rPr lang="en-US" sz="2800" dirty="0" err="1">
                 <a:latin typeface="Arial" panose="020B0604020202020204" pitchFamily="34" charset="0"/>
                 <a:cs typeface="Arial" panose="020B0604020202020204" pitchFamily="34" charset="0"/>
               </a:rPr>
               <a:t>và</a:t>
             </a:r>
             <a:r>
-              <a:rPr lang="en-US" dirty="0">
-                <a:latin typeface="Arial" panose="020B0604020202020204" pitchFamily="34" charset="0"/>
-                <a:cs typeface="Arial" panose="020B0604020202020204" pitchFamily="34" charset="0"/>
-              </a:rPr>
-              <a:t> </a:t>
-            </a:r>
-            <a:r>
-              <a:rPr lang="en-US" dirty="0" err="1">
+              <a:rPr lang="en-US" sz="2800" dirty="0">
+                <a:latin typeface="Arial" panose="020B0604020202020204" pitchFamily="34" charset="0"/>
+                <a:cs typeface="Arial" panose="020B0604020202020204" pitchFamily="34" charset="0"/>
+              </a:rPr>
+              <a:t> </a:t>
+            </a:r>
+            <a:r>
+              <a:rPr lang="en-US" sz="2800" dirty="0" err="1">
                 <a:latin typeface="Arial" panose="020B0604020202020204" pitchFamily="34" charset="0"/>
                 <a:cs typeface="Arial" panose="020B0604020202020204" pitchFamily="34" charset="0"/>
               </a:rPr>
               <a:t>linh</a:t>
             </a:r>
             <a:r>
-              <a:rPr lang="en-US" dirty="0">
-                <a:latin typeface="Arial" panose="020B0604020202020204" pitchFamily="34" charset="0"/>
-                <a:cs typeface="Arial" panose="020B0604020202020204" pitchFamily="34" charset="0"/>
-              </a:rPr>
-              <a:t> </a:t>
-            </a:r>
-            <a:r>
-              <a:rPr lang="en-US" dirty="0" err="1">
+              <a:rPr lang="en-US" sz="2800" dirty="0">
+                <a:latin typeface="Arial" panose="020B0604020202020204" pitchFamily="34" charset="0"/>
+                <a:cs typeface="Arial" panose="020B0604020202020204" pitchFamily="34" charset="0"/>
+              </a:rPr>
+              <a:t> </a:t>
+            </a:r>
+            <a:r>
+              <a:rPr lang="en-US" sz="2800" dirty="0" err="1">
                 <a:latin typeface="Arial" panose="020B0604020202020204" pitchFamily="34" charset="0"/>
                 <a:cs typeface="Arial" panose="020B0604020202020204" pitchFamily="34" charset="0"/>
               </a:rPr>
               <a:t>hoạt</a:t>
             </a:r>
             <a:r>
-              <a:rPr lang="en-US" dirty="0">
+              <a:rPr lang="en-US" sz="2800" dirty="0">
                 <a:latin typeface="Arial" panose="020B0604020202020204" pitchFamily="34" charset="0"/>
                 <a:cs typeface="Arial" panose="020B0604020202020204" pitchFamily="34" charset="0"/>
               </a:rPr>
@@ -18297,7 +18396,7 @@
             </a:r>
           </a:p>
           <a:p>
-            <a:endParaRPr lang="en-US" dirty="0">
+            <a:endParaRPr lang="en-US" sz="2800" dirty="0">
               <a:latin typeface="Arial" panose="020B0604020202020204" pitchFamily="34" charset="0"/>
               <a:cs typeface="Arial" panose="020B0604020202020204" pitchFamily="34" charset="0"/>
             </a:endParaRPr>
@@ -18412,9 +18511,16 @@
             <p:ph idx="1"/>
           </p:nvPr>
         </p:nvSpPr>
-        <p:spPr/>
+        <p:spPr>
+          <a:xfrm>
+            <a:off x="677334" y="1618329"/>
+            <a:ext cx="8596668" cy="3880773"/>
+          </a:xfrm>
+        </p:spPr>
         <p:txBody>
-          <a:bodyPr/>
+          <a:bodyPr>
+            <a:normAutofit/>
+          </a:bodyPr>
           <a:lstStyle/>
           <a:p>
             <a:pPr>
@@ -18422,133 +18528,133 @@
               <a:buChar char="Ø"/>
             </a:pPr>
             <a:r>
-              <a:rPr lang="en-US" dirty="0">
+              <a:rPr lang="en-US" sz="2800" dirty="0">
                 <a:latin typeface="Arial" panose="020B0604020202020204" pitchFamily="34" charset="0"/>
                 <a:cs typeface="Arial" panose="020B0604020202020204" pitchFamily="34" charset="0"/>
               </a:rPr>
               <a:t>Subversion </a:t>
             </a:r>
             <a:r>
-              <a:rPr lang="en-US" dirty="0" err="1">
+              <a:rPr lang="en-US" sz="2800" dirty="0" err="1">
                 <a:latin typeface="Arial" panose="020B0604020202020204" pitchFamily="34" charset="0"/>
                 <a:cs typeface="Arial" panose="020B0604020202020204" pitchFamily="34" charset="0"/>
               </a:rPr>
               <a:t>quản</a:t>
             </a:r>
             <a:r>
-              <a:rPr lang="en-US" dirty="0">
-                <a:latin typeface="Arial" panose="020B0604020202020204" pitchFamily="34" charset="0"/>
-                <a:cs typeface="Arial" panose="020B0604020202020204" pitchFamily="34" charset="0"/>
-              </a:rPr>
-              <a:t> </a:t>
-            </a:r>
-            <a:r>
-              <a:rPr lang="en-US" dirty="0" err="1">
+              <a:rPr lang="en-US" sz="2800" dirty="0">
+                <a:latin typeface="Arial" panose="020B0604020202020204" pitchFamily="34" charset="0"/>
+                <a:cs typeface="Arial" panose="020B0604020202020204" pitchFamily="34" charset="0"/>
+              </a:rPr>
+              <a:t> </a:t>
+            </a:r>
+            <a:r>
+              <a:rPr lang="en-US" sz="2800" dirty="0" err="1">
                 <a:latin typeface="Arial" panose="020B0604020202020204" pitchFamily="34" charset="0"/>
                 <a:cs typeface="Arial" panose="020B0604020202020204" pitchFamily="34" charset="0"/>
               </a:rPr>
               <a:t>lý</a:t>
             </a:r>
             <a:r>
-              <a:rPr lang="en-US" dirty="0">
-                <a:latin typeface="Arial" panose="020B0604020202020204" pitchFamily="34" charset="0"/>
-                <a:cs typeface="Arial" panose="020B0604020202020204" pitchFamily="34" charset="0"/>
-              </a:rPr>
-              <a:t> </a:t>
-            </a:r>
-            <a:r>
-              <a:rPr lang="en-US" dirty="0" err="1">
+              <a:rPr lang="en-US" sz="2800" dirty="0">
+                <a:latin typeface="Arial" panose="020B0604020202020204" pitchFamily="34" charset="0"/>
+                <a:cs typeface="Arial" panose="020B0604020202020204" pitchFamily="34" charset="0"/>
+              </a:rPr>
+              <a:t> </a:t>
+            </a:r>
+            <a:r>
+              <a:rPr lang="en-US" sz="2800" dirty="0" err="1">
                 <a:latin typeface="Arial" panose="020B0604020202020204" pitchFamily="34" charset="0"/>
                 <a:cs typeface="Arial" panose="020B0604020202020204" pitchFamily="34" charset="0"/>
               </a:rPr>
               <a:t>tập</a:t>
             </a:r>
             <a:r>
-              <a:rPr lang="en-US" dirty="0">
+              <a:rPr lang="en-US" sz="2800" dirty="0">
                 <a:latin typeface="Arial" panose="020B0604020202020204" pitchFamily="34" charset="0"/>
                 <a:cs typeface="Arial" panose="020B0604020202020204" pitchFamily="34" charset="0"/>
               </a:rPr>
               <a:t> tin </a:t>
             </a:r>
             <a:r>
-              <a:rPr lang="en-US" dirty="0" err="1">
+              <a:rPr lang="en-US" sz="2800" dirty="0" err="1">
                 <a:latin typeface="Arial" panose="020B0604020202020204" pitchFamily="34" charset="0"/>
                 <a:cs typeface="Arial" panose="020B0604020202020204" pitchFamily="34" charset="0"/>
               </a:rPr>
               <a:t>và</a:t>
             </a:r>
             <a:r>
-              <a:rPr lang="en-US" dirty="0">
-                <a:latin typeface="Arial" panose="020B0604020202020204" pitchFamily="34" charset="0"/>
-                <a:cs typeface="Arial" panose="020B0604020202020204" pitchFamily="34" charset="0"/>
-              </a:rPr>
-              <a:t> </a:t>
-            </a:r>
-            <a:r>
-              <a:rPr lang="en-US" dirty="0" err="1">
+              <a:rPr lang="en-US" sz="2800" dirty="0">
+                <a:latin typeface="Arial" panose="020B0604020202020204" pitchFamily="34" charset="0"/>
+                <a:cs typeface="Arial" panose="020B0604020202020204" pitchFamily="34" charset="0"/>
+              </a:rPr>
+              <a:t> </a:t>
+            </a:r>
+            <a:r>
+              <a:rPr lang="en-US" sz="2800" dirty="0" err="1">
                 <a:latin typeface="Arial" panose="020B0604020202020204" pitchFamily="34" charset="0"/>
                 <a:cs typeface="Arial" panose="020B0604020202020204" pitchFamily="34" charset="0"/>
               </a:rPr>
               <a:t>thư</a:t>
             </a:r>
             <a:r>
-              <a:rPr lang="en-US" dirty="0">
-                <a:latin typeface="Arial" panose="020B0604020202020204" pitchFamily="34" charset="0"/>
-                <a:cs typeface="Arial" panose="020B0604020202020204" pitchFamily="34" charset="0"/>
-              </a:rPr>
-              <a:t> </a:t>
-            </a:r>
-            <a:r>
-              <a:rPr lang="en-US" dirty="0" err="1">
+              <a:rPr lang="en-US" sz="2800" dirty="0">
+                <a:latin typeface="Arial" panose="020B0604020202020204" pitchFamily="34" charset="0"/>
+                <a:cs typeface="Arial" panose="020B0604020202020204" pitchFamily="34" charset="0"/>
+              </a:rPr>
+              <a:t> </a:t>
+            </a:r>
+            <a:r>
+              <a:rPr lang="en-US" sz="2800" dirty="0" err="1">
                 <a:latin typeface="Arial" panose="020B0604020202020204" pitchFamily="34" charset="0"/>
                 <a:cs typeface="Arial" panose="020B0604020202020204" pitchFamily="34" charset="0"/>
               </a:rPr>
               <a:t>mục</a:t>
             </a:r>
             <a:r>
-              <a:rPr lang="en-US" dirty="0">
-                <a:latin typeface="Arial" panose="020B0604020202020204" pitchFamily="34" charset="0"/>
-                <a:cs typeface="Arial" panose="020B0604020202020204" pitchFamily="34" charset="0"/>
-              </a:rPr>
-              <a:t> </a:t>
-            </a:r>
-            <a:r>
-              <a:rPr lang="en-US" dirty="0" err="1">
+              <a:rPr lang="en-US" sz="2800" dirty="0">
+                <a:latin typeface="Arial" panose="020B0604020202020204" pitchFamily="34" charset="0"/>
+                <a:cs typeface="Arial" panose="020B0604020202020204" pitchFamily="34" charset="0"/>
+              </a:rPr>
+              <a:t> </a:t>
+            </a:r>
+            <a:r>
+              <a:rPr lang="en-US" sz="2800" dirty="0" err="1">
                 <a:latin typeface="Arial" panose="020B0604020202020204" pitchFamily="34" charset="0"/>
                 <a:cs typeface="Arial" panose="020B0604020202020204" pitchFamily="34" charset="0"/>
               </a:rPr>
               <a:t>theo</a:t>
             </a:r>
             <a:r>
-              <a:rPr lang="en-US" dirty="0">
-                <a:latin typeface="Arial" panose="020B0604020202020204" pitchFamily="34" charset="0"/>
-                <a:cs typeface="Arial" panose="020B0604020202020204" pitchFamily="34" charset="0"/>
-              </a:rPr>
-              <a:t> </a:t>
-            </a:r>
-            <a:r>
-              <a:rPr lang="en-US" dirty="0" err="1">
+              <a:rPr lang="en-US" sz="2800" dirty="0">
+                <a:latin typeface="Arial" panose="020B0604020202020204" pitchFamily="34" charset="0"/>
+                <a:cs typeface="Arial" panose="020B0604020202020204" pitchFamily="34" charset="0"/>
+              </a:rPr>
+              <a:t> </a:t>
+            </a:r>
+            <a:r>
+              <a:rPr lang="en-US" sz="2800" dirty="0" err="1">
                 <a:latin typeface="Arial" panose="020B0604020202020204" pitchFamily="34" charset="0"/>
                 <a:cs typeface="Arial" panose="020B0604020202020204" pitchFamily="34" charset="0"/>
               </a:rPr>
               <a:t>thời</a:t>
             </a:r>
             <a:r>
-              <a:rPr lang="en-US" dirty="0">
-                <a:latin typeface="Arial" panose="020B0604020202020204" pitchFamily="34" charset="0"/>
-                <a:cs typeface="Arial" panose="020B0604020202020204" pitchFamily="34" charset="0"/>
-              </a:rPr>
-              <a:t> </a:t>
-            </a:r>
-            <a:r>
-              <a:rPr lang="en-US" dirty="0" err="1">
+              <a:rPr lang="en-US" sz="2800" dirty="0">
+                <a:latin typeface="Arial" panose="020B0604020202020204" pitchFamily="34" charset="0"/>
+                <a:cs typeface="Arial" panose="020B0604020202020204" pitchFamily="34" charset="0"/>
+              </a:rPr>
+              <a:t> </a:t>
+            </a:r>
+            <a:r>
+              <a:rPr lang="en-US" sz="2800" dirty="0" err="1">
                 <a:latin typeface="Arial" panose="020B0604020202020204" pitchFamily="34" charset="0"/>
                 <a:cs typeface="Arial" panose="020B0604020202020204" pitchFamily="34" charset="0"/>
               </a:rPr>
               <a:t>gian</a:t>
             </a:r>
             <a:r>
-              <a:rPr lang="en-US" dirty="0">
+              <a:rPr lang="en-US" sz="2800" dirty="0">
                 <a:latin typeface="Arial" panose="020B0604020202020204" pitchFamily="34" charset="0"/>
                 <a:cs typeface="Arial" panose="020B0604020202020204" pitchFamily="34" charset="0"/>
               </a:rPr>
@@ -18561,203 +18667,203 @@
               <a:buChar char="Ø"/>
             </a:pPr>
             <a:r>
-              <a:rPr lang="en-US" dirty="0">
+              <a:rPr lang="en-US" sz="2800" dirty="0">
                 <a:latin typeface="Arial" panose="020B0604020202020204" pitchFamily="34" charset="0"/>
                 <a:cs typeface="Arial" panose="020B0604020202020204" pitchFamily="34" charset="0"/>
               </a:rPr>
               <a:t>SVN </a:t>
             </a:r>
             <a:r>
-              <a:rPr lang="en-US" dirty="0" err="1">
+              <a:rPr lang="en-US" sz="2800" dirty="0" err="1">
                 <a:latin typeface="Arial" panose="020B0604020202020204" pitchFamily="34" charset="0"/>
                 <a:cs typeface="Arial" panose="020B0604020202020204" pitchFamily="34" charset="0"/>
               </a:rPr>
               <a:t>giống</a:t>
             </a:r>
             <a:r>
-              <a:rPr lang="en-US" dirty="0">
-                <a:latin typeface="Arial" panose="020B0604020202020204" pitchFamily="34" charset="0"/>
-                <a:cs typeface="Arial" panose="020B0604020202020204" pitchFamily="34" charset="0"/>
-              </a:rPr>
-              <a:t> </a:t>
-            </a:r>
-            <a:r>
-              <a:rPr lang="en-US" dirty="0" err="1">
+              <a:rPr lang="en-US" sz="2800" dirty="0">
+                <a:latin typeface="Arial" panose="020B0604020202020204" pitchFamily="34" charset="0"/>
+                <a:cs typeface="Arial" panose="020B0604020202020204" pitchFamily="34" charset="0"/>
+              </a:rPr>
+              <a:t> </a:t>
+            </a:r>
+            <a:r>
+              <a:rPr lang="en-US" sz="2800" dirty="0" err="1">
                 <a:latin typeface="Arial" panose="020B0604020202020204" pitchFamily="34" charset="0"/>
                 <a:cs typeface="Arial" panose="020B0604020202020204" pitchFamily="34" charset="0"/>
               </a:rPr>
               <a:t>như</a:t>
             </a:r>
             <a:r>
-              <a:rPr lang="en-US" dirty="0">
-                <a:latin typeface="Arial" panose="020B0604020202020204" pitchFamily="34" charset="0"/>
-                <a:cs typeface="Arial" panose="020B0604020202020204" pitchFamily="34" charset="0"/>
-              </a:rPr>
-              <a:t> </a:t>
-            </a:r>
-            <a:r>
-              <a:rPr lang="en-US" dirty="0" err="1">
+              <a:rPr lang="en-US" sz="2800" dirty="0">
+                <a:latin typeface="Arial" panose="020B0604020202020204" pitchFamily="34" charset="0"/>
+                <a:cs typeface="Arial" panose="020B0604020202020204" pitchFamily="34" charset="0"/>
+              </a:rPr>
+              <a:t> </a:t>
+            </a:r>
+            <a:r>
+              <a:rPr lang="en-US" sz="2800" dirty="0" err="1">
                 <a:latin typeface="Arial" panose="020B0604020202020204" pitchFamily="34" charset="0"/>
                 <a:cs typeface="Arial" panose="020B0604020202020204" pitchFamily="34" charset="0"/>
               </a:rPr>
               <a:t>một</a:t>
             </a:r>
             <a:r>
-              <a:rPr lang="en-US" dirty="0">
-                <a:latin typeface="Arial" panose="020B0604020202020204" pitchFamily="34" charset="0"/>
-                <a:cs typeface="Arial" panose="020B0604020202020204" pitchFamily="34" charset="0"/>
-              </a:rPr>
-              <a:t> </a:t>
-            </a:r>
-            <a:r>
-              <a:rPr lang="en-US" dirty="0" err="1">
+              <a:rPr lang="en-US" sz="2800" dirty="0">
+                <a:latin typeface="Arial" panose="020B0604020202020204" pitchFamily="34" charset="0"/>
+                <a:cs typeface="Arial" panose="020B0604020202020204" pitchFamily="34" charset="0"/>
+              </a:rPr>
+              <a:t> </a:t>
+            </a:r>
+            <a:r>
+              <a:rPr lang="en-US" sz="2800" dirty="0" err="1">
                 <a:latin typeface="Arial" panose="020B0604020202020204" pitchFamily="34" charset="0"/>
                 <a:cs typeface="Arial" panose="020B0604020202020204" pitchFamily="34" charset="0"/>
               </a:rPr>
               <a:t>hệ</a:t>
             </a:r>
             <a:r>
-              <a:rPr lang="en-US" dirty="0">
-                <a:latin typeface="Arial" panose="020B0604020202020204" pitchFamily="34" charset="0"/>
-                <a:cs typeface="Arial" panose="020B0604020202020204" pitchFamily="34" charset="0"/>
-              </a:rPr>
-              <a:t> </a:t>
-            </a:r>
-            <a:r>
-              <a:rPr lang="en-US" dirty="0" err="1">
+              <a:rPr lang="en-US" sz="2800" dirty="0">
+                <a:latin typeface="Arial" panose="020B0604020202020204" pitchFamily="34" charset="0"/>
+                <a:cs typeface="Arial" panose="020B0604020202020204" pitchFamily="34" charset="0"/>
+              </a:rPr>
+              <a:t> </a:t>
+            </a:r>
+            <a:r>
+              <a:rPr lang="en-US" sz="2800" dirty="0" err="1">
                 <a:latin typeface="Arial" panose="020B0604020202020204" pitchFamily="34" charset="0"/>
                 <a:cs typeface="Arial" panose="020B0604020202020204" pitchFamily="34" charset="0"/>
               </a:rPr>
               <a:t>thống</a:t>
             </a:r>
             <a:r>
-              <a:rPr lang="en-US" dirty="0">
+              <a:rPr lang="en-US" sz="2800" dirty="0">
                 <a:latin typeface="Arial" panose="020B0604020202020204" pitchFamily="34" charset="0"/>
                 <a:cs typeface="Arial" panose="020B0604020202020204" pitchFamily="34" charset="0"/>
               </a:rPr>
               <a:t> file server </a:t>
             </a:r>
             <a:r>
-              <a:rPr lang="en-US" dirty="0" err="1">
+              <a:rPr lang="en-US" sz="2800" dirty="0" err="1">
                 <a:latin typeface="Arial" panose="020B0604020202020204" pitchFamily="34" charset="0"/>
                 <a:cs typeface="Arial" panose="020B0604020202020204" pitchFamily="34" charset="0"/>
               </a:rPr>
               <a:t>mà</a:t>
             </a:r>
             <a:r>
-              <a:rPr lang="en-US" dirty="0">
-                <a:latin typeface="Arial" panose="020B0604020202020204" pitchFamily="34" charset="0"/>
-                <a:cs typeface="Arial" panose="020B0604020202020204" pitchFamily="34" charset="0"/>
-              </a:rPr>
-              <a:t> </a:t>
-            </a:r>
-            <a:r>
-              <a:rPr lang="en-US" dirty="0" err="1">
+              <a:rPr lang="en-US" sz="2800" dirty="0">
+                <a:latin typeface="Arial" panose="020B0604020202020204" pitchFamily="34" charset="0"/>
+                <a:cs typeface="Arial" panose="020B0604020202020204" pitchFamily="34" charset="0"/>
+              </a:rPr>
+              <a:t> </a:t>
+            </a:r>
+            <a:r>
+              <a:rPr lang="en-US" sz="2800" dirty="0" err="1">
                 <a:latin typeface="Arial" panose="020B0604020202020204" pitchFamily="34" charset="0"/>
                 <a:cs typeface="Arial" panose="020B0604020202020204" pitchFamily="34" charset="0"/>
               </a:rPr>
               <a:t>các</a:t>
             </a:r>
             <a:r>
-              <a:rPr lang="en-US" dirty="0">
+              <a:rPr lang="en-US" sz="2800" dirty="0">
                 <a:latin typeface="Arial" panose="020B0604020202020204" pitchFamily="34" charset="0"/>
                 <a:cs typeface="Arial" panose="020B0604020202020204" pitchFamily="34" charset="0"/>
               </a:rPr>
               <a:t> Client </a:t>
             </a:r>
             <a:r>
-              <a:rPr lang="en-US" dirty="0" err="1">
+              <a:rPr lang="en-US" sz="2800" dirty="0" err="1">
                 <a:latin typeface="Arial" panose="020B0604020202020204" pitchFamily="34" charset="0"/>
                 <a:cs typeface="Arial" panose="020B0604020202020204" pitchFamily="34" charset="0"/>
               </a:rPr>
               <a:t>có</a:t>
             </a:r>
             <a:r>
-              <a:rPr lang="en-US" dirty="0">
-                <a:latin typeface="Arial" panose="020B0604020202020204" pitchFamily="34" charset="0"/>
-                <a:cs typeface="Arial" panose="020B0604020202020204" pitchFamily="34" charset="0"/>
-              </a:rPr>
-              <a:t> </a:t>
-            </a:r>
-            <a:r>
-              <a:rPr lang="en-US" dirty="0" err="1">
+              <a:rPr lang="en-US" sz="2800" dirty="0">
+                <a:latin typeface="Arial" panose="020B0604020202020204" pitchFamily="34" charset="0"/>
+                <a:cs typeface="Arial" panose="020B0604020202020204" pitchFamily="34" charset="0"/>
+              </a:rPr>
+              <a:t> </a:t>
+            </a:r>
+            <a:r>
+              <a:rPr lang="en-US" sz="2800" dirty="0" err="1">
                 <a:latin typeface="Arial" panose="020B0604020202020204" pitchFamily="34" charset="0"/>
                 <a:cs typeface="Arial" panose="020B0604020202020204" pitchFamily="34" charset="0"/>
               </a:rPr>
               <a:t>thể</a:t>
             </a:r>
             <a:r>
-              <a:rPr lang="en-US" dirty="0">
+              <a:rPr lang="en-US" sz="2800" dirty="0">
                 <a:latin typeface="Arial" panose="020B0604020202020204" pitchFamily="34" charset="0"/>
                 <a:cs typeface="Arial" panose="020B0604020202020204" pitchFamily="34" charset="0"/>
               </a:rPr>
               <a:t> Download </a:t>
             </a:r>
             <a:r>
-              <a:rPr lang="en-US" dirty="0" err="1">
+              <a:rPr lang="en-US" sz="2800" dirty="0" err="1">
                 <a:latin typeface="Arial" panose="020B0604020202020204" pitchFamily="34" charset="0"/>
                 <a:cs typeface="Arial" panose="020B0604020202020204" pitchFamily="34" charset="0"/>
               </a:rPr>
               <a:t>và</a:t>
             </a:r>
             <a:r>
-              <a:rPr lang="en-US" dirty="0">
+              <a:rPr lang="en-US" sz="2800" dirty="0">
                 <a:latin typeface="Arial" panose="020B0604020202020204" pitchFamily="34" charset="0"/>
                 <a:cs typeface="Arial" panose="020B0604020202020204" pitchFamily="34" charset="0"/>
               </a:rPr>
               <a:t> Upload file </a:t>
             </a:r>
             <a:r>
-              <a:rPr lang="en-US" dirty="0" err="1">
+              <a:rPr lang="en-US" sz="2800" dirty="0" err="1">
                 <a:latin typeface="Arial" panose="020B0604020202020204" pitchFamily="34" charset="0"/>
                 <a:cs typeface="Arial" panose="020B0604020202020204" pitchFamily="34" charset="0"/>
               </a:rPr>
               <a:t>một</a:t>
             </a:r>
             <a:r>
-              <a:rPr lang="en-US" dirty="0">
-                <a:latin typeface="Arial" panose="020B0604020202020204" pitchFamily="34" charset="0"/>
-                <a:cs typeface="Arial" panose="020B0604020202020204" pitchFamily="34" charset="0"/>
-              </a:rPr>
-              <a:t> </a:t>
-            </a:r>
-            <a:r>
-              <a:rPr lang="en-US" dirty="0" err="1">
+              <a:rPr lang="en-US" sz="2800" dirty="0">
+                <a:latin typeface="Arial" panose="020B0604020202020204" pitchFamily="34" charset="0"/>
+                <a:cs typeface="Arial" panose="020B0604020202020204" pitchFamily="34" charset="0"/>
+              </a:rPr>
+              <a:t> </a:t>
+            </a:r>
+            <a:r>
+              <a:rPr lang="en-US" sz="2800" dirty="0" err="1">
                 <a:latin typeface="Arial" panose="020B0604020202020204" pitchFamily="34" charset="0"/>
                 <a:cs typeface="Arial" panose="020B0604020202020204" pitchFamily="34" charset="0"/>
               </a:rPr>
               <a:t>cách</a:t>
             </a:r>
             <a:r>
-              <a:rPr lang="en-US" dirty="0">
-                <a:latin typeface="Arial" panose="020B0604020202020204" pitchFamily="34" charset="0"/>
-                <a:cs typeface="Arial" panose="020B0604020202020204" pitchFamily="34" charset="0"/>
-              </a:rPr>
-              <a:t> </a:t>
-            </a:r>
-            <a:r>
-              <a:rPr lang="en-US" dirty="0" err="1">
+              <a:rPr lang="en-US" sz="2800" dirty="0">
+                <a:latin typeface="Arial" panose="020B0604020202020204" pitchFamily="34" charset="0"/>
+                <a:cs typeface="Arial" panose="020B0604020202020204" pitchFamily="34" charset="0"/>
+              </a:rPr>
+              <a:t> </a:t>
+            </a:r>
+            <a:r>
+              <a:rPr lang="en-US" sz="2800" dirty="0" err="1">
                 <a:latin typeface="Arial" panose="020B0604020202020204" pitchFamily="34" charset="0"/>
                 <a:cs typeface="Arial" panose="020B0604020202020204" pitchFamily="34" charset="0"/>
               </a:rPr>
               <a:t>bình</a:t>
             </a:r>
             <a:r>
-              <a:rPr lang="en-US" dirty="0">
-                <a:latin typeface="Arial" panose="020B0604020202020204" pitchFamily="34" charset="0"/>
-                <a:cs typeface="Arial" panose="020B0604020202020204" pitchFamily="34" charset="0"/>
-              </a:rPr>
-              <a:t> </a:t>
-            </a:r>
-            <a:r>
-              <a:rPr lang="en-US" dirty="0" err="1">
+              <a:rPr lang="en-US" sz="2800" dirty="0">
+                <a:latin typeface="Arial" panose="020B0604020202020204" pitchFamily="34" charset="0"/>
+                <a:cs typeface="Arial" panose="020B0604020202020204" pitchFamily="34" charset="0"/>
+              </a:rPr>
+              <a:t> </a:t>
+            </a:r>
+            <a:r>
+              <a:rPr lang="en-US" sz="2800" dirty="0" err="1">
                 <a:latin typeface="Arial" panose="020B0604020202020204" pitchFamily="34" charset="0"/>
                 <a:cs typeface="Arial" panose="020B0604020202020204" pitchFamily="34" charset="0"/>
               </a:rPr>
               <a:t>thường</a:t>
             </a:r>
             <a:r>
-              <a:rPr lang="en-US" dirty="0">
+              <a:rPr lang="en-US" sz="2800" dirty="0">
                 <a:latin typeface="Arial" panose="020B0604020202020204" pitchFamily="34" charset="0"/>
                 <a:cs typeface="Arial" panose="020B0604020202020204" pitchFamily="34" charset="0"/>
               </a:rPr>
@@ -18765,7 +18871,7 @@
             </a:r>
           </a:p>
           <a:p>
-            <a:endParaRPr lang="en-US" dirty="0">
+            <a:endParaRPr lang="en-US" sz="2800" dirty="0">
               <a:latin typeface="Arial" panose="020B0604020202020204" pitchFamily="34" charset="0"/>
               <a:cs typeface="Arial" panose="020B0604020202020204" pitchFamily="34" charset="0"/>
             </a:endParaRPr>
@@ -18880,9 +18986,16 @@
             <p:ph idx="1"/>
           </p:nvPr>
         </p:nvSpPr>
-        <p:spPr/>
+        <p:spPr>
+          <a:xfrm>
+            <a:off x="677334" y="1607696"/>
+            <a:ext cx="8596668" cy="3880773"/>
+          </a:xfrm>
+        </p:spPr>
         <p:txBody>
-          <a:bodyPr/>
+          <a:bodyPr>
+            <a:normAutofit/>
+          </a:bodyPr>
           <a:lstStyle/>
           <a:p>
             <a:pPr>
@@ -18890,490 +19003,490 @@
               <a:buChar char="Ø"/>
             </a:pPr>
             <a:r>
-              <a:rPr lang="en-US" dirty="0" err="1">
+              <a:rPr lang="en-US" sz="2800" dirty="0" err="1">
                 <a:latin typeface="Arial" panose="020B0604020202020204" pitchFamily="34" charset="0"/>
                 <a:cs typeface="Arial" panose="020B0604020202020204" pitchFamily="34" charset="0"/>
               </a:rPr>
               <a:t>Điểm</a:t>
             </a:r>
             <a:r>
-              <a:rPr lang="en-US" dirty="0">
-                <a:latin typeface="Arial" panose="020B0604020202020204" pitchFamily="34" charset="0"/>
-                <a:cs typeface="Arial" panose="020B0604020202020204" pitchFamily="34" charset="0"/>
-              </a:rPr>
-              <a:t> </a:t>
-            </a:r>
-            <a:r>
-              <a:rPr lang="en-US" dirty="0" err="1">
+              <a:rPr lang="en-US" sz="2800" dirty="0">
+                <a:latin typeface="Arial" panose="020B0604020202020204" pitchFamily="34" charset="0"/>
+                <a:cs typeface="Arial" panose="020B0604020202020204" pitchFamily="34" charset="0"/>
+              </a:rPr>
+              <a:t> </a:t>
+            </a:r>
+            <a:r>
+              <a:rPr lang="en-US" sz="2800" dirty="0" err="1">
                 <a:latin typeface="Arial" panose="020B0604020202020204" pitchFamily="34" charset="0"/>
                 <a:cs typeface="Arial" panose="020B0604020202020204" pitchFamily="34" charset="0"/>
               </a:rPr>
               <a:t>đặc</a:t>
             </a:r>
             <a:r>
-              <a:rPr lang="en-US" dirty="0">
-                <a:latin typeface="Arial" panose="020B0604020202020204" pitchFamily="34" charset="0"/>
-                <a:cs typeface="Arial" panose="020B0604020202020204" pitchFamily="34" charset="0"/>
-              </a:rPr>
-              <a:t> </a:t>
-            </a:r>
-            <a:r>
-              <a:rPr lang="en-US" dirty="0" err="1">
+              <a:rPr lang="en-US" sz="2800" dirty="0">
+                <a:latin typeface="Arial" panose="020B0604020202020204" pitchFamily="34" charset="0"/>
+                <a:cs typeface="Arial" panose="020B0604020202020204" pitchFamily="34" charset="0"/>
+              </a:rPr>
+              <a:t> </a:t>
+            </a:r>
+            <a:r>
+              <a:rPr lang="en-US" sz="2800" dirty="0" err="1">
                 <a:latin typeface="Arial" panose="020B0604020202020204" pitchFamily="34" charset="0"/>
                 <a:cs typeface="Arial" panose="020B0604020202020204" pitchFamily="34" charset="0"/>
               </a:rPr>
               <a:t>biệt</a:t>
             </a:r>
             <a:r>
-              <a:rPr lang="en-US" dirty="0">
-                <a:latin typeface="Arial" panose="020B0604020202020204" pitchFamily="34" charset="0"/>
-                <a:cs typeface="Arial" panose="020B0604020202020204" pitchFamily="34" charset="0"/>
-              </a:rPr>
-              <a:t> </a:t>
-            </a:r>
-            <a:r>
-              <a:rPr lang="en-US" dirty="0" err="1">
+              <a:rPr lang="en-US" sz="2800" dirty="0">
+                <a:latin typeface="Arial" panose="020B0604020202020204" pitchFamily="34" charset="0"/>
+                <a:cs typeface="Arial" panose="020B0604020202020204" pitchFamily="34" charset="0"/>
+              </a:rPr>
+              <a:t> </a:t>
+            </a:r>
+            <a:r>
+              <a:rPr lang="en-US" sz="2800" dirty="0" err="1">
                 <a:latin typeface="Arial" panose="020B0604020202020204" pitchFamily="34" charset="0"/>
                 <a:cs typeface="Arial" panose="020B0604020202020204" pitchFamily="34" charset="0"/>
               </a:rPr>
               <a:t>của</a:t>
             </a:r>
             <a:r>
-              <a:rPr lang="en-US" dirty="0">
+              <a:rPr lang="en-US" sz="2800" dirty="0">
                 <a:latin typeface="Arial" panose="020B0604020202020204" pitchFamily="34" charset="0"/>
                 <a:cs typeface="Arial" panose="020B0604020202020204" pitchFamily="34" charset="0"/>
               </a:rPr>
               <a:t> SVN </a:t>
             </a:r>
             <a:r>
-              <a:rPr lang="en-US" dirty="0" err="1">
+              <a:rPr lang="en-US" sz="2800" dirty="0" err="1">
                 <a:latin typeface="Arial" panose="020B0604020202020204" pitchFamily="34" charset="0"/>
                 <a:cs typeface="Arial" panose="020B0604020202020204" pitchFamily="34" charset="0"/>
               </a:rPr>
               <a:t>là</a:t>
             </a:r>
             <a:r>
-              <a:rPr lang="en-US" dirty="0">
-                <a:latin typeface="Arial" panose="020B0604020202020204" pitchFamily="34" charset="0"/>
-                <a:cs typeface="Arial" panose="020B0604020202020204" pitchFamily="34" charset="0"/>
-              </a:rPr>
-              <a:t> </a:t>
-            </a:r>
-            <a:r>
-              <a:rPr lang="en-US" dirty="0" err="1">
+              <a:rPr lang="en-US" sz="2800" dirty="0">
+                <a:latin typeface="Arial" panose="020B0604020202020204" pitchFamily="34" charset="0"/>
+                <a:cs typeface="Arial" panose="020B0604020202020204" pitchFamily="34" charset="0"/>
+              </a:rPr>
+              <a:t> </a:t>
+            </a:r>
+            <a:r>
+              <a:rPr lang="en-US" sz="2800" dirty="0" err="1">
                 <a:latin typeface="Arial" panose="020B0604020202020204" pitchFamily="34" charset="0"/>
                 <a:cs typeface="Arial" panose="020B0604020202020204" pitchFamily="34" charset="0"/>
               </a:rPr>
               <a:t>nó</a:t>
             </a:r>
             <a:r>
-              <a:rPr lang="en-US" dirty="0">
-                <a:latin typeface="Arial" panose="020B0604020202020204" pitchFamily="34" charset="0"/>
-                <a:cs typeface="Arial" panose="020B0604020202020204" pitchFamily="34" charset="0"/>
-              </a:rPr>
-              <a:t> </a:t>
-            </a:r>
-            <a:r>
-              <a:rPr lang="en-US" dirty="0" err="1">
+              <a:rPr lang="en-US" sz="2800" dirty="0">
+                <a:latin typeface="Arial" panose="020B0604020202020204" pitchFamily="34" charset="0"/>
+                <a:cs typeface="Arial" panose="020B0604020202020204" pitchFamily="34" charset="0"/>
+              </a:rPr>
+              <a:t> </a:t>
+            </a:r>
+            <a:r>
+              <a:rPr lang="en-US" sz="2800" dirty="0" err="1">
                 <a:latin typeface="Arial" panose="020B0604020202020204" pitchFamily="34" charset="0"/>
                 <a:cs typeface="Arial" panose="020B0604020202020204" pitchFamily="34" charset="0"/>
               </a:rPr>
               <a:t>lưu</a:t>
             </a:r>
             <a:r>
-              <a:rPr lang="en-US" dirty="0">
-                <a:latin typeface="Arial" panose="020B0604020202020204" pitchFamily="34" charset="0"/>
-                <a:cs typeface="Arial" panose="020B0604020202020204" pitchFamily="34" charset="0"/>
-              </a:rPr>
-              <a:t> </a:t>
-            </a:r>
-            <a:r>
-              <a:rPr lang="en-US" dirty="0" err="1">
+              <a:rPr lang="en-US" sz="2800" dirty="0">
+                <a:latin typeface="Arial" panose="020B0604020202020204" pitchFamily="34" charset="0"/>
+                <a:cs typeface="Arial" panose="020B0604020202020204" pitchFamily="34" charset="0"/>
+              </a:rPr>
+              <a:t> </a:t>
+            </a:r>
+            <a:r>
+              <a:rPr lang="en-US" sz="2800" dirty="0" err="1">
                 <a:latin typeface="Arial" panose="020B0604020202020204" pitchFamily="34" charset="0"/>
                 <a:cs typeface="Arial" panose="020B0604020202020204" pitchFamily="34" charset="0"/>
               </a:rPr>
               <a:t>lại</a:t>
             </a:r>
             <a:r>
-              <a:rPr lang="en-US" dirty="0">
-                <a:latin typeface="Arial" panose="020B0604020202020204" pitchFamily="34" charset="0"/>
-                <a:cs typeface="Arial" panose="020B0604020202020204" pitchFamily="34" charset="0"/>
-              </a:rPr>
-              <a:t> </a:t>
-            </a:r>
-            <a:r>
-              <a:rPr lang="en-US" dirty="0" err="1">
+              <a:rPr lang="en-US" sz="2800" dirty="0">
+                <a:latin typeface="Arial" panose="020B0604020202020204" pitchFamily="34" charset="0"/>
+                <a:cs typeface="Arial" panose="020B0604020202020204" pitchFamily="34" charset="0"/>
+              </a:rPr>
+              <a:t> </a:t>
+            </a:r>
+            <a:r>
+              <a:rPr lang="en-US" sz="2800" dirty="0" err="1">
                 <a:latin typeface="Arial" panose="020B0604020202020204" pitchFamily="34" charset="0"/>
                 <a:cs typeface="Arial" panose="020B0604020202020204" pitchFamily="34" charset="0"/>
               </a:rPr>
               <a:t>tất</a:t>
             </a:r>
             <a:r>
-              <a:rPr lang="en-US" dirty="0">
-                <a:latin typeface="Arial" panose="020B0604020202020204" pitchFamily="34" charset="0"/>
-                <a:cs typeface="Arial" panose="020B0604020202020204" pitchFamily="34" charset="0"/>
-              </a:rPr>
-              <a:t> </a:t>
-            </a:r>
-            <a:r>
-              <a:rPr lang="en-US" dirty="0" err="1">
+              <a:rPr lang="en-US" sz="2800" dirty="0">
+                <a:latin typeface="Arial" panose="020B0604020202020204" pitchFamily="34" charset="0"/>
+                <a:cs typeface="Arial" panose="020B0604020202020204" pitchFamily="34" charset="0"/>
+              </a:rPr>
+              <a:t> </a:t>
+            </a:r>
+            <a:r>
+              <a:rPr lang="en-US" sz="2800" dirty="0" err="1">
                 <a:latin typeface="Arial" panose="020B0604020202020204" pitchFamily="34" charset="0"/>
                 <a:cs typeface="Arial" panose="020B0604020202020204" pitchFamily="34" charset="0"/>
               </a:rPr>
               <a:t>cả</a:t>
             </a:r>
             <a:r>
-              <a:rPr lang="en-US" dirty="0">
-                <a:latin typeface="Arial" panose="020B0604020202020204" pitchFamily="34" charset="0"/>
-                <a:cs typeface="Arial" panose="020B0604020202020204" pitchFamily="34" charset="0"/>
-              </a:rPr>
-              <a:t> </a:t>
-            </a:r>
-            <a:r>
-              <a:rPr lang="en-US" dirty="0" err="1">
+              <a:rPr lang="en-US" sz="2800" dirty="0">
+                <a:latin typeface="Arial" panose="020B0604020202020204" pitchFamily="34" charset="0"/>
+                <a:cs typeface="Arial" panose="020B0604020202020204" pitchFamily="34" charset="0"/>
+              </a:rPr>
+              <a:t> </a:t>
+            </a:r>
+            <a:r>
+              <a:rPr lang="en-US" sz="2800" dirty="0" err="1">
                 <a:latin typeface="Arial" panose="020B0604020202020204" pitchFamily="34" charset="0"/>
                 <a:cs typeface="Arial" panose="020B0604020202020204" pitchFamily="34" charset="0"/>
               </a:rPr>
               <a:t>những</a:t>
             </a:r>
             <a:r>
-              <a:rPr lang="en-US" dirty="0">
-                <a:latin typeface="Arial" panose="020B0604020202020204" pitchFamily="34" charset="0"/>
-                <a:cs typeface="Arial" panose="020B0604020202020204" pitchFamily="34" charset="0"/>
-              </a:rPr>
-              <a:t> </a:t>
-            </a:r>
-            <a:r>
-              <a:rPr lang="en-US" dirty="0" err="1">
+              <a:rPr lang="en-US" sz="2800" dirty="0">
+                <a:latin typeface="Arial" panose="020B0604020202020204" pitchFamily="34" charset="0"/>
+                <a:cs typeface="Arial" panose="020B0604020202020204" pitchFamily="34" charset="0"/>
+              </a:rPr>
+              <a:t> </a:t>
+            </a:r>
+            <a:r>
+              <a:rPr lang="en-US" sz="2800" dirty="0" err="1">
                 <a:latin typeface="Arial" panose="020B0604020202020204" pitchFamily="34" charset="0"/>
                 <a:cs typeface="Arial" panose="020B0604020202020204" pitchFamily="34" charset="0"/>
               </a:rPr>
               <a:t>gì</a:t>
             </a:r>
             <a:r>
-              <a:rPr lang="en-US" dirty="0">
-                <a:latin typeface="Arial" panose="020B0604020202020204" pitchFamily="34" charset="0"/>
-                <a:cs typeface="Arial" panose="020B0604020202020204" pitchFamily="34" charset="0"/>
-              </a:rPr>
-              <a:t> </a:t>
-            </a:r>
-            <a:r>
-              <a:rPr lang="en-US" dirty="0" err="1">
+              <a:rPr lang="en-US" sz="2800" dirty="0">
+                <a:latin typeface="Arial" panose="020B0604020202020204" pitchFamily="34" charset="0"/>
+                <a:cs typeface="Arial" panose="020B0604020202020204" pitchFamily="34" charset="0"/>
+              </a:rPr>
+              <a:t> </a:t>
+            </a:r>
+            <a:r>
+              <a:rPr lang="en-US" sz="2800" dirty="0" err="1">
                 <a:latin typeface="Arial" panose="020B0604020202020204" pitchFamily="34" charset="0"/>
                 <a:cs typeface="Arial" panose="020B0604020202020204" pitchFamily="34" charset="0"/>
               </a:rPr>
               <a:t>thay</a:t>
             </a:r>
             <a:r>
-              <a:rPr lang="en-US" dirty="0">
-                <a:latin typeface="Arial" panose="020B0604020202020204" pitchFamily="34" charset="0"/>
-                <a:cs typeface="Arial" panose="020B0604020202020204" pitchFamily="34" charset="0"/>
-              </a:rPr>
-              <a:t> </a:t>
-            </a:r>
-            <a:r>
-              <a:rPr lang="en-US" dirty="0" err="1">
+              <a:rPr lang="en-US" sz="2800" dirty="0">
+                <a:latin typeface="Arial" panose="020B0604020202020204" pitchFamily="34" charset="0"/>
+                <a:cs typeface="Arial" panose="020B0604020202020204" pitchFamily="34" charset="0"/>
+              </a:rPr>
+              <a:t> </a:t>
+            </a:r>
+            <a:r>
+              <a:rPr lang="en-US" sz="2800" dirty="0" err="1">
                 <a:latin typeface="Arial" panose="020B0604020202020204" pitchFamily="34" charset="0"/>
                 <a:cs typeface="Arial" panose="020B0604020202020204" pitchFamily="34" charset="0"/>
               </a:rPr>
               <a:t>đổi</a:t>
             </a:r>
             <a:r>
-              <a:rPr lang="en-US" dirty="0">
-                <a:latin typeface="Arial" panose="020B0604020202020204" pitchFamily="34" charset="0"/>
-                <a:cs typeface="Arial" panose="020B0604020202020204" pitchFamily="34" charset="0"/>
-              </a:rPr>
-              <a:t> </a:t>
-            </a:r>
-            <a:r>
-              <a:rPr lang="en-US" dirty="0" err="1">
+              <a:rPr lang="en-US" sz="2800" dirty="0">
+                <a:latin typeface="Arial" panose="020B0604020202020204" pitchFamily="34" charset="0"/>
+                <a:cs typeface="Arial" panose="020B0604020202020204" pitchFamily="34" charset="0"/>
+              </a:rPr>
+              <a:t> </a:t>
+            </a:r>
+            <a:r>
+              <a:rPr lang="en-US" sz="2800" dirty="0" err="1">
                 <a:latin typeface="Arial" panose="020B0604020202020204" pitchFamily="34" charset="0"/>
                 <a:cs typeface="Arial" panose="020B0604020202020204" pitchFamily="34" charset="0"/>
               </a:rPr>
               <a:t>trên</a:t>
             </a:r>
             <a:r>
-              <a:rPr lang="en-US" dirty="0">
-                <a:latin typeface="Arial" panose="020B0604020202020204" pitchFamily="34" charset="0"/>
-                <a:cs typeface="Arial" panose="020B0604020202020204" pitchFamily="34" charset="0"/>
-              </a:rPr>
-              <a:t> </a:t>
-            </a:r>
-            <a:r>
-              <a:rPr lang="en-US" dirty="0" err="1">
+              <a:rPr lang="en-US" sz="2800" dirty="0">
+                <a:latin typeface="Arial" panose="020B0604020202020204" pitchFamily="34" charset="0"/>
+                <a:cs typeface="Arial" panose="020B0604020202020204" pitchFamily="34" charset="0"/>
+              </a:rPr>
+              <a:t> </a:t>
+            </a:r>
+            <a:r>
+              <a:rPr lang="en-US" sz="2800" dirty="0" err="1">
                 <a:latin typeface="Arial" panose="020B0604020202020204" pitchFamily="34" charset="0"/>
                 <a:cs typeface="Arial" panose="020B0604020202020204" pitchFamily="34" charset="0"/>
               </a:rPr>
               <a:t>hệ</a:t>
             </a:r>
             <a:r>
-              <a:rPr lang="en-US" dirty="0">
-                <a:latin typeface="Arial" panose="020B0604020202020204" pitchFamily="34" charset="0"/>
-                <a:cs typeface="Arial" panose="020B0604020202020204" pitchFamily="34" charset="0"/>
-              </a:rPr>
-              <a:t> </a:t>
-            </a:r>
-            <a:r>
-              <a:rPr lang="en-US" dirty="0" err="1">
+              <a:rPr lang="en-US" sz="2800" dirty="0">
+                <a:latin typeface="Arial" panose="020B0604020202020204" pitchFamily="34" charset="0"/>
+                <a:cs typeface="Arial" panose="020B0604020202020204" pitchFamily="34" charset="0"/>
+              </a:rPr>
+              <a:t> </a:t>
+            </a:r>
+            <a:r>
+              <a:rPr lang="en-US" sz="2800" dirty="0" err="1">
                 <a:latin typeface="Arial" panose="020B0604020202020204" pitchFamily="34" charset="0"/>
                 <a:cs typeface="Arial" panose="020B0604020202020204" pitchFamily="34" charset="0"/>
               </a:rPr>
               <a:t>thống</a:t>
             </a:r>
             <a:r>
-              <a:rPr lang="en-US" dirty="0">
+              <a:rPr lang="en-US" sz="2800" dirty="0">
                 <a:latin typeface="Arial" panose="020B0604020202020204" pitchFamily="34" charset="0"/>
                 <a:cs typeface="Arial" panose="020B0604020202020204" pitchFamily="34" charset="0"/>
               </a:rPr>
               <a:t> file: file </a:t>
             </a:r>
             <a:r>
-              <a:rPr lang="en-US" dirty="0" err="1">
+              <a:rPr lang="en-US" sz="2800" dirty="0" err="1">
                 <a:latin typeface="Arial" panose="020B0604020202020204" pitchFamily="34" charset="0"/>
                 <a:cs typeface="Arial" panose="020B0604020202020204" pitchFamily="34" charset="0"/>
               </a:rPr>
               <a:t>nào</a:t>
             </a:r>
             <a:r>
-              <a:rPr lang="en-US" dirty="0">
-                <a:latin typeface="Arial" panose="020B0604020202020204" pitchFamily="34" charset="0"/>
-                <a:cs typeface="Arial" panose="020B0604020202020204" pitchFamily="34" charset="0"/>
-              </a:rPr>
-              <a:t> </a:t>
-            </a:r>
-            <a:r>
-              <a:rPr lang="en-US" dirty="0" err="1">
+              <a:rPr lang="en-US" sz="2800" dirty="0">
+                <a:latin typeface="Arial" panose="020B0604020202020204" pitchFamily="34" charset="0"/>
+                <a:cs typeface="Arial" panose="020B0604020202020204" pitchFamily="34" charset="0"/>
+              </a:rPr>
+              <a:t> </a:t>
+            </a:r>
+            <a:r>
+              <a:rPr lang="en-US" sz="2800" dirty="0" err="1">
                 <a:latin typeface="Arial" panose="020B0604020202020204" pitchFamily="34" charset="0"/>
                 <a:cs typeface="Arial" panose="020B0604020202020204" pitchFamily="34" charset="0"/>
               </a:rPr>
               <a:t>đã</a:t>
             </a:r>
             <a:r>
-              <a:rPr lang="en-US" dirty="0">
-                <a:latin typeface="Arial" panose="020B0604020202020204" pitchFamily="34" charset="0"/>
-                <a:cs typeface="Arial" panose="020B0604020202020204" pitchFamily="34" charset="0"/>
-              </a:rPr>
-              <a:t> </a:t>
-            </a:r>
-            <a:r>
-              <a:rPr lang="en-US" dirty="0" err="1">
+              <a:rPr lang="en-US" sz="2800" dirty="0">
+                <a:latin typeface="Arial" panose="020B0604020202020204" pitchFamily="34" charset="0"/>
+                <a:cs typeface="Arial" panose="020B0604020202020204" pitchFamily="34" charset="0"/>
+              </a:rPr>
+              <a:t> </a:t>
+            </a:r>
+            <a:r>
+              <a:rPr lang="en-US" sz="2800" dirty="0" err="1">
                 <a:latin typeface="Arial" panose="020B0604020202020204" pitchFamily="34" charset="0"/>
                 <a:cs typeface="Arial" panose="020B0604020202020204" pitchFamily="34" charset="0"/>
               </a:rPr>
               <a:t>bị</a:t>
             </a:r>
             <a:r>
-              <a:rPr lang="en-US" dirty="0">
-                <a:latin typeface="Arial" panose="020B0604020202020204" pitchFamily="34" charset="0"/>
-                <a:cs typeface="Arial" panose="020B0604020202020204" pitchFamily="34" charset="0"/>
-              </a:rPr>
-              <a:t> </a:t>
-            </a:r>
-            <a:r>
-              <a:rPr lang="en-US" dirty="0" err="1">
+              <a:rPr lang="en-US" sz="2800" dirty="0">
+                <a:latin typeface="Arial" panose="020B0604020202020204" pitchFamily="34" charset="0"/>
+                <a:cs typeface="Arial" panose="020B0604020202020204" pitchFamily="34" charset="0"/>
+              </a:rPr>
+              <a:t> </a:t>
+            </a:r>
+            <a:r>
+              <a:rPr lang="en-US" sz="2800" dirty="0" err="1">
                 <a:latin typeface="Arial" panose="020B0604020202020204" pitchFamily="34" charset="0"/>
                 <a:cs typeface="Arial" panose="020B0604020202020204" pitchFamily="34" charset="0"/>
               </a:rPr>
               <a:t>thay</a:t>
             </a:r>
             <a:r>
-              <a:rPr lang="en-US" dirty="0">
-                <a:latin typeface="Arial" panose="020B0604020202020204" pitchFamily="34" charset="0"/>
-                <a:cs typeface="Arial" panose="020B0604020202020204" pitchFamily="34" charset="0"/>
-              </a:rPr>
-              <a:t> </a:t>
-            </a:r>
-            <a:r>
-              <a:rPr lang="en-US" dirty="0" err="1">
+              <a:rPr lang="en-US" sz="2800" dirty="0">
+                <a:latin typeface="Arial" panose="020B0604020202020204" pitchFamily="34" charset="0"/>
+                <a:cs typeface="Arial" panose="020B0604020202020204" pitchFamily="34" charset="0"/>
+              </a:rPr>
+              <a:t> </a:t>
+            </a:r>
+            <a:r>
+              <a:rPr lang="en-US" sz="2800" dirty="0" err="1">
                 <a:latin typeface="Arial" panose="020B0604020202020204" pitchFamily="34" charset="0"/>
                 <a:cs typeface="Arial" panose="020B0604020202020204" pitchFamily="34" charset="0"/>
               </a:rPr>
               <a:t>đổi</a:t>
             </a:r>
             <a:r>
-              <a:rPr lang="en-US" dirty="0">
-                <a:latin typeface="Arial" panose="020B0604020202020204" pitchFamily="34" charset="0"/>
-                <a:cs typeface="Arial" panose="020B0604020202020204" pitchFamily="34" charset="0"/>
-              </a:rPr>
-              <a:t> </a:t>
-            </a:r>
-            <a:r>
-              <a:rPr lang="en-US" dirty="0" err="1">
+              <a:rPr lang="en-US" sz="2800" dirty="0">
+                <a:latin typeface="Arial" panose="020B0604020202020204" pitchFamily="34" charset="0"/>
+                <a:cs typeface="Arial" panose="020B0604020202020204" pitchFamily="34" charset="0"/>
+              </a:rPr>
+              <a:t> </a:t>
+            </a:r>
+            <a:r>
+              <a:rPr lang="en-US" sz="2800" dirty="0" err="1">
                 <a:latin typeface="Arial" panose="020B0604020202020204" pitchFamily="34" charset="0"/>
                 <a:cs typeface="Arial" panose="020B0604020202020204" pitchFamily="34" charset="0"/>
               </a:rPr>
               <a:t>lúc</a:t>
             </a:r>
             <a:r>
-              <a:rPr lang="en-US" dirty="0">
-                <a:latin typeface="Arial" panose="020B0604020202020204" pitchFamily="34" charset="0"/>
-                <a:cs typeface="Arial" panose="020B0604020202020204" pitchFamily="34" charset="0"/>
-              </a:rPr>
-              <a:t> </a:t>
-            </a:r>
-            <a:r>
-              <a:rPr lang="en-US" dirty="0" err="1">
+              <a:rPr lang="en-US" sz="2800" dirty="0">
+                <a:latin typeface="Arial" panose="020B0604020202020204" pitchFamily="34" charset="0"/>
+                <a:cs typeface="Arial" panose="020B0604020202020204" pitchFamily="34" charset="0"/>
+              </a:rPr>
+              <a:t> </a:t>
+            </a:r>
+            <a:r>
+              <a:rPr lang="en-US" sz="2800" dirty="0" err="1">
                 <a:latin typeface="Arial" panose="020B0604020202020204" pitchFamily="34" charset="0"/>
                 <a:cs typeface="Arial" panose="020B0604020202020204" pitchFamily="34" charset="0"/>
               </a:rPr>
               <a:t>nào</a:t>
             </a:r>
             <a:r>
-              <a:rPr lang="en-US" dirty="0">
+              <a:rPr lang="en-US" sz="2800" dirty="0">
                 <a:latin typeface="Arial" panose="020B0604020202020204" pitchFamily="34" charset="0"/>
                 <a:cs typeface="Arial" panose="020B0604020202020204" pitchFamily="34" charset="0"/>
               </a:rPr>
               <a:t>, </a:t>
             </a:r>
             <a:r>
-              <a:rPr lang="en-US" dirty="0" err="1">
+              <a:rPr lang="en-US" sz="2800" dirty="0" err="1">
                 <a:latin typeface="Arial" panose="020B0604020202020204" pitchFamily="34" charset="0"/>
                 <a:cs typeface="Arial" panose="020B0604020202020204" pitchFamily="34" charset="0"/>
               </a:rPr>
               <a:t>thay</a:t>
             </a:r>
             <a:r>
-              <a:rPr lang="en-US" dirty="0">
-                <a:latin typeface="Arial" panose="020B0604020202020204" pitchFamily="34" charset="0"/>
-                <a:cs typeface="Arial" panose="020B0604020202020204" pitchFamily="34" charset="0"/>
-              </a:rPr>
-              <a:t> </a:t>
-            </a:r>
-            <a:r>
-              <a:rPr lang="en-US" dirty="0" err="1">
+              <a:rPr lang="en-US" sz="2800" dirty="0">
+                <a:latin typeface="Arial" panose="020B0604020202020204" pitchFamily="34" charset="0"/>
+                <a:cs typeface="Arial" panose="020B0604020202020204" pitchFamily="34" charset="0"/>
+              </a:rPr>
+              <a:t> </a:t>
+            </a:r>
+            <a:r>
+              <a:rPr lang="en-US" sz="2800" dirty="0" err="1">
                 <a:latin typeface="Arial" panose="020B0604020202020204" pitchFamily="34" charset="0"/>
                 <a:cs typeface="Arial" panose="020B0604020202020204" pitchFamily="34" charset="0"/>
               </a:rPr>
               <a:t>đổi</a:t>
             </a:r>
             <a:r>
-              <a:rPr lang="en-US" dirty="0">
-                <a:latin typeface="Arial" panose="020B0604020202020204" pitchFamily="34" charset="0"/>
-                <a:cs typeface="Arial" panose="020B0604020202020204" pitchFamily="34" charset="0"/>
-              </a:rPr>
-              <a:t> </a:t>
-            </a:r>
-            <a:r>
-              <a:rPr lang="en-US" dirty="0" err="1">
+              <a:rPr lang="en-US" sz="2800" dirty="0">
+                <a:latin typeface="Arial" panose="020B0604020202020204" pitchFamily="34" charset="0"/>
+                <a:cs typeface="Arial" panose="020B0604020202020204" pitchFamily="34" charset="0"/>
+              </a:rPr>
+              <a:t> </a:t>
+            </a:r>
+            <a:r>
+              <a:rPr lang="en-US" sz="2800" dirty="0" err="1">
                 <a:latin typeface="Arial" panose="020B0604020202020204" pitchFamily="34" charset="0"/>
                 <a:cs typeface="Arial" panose="020B0604020202020204" pitchFamily="34" charset="0"/>
               </a:rPr>
               <a:t>như</a:t>
             </a:r>
             <a:r>
-              <a:rPr lang="en-US" dirty="0">
-                <a:latin typeface="Arial" panose="020B0604020202020204" pitchFamily="34" charset="0"/>
-                <a:cs typeface="Arial" panose="020B0604020202020204" pitchFamily="34" charset="0"/>
-              </a:rPr>
-              <a:t> </a:t>
-            </a:r>
-            <a:r>
-              <a:rPr lang="en-US" dirty="0" err="1">
+              <a:rPr lang="en-US" sz="2800" dirty="0">
+                <a:latin typeface="Arial" panose="020B0604020202020204" pitchFamily="34" charset="0"/>
+                <a:cs typeface="Arial" panose="020B0604020202020204" pitchFamily="34" charset="0"/>
+              </a:rPr>
+              <a:t> </a:t>
+            </a:r>
+            <a:r>
+              <a:rPr lang="en-US" sz="2800" dirty="0" err="1">
                 <a:latin typeface="Arial" panose="020B0604020202020204" pitchFamily="34" charset="0"/>
                 <a:cs typeface="Arial" panose="020B0604020202020204" pitchFamily="34" charset="0"/>
               </a:rPr>
               <a:t>thế</a:t>
             </a:r>
             <a:r>
-              <a:rPr lang="en-US" dirty="0">
-                <a:latin typeface="Arial" panose="020B0604020202020204" pitchFamily="34" charset="0"/>
-                <a:cs typeface="Arial" panose="020B0604020202020204" pitchFamily="34" charset="0"/>
-              </a:rPr>
-              <a:t> </a:t>
-            </a:r>
-            <a:r>
-              <a:rPr lang="en-US" dirty="0" err="1">
+              <a:rPr lang="en-US" sz="2800" dirty="0">
+                <a:latin typeface="Arial" panose="020B0604020202020204" pitchFamily="34" charset="0"/>
+                <a:cs typeface="Arial" panose="020B0604020202020204" pitchFamily="34" charset="0"/>
+              </a:rPr>
+              <a:t> </a:t>
+            </a:r>
+            <a:r>
+              <a:rPr lang="en-US" sz="2800" dirty="0" err="1">
                 <a:latin typeface="Arial" panose="020B0604020202020204" pitchFamily="34" charset="0"/>
                 <a:cs typeface="Arial" panose="020B0604020202020204" pitchFamily="34" charset="0"/>
               </a:rPr>
               <a:t>nào</a:t>
             </a:r>
             <a:r>
-              <a:rPr lang="en-US" dirty="0">
+              <a:rPr lang="en-US" sz="2800" dirty="0">
                 <a:latin typeface="Arial" panose="020B0604020202020204" pitchFamily="34" charset="0"/>
                 <a:cs typeface="Arial" panose="020B0604020202020204" pitchFamily="34" charset="0"/>
               </a:rPr>
               <a:t>, </a:t>
             </a:r>
             <a:r>
-              <a:rPr lang="en-US" dirty="0" err="1">
+              <a:rPr lang="en-US" sz="2800" dirty="0" err="1">
                 <a:latin typeface="Arial" panose="020B0604020202020204" pitchFamily="34" charset="0"/>
                 <a:cs typeface="Arial" panose="020B0604020202020204" pitchFamily="34" charset="0"/>
               </a:rPr>
               <a:t>và</a:t>
             </a:r>
             <a:r>
-              <a:rPr lang="en-US" dirty="0">
-                <a:latin typeface="Arial" panose="020B0604020202020204" pitchFamily="34" charset="0"/>
-                <a:cs typeface="Arial" panose="020B0604020202020204" pitchFamily="34" charset="0"/>
-              </a:rPr>
-              <a:t> </a:t>
-            </a:r>
-            <a:r>
-              <a:rPr lang="en-US" dirty="0" err="1">
+              <a:rPr lang="en-US" sz="2800" dirty="0">
+                <a:latin typeface="Arial" panose="020B0604020202020204" pitchFamily="34" charset="0"/>
+                <a:cs typeface="Arial" panose="020B0604020202020204" pitchFamily="34" charset="0"/>
+              </a:rPr>
+              <a:t> </a:t>
+            </a:r>
+            <a:r>
+              <a:rPr lang="en-US" sz="2800" dirty="0" err="1">
                 <a:latin typeface="Arial" panose="020B0604020202020204" pitchFamily="34" charset="0"/>
                 <a:cs typeface="Arial" panose="020B0604020202020204" pitchFamily="34" charset="0"/>
               </a:rPr>
               <a:t>ai</a:t>
             </a:r>
             <a:r>
-              <a:rPr lang="en-US" dirty="0">
-                <a:latin typeface="Arial" panose="020B0604020202020204" pitchFamily="34" charset="0"/>
-                <a:cs typeface="Arial" panose="020B0604020202020204" pitchFamily="34" charset="0"/>
-              </a:rPr>
-              <a:t> </a:t>
-            </a:r>
-            <a:r>
-              <a:rPr lang="en-US" dirty="0" err="1">
+              <a:rPr lang="en-US" sz="2800" dirty="0">
+                <a:latin typeface="Arial" panose="020B0604020202020204" pitchFamily="34" charset="0"/>
+                <a:cs typeface="Arial" panose="020B0604020202020204" pitchFamily="34" charset="0"/>
+              </a:rPr>
+              <a:t> </a:t>
+            </a:r>
+            <a:r>
+              <a:rPr lang="en-US" sz="2800" dirty="0" err="1">
                 <a:latin typeface="Arial" panose="020B0604020202020204" pitchFamily="34" charset="0"/>
                 <a:cs typeface="Arial" panose="020B0604020202020204" pitchFamily="34" charset="0"/>
               </a:rPr>
               <a:t>đã</a:t>
             </a:r>
             <a:r>
-              <a:rPr lang="en-US" dirty="0">
-                <a:latin typeface="Arial" panose="020B0604020202020204" pitchFamily="34" charset="0"/>
-                <a:cs typeface="Arial" panose="020B0604020202020204" pitchFamily="34" charset="0"/>
-              </a:rPr>
-              <a:t> </a:t>
-            </a:r>
-            <a:r>
-              <a:rPr lang="en-US" dirty="0" err="1">
+              <a:rPr lang="en-US" sz="2800" dirty="0">
+                <a:latin typeface="Arial" panose="020B0604020202020204" pitchFamily="34" charset="0"/>
+                <a:cs typeface="Arial" panose="020B0604020202020204" pitchFamily="34" charset="0"/>
+              </a:rPr>
+              <a:t> </a:t>
+            </a:r>
+            <a:r>
+              <a:rPr lang="en-US" sz="2800" dirty="0" err="1">
                 <a:latin typeface="Arial" panose="020B0604020202020204" pitchFamily="34" charset="0"/>
                 <a:cs typeface="Arial" panose="020B0604020202020204" pitchFamily="34" charset="0"/>
               </a:rPr>
               <a:t>thay</a:t>
             </a:r>
             <a:r>
-              <a:rPr lang="en-US" dirty="0">
-                <a:latin typeface="Arial" panose="020B0604020202020204" pitchFamily="34" charset="0"/>
-                <a:cs typeface="Arial" panose="020B0604020202020204" pitchFamily="34" charset="0"/>
-              </a:rPr>
-              <a:t> </a:t>
-            </a:r>
-            <a:r>
-              <a:rPr lang="en-US" dirty="0" err="1">
+              <a:rPr lang="en-US" sz="2800" dirty="0">
+                <a:latin typeface="Arial" panose="020B0604020202020204" pitchFamily="34" charset="0"/>
+                <a:cs typeface="Arial" panose="020B0604020202020204" pitchFamily="34" charset="0"/>
+              </a:rPr>
+              <a:t> </a:t>
+            </a:r>
+            <a:r>
+              <a:rPr lang="en-US" sz="2800" dirty="0" err="1">
                 <a:latin typeface="Arial" panose="020B0604020202020204" pitchFamily="34" charset="0"/>
                 <a:cs typeface="Arial" panose="020B0604020202020204" pitchFamily="34" charset="0"/>
               </a:rPr>
               <a:t>đổi</a:t>
             </a:r>
             <a:r>
-              <a:rPr lang="en-US" dirty="0">
-                <a:latin typeface="Arial" panose="020B0604020202020204" pitchFamily="34" charset="0"/>
-                <a:cs typeface="Arial" panose="020B0604020202020204" pitchFamily="34" charset="0"/>
-              </a:rPr>
-              <a:t> </a:t>
-            </a:r>
-            <a:r>
-              <a:rPr lang="en-US" dirty="0" err="1">
+              <a:rPr lang="en-US" sz="2800" dirty="0">
+                <a:latin typeface="Arial" panose="020B0604020202020204" pitchFamily="34" charset="0"/>
+                <a:cs typeface="Arial" panose="020B0604020202020204" pitchFamily="34" charset="0"/>
+              </a:rPr>
+              <a:t> </a:t>
+            </a:r>
+            <a:r>
+              <a:rPr lang="en-US" sz="2800" dirty="0" err="1">
                 <a:latin typeface="Arial" panose="020B0604020202020204" pitchFamily="34" charset="0"/>
                 <a:cs typeface="Arial" panose="020B0604020202020204" pitchFamily="34" charset="0"/>
               </a:rPr>
               <a:t>nó</a:t>
             </a:r>
             <a:r>
-              <a:rPr lang="en-US" dirty="0">
+              <a:rPr lang="en-US" sz="2800" dirty="0">
                 <a:latin typeface="Arial" panose="020B0604020202020204" pitchFamily="34" charset="0"/>
                 <a:cs typeface="Arial" panose="020B0604020202020204" pitchFamily="34" charset="0"/>
               </a:rPr>
@@ -19386,147 +19499,147 @@
               <a:buChar char="Ø"/>
             </a:pPr>
             <a:r>
-              <a:rPr lang="en-US" dirty="0">
+              <a:rPr lang="en-US" sz="2800" dirty="0">
                 <a:latin typeface="Arial" panose="020B0604020202020204" pitchFamily="34" charset="0"/>
                 <a:cs typeface="Arial" panose="020B0604020202020204" pitchFamily="34" charset="0"/>
               </a:rPr>
               <a:t>SVN </a:t>
             </a:r>
             <a:r>
-              <a:rPr lang="en-US" dirty="0" err="1">
+              <a:rPr lang="en-US" sz="2800" dirty="0" err="1">
                 <a:latin typeface="Arial" panose="020B0604020202020204" pitchFamily="34" charset="0"/>
                 <a:cs typeface="Arial" panose="020B0604020202020204" pitchFamily="34" charset="0"/>
               </a:rPr>
               <a:t>cũng</a:t>
             </a:r>
             <a:r>
-              <a:rPr lang="en-US" dirty="0">
-                <a:latin typeface="Arial" panose="020B0604020202020204" pitchFamily="34" charset="0"/>
-                <a:cs typeface="Arial" panose="020B0604020202020204" pitchFamily="34" charset="0"/>
-              </a:rPr>
-              <a:t> </a:t>
-            </a:r>
-            <a:r>
-              <a:rPr lang="en-US" dirty="0" err="1">
+              <a:rPr lang="en-US" sz="2800" dirty="0">
+                <a:latin typeface="Arial" panose="020B0604020202020204" pitchFamily="34" charset="0"/>
+                <a:cs typeface="Arial" panose="020B0604020202020204" pitchFamily="34" charset="0"/>
+              </a:rPr>
+              <a:t> </a:t>
+            </a:r>
+            <a:r>
+              <a:rPr lang="en-US" sz="2800" dirty="0" err="1">
                 <a:latin typeface="Arial" panose="020B0604020202020204" pitchFamily="34" charset="0"/>
                 <a:cs typeface="Arial" panose="020B0604020202020204" pitchFamily="34" charset="0"/>
               </a:rPr>
               <a:t>cho</a:t>
             </a:r>
             <a:r>
-              <a:rPr lang="en-US" dirty="0">
-                <a:latin typeface="Arial" panose="020B0604020202020204" pitchFamily="34" charset="0"/>
-                <a:cs typeface="Arial" panose="020B0604020202020204" pitchFamily="34" charset="0"/>
-              </a:rPr>
-              <a:t> </a:t>
-            </a:r>
-            <a:r>
-              <a:rPr lang="en-US" dirty="0" err="1">
+              <a:rPr lang="en-US" sz="2800" dirty="0">
+                <a:latin typeface="Arial" panose="020B0604020202020204" pitchFamily="34" charset="0"/>
+                <a:cs typeface="Arial" panose="020B0604020202020204" pitchFamily="34" charset="0"/>
+              </a:rPr>
+              <a:t> </a:t>
+            </a:r>
+            <a:r>
+              <a:rPr lang="en-US" sz="2800" dirty="0" err="1">
                 <a:latin typeface="Arial" panose="020B0604020202020204" pitchFamily="34" charset="0"/>
                 <a:cs typeface="Arial" panose="020B0604020202020204" pitchFamily="34" charset="0"/>
               </a:rPr>
               <a:t>phép</a:t>
             </a:r>
             <a:r>
-              <a:rPr lang="en-US" dirty="0">
+              <a:rPr lang="en-US" sz="2800" dirty="0">
                 <a:latin typeface="Arial" panose="020B0604020202020204" pitchFamily="34" charset="0"/>
                 <a:cs typeface="Arial" panose="020B0604020202020204" pitchFamily="34" charset="0"/>
               </a:rPr>
               <a:t> recover </a:t>
             </a:r>
             <a:r>
-              <a:rPr lang="en-US" dirty="0" err="1">
+              <a:rPr lang="en-US" sz="2800" dirty="0" err="1">
                 <a:latin typeface="Arial" panose="020B0604020202020204" pitchFamily="34" charset="0"/>
                 <a:cs typeface="Arial" panose="020B0604020202020204" pitchFamily="34" charset="0"/>
               </a:rPr>
               <a:t>lại</a:t>
             </a:r>
             <a:r>
-              <a:rPr lang="en-US" dirty="0">
-                <a:latin typeface="Arial" panose="020B0604020202020204" pitchFamily="34" charset="0"/>
-                <a:cs typeface="Arial" panose="020B0604020202020204" pitchFamily="34" charset="0"/>
-              </a:rPr>
-              <a:t> </a:t>
-            </a:r>
-            <a:r>
-              <a:rPr lang="en-US" dirty="0" err="1">
+              <a:rPr lang="en-US" sz="2800" dirty="0">
+                <a:latin typeface="Arial" panose="020B0604020202020204" pitchFamily="34" charset="0"/>
+                <a:cs typeface="Arial" panose="020B0604020202020204" pitchFamily="34" charset="0"/>
+              </a:rPr>
+              <a:t> </a:t>
+            </a:r>
+            <a:r>
+              <a:rPr lang="en-US" sz="2800" dirty="0" err="1">
                 <a:latin typeface="Arial" panose="020B0604020202020204" pitchFamily="34" charset="0"/>
                 <a:cs typeface="Arial" panose="020B0604020202020204" pitchFamily="34" charset="0"/>
               </a:rPr>
               <a:t>những</a:t>
             </a:r>
             <a:r>
-              <a:rPr lang="en-US" dirty="0">
+              <a:rPr lang="en-US" sz="2800" dirty="0">
                 <a:latin typeface="Arial" panose="020B0604020202020204" pitchFamily="34" charset="0"/>
                 <a:cs typeface="Arial" panose="020B0604020202020204" pitchFamily="34" charset="0"/>
               </a:rPr>
               <a:t> version </a:t>
             </a:r>
             <a:r>
-              <a:rPr lang="en-US" dirty="0" err="1">
+              <a:rPr lang="en-US" sz="2800" dirty="0" err="1">
                 <a:latin typeface="Arial" panose="020B0604020202020204" pitchFamily="34" charset="0"/>
                 <a:cs typeface="Arial" panose="020B0604020202020204" pitchFamily="34" charset="0"/>
               </a:rPr>
               <a:t>cũ</a:t>
             </a:r>
             <a:r>
-              <a:rPr lang="en-US" dirty="0">
-                <a:latin typeface="Arial" panose="020B0604020202020204" pitchFamily="34" charset="0"/>
-                <a:cs typeface="Arial" panose="020B0604020202020204" pitchFamily="34" charset="0"/>
-              </a:rPr>
-              <a:t> </a:t>
-            </a:r>
-            <a:r>
-              <a:rPr lang="en-US" dirty="0" err="1">
+              <a:rPr lang="en-US" sz="2800" dirty="0">
+                <a:latin typeface="Arial" panose="020B0604020202020204" pitchFamily="34" charset="0"/>
+                <a:cs typeface="Arial" panose="020B0604020202020204" pitchFamily="34" charset="0"/>
+              </a:rPr>
+              <a:t> </a:t>
+            </a:r>
+            <a:r>
+              <a:rPr lang="en-US" sz="2800" dirty="0" err="1">
                 <a:latin typeface="Arial" panose="020B0604020202020204" pitchFamily="34" charset="0"/>
                 <a:cs typeface="Arial" panose="020B0604020202020204" pitchFamily="34" charset="0"/>
               </a:rPr>
               <a:t>một</a:t>
             </a:r>
             <a:r>
-              <a:rPr lang="en-US" dirty="0">
+              <a:rPr lang="en-US" sz="2800" dirty="0">
                 <a:latin typeface="Arial" panose="020B0604020202020204" pitchFamily="34" charset="0"/>
                 <a:cs typeface="Arial" panose="020B0604020202020204" pitchFamily="34" charset="0"/>
               </a:rPr>
               <a:t>  </a:t>
             </a:r>
             <a:r>
-              <a:rPr lang="en-US" dirty="0" err="1">
+              <a:rPr lang="en-US" sz="2800" dirty="0" err="1">
                 <a:latin typeface="Arial" panose="020B0604020202020204" pitchFamily="34" charset="0"/>
                 <a:cs typeface="Arial" panose="020B0604020202020204" pitchFamily="34" charset="0"/>
               </a:rPr>
               <a:t>cách</a:t>
             </a:r>
             <a:r>
-              <a:rPr lang="en-US" dirty="0">
-                <a:latin typeface="Arial" panose="020B0604020202020204" pitchFamily="34" charset="0"/>
-                <a:cs typeface="Arial" panose="020B0604020202020204" pitchFamily="34" charset="0"/>
-              </a:rPr>
-              <a:t> </a:t>
-            </a:r>
-            <a:r>
-              <a:rPr lang="en-US" dirty="0" err="1">
+              <a:rPr lang="en-US" sz="2800" dirty="0">
+                <a:latin typeface="Arial" panose="020B0604020202020204" pitchFamily="34" charset="0"/>
+                <a:cs typeface="Arial" panose="020B0604020202020204" pitchFamily="34" charset="0"/>
+              </a:rPr>
+              <a:t> </a:t>
+            </a:r>
+            <a:r>
+              <a:rPr lang="en-US" sz="2800" dirty="0" err="1">
                 <a:latin typeface="Arial" panose="020B0604020202020204" pitchFamily="34" charset="0"/>
                 <a:cs typeface="Arial" panose="020B0604020202020204" pitchFamily="34" charset="0"/>
               </a:rPr>
               <a:t>chính</a:t>
             </a:r>
             <a:r>
-              <a:rPr lang="en-US" dirty="0">
-                <a:latin typeface="Arial" panose="020B0604020202020204" pitchFamily="34" charset="0"/>
-                <a:cs typeface="Arial" panose="020B0604020202020204" pitchFamily="34" charset="0"/>
-              </a:rPr>
-              <a:t> </a:t>
-            </a:r>
-            <a:r>
-              <a:rPr lang="en-US" dirty="0" err="1">
+              <a:rPr lang="en-US" sz="2800" dirty="0">
+                <a:latin typeface="Arial" panose="020B0604020202020204" pitchFamily="34" charset="0"/>
+                <a:cs typeface="Arial" panose="020B0604020202020204" pitchFamily="34" charset="0"/>
+              </a:rPr>
+              <a:t> </a:t>
+            </a:r>
+            <a:r>
+              <a:rPr lang="en-US" sz="2800" dirty="0" err="1">
                 <a:latin typeface="Arial" panose="020B0604020202020204" pitchFamily="34" charset="0"/>
                 <a:cs typeface="Arial" panose="020B0604020202020204" pitchFamily="34" charset="0"/>
               </a:rPr>
               <a:t>xác</a:t>
             </a:r>
             <a:r>
-              <a:rPr lang="en-US" dirty="0">
+              <a:rPr lang="en-US" sz="2800" dirty="0">
                 <a:latin typeface="Arial" panose="020B0604020202020204" pitchFamily="34" charset="0"/>
                 <a:cs typeface="Arial" panose="020B0604020202020204" pitchFamily="34" charset="0"/>
               </a:rPr>
@@ -19539,273 +19652,273 @@
               <a:buChar char="Ø"/>
             </a:pPr>
             <a:r>
-              <a:rPr lang="en-US" dirty="0">
-                <a:latin typeface="Arial" panose="020B0604020202020204" pitchFamily="34" charset="0"/>
-                <a:cs typeface="Arial" panose="020B0604020202020204" pitchFamily="34" charset="0"/>
-              </a:rPr>
-              <a:t> </a:t>
-            </a:r>
-            <a:r>
-              <a:rPr lang="en-US" dirty="0" err="1">
+              <a:rPr lang="en-US" sz="2800" dirty="0">
+                <a:latin typeface="Arial" panose="020B0604020202020204" pitchFamily="34" charset="0"/>
+                <a:cs typeface="Arial" panose="020B0604020202020204" pitchFamily="34" charset="0"/>
+              </a:rPr>
+              <a:t> </a:t>
+            </a:r>
+            <a:r>
+              <a:rPr lang="en-US" sz="2800" dirty="0" err="1">
                 <a:latin typeface="Arial" panose="020B0604020202020204" pitchFamily="34" charset="0"/>
                 <a:cs typeface="Arial" panose="020B0604020202020204" pitchFamily="34" charset="0"/>
               </a:rPr>
               <a:t>Các</a:t>
             </a:r>
             <a:r>
-              <a:rPr lang="en-US" dirty="0">
-                <a:latin typeface="Arial" panose="020B0604020202020204" pitchFamily="34" charset="0"/>
-                <a:cs typeface="Arial" panose="020B0604020202020204" pitchFamily="34" charset="0"/>
-              </a:rPr>
-              <a:t> </a:t>
-            </a:r>
-            <a:r>
-              <a:rPr lang="en-US" dirty="0" err="1">
+              <a:rPr lang="en-US" sz="2800" dirty="0">
+                <a:latin typeface="Arial" panose="020B0604020202020204" pitchFamily="34" charset="0"/>
+                <a:cs typeface="Arial" panose="020B0604020202020204" pitchFamily="34" charset="0"/>
+              </a:rPr>
+              <a:t> </a:t>
+            </a:r>
+            <a:r>
+              <a:rPr lang="en-US" sz="2800" dirty="0" err="1">
                 <a:latin typeface="Arial" panose="020B0604020202020204" pitchFamily="34" charset="0"/>
                 <a:cs typeface="Arial" panose="020B0604020202020204" pitchFamily="34" charset="0"/>
               </a:rPr>
               <a:t>chức</a:t>
             </a:r>
             <a:r>
-              <a:rPr lang="en-US" dirty="0">
-                <a:latin typeface="Arial" panose="020B0604020202020204" pitchFamily="34" charset="0"/>
-                <a:cs typeface="Arial" panose="020B0604020202020204" pitchFamily="34" charset="0"/>
-              </a:rPr>
-              <a:t> </a:t>
-            </a:r>
-            <a:r>
-              <a:rPr lang="en-US" dirty="0" err="1">
+              <a:rPr lang="en-US" sz="2800" dirty="0">
+                <a:latin typeface="Arial" panose="020B0604020202020204" pitchFamily="34" charset="0"/>
+                <a:cs typeface="Arial" panose="020B0604020202020204" pitchFamily="34" charset="0"/>
+              </a:rPr>
+              <a:t> </a:t>
+            </a:r>
+            <a:r>
+              <a:rPr lang="en-US" sz="2800" dirty="0" err="1">
                 <a:latin typeface="Arial" panose="020B0604020202020204" pitchFamily="34" charset="0"/>
                 <a:cs typeface="Arial" panose="020B0604020202020204" pitchFamily="34" charset="0"/>
               </a:rPr>
               <a:t>năng</a:t>
             </a:r>
             <a:r>
-              <a:rPr lang="en-US" dirty="0">
-                <a:latin typeface="Arial" panose="020B0604020202020204" pitchFamily="34" charset="0"/>
-                <a:cs typeface="Arial" panose="020B0604020202020204" pitchFamily="34" charset="0"/>
-              </a:rPr>
-              <a:t> </a:t>
-            </a:r>
-            <a:r>
-              <a:rPr lang="en-US" dirty="0" err="1">
+              <a:rPr lang="en-US" sz="2800" dirty="0">
+                <a:latin typeface="Arial" panose="020B0604020202020204" pitchFamily="34" charset="0"/>
+                <a:cs typeface="Arial" panose="020B0604020202020204" pitchFamily="34" charset="0"/>
+              </a:rPr>
+              <a:t> </a:t>
+            </a:r>
+            <a:r>
+              <a:rPr lang="en-US" sz="2800" dirty="0" err="1">
                 <a:latin typeface="Arial" panose="020B0604020202020204" pitchFamily="34" charset="0"/>
                 <a:cs typeface="Arial" panose="020B0604020202020204" pitchFamily="34" charset="0"/>
               </a:rPr>
               <a:t>này</a:t>
             </a:r>
             <a:r>
-              <a:rPr lang="en-US" dirty="0">
-                <a:latin typeface="Arial" panose="020B0604020202020204" pitchFamily="34" charset="0"/>
-                <a:cs typeface="Arial" panose="020B0604020202020204" pitchFamily="34" charset="0"/>
-              </a:rPr>
-              <a:t> </a:t>
-            </a:r>
-            <a:r>
-              <a:rPr lang="en-US" dirty="0" err="1">
+              <a:rPr lang="en-US" sz="2800" dirty="0">
+                <a:latin typeface="Arial" panose="020B0604020202020204" pitchFamily="34" charset="0"/>
+                <a:cs typeface="Arial" panose="020B0604020202020204" pitchFamily="34" charset="0"/>
+              </a:rPr>
+              <a:t> </a:t>
+            </a:r>
+            <a:r>
+              <a:rPr lang="en-US" sz="2800" dirty="0" err="1">
                 <a:latin typeface="Arial" panose="020B0604020202020204" pitchFamily="34" charset="0"/>
                 <a:cs typeface="Arial" panose="020B0604020202020204" pitchFamily="34" charset="0"/>
               </a:rPr>
               <a:t>giúp</a:t>
             </a:r>
             <a:r>
-              <a:rPr lang="en-US" dirty="0">
-                <a:latin typeface="Arial" panose="020B0604020202020204" pitchFamily="34" charset="0"/>
-                <a:cs typeface="Arial" panose="020B0604020202020204" pitchFamily="34" charset="0"/>
-              </a:rPr>
-              <a:t> </a:t>
-            </a:r>
-            <a:r>
-              <a:rPr lang="en-US" dirty="0" err="1">
+              <a:rPr lang="en-US" sz="2800" dirty="0">
+                <a:latin typeface="Arial" panose="020B0604020202020204" pitchFamily="34" charset="0"/>
+                <a:cs typeface="Arial" panose="020B0604020202020204" pitchFamily="34" charset="0"/>
+              </a:rPr>
+              <a:t> </a:t>
+            </a:r>
+            <a:r>
+              <a:rPr lang="en-US" sz="2800" dirty="0" err="1">
                 <a:latin typeface="Arial" panose="020B0604020202020204" pitchFamily="34" charset="0"/>
                 <a:cs typeface="Arial" panose="020B0604020202020204" pitchFamily="34" charset="0"/>
               </a:rPr>
               <a:t>cho</a:t>
             </a:r>
             <a:r>
-              <a:rPr lang="en-US" dirty="0">
-                <a:latin typeface="Arial" panose="020B0604020202020204" pitchFamily="34" charset="0"/>
-                <a:cs typeface="Arial" panose="020B0604020202020204" pitchFamily="34" charset="0"/>
-              </a:rPr>
-              <a:t> </a:t>
-            </a:r>
-            <a:r>
-              <a:rPr lang="en-US" dirty="0" err="1">
+              <a:rPr lang="en-US" sz="2800" dirty="0">
+                <a:latin typeface="Arial" panose="020B0604020202020204" pitchFamily="34" charset="0"/>
+                <a:cs typeface="Arial" panose="020B0604020202020204" pitchFamily="34" charset="0"/>
+              </a:rPr>
+              <a:t> </a:t>
+            </a:r>
+            <a:r>
+              <a:rPr lang="en-US" sz="2800" dirty="0" err="1">
                 <a:latin typeface="Arial" panose="020B0604020202020204" pitchFamily="34" charset="0"/>
                 <a:cs typeface="Arial" panose="020B0604020202020204" pitchFamily="34" charset="0"/>
               </a:rPr>
               <a:t>việc</a:t>
             </a:r>
             <a:r>
-              <a:rPr lang="en-US" dirty="0">
-                <a:latin typeface="Arial" panose="020B0604020202020204" pitchFamily="34" charset="0"/>
-                <a:cs typeface="Arial" panose="020B0604020202020204" pitchFamily="34" charset="0"/>
-              </a:rPr>
-              <a:t> </a:t>
-            </a:r>
-            <a:r>
-              <a:rPr lang="en-US" dirty="0" err="1">
+              <a:rPr lang="en-US" sz="2800" dirty="0">
+                <a:latin typeface="Arial" panose="020B0604020202020204" pitchFamily="34" charset="0"/>
+                <a:cs typeface="Arial" panose="020B0604020202020204" pitchFamily="34" charset="0"/>
+              </a:rPr>
+              <a:t> </a:t>
+            </a:r>
+            <a:r>
+              <a:rPr lang="en-US" sz="2800" dirty="0" err="1">
                 <a:latin typeface="Arial" panose="020B0604020202020204" pitchFamily="34" charset="0"/>
                 <a:cs typeface="Arial" panose="020B0604020202020204" pitchFamily="34" charset="0"/>
               </a:rPr>
               <a:t>làm</a:t>
             </a:r>
             <a:r>
-              <a:rPr lang="en-US" dirty="0">
-                <a:latin typeface="Arial" panose="020B0604020202020204" pitchFamily="34" charset="0"/>
-                <a:cs typeface="Arial" panose="020B0604020202020204" pitchFamily="34" charset="0"/>
-              </a:rPr>
-              <a:t> </a:t>
-            </a:r>
-            <a:r>
-              <a:rPr lang="en-US" dirty="0" err="1">
+              <a:rPr lang="en-US" sz="2800" dirty="0">
+                <a:latin typeface="Arial" panose="020B0604020202020204" pitchFamily="34" charset="0"/>
+                <a:cs typeface="Arial" panose="020B0604020202020204" pitchFamily="34" charset="0"/>
+              </a:rPr>
+              <a:t> </a:t>
+            </a:r>
+            <a:r>
+              <a:rPr lang="en-US" sz="2800" dirty="0" err="1">
                 <a:latin typeface="Arial" panose="020B0604020202020204" pitchFamily="34" charset="0"/>
                 <a:cs typeface="Arial" panose="020B0604020202020204" pitchFamily="34" charset="0"/>
               </a:rPr>
               <a:t>việc</a:t>
             </a:r>
             <a:r>
-              <a:rPr lang="en-US" dirty="0">
-                <a:latin typeface="Arial" panose="020B0604020202020204" pitchFamily="34" charset="0"/>
-                <a:cs typeface="Arial" panose="020B0604020202020204" pitchFamily="34" charset="0"/>
-              </a:rPr>
-              <a:t> </a:t>
-            </a:r>
-            <a:r>
-              <a:rPr lang="en-US" dirty="0" err="1">
+              <a:rPr lang="en-US" sz="2800" dirty="0">
+                <a:latin typeface="Arial" panose="020B0604020202020204" pitchFamily="34" charset="0"/>
+                <a:cs typeface="Arial" panose="020B0604020202020204" pitchFamily="34" charset="0"/>
+              </a:rPr>
+              <a:t> </a:t>
+            </a:r>
+            <a:r>
+              <a:rPr lang="en-US" sz="2800" dirty="0" err="1">
                 <a:latin typeface="Arial" panose="020B0604020202020204" pitchFamily="34" charset="0"/>
                 <a:cs typeface="Arial" panose="020B0604020202020204" pitchFamily="34" charset="0"/>
               </a:rPr>
               <a:t>nhóm</a:t>
             </a:r>
             <a:r>
-              <a:rPr lang="en-US" dirty="0">
-                <a:latin typeface="Arial" panose="020B0604020202020204" pitchFamily="34" charset="0"/>
-                <a:cs typeface="Arial" panose="020B0604020202020204" pitchFamily="34" charset="0"/>
-              </a:rPr>
-              <a:t> </a:t>
-            </a:r>
-            <a:r>
-              <a:rPr lang="en-US" dirty="0" err="1">
+              <a:rPr lang="en-US" sz="2800" dirty="0">
+                <a:latin typeface="Arial" panose="020B0604020202020204" pitchFamily="34" charset="0"/>
+                <a:cs typeface="Arial" panose="020B0604020202020204" pitchFamily="34" charset="0"/>
+              </a:rPr>
+              <a:t> </a:t>
+            </a:r>
+            <a:r>
+              <a:rPr lang="en-US" sz="2800" dirty="0" err="1">
                 <a:latin typeface="Arial" panose="020B0604020202020204" pitchFamily="34" charset="0"/>
                 <a:cs typeface="Arial" panose="020B0604020202020204" pitchFamily="34" charset="0"/>
               </a:rPr>
               <a:t>trở</a:t>
             </a:r>
             <a:r>
-              <a:rPr lang="en-US" dirty="0">
-                <a:latin typeface="Arial" panose="020B0604020202020204" pitchFamily="34" charset="0"/>
-                <a:cs typeface="Arial" panose="020B0604020202020204" pitchFamily="34" charset="0"/>
-              </a:rPr>
-              <a:t> </a:t>
-            </a:r>
-            <a:r>
-              <a:rPr lang="en-US" dirty="0" err="1">
+              <a:rPr lang="en-US" sz="2800" dirty="0">
+                <a:latin typeface="Arial" panose="020B0604020202020204" pitchFamily="34" charset="0"/>
+                <a:cs typeface="Arial" panose="020B0604020202020204" pitchFamily="34" charset="0"/>
+              </a:rPr>
+              <a:t> </a:t>
+            </a:r>
+            <a:r>
+              <a:rPr lang="en-US" sz="2800" dirty="0" err="1">
                 <a:latin typeface="Arial" panose="020B0604020202020204" pitchFamily="34" charset="0"/>
                 <a:cs typeface="Arial" panose="020B0604020202020204" pitchFamily="34" charset="0"/>
               </a:rPr>
               <a:t>nên</a:t>
             </a:r>
             <a:r>
-              <a:rPr lang="en-US" dirty="0">
-                <a:latin typeface="Arial" panose="020B0604020202020204" pitchFamily="34" charset="0"/>
-                <a:cs typeface="Arial" panose="020B0604020202020204" pitchFamily="34" charset="0"/>
-              </a:rPr>
-              <a:t> </a:t>
-            </a:r>
-            <a:r>
-              <a:rPr lang="en-US" dirty="0" err="1">
+              <a:rPr lang="en-US" sz="2800" dirty="0">
+                <a:latin typeface="Arial" panose="020B0604020202020204" pitchFamily="34" charset="0"/>
+                <a:cs typeface="Arial" panose="020B0604020202020204" pitchFamily="34" charset="0"/>
+              </a:rPr>
+              <a:t> </a:t>
+            </a:r>
+            <a:r>
+              <a:rPr lang="en-US" sz="2800" dirty="0" err="1">
                 <a:latin typeface="Arial" panose="020B0604020202020204" pitchFamily="34" charset="0"/>
                 <a:cs typeface="Arial" panose="020B0604020202020204" pitchFamily="34" charset="0"/>
               </a:rPr>
               <a:t>hiệu</a:t>
             </a:r>
             <a:r>
-              <a:rPr lang="en-US" dirty="0">
-                <a:latin typeface="Arial" panose="020B0604020202020204" pitchFamily="34" charset="0"/>
-                <a:cs typeface="Arial" panose="020B0604020202020204" pitchFamily="34" charset="0"/>
-              </a:rPr>
-              <a:t> </a:t>
-            </a:r>
-            <a:r>
-              <a:rPr lang="en-US" dirty="0" err="1">
+              <a:rPr lang="en-US" sz="2800" dirty="0">
+                <a:latin typeface="Arial" panose="020B0604020202020204" pitchFamily="34" charset="0"/>
+                <a:cs typeface="Arial" panose="020B0604020202020204" pitchFamily="34" charset="0"/>
+              </a:rPr>
+              <a:t> </a:t>
+            </a:r>
+            <a:r>
+              <a:rPr lang="en-US" sz="2800" dirty="0" err="1">
                 <a:latin typeface="Arial" panose="020B0604020202020204" pitchFamily="34" charset="0"/>
                 <a:cs typeface="Arial" panose="020B0604020202020204" pitchFamily="34" charset="0"/>
               </a:rPr>
               <a:t>quả</a:t>
             </a:r>
             <a:r>
-              <a:rPr lang="en-US" dirty="0">
-                <a:latin typeface="Arial" panose="020B0604020202020204" pitchFamily="34" charset="0"/>
-                <a:cs typeface="Arial" panose="020B0604020202020204" pitchFamily="34" charset="0"/>
-              </a:rPr>
-              <a:t> </a:t>
-            </a:r>
-            <a:r>
-              <a:rPr lang="en-US" dirty="0" err="1">
+              <a:rPr lang="en-US" sz="2800" dirty="0">
+                <a:latin typeface="Arial" panose="020B0604020202020204" pitchFamily="34" charset="0"/>
+                <a:cs typeface="Arial" panose="020B0604020202020204" pitchFamily="34" charset="0"/>
+              </a:rPr>
+              <a:t> </a:t>
+            </a:r>
+            <a:r>
+              <a:rPr lang="en-US" sz="2800" dirty="0" err="1">
                 <a:latin typeface="Arial" panose="020B0604020202020204" pitchFamily="34" charset="0"/>
                 <a:cs typeface="Arial" panose="020B0604020202020204" pitchFamily="34" charset="0"/>
               </a:rPr>
               <a:t>và</a:t>
             </a:r>
             <a:r>
-              <a:rPr lang="en-US" dirty="0">
+              <a:rPr lang="en-US" sz="2800" dirty="0">
                 <a:latin typeface="Arial" panose="020B0604020202020204" pitchFamily="34" charset="0"/>
                 <a:cs typeface="Arial" panose="020B0604020202020204" pitchFamily="34" charset="0"/>
               </a:rPr>
               <a:t> an </a:t>
             </a:r>
             <a:r>
-              <a:rPr lang="en-US" dirty="0" err="1">
+              <a:rPr lang="en-US" sz="2800" dirty="0" err="1">
                 <a:latin typeface="Arial" panose="020B0604020202020204" pitchFamily="34" charset="0"/>
                 <a:cs typeface="Arial" panose="020B0604020202020204" pitchFamily="34" charset="0"/>
               </a:rPr>
               <a:t>toàn</a:t>
             </a:r>
             <a:r>
-              <a:rPr lang="en-US" dirty="0">
-                <a:latin typeface="Arial" panose="020B0604020202020204" pitchFamily="34" charset="0"/>
-                <a:cs typeface="Arial" panose="020B0604020202020204" pitchFamily="34" charset="0"/>
-              </a:rPr>
-              <a:t> </a:t>
-            </a:r>
-            <a:r>
-              <a:rPr lang="en-US" dirty="0" err="1">
+              <a:rPr lang="en-US" sz="2800" dirty="0">
+                <a:latin typeface="Arial" panose="020B0604020202020204" pitchFamily="34" charset="0"/>
+                <a:cs typeface="Arial" panose="020B0604020202020204" pitchFamily="34" charset="0"/>
+              </a:rPr>
+              <a:t> </a:t>
+            </a:r>
+            <a:r>
+              <a:rPr lang="en-US" sz="2800" dirty="0" err="1">
                 <a:latin typeface="Arial" panose="020B0604020202020204" pitchFamily="34" charset="0"/>
                 <a:cs typeface="Arial" panose="020B0604020202020204" pitchFamily="34" charset="0"/>
               </a:rPr>
               <a:t>hơn</a:t>
             </a:r>
             <a:r>
-              <a:rPr lang="en-US" dirty="0">
-                <a:latin typeface="Arial" panose="020B0604020202020204" pitchFamily="34" charset="0"/>
-                <a:cs typeface="Arial" panose="020B0604020202020204" pitchFamily="34" charset="0"/>
-              </a:rPr>
-              <a:t> </a:t>
-            </a:r>
-            <a:r>
-              <a:rPr lang="en-US" dirty="0" err="1">
+              <a:rPr lang="en-US" sz="2800" dirty="0">
+                <a:latin typeface="Arial" panose="020B0604020202020204" pitchFamily="34" charset="0"/>
+                <a:cs typeface="Arial" panose="020B0604020202020204" pitchFamily="34" charset="0"/>
+              </a:rPr>
+              <a:t> </a:t>
+            </a:r>
+            <a:r>
+              <a:rPr lang="en-US" sz="2800" dirty="0" err="1">
                 <a:latin typeface="Arial" panose="020B0604020202020204" pitchFamily="34" charset="0"/>
                 <a:cs typeface="Arial" panose="020B0604020202020204" pitchFamily="34" charset="0"/>
               </a:rPr>
               <a:t>rất</a:t>
             </a:r>
             <a:r>
-              <a:rPr lang="en-US" dirty="0">
-                <a:latin typeface="Arial" panose="020B0604020202020204" pitchFamily="34" charset="0"/>
-                <a:cs typeface="Arial" panose="020B0604020202020204" pitchFamily="34" charset="0"/>
-              </a:rPr>
-              <a:t> </a:t>
-            </a:r>
-            <a:r>
-              <a:rPr lang="en-US" dirty="0" err="1">
+              <a:rPr lang="en-US" sz="2800" dirty="0">
+                <a:latin typeface="Arial" panose="020B0604020202020204" pitchFamily="34" charset="0"/>
+                <a:cs typeface="Arial" panose="020B0604020202020204" pitchFamily="34" charset="0"/>
+              </a:rPr>
+              <a:t> </a:t>
+            </a:r>
+            <a:r>
+              <a:rPr lang="en-US" sz="2800" dirty="0" err="1">
                 <a:latin typeface="Arial" panose="020B0604020202020204" pitchFamily="34" charset="0"/>
                 <a:cs typeface="Arial" panose="020B0604020202020204" pitchFamily="34" charset="0"/>
               </a:rPr>
               <a:t>nhiều</a:t>
             </a:r>
             <a:r>
-              <a:rPr lang="en-US" dirty="0">
+              <a:rPr lang="en-US" sz="2800" dirty="0">
                 <a:latin typeface="Arial" panose="020B0604020202020204" pitchFamily="34" charset="0"/>
                 <a:cs typeface="Arial" panose="020B0604020202020204" pitchFamily="34" charset="0"/>
               </a:rPr>
@@ -19816,7 +19929,7 @@
             <a:pPr marL="0" indent="0">
               <a:buNone/>
             </a:pPr>
-            <a:endParaRPr lang="en-US" dirty="0">
+            <a:endParaRPr lang="en-US" sz="2800" dirty="0">
               <a:latin typeface="Arial" panose="020B0604020202020204" pitchFamily="34" charset="0"/>
               <a:cs typeface="Arial" panose="020B0604020202020204" pitchFamily="34" charset="0"/>
             </a:endParaRPr>

--- a/Bao-cao-QLDA/Nhom-6_SVN.pptx
+++ b/Bao-cao-QLDA/Nhom-6_SVN.pptx
@@ -18343,7 +18343,7 @@
                 <a:latin typeface="Arial" panose="020B0604020202020204" pitchFamily="34" charset="0"/>
                 <a:cs typeface="Arial" panose="020B0604020202020204" pitchFamily="34" charset="0"/>
               </a:rPr>
-              <a:t> (QLTGDA) </a:t>
+              <a:t> </a:t>
             </a:r>
             <a:r>
               <a:rPr lang="en-US" sz="3200" dirty="0" err="1">

--- a/Bao-cao-QLDA/Nhom-6_SVN.pptx
+++ b/Bao-cao-QLDA/Nhom-6_SVN.pptx
@@ -10356,10 +10356,19 @@
               </a:rPr>
               <a:t>khác</a:t>
             </a:r>
-            <a:endParaRPr lang="en-US" b="1" dirty="0">
-              <a:latin typeface="Arial" panose="020B0604020202020204" pitchFamily="34" charset="0"/>
-              <a:cs typeface="Arial" panose="020B0604020202020204" pitchFamily="34" charset="0"/>
-            </a:endParaRPr>
+            <a:br>
+              <a:rPr lang="en-US" b="1" dirty="0">
+                <a:latin typeface="Arial" panose="020B0604020202020204" pitchFamily="34" charset="0"/>
+                <a:cs typeface="Arial" panose="020B0604020202020204" pitchFamily="34" charset="0"/>
+              </a:rPr>
+            </a:br>
+            <a:r>
+              <a:rPr lang="en-US" sz="1200" b="1" dirty="0">
+                <a:latin typeface="Arial" panose="020B0604020202020204" pitchFamily="34" charset="0"/>
+                <a:cs typeface="Arial" panose="020B0604020202020204" pitchFamily="34" charset="0"/>
+              </a:rPr>
+              <a:t>(Wikipedia)</a:t>
+            </a:r>
           </a:p>
         </p:txBody>
       </p:sp>
@@ -21473,9 +21482,74 @@
               <a:rPr lang="en-US" dirty="0"/>
             </a:br>
             <a:r>
+              <a:rPr lang="en-US" sz="5200" dirty="0" err="1"/>
+              <a:t>Cảm</a:t>
+            </a:r>
+            <a:r>
               <a:rPr lang="en-US" sz="5200" dirty="0"/>
-              <a:t>Thanks for listening</a:t>
-            </a:r>
+              <a:t> </a:t>
+            </a:r>
+            <a:r>
+              <a:rPr lang="en-US" sz="5200" dirty="0" err="1"/>
+              <a:t>ơn</a:t>
+            </a:r>
+            <a:r>
+              <a:rPr lang="en-US" sz="5200" dirty="0"/>
+              <a:t> </a:t>
+            </a:r>
+            <a:r>
+              <a:rPr lang="en-US" sz="5200" dirty="0" err="1"/>
+              <a:t>thầy</a:t>
+            </a:r>
+            <a:r>
+              <a:rPr lang="en-US" sz="5200" dirty="0"/>
+              <a:t> </a:t>
+            </a:r>
+            <a:r>
+              <a:rPr lang="en-US" sz="5200" dirty="0" err="1"/>
+              <a:t>và</a:t>
+            </a:r>
+            <a:r>
+              <a:rPr lang="en-US" sz="5200" dirty="0"/>
+              <a:t> </a:t>
+            </a:r>
+            <a:r>
+              <a:rPr lang="en-US" sz="5200" dirty="0" err="1"/>
+              <a:t>các</a:t>
+            </a:r>
+            <a:r>
+              <a:rPr lang="en-US" sz="5200" dirty="0"/>
+              <a:t> </a:t>
+            </a:r>
+            <a:r>
+              <a:rPr lang="en-US" sz="5200" dirty="0" err="1"/>
+              <a:t>bạn</a:t>
+            </a:r>
+            <a:r>
+              <a:rPr lang="en-US" sz="5200" dirty="0"/>
+              <a:t> </a:t>
+            </a:r>
+            <a:r>
+              <a:rPr lang="en-US" sz="5200" dirty="0" err="1"/>
+              <a:t>đã</a:t>
+            </a:r>
+            <a:r>
+              <a:rPr lang="en-US" sz="5200" dirty="0"/>
+              <a:t> </a:t>
+            </a:r>
+            <a:r>
+              <a:rPr lang="en-US" sz="5200" dirty="0" err="1"/>
+              <a:t>lắng</a:t>
+            </a:r>
+            <a:r>
+              <a:rPr lang="en-US" sz="5200" dirty="0"/>
+              <a:t> </a:t>
+            </a:r>
+            <a:r>
+              <a:rPr lang="en-US" sz="5200" dirty="0" err="1"/>
+              <a:t>nghe</a:t>
+            </a:r>
+            <a:endParaRPr lang="en-US" sz="5200" dirty="0"/>
           </a:p>
         </p:txBody>
       </p:sp>

--- a/Bao-cao-QLDA/Nhom-6_SVN.pptx
+++ b/Bao-cao-QLDA/Nhom-6_SVN.pptx
@@ -864,7 +864,7 @@
           <a:p>
             <a:fld id="{BA3D0BCF-E0FE-432E-86E1-DC378543AA95}" type="datetimeFigureOut">
               <a:rPr lang="en-US" smtClean="0"/>
-              <a:t>10/19/2016</a:t>
+              <a:t>10/20/2016</a:t>
             </a:fld>
             <a:endParaRPr lang="en-US"/>
           </a:p>
@@ -1115,7 +1115,7 @@
           <a:p>
             <a:fld id="{BA3D0BCF-E0FE-432E-86E1-DC378543AA95}" type="datetimeFigureOut">
               <a:rPr lang="en-US" smtClean="0"/>
-              <a:t>10/19/2016</a:t>
+              <a:t>10/20/2016</a:t>
             </a:fld>
             <a:endParaRPr lang="en-US"/>
           </a:p>
@@ -1429,7 +1429,7 @@
           <a:p>
             <a:fld id="{BA3D0BCF-E0FE-432E-86E1-DC378543AA95}" type="datetimeFigureOut">
               <a:rPr lang="en-US" smtClean="0"/>
-              <a:t>10/19/2016</a:t>
+              <a:t>10/20/2016</a:t>
             </a:fld>
             <a:endParaRPr lang="en-US"/>
           </a:p>
@@ -1770,7 +1770,7 @@
           <a:p>
             <a:fld id="{BA3D0BCF-E0FE-432E-86E1-DC378543AA95}" type="datetimeFigureOut">
               <a:rPr lang="en-US" smtClean="0"/>
-              <a:t>10/19/2016</a:t>
+              <a:t>10/20/2016</a:t>
             </a:fld>
             <a:endParaRPr lang="en-US"/>
           </a:p>
@@ -2084,7 +2084,7 @@
           <a:p>
             <a:fld id="{BA3D0BCF-E0FE-432E-86E1-DC378543AA95}" type="datetimeFigureOut">
               <a:rPr lang="en-US" smtClean="0"/>
-              <a:t>10/19/2016</a:t>
+              <a:t>10/20/2016</a:t>
             </a:fld>
             <a:endParaRPr lang="en-US"/>
           </a:p>
@@ -2477,7 +2477,7 @@
           <a:p>
             <a:fld id="{BA3D0BCF-E0FE-432E-86E1-DC378543AA95}" type="datetimeFigureOut">
               <a:rPr lang="en-US" smtClean="0"/>
-              <a:t>10/19/2016</a:t>
+              <a:t>10/20/2016</a:t>
             </a:fld>
             <a:endParaRPr lang="en-US"/>
           </a:p>
@@ -2647,7 +2647,7 @@
           <a:p>
             <a:fld id="{BA3D0BCF-E0FE-432E-86E1-DC378543AA95}" type="datetimeFigureOut">
               <a:rPr lang="en-US" smtClean="0"/>
-              <a:t>10/19/2016</a:t>
+              <a:t>10/20/2016</a:t>
             </a:fld>
             <a:endParaRPr lang="en-US"/>
           </a:p>
@@ -2827,7 +2827,7 @@
           <a:p>
             <a:fld id="{BA3D0BCF-E0FE-432E-86E1-DC378543AA95}" type="datetimeFigureOut">
               <a:rPr lang="en-US" smtClean="0"/>
-              <a:t>10/19/2016</a:t>
+              <a:t>10/20/2016</a:t>
             </a:fld>
             <a:endParaRPr lang="en-US"/>
           </a:p>
@@ -3003,7 +3003,7 @@
           <a:p>
             <a:fld id="{BA3D0BCF-E0FE-432E-86E1-DC378543AA95}" type="datetimeFigureOut">
               <a:rPr lang="en-US" smtClean="0"/>
-              <a:t>10/19/2016</a:t>
+              <a:t>10/20/2016</a:t>
             </a:fld>
             <a:endParaRPr lang="en-US"/>
           </a:p>
@@ -3250,7 +3250,7 @@
           <a:p>
             <a:fld id="{BA3D0BCF-E0FE-432E-86E1-DC378543AA95}" type="datetimeFigureOut">
               <a:rPr lang="en-US" smtClean="0"/>
-              <a:t>10/19/2016</a:t>
+              <a:t>10/20/2016</a:t>
             </a:fld>
             <a:endParaRPr lang="en-US"/>
           </a:p>
@@ -3482,7 +3482,7 @@
           <a:p>
             <a:fld id="{BA3D0BCF-E0FE-432E-86E1-DC378543AA95}" type="datetimeFigureOut">
               <a:rPr lang="en-US" smtClean="0"/>
-              <a:t>10/19/2016</a:t>
+              <a:t>10/20/2016</a:t>
             </a:fld>
             <a:endParaRPr lang="en-US"/>
           </a:p>
@@ -3856,7 +3856,7 @@
           <a:p>
             <a:fld id="{BA3D0BCF-E0FE-432E-86E1-DC378543AA95}" type="datetimeFigureOut">
               <a:rPr lang="en-US" smtClean="0"/>
-              <a:t>10/19/2016</a:t>
+              <a:t>10/20/2016</a:t>
             </a:fld>
             <a:endParaRPr lang="en-US"/>
           </a:p>
@@ -3979,7 +3979,7 @@
           <a:p>
             <a:fld id="{BA3D0BCF-E0FE-432E-86E1-DC378543AA95}" type="datetimeFigureOut">
               <a:rPr lang="en-US" smtClean="0"/>
-              <a:t>10/19/2016</a:t>
+              <a:t>10/20/2016</a:t>
             </a:fld>
             <a:endParaRPr lang="en-US"/>
           </a:p>
@@ -4074,7 +4074,7 @@
           <a:p>
             <a:fld id="{BA3D0BCF-E0FE-432E-86E1-DC378543AA95}" type="datetimeFigureOut">
               <a:rPr lang="en-US" smtClean="0"/>
-              <a:t>10/19/2016</a:t>
+              <a:t>10/20/2016</a:t>
             </a:fld>
             <a:endParaRPr lang="en-US"/>
           </a:p>
@@ -4329,7 +4329,7 @@
           <a:p>
             <a:fld id="{BA3D0BCF-E0FE-432E-86E1-DC378543AA95}" type="datetimeFigureOut">
               <a:rPr lang="en-US" smtClean="0"/>
-              <a:t>10/19/2016</a:t>
+              <a:t>10/20/2016</a:t>
             </a:fld>
             <a:endParaRPr lang="en-US"/>
           </a:p>
@@ -4592,7 +4592,7 @@
           <a:p>
             <a:fld id="{BA3D0BCF-E0FE-432E-86E1-DC378543AA95}" type="datetimeFigureOut">
               <a:rPr lang="en-US" smtClean="0"/>
-              <a:t>10/19/2016</a:t>
+              <a:t>10/20/2016</a:t>
             </a:fld>
             <a:endParaRPr lang="en-US"/>
           </a:p>
@@ -5335,7 +5335,7 @@
           <a:p>
             <a:fld id="{BA3D0BCF-E0FE-432E-86E1-DC378543AA95}" type="datetimeFigureOut">
               <a:rPr lang="en-US" smtClean="0"/>
-              <a:t>10/19/2016</a:t>
+              <a:t>10/20/2016</a:t>
             </a:fld>
             <a:endParaRPr lang="en-US"/>
           </a:p>
@@ -6033,7 +6033,7 @@
         <p:spPr>
           <a:xfrm>
             <a:off x="1148317" y="4414616"/>
-            <a:ext cx="4376454" cy="369332"/>
+            <a:ext cx="4445384" cy="369332"/>
           </a:xfrm>
           <a:prstGeom prst="rect">
             <a:avLst/>
@@ -6096,17 +6096,20 @@
             </a:r>
             <a:r>
               <a:rPr lang="en-US" dirty="0" err="1"/>
+              <a:t>Sơn</a:t>
+            </a:r>
+            <a:r>
+              <a:rPr lang="en-US" dirty="0"/>
+              <a:t> </a:t>
+            </a:r>
+            <a:r>
+              <a:rPr lang="en-US" dirty="0" err="1"/>
               <a:t>Hải</a:t>
             </a:r>
             <a:r>
               <a:rPr lang="en-US" dirty="0"/>
               <a:t> </a:t>
             </a:r>
-            <a:r>
-              <a:rPr lang="en-US" dirty="0" err="1"/>
-              <a:t>Sơn</a:t>
-            </a:r>
-            <a:endParaRPr lang="en-US" dirty="0"/>
           </a:p>
         </p:txBody>
       </p:sp>
@@ -18713,7 +18716,7 @@
                   </a:schemeClr>
                 </a:solidFill>
               </a:rPr>
-              <a:t>quán</a:t>
+              <a:t>quản</a:t>
             </a:r>
             <a:r>
               <a:rPr lang="en-US" sz="2800" dirty="0">
@@ -18757,7 +18760,7 @@
                   </a:schemeClr>
                 </a:solidFill>
               </a:rPr>
-              <a:t>lích</a:t>
+              <a:t>lịch</a:t>
             </a:r>
             <a:r>
               <a:rPr lang="en-US" sz="2800" dirty="0">

--- a/Bao-cao-QLDA/Nhom-6_SVN.pptx
+++ b/Bao-cao-QLDA/Nhom-6_SVN.pptx
@@ -36,6 +36,7 @@
     <p:sldId id="284" r:id="rId30"/>
     <p:sldId id="290" r:id="rId31"/>
     <p:sldId id="285" r:id="rId32"/>
+    <p:sldId id="293" r:id="rId33"/>
   </p:sldIdLst>
   <p:sldSz cx="12192000" cy="6858000"/>
   <p:notesSz cx="6858000" cy="9144000"/>
@@ -864,7 +865,7 @@
           <a:p>
             <a:fld id="{BA3D0BCF-E0FE-432E-86E1-DC378543AA95}" type="datetimeFigureOut">
               <a:rPr lang="en-US" smtClean="0"/>
-              <a:t>10/20/2016</a:t>
+              <a:t>10/22/2016</a:t>
             </a:fld>
             <a:endParaRPr lang="en-US"/>
           </a:p>
@@ -1115,7 +1116,7 @@
           <a:p>
             <a:fld id="{BA3D0BCF-E0FE-432E-86E1-DC378543AA95}" type="datetimeFigureOut">
               <a:rPr lang="en-US" smtClean="0"/>
-              <a:t>10/20/2016</a:t>
+              <a:t>10/22/2016</a:t>
             </a:fld>
             <a:endParaRPr lang="en-US"/>
           </a:p>
@@ -1429,7 +1430,7 @@
           <a:p>
             <a:fld id="{BA3D0BCF-E0FE-432E-86E1-DC378543AA95}" type="datetimeFigureOut">
               <a:rPr lang="en-US" smtClean="0"/>
-              <a:t>10/20/2016</a:t>
+              <a:t>10/22/2016</a:t>
             </a:fld>
             <a:endParaRPr lang="en-US"/>
           </a:p>
@@ -1770,7 +1771,7 @@
           <a:p>
             <a:fld id="{BA3D0BCF-E0FE-432E-86E1-DC378543AA95}" type="datetimeFigureOut">
               <a:rPr lang="en-US" smtClean="0"/>
-              <a:t>10/20/2016</a:t>
+              <a:t>10/22/2016</a:t>
             </a:fld>
             <a:endParaRPr lang="en-US"/>
           </a:p>
@@ -2084,7 +2085,7 @@
           <a:p>
             <a:fld id="{BA3D0BCF-E0FE-432E-86E1-DC378543AA95}" type="datetimeFigureOut">
               <a:rPr lang="en-US" smtClean="0"/>
-              <a:t>10/20/2016</a:t>
+              <a:t>10/22/2016</a:t>
             </a:fld>
             <a:endParaRPr lang="en-US"/>
           </a:p>
@@ -2477,7 +2478,7 @@
           <a:p>
             <a:fld id="{BA3D0BCF-E0FE-432E-86E1-DC378543AA95}" type="datetimeFigureOut">
               <a:rPr lang="en-US" smtClean="0"/>
-              <a:t>10/20/2016</a:t>
+              <a:t>10/22/2016</a:t>
             </a:fld>
             <a:endParaRPr lang="en-US"/>
           </a:p>
@@ -2647,7 +2648,7 @@
           <a:p>
             <a:fld id="{BA3D0BCF-E0FE-432E-86E1-DC378543AA95}" type="datetimeFigureOut">
               <a:rPr lang="en-US" smtClean="0"/>
-              <a:t>10/20/2016</a:t>
+              <a:t>10/22/2016</a:t>
             </a:fld>
             <a:endParaRPr lang="en-US"/>
           </a:p>
@@ -2827,7 +2828,7 @@
           <a:p>
             <a:fld id="{BA3D0BCF-E0FE-432E-86E1-DC378543AA95}" type="datetimeFigureOut">
               <a:rPr lang="en-US" smtClean="0"/>
-              <a:t>10/20/2016</a:t>
+              <a:t>10/22/2016</a:t>
             </a:fld>
             <a:endParaRPr lang="en-US"/>
           </a:p>
@@ -3003,7 +3004,7 @@
           <a:p>
             <a:fld id="{BA3D0BCF-E0FE-432E-86E1-DC378543AA95}" type="datetimeFigureOut">
               <a:rPr lang="en-US" smtClean="0"/>
-              <a:t>10/20/2016</a:t>
+              <a:t>10/22/2016</a:t>
             </a:fld>
             <a:endParaRPr lang="en-US"/>
           </a:p>
@@ -3250,7 +3251,7 @@
           <a:p>
             <a:fld id="{BA3D0BCF-E0FE-432E-86E1-DC378543AA95}" type="datetimeFigureOut">
               <a:rPr lang="en-US" smtClean="0"/>
-              <a:t>10/20/2016</a:t>
+              <a:t>10/22/2016</a:t>
             </a:fld>
             <a:endParaRPr lang="en-US"/>
           </a:p>
@@ -3482,7 +3483,7 @@
           <a:p>
             <a:fld id="{BA3D0BCF-E0FE-432E-86E1-DC378543AA95}" type="datetimeFigureOut">
               <a:rPr lang="en-US" smtClean="0"/>
-              <a:t>10/20/2016</a:t>
+              <a:t>10/22/2016</a:t>
             </a:fld>
             <a:endParaRPr lang="en-US"/>
           </a:p>
@@ -3856,7 +3857,7 @@
           <a:p>
             <a:fld id="{BA3D0BCF-E0FE-432E-86E1-DC378543AA95}" type="datetimeFigureOut">
               <a:rPr lang="en-US" smtClean="0"/>
-              <a:t>10/20/2016</a:t>
+              <a:t>10/22/2016</a:t>
             </a:fld>
             <a:endParaRPr lang="en-US"/>
           </a:p>
@@ -3979,7 +3980,7 @@
           <a:p>
             <a:fld id="{BA3D0BCF-E0FE-432E-86E1-DC378543AA95}" type="datetimeFigureOut">
               <a:rPr lang="en-US" smtClean="0"/>
-              <a:t>10/20/2016</a:t>
+              <a:t>10/22/2016</a:t>
             </a:fld>
             <a:endParaRPr lang="en-US"/>
           </a:p>
@@ -4074,7 +4075,7 @@
           <a:p>
             <a:fld id="{BA3D0BCF-E0FE-432E-86E1-DC378543AA95}" type="datetimeFigureOut">
               <a:rPr lang="en-US" smtClean="0"/>
-              <a:t>10/20/2016</a:t>
+              <a:t>10/22/2016</a:t>
             </a:fld>
             <a:endParaRPr lang="en-US"/>
           </a:p>
@@ -4329,7 +4330,7 @@
           <a:p>
             <a:fld id="{BA3D0BCF-E0FE-432E-86E1-DC378543AA95}" type="datetimeFigureOut">
               <a:rPr lang="en-US" smtClean="0"/>
-              <a:t>10/20/2016</a:t>
+              <a:t>10/22/2016</a:t>
             </a:fld>
             <a:endParaRPr lang="en-US"/>
           </a:p>
@@ -4592,7 +4593,7 @@
           <a:p>
             <a:fld id="{BA3D0BCF-E0FE-432E-86E1-DC378543AA95}" type="datetimeFigureOut">
               <a:rPr lang="en-US" smtClean="0"/>
-              <a:t>10/20/2016</a:t>
+              <a:t>10/22/2016</a:t>
             </a:fld>
             <a:endParaRPr lang="en-US"/>
           </a:p>
@@ -5335,7 +5336,7 @@
           <a:p>
             <a:fld id="{BA3D0BCF-E0FE-432E-86E1-DC378543AA95}" type="datetimeFigureOut">
               <a:rPr lang="en-US" smtClean="0"/>
-              <a:t>10/20/2016</a:t>
+              <a:t>10/22/2016</a:t>
             </a:fld>
             <a:endParaRPr lang="en-US"/>
           </a:p>
@@ -21572,6 +21573,617 @@
 </p:sld>
 </file>
 
+<file path=ppt/slides/slide32.xml><?xml version="1.0" encoding="utf-8"?>
+<p:sld xmlns:a="http://schemas.openxmlformats.org/drawingml/2006/main" xmlns:r="http://schemas.openxmlformats.org/officeDocument/2006/relationships" xmlns:p="http://schemas.openxmlformats.org/presentationml/2006/main">
+  <p:cSld>
+    <p:spTree>
+      <p:nvGrpSpPr>
+        <p:cNvPr id="1" name=""/>
+        <p:cNvGrpSpPr/>
+        <p:nvPr/>
+      </p:nvGrpSpPr>
+      <p:grpSpPr>
+        <a:xfrm>
+          <a:off x="0" y="0"/>
+          <a:ext cx="0" cy="0"/>
+          <a:chOff x="0" y="0"/>
+          <a:chExt cx="0" cy="0"/>
+        </a:xfrm>
+      </p:grpSpPr>
+      <p:sp>
+        <p:nvSpPr>
+          <p:cNvPr id="2" name="Title 1"/>
+          <p:cNvSpPr>
+            <a:spLocks noGrp="1"/>
+          </p:cNvSpPr>
+          <p:nvPr>
+            <p:ph type="title"/>
+          </p:nvPr>
+        </p:nvSpPr>
+        <p:spPr>
+          <a:xfrm>
+            <a:off x="677334" y="609600"/>
+            <a:ext cx="8596668" cy="5581650"/>
+          </a:xfrm>
+        </p:spPr>
+        <p:txBody>
+          <a:bodyPr/>
+          <a:lstStyle/>
+          <a:p>
+            <a:pPr algn="ctr"/>
+            <a:br>
+              <a:rPr lang="en-US" dirty="0"/>
+            </a:br>
+            <a:br>
+              <a:rPr lang="en-US" dirty="0"/>
+            </a:br>
+            <a:br>
+              <a:rPr lang="en-US" dirty="0"/>
+            </a:br>
+            <a:br>
+              <a:rPr lang="en-US" dirty="0"/>
+            </a:br>
+            <a:endParaRPr lang="en-US" sz="5200" dirty="0"/>
+          </a:p>
+        </p:txBody>
+      </p:sp>
+      <p:graphicFrame>
+        <p:nvGraphicFramePr>
+          <p:cNvPr id="3" name="Table 2"/>
+          <p:cNvGraphicFramePr>
+            <a:graphicFrameLocks noGrp="1"/>
+          </p:cNvGraphicFramePr>
+          <p:nvPr>
+            <p:extLst>
+              <p:ext uri="{D42A27DB-BD31-4B8C-83A1-F6EECF244321}">
+                <p14:modId xmlns:p14="http://schemas.microsoft.com/office/powerpoint/2010/main" val="980896884"/>
+              </p:ext>
+            </p:extLst>
+          </p:nvPr>
+        </p:nvGraphicFramePr>
+        <p:xfrm>
+          <a:off x="708862" y="1081173"/>
+          <a:ext cx="8128000" cy="4137838"/>
+        </p:xfrm>
+        <a:graphic>
+          <a:graphicData uri="http://schemas.openxmlformats.org/drawingml/2006/table">
+            <a:tbl>
+              <a:tblPr firstRow="1" bandRow="1">
+                <a:tableStyleId>{5C22544A-7EE6-4342-B048-85BDC9FD1C3A}</a:tableStyleId>
+              </a:tblPr>
+              <a:tblGrid>
+                <a:gridCol w="4064000">
+                  <a:extLst>
+                    <a:ext uri="{9D8B030D-6E8A-4147-A177-3AD203B41FA5}">
+                      <a16:colId xmlns:a16="http://schemas.microsoft.com/office/drawing/2014/main" val="1403430400"/>
+                    </a:ext>
+                  </a:extLst>
+                </a:gridCol>
+                <a:gridCol w="4064000">
+                  <a:extLst>
+                    <a:ext uri="{9D8B030D-6E8A-4147-A177-3AD203B41FA5}">
+                      <a16:colId xmlns:a16="http://schemas.microsoft.com/office/drawing/2014/main" val="2115105855"/>
+                    </a:ext>
+                  </a:extLst>
+                </a:gridCol>
+              </a:tblGrid>
+              <a:tr h="503078">
+                <a:tc>
+                  <a:txBody>
+                    <a:bodyPr/>
+                    <a:lstStyle/>
+                    <a:p>
+                      <a:r>
+                        <a:rPr lang="en-US" dirty="0" err="1"/>
+                        <a:t>Họ</a:t>
+                      </a:r>
+                      <a:r>
+                        <a:rPr lang="en-US" baseline="0" dirty="0"/>
+                        <a:t> </a:t>
+                      </a:r>
+                      <a:r>
+                        <a:rPr lang="en-US" baseline="0" dirty="0" err="1"/>
+                        <a:t>tên</a:t>
+                      </a:r>
+                      <a:endParaRPr lang="en-US" dirty="0"/>
+                    </a:p>
+                  </a:txBody>
+                  <a:tcPr/>
+                </a:tc>
+                <a:tc>
+                  <a:txBody>
+                    <a:bodyPr/>
+                    <a:lstStyle/>
+                    <a:p>
+                      <a:r>
+                        <a:rPr lang="en-US" dirty="0" err="1"/>
+                        <a:t>Đánh</a:t>
+                      </a:r>
+                      <a:r>
+                        <a:rPr lang="en-US" baseline="0" dirty="0"/>
+                        <a:t> </a:t>
+                      </a:r>
+                      <a:r>
+                        <a:rPr lang="en-US" baseline="0" dirty="0" err="1"/>
+                        <a:t>giá</a:t>
+                      </a:r>
+                      <a:endParaRPr lang="en-US" dirty="0"/>
+                    </a:p>
+                  </a:txBody>
+                  <a:tcPr/>
+                </a:tc>
+                <a:extLst>
+                  <a:ext uri="{0D108BD9-81ED-4DB2-BD59-A6C34878D82A}">
+                    <a16:rowId xmlns:a16="http://schemas.microsoft.com/office/drawing/2014/main" val="2518779255"/>
+                  </a:ext>
+                </a:extLst>
+              </a:tr>
+              <a:tr h="908690">
+                <a:tc>
+                  <a:txBody>
+                    <a:bodyPr/>
+                    <a:lstStyle/>
+                    <a:p>
+                      <a:r>
+                        <a:rPr lang="en-US" dirty="0" err="1"/>
+                        <a:t>Đoàn</a:t>
+                      </a:r>
+                      <a:r>
+                        <a:rPr lang="en-US" baseline="0" dirty="0"/>
+                        <a:t> </a:t>
+                      </a:r>
+                      <a:r>
+                        <a:rPr lang="en-US" baseline="0" dirty="0" err="1"/>
+                        <a:t>Văn</a:t>
+                      </a:r>
+                      <a:r>
+                        <a:rPr lang="en-US" baseline="0" dirty="0"/>
+                        <a:t> Lam </a:t>
+                      </a:r>
+                      <a:r>
+                        <a:rPr lang="en-US" baseline="0" dirty="0" err="1"/>
+                        <a:t>Sơn</a:t>
+                      </a:r>
+                      <a:endParaRPr lang="en-US" dirty="0"/>
+                    </a:p>
+                  </a:txBody>
+                  <a:tcPr/>
+                </a:tc>
+                <a:tc>
+                  <a:txBody>
+                    <a:bodyPr/>
+                    <a:lstStyle/>
+                    <a:p>
+                      <a:r>
+                        <a:rPr lang="en-US" dirty="0" err="1"/>
+                        <a:t>Có</a:t>
+                      </a:r>
+                      <a:r>
+                        <a:rPr lang="en-US" dirty="0"/>
+                        <a:t> </a:t>
+                      </a:r>
+                      <a:r>
+                        <a:rPr lang="en-US" dirty="0" err="1"/>
+                        <a:t>tinh</a:t>
+                      </a:r>
+                      <a:r>
+                        <a:rPr lang="en-US" dirty="0"/>
+                        <a:t> </a:t>
+                      </a:r>
+                      <a:r>
+                        <a:rPr lang="en-US" dirty="0" err="1"/>
+                        <a:t>thần</a:t>
+                      </a:r>
+                      <a:r>
+                        <a:rPr lang="en-US" baseline="0" dirty="0"/>
+                        <a:t> </a:t>
+                      </a:r>
+                      <a:r>
+                        <a:rPr lang="en-US" baseline="0" dirty="0" err="1"/>
+                        <a:t>trách</a:t>
+                      </a:r>
+                      <a:r>
+                        <a:rPr lang="en-US" baseline="0" dirty="0"/>
+                        <a:t> </a:t>
+                      </a:r>
+                      <a:r>
+                        <a:rPr lang="en-US" baseline="0" dirty="0" err="1"/>
+                        <a:t>nhiệm</a:t>
+                      </a:r>
+                      <a:r>
+                        <a:rPr lang="en-US" baseline="0" dirty="0"/>
+                        <a:t>.</a:t>
+                      </a:r>
+                    </a:p>
+                    <a:p>
+                      <a:endParaRPr lang="en-US" dirty="0"/>
+                    </a:p>
+                  </a:txBody>
+                  <a:tcPr/>
+                </a:tc>
+                <a:extLst>
+                  <a:ext uri="{0D108BD9-81ED-4DB2-BD59-A6C34878D82A}">
+                    <a16:rowId xmlns:a16="http://schemas.microsoft.com/office/drawing/2014/main" val="3786256817"/>
+                  </a:ext>
+                </a:extLst>
+              </a:tr>
+              <a:tr h="908690">
+                <a:tc>
+                  <a:txBody>
+                    <a:bodyPr/>
+                    <a:lstStyle/>
+                    <a:p>
+                      <a:r>
+                        <a:rPr lang="en-US" dirty="0" err="1"/>
+                        <a:t>Trần</a:t>
+                      </a:r>
+                      <a:r>
+                        <a:rPr lang="en-US" baseline="0" dirty="0"/>
+                        <a:t> Minh </a:t>
+                      </a:r>
+                      <a:r>
+                        <a:rPr lang="en-US" baseline="0" dirty="0" err="1"/>
+                        <a:t>Đức</a:t>
+                      </a:r>
+                      <a:endParaRPr lang="en-US" dirty="0"/>
+                    </a:p>
+                  </a:txBody>
+                  <a:tcPr/>
+                </a:tc>
+                <a:tc>
+                  <a:txBody>
+                    <a:bodyPr/>
+                    <a:lstStyle/>
+                    <a:p>
+                      <a:r>
+                        <a:rPr lang="en-US" dirty="0" err="1"/>
+                        <a:t>Có</a:t>
+                      </a:r>
+                      <a:r>
+                        <a:rPr lang="en-US" baseline="0" dirty="0"/>
+                        <a:t> </a:t>
+                      </a:r>
+                      <a:r>
+                        <a:rPr lang="en-US" baseline="0" dirty="0" err="1"/>
+                        <a:t>tinh</a:t>
+                      </a:r>
+                      <a:r>
+                        <a:rPr lang="en-US" baseline="0" dirty="0"/>
+                        <a:t> </a:t>
+                      </a:r>
+                      <a:r>
+                        <a:rPr lang="en-US" baseline="0" dirty="0" err="1"/>
+                        <a:t>thần</a:t>
+                      </a:r>
+                      <a:r>
+                        <a:rPr lang="en-US" baseline="0" dirty="0"/>
+                        <a:t> </a:t>
+                      </a:r>
+                      <a:r>
+                        <a:rPr lang="en-US" baseline="0" dirty="0" err="1"/>
+                        <a:t>với</a:t>
+                      </a:r>
+                      <a:r>
+                        <a:rPr lang="en-US" baseline="0" dirty="0"/>
+                        <a:t> </a:t>
+                      </a:r>
+                      <a:r>
+                        <a:rPr lang="en-US" baseline="0" dirty="0" err="1"/>
+                        <a:t>nhóm</a:t>
+                      </a:r>
+                      <a:r>
+                        <a:rPr lang="en-US" baseline="0" dirty="0"/>
+                        <a:t>, </a:t>
+                      </a:r>
+                      <a:r>
+                        <a:rPr lang="en-US" baseline="0" dirty="0" err="1"/>
+                        <a:t>chịu</a:t>
+                      </a:r>
+                      <a:r>
+                        <a:rPr lang="en-US" baseline="0" dirty="0"/>
+                        <a:t> </a:t>
+                      </a:r>
+                      <a:r>
+                        <a:rPr lang="en-US" baseline="0" dirty="0" err="1"/>
+                        <a:t>khó</a:t>
+                      </a:r>
+                      <a:endParaRPr lang="en-US" dirty="0"/>
+                    </a:p>
+                  </a:txBody>
+                  <a:tcPr/>
+                </a:tc>
+                <a:extLst>
+                  <a:ext uri="{0D108BD9-81ED-4DB2-BD59-A6C34878D82A}">
+                    <a16:rowId xmlns:a16="http://schemas.microsoft.com/office/drawing/2014/main" val="1028541415"/>
+                  </a:ext>
+                </a:extLst>
+              </a:tr>
+              <a:tr h="908690">
+                <a:tc>
+                  <a:txBody>
+                    <a:bodyPr/>
+                    <a:lstStyle/>
+                    <a:p>
+                      <a:r>
+                        <a:rPr lang="en-US" dirty="0" err="1"/>
+                        <a:t>Phạm</a:t>
+                      </a:r>
+                      <a:r>
+                        <a:rPr lang="en-US" baseline="0" dirty="0"/>
+                        <a:t> </a:t>
+                      </a:r>
+                      <a:r>
+                        <a:rPr lang="en-US" baseline="0" dirty="0" err="1"/>
+                        <a:t>Nguyễn</a:t>
+                      </a:r>
+                      <a:r>
+                        <a:rPr lang="en-US" baseline="0" dirty="0"/>
+                        <a:t> </a:t>
+                      </a:r>
+                      <a:r>
+                        <a:rPr lang="en-US" baseline="0" dirty="0" err="1"/>
+                        <a:t>Ngọc</a:t>
+                      </a:r>
+                      <a:r>
+                        <a:rPr lang="en-US" baseline="0" dirty="0"/>
+                        <a:t> </a:t>
+                      </a:r>
+                      <a:r>
+                        <a:rPr lang="en-US" baseline="0" dirty="0" err="1"/>
+                        <a:t>Thảo</a:t>
+                      </a:r>
+                      <a:endParaRPr lang="en-US" dirty="0"/>
+                    </a:p>
+                  </a:txBody>
+                  <a:tcPr/>
+                </a:tc>
+                <a:tc>
+                  <a:txBody>
+                    <a:bodyPr/>
+                    <a:lstStyle/>
+                    <a:p>
+                      <a:r>
+                        <a:rPr lang="en-US" dirty="0" err="1"/>
+                        <a:t>Chịu</a:t>
+                      </a:r>
+                      <a:r>
+                        <a:rPr lang="en-US" baseline="0" dirty="0"/>
+                        <a:t> </a:t>
+                      </a:r>
+                      <a:r>
+                        <a:rPr lang="en-US" baseline="0" dirty="0" err="1"/>
+                        <a:t>khó</a:t>
+                      </a:r>
+                      <a:r>
+                        <a:rPr lang="en-US" baseline="0" dirty="0"/>
+                        <a:t>, </a:t>
+                      </a:r>
+                      <a:r>
+                        <a:rPr lang="en-US" baseline="0" dirty="0" err="1"/>
+                        <a:t>đội</a:t>
+                      </a:r>
+                      <a:r>
+                        <a:rPr lang="en-US" baseline="0" dirty="0"/>
+                        <a:t> </a:t>
+                      </a:r>
+                      <a:r>
+                        <a:rPr lang="en-US" baseline="0" dirty="0" err="1"/>
+                        <a:t>mưa</a:t>
+                      </a:r>
+                      <a:r>
+                        <a:rPr lang="en-US" baseline="0" dirty="0"/>
+                        <a:t> </a:t>
+                      </a:r>
+                      <a:r>
+                        <a:rPr lang="en-US" baseline="0" dirty="0" err="1"/>
+                        <a:t>đi</a:t>
+                      </a:r>
+                      <a:r>
+                        <a:rPr lang="en-US" baseline="0" dirty="0"/>
+                        <a:t> </a:t>
+                      </a:r>
+                      <a:r>
+                        <a:rPr lang="en-US" baseline="0" dirty="0" err="1"/>
+                        <a:t>họp</a:t>
+                      </a:r>
+                      <a:r>
+                        <a:rPr lang="en-US" baseline="0" dirty="0"/>
+                        <a:t> </a:t>
+                      </a:r>
+                      <a:r>
+                        <a:rPr lang="en-US" baseline="0" dirty="0" err="1"/>
+                        <a:t>nhóm</a:t>
+                      </a:r>
+                      <a:r>
+                        <a:rPr lang="en-US" baseline="0" dirty="0"/>
+                        <a:t> (</a:t>
+                      </a:r>
+                      <a:r>
+                        <a:rPr lang="en-US" baseline="0" dirty="0" err="1"/>
+                        <a:t>vì</a:t>
+                      </a:r>
+                      <a:r>
+                        <a:rPr lang="en-US" baseline="0" dirty="0"/>
+                        <a:t> </a:t>
+                      </a:r>
+                      <a:r>
+                        <a:rPr lang="en-US" baseline="0" dirty="0" err="1"/>
+                        <a:t>đi</a:t>
+                      </a:r>
+                      <a:r>
+                        <a:rPr lang="en-US" baseline="0" dirty="0"/>
+                        <a:t> </a:t>
+                      </a:r>
+                      <a:r>
+                        <a:rPr lang="en-US" baseline="0" dirty="0" err="1"/>
+                        <a:t>trễ</a:t>
+                      </a:r>
+                      <a:r>
+                        <a:rPr lang="en-US" baseline="0" dirty="0"/>
+                        <a:t>)</a:t>
+                      </a:r>
+                      <a:endParaRPr lang="en-US" dirty="0"/>
+                    </a:p>
+                  </a:txBody>
+                  <a:tcPr/>
+                </a:tc>
+                <a:extLst>
+                  <a:ext uri="{0D108BD9-81ED-4DB2-BD59-A6C34878D82A}">
+                    <a16:rowId xmlns:a16="http://schemas.microsoft.com/office/drawing/2014/main" val="2340505768"/>
+                  </a:ext>
+                </a:extLst>
+              </a:tr>
+              <a:tr h="908690">
+                <a:tc>
+                  <a:txBody>
+                    <a:bodyPr/>
+                    <a:lstStyle/>
+                    <a:p>
+                      <a:r>
+                        <a:rPr lang="en-US" dirty="0" err="1"/>
+                        <a:t>Huỳnh</a:t>
+                      </a:r>
+                      <a:r>
+                        <a:rPr lang="en-US" baseline="0" dirty="0"/>
+                        <a:t> Minh </a:t>
+                      </a:r>
+                      <a:r>
+                        <a:rPr lang="en-US" baseline="0" dirty="0" err="1"/>
+                        <a:t>Nhựt</a:t>
+                      </a:r>
+                      <a:endParaRPr lang="en-US" dirty="0"/>
+                    </a:p>
+                  </a:txBody>
+                  <a:tcPr/>
+                </a:tc>
+                <a:tc>
+                  <a:txBody>
+                    <a:bodyPr/>
+                    <a:lstStyle/>
+                    <a:p>
+                      <a:r>
+                        <a:rPr lang="en-US" dirty="0" err="1"/>
+                        <a:t>Hơi</a:t>
+                      </a:r>
+                      <a:r>
+                        <a:rPr lang="en-US" baseline="0" dirty="0"/>
+                        <a:t> </a:t>
+                      </a:r>
+                      <a:r>
+                        <a:rPr lang="en-US" baseline="0" dirty="0" err="1"/>
+                        <a:t>thụ</a:t>
+                      </a:r>
+                      <a:r>
+                        <a:rPr lang="en-US" baseline="0" dirty="0"/>
+                        <a:t> </a:t>
+                      </a:r>
+                      <a:r>
+                        <a:rPr lang="en-US" baseline="0" dirty="0" err="1"/>
+                        <a:t>dộng</a:t>
+                      </a:r>
+                      <a:r>
+                        <a:rPr lang="en-US" baseline="0" dirty="0"/>
+                        <a:t>, </a:t>
+                      </a:r>
+                      <a:r>
+                        <a:rPr lang="en-US" baseline="0" dirty="0" err="1"/>
+                        <a:t>nhiều</a:t>
+                      </a:r>
+                      <a:r>
+                        <a:rPr lang="en-US" baseline="0" dirty="0"/>
+                        <a:t> </a:t>
+                      </a:r>
+                      <a:r>
+                        <a:rPr lang="en-US" baseline="0" dirty="0" err="1"/>
+                        <a:t>bữa</a:t>
+                      </a:r>
+                      <a:r>
+                        <a:rPr lang="en-US" baseline="0" dirty="0"/>
+                        <a:t> </a:t>
+                      </a:r>
+                      <a:r>
+                        <a:rPr lang="en-US" baseline="0" dirty="0" err="1"/>
+                        <a:t>vắng</a:t>
+                      </a:r>
+                      <a:r>
+                        <a:rPr lang="en-US" baseline="0" dirty="0"/>
+                        <a:t> </a:t>
+                      </a:r>
+                      <a:r>
+                        <a:rPr lang="en-US" baseline="0" dirty="0" err="1"/>
+                        <a:t>học</a:t>
+                      </a:r>
+                      <a:r>
+                        <a:rPr lang="en-US" baseline="0" dirty="0"/>
+                        <a:t> </a:t>
+                      </a:r>
+                      <a:r>
+                        <a:rPr lang="en-US" baseline="0" dirty="0" err="1"/>
+                        <a:t>và</a:t>
+                      </a:r>
+                      <a:r>
+                        <a:rPr lang="en-US" baseline="0" dirty="0"/>
+                        <a:t> </a:t>
+                      </a:r>
+                      <a:r>
+                        <a:rPr lang="en-US" baseline="0" dirty="0" err="1"/>
+                        <a:t>ít</a:t>
+                      </a:r>
+                      <a:r>
+                        <a:rPr lang="en-US" baseline="0" dirty="0"/>
+                        <a:t> </a:t>
+                      </a:r>
+                      <a:r>
+                        <a:rPr lang="en-US" baseline="0" dirty="0" err="1"/>
+                        <a:t>đi</a:t>
+                      </a:r>
+                      <a:r>
+                        <a:rPr lang="en-US" baseline="0" dirty="0"/>
+                        <a:t> </a:t>
+                      </a:r>
+                      <a:r>
+                        <a:rPr lang="en-US" baseline="0" dirty="0" err="1"/>
+                        <a:t>họp</a:t>
+                      </a:r>
+                      <a:r>
+                        <a:rPr lang="en-US" baseline="0" dirty="0"/>
+                        <a:t> </a:t>
+                      </a:r>
+                      <a:r>
+                        <a:rPr lang="en-US" baseline="0" dirty="0" err="1"/>
+                        <a:t>nhóm</a:t>
+                      </a:r>
+                      <a:endParaRPr lang="en-US" dirty="0"/>
+                    </a:p>
+                  </a:txBody>
+                  <a:tcPr/>
+                </a:tc>
+                <a:extLst>
+                  <a:ext uri="{0D108BD9-81ED-4DB2-BD59-A6C34878D82A}">
+                    <a16:rowId xmlns:a16="http://schemas.microsoft.com/office/drawing/2014/main" val="2306353505"/>
+                  </a:ext>
+                </a:extLst>
+              </a:tr>
+            </a:tbl>
+          </a:graphicData>
+        </a:graphic>
+      </p:graphicFrame>
+    </p:spTree>
+    <p:extLst>
+      <p:ext uri="{BB962C8B-B14F-4D97-AF65-F5344CB8AC3E}">
+        <p14:creationId xmlns:p14="http://schemas.microsoft.com/office/powerpoint/2010/main" val="3217314749"/>
+      </p:ext>
+    </p:extLst>
+  </p:cSld>
+  <p:clrMapOvr>
+    <a:masterClrMapping/>
+  </p:clrMapOvr>
+  <p:transition spd="slow">
+    <p:push dir="u"/>
+  </p:transition>
+</p:sld>
+</file>
+
 <file path=ppt/slides/slide4.xml><?xml version="1.0" encoding="utf-8"?>
 <p:sld xmlns:a="http://schemas.openxmlformats.org/drawingml/2006/main" xmlns:r="http://schemas.openxmlformats.org/officeDocument/2006/relationships" xmlns:p="http://schemas.openxmlformats.org/presentationml/2006/main">
   <p:cSld>
